--- a/Présentation projet.pptx
+++ b/Présentation projet.pptx
@@ -8,14 +8,18 @@
     <p:sldId id="256" r:id="rId2"/>
     <p:sldId id="263" r:id="rId3"/>
     <p:sldId id="260" r:id="rId4"/>
-    <p:sldId id="261" r:id="rId5"/>
-    <p:sldId id="264" r:id="rId6"/>
-    <p:sldId id="267" r:id="rId7"/>
-    <p:sldId id="268" r:id="rId8"/>
-    <p:sldId id="269" r:id="rId9"/>
-    <p:sldId id="266" r:id="rId10"/>
-    <p:sldId id="262" r:id="rId11"/>
-    <p:sldId id="265" r:id="rId12"/>
+    <p:sldId id="270" r:id="rId5"/>
+    <p:sldId id="271" r:id="rId6"/>
+    <p:sldId id="272" r:id="rId7"/>
+    <p:sldId id="273" r:id="rId8"/>
+    <p:sldId id="261" r:id="rId9"/>
+    <p:sldId id="264" r:id="rId10"/>
+    <p:sldId id="267" r:id="rId11"/>
+    <p:sldId id="268" r:id="rId12"/>
+    <p:sldId id="269" r:id="rId13"/>
+    <p:sldId id="266" r:id="rId14"/>
+    <p:sldId id="262" r:id="rId15"/>
+    <p:sldId id="265" r:id="rId16"/>
   </p:sldIdLst>
   <p:sldSz cx="12192000" cy="6858000"/>
   <p:notesSz cx="6858000" cy="9144000"/>
@@ -114,7 +118,16 @@
       </a:defRPr>
     </a:lvl9pPr>
   </p:defaultTextStyle>
+  <p:extLst>
+    <p:ext uri="{EFAFB233-063F-42B5-8137-9DF3F51BA10A}">
+      <p15:sldGuideLst xmlns:p15="http://schemas.microsoft.com/office/powerpoint/2012/main"/>
+    </p:ext>
+  </p:extLst>
 </p:presentation>
+</file>
+
+<file path=ppt/revisionInfo.xml><?xml version="1.0" encoding="utf-8"?>
+<p1510:revInfo xmlns:a="http://schemas.openxmlformats.org/drawingml/2006/main" xmlns:r="http://schemas.openxmlformats.org/officeDocument/2006/relationships" xmlns:p1510="http://schemas.microsoft.com/office/powerpoint/2015/10/main"/>
 </file>
 
 <file path=ppt/slideLayouts/slideLayout1.xml><?xml version="1.0" encoding="utf-8"?>
@@ -4393,7 +4406,7 @@
           <a:p>
             <a:fld id="{48A87A34-81AB-432B-8DAE-1953F412C126}" type="datetimeFigureOut">
               <a:rPr lang="en-US" dirty="0"/>
-              <a:t>12/19/2017</a:t>
+              <a:t>12/20/2017</a:t>
             </a:fld>
             <a:endParaRPr lang="en-US" dirty="0"/>
           </a:p>
@@ -4655,7 +4668,7 @@
           <a:p>
             <a:fld id="{48A87A34-81AB-432B-8DAE-1953F412C126}" type="datetimeFigureOut">
               <a:rPr lang="en-US" dirty="0"/>
-              <a:t>12/19/2017</a:t>
+              <a:t>12/20/2017</a:t>
             </a:fld>
             <a:endParaRPr lang="en-US" dirty="0"/>
           </a:p>
@@ -4846,7 +4859,7 @@
           <a:p>
             <a:fld id="{48A87A34-81AB-432B-8DAE-1953F412C126}" type="datetimeFigureOut">
               <a:rPr lang="en-US" dirty="0"/>
-              <a:t>12/19/2017</a:t>
+              <a:t>12/20/2017</a:t>
             </a:fld>
             <a:endParaRPr lang="en-US" dirty="0"/>
           </a:p>
@@ -5104,7 +5117,7 @@
           <a:p>
             <a:fld id="{48A87A34-81AB-432B-8DAE-1953F412C126}" type="datetimeFigureOut">
               <a:rPr lang="en-US" dirty="0"/>
-              <a:t>12/19/2017</a:t>
+              <a:t>12/20/2017</a:t>
             </a:fld>
             <a:endParaRPr lang="en-US" dirty="0"/>
           </a:p>
@@ -5533,7 +5546,7 @@
           <a:p>
             <a:fld id="{48A87A34-81AB-432B-8DAE-1953F412C126}" type="datetimeFigureOut">
               <a:rPr lang="en-US" dirty="0"/>
-              <a:t>12/19/2017</a:t>
+              <a:t>12/20/2017</a:t>
             </a:fld>
             <a:endParaRPr lang="en-US" dirty="0"/>
           </a:p>
@@ -6074,7 +6087,7 @@
           <a:p>
             <a:fld id="{48A87A34-81AB-432B-8DAE-1953F412C126}" type="datetimeFigureOut">
               <a:rPr lang="en-US" dirty="0"/>
-              <a:t>12/19/2017</a:t>
+              <a:t>12/20/2017</a:t>
             </a:fld>
             <a:endParaRPr lang="en-US" dirty="0"/>
           </a:p>
@@ -6789,7 +6802,7 @@
           <a:p>
             <a:fld id="{48A87A34-81AB-432B-8DAE-1953F412C126}" type="datetimeFigureOut">
               <a:rPr lang="en-US" dirty="0"/>
-              <a:t>12/19/2017</a:t>
+              <a:t>12/20/2017</a:t>
             </a:fld>
             <a:endParaRPr lang="en-US" dirty="0"/>
           </a:p>
@@ -6954,7 +6967,7 @@
           <a:p>
             <a:fld id="{48A87A34-81AB-432B-8DAE-1953F412C126}" type="datetimeFigureOut">
               <a:rPr lang="en-US" dirty="0"/>
-              <a:t>12/19/2017</a:t>
+              <a:t>12/20/2017</a:t>
             </a:fld>
             <a:endParaRPr lang="en-US" dirty="0"/>
           </a:p>
@@ -7129,7 +7142,7 @@
           <a:p>
             <a:fld id="{48A87A34-81AB-432B-8DAE-1953F412C126}" type="datetimeFigureOut">
               <a:rPr lang="en-US" dirty="0"/>
-              <a:t>12/19/2017</a:t>
+              <a:t>12/20/2017</a:t>
             </a:fld>
             <a:endParaRPr lang="en-US" dirty="0"/>
           </a:p>
@@ -7294,7 +7307,7 @@
           <a:p>
             <a:fld id="{48A87A34-81AB-432B-8DAE-1953F412C126}" type="datetimeFigureOut">
               <a:rPr lang="en-US" dirty="0"/>
-              <a:t>12/19/2017</a:t>
+              <a:t>12/20/2017</a:t>
             </a:fld>
             <a:endParaRPr lang="en-US" dirty="0"/>
           </a:p>
@@ -7539,7 +7552,7 @@
           <a:p>
             <a:fld id="{48A87A34-81AB-432B-8DAE-1953F412C126}" type="datetimeFigureOut">
               <a:rPr lang="en-US" dirty="0"/>
-              <a:t>12/19/2017</a:t>
+              <a:t>12/20/2017</a:t>
             </a:fld>
             <a:endParaRPr lang="en-US" dirty="0"/>
           </a:p>
@@ -7766,7 +7779,7 @@
           <a:p>
             <a:fld id="{48A87A34-81AB-432B-8DAE-1953F412C126}" type="datetimeFigureOut">
               <a:rPr lang="en-US" dirty="0"/>
-              <a:t>12/19/2017</a:t>
+              <a:t>12/20/2017</a:t>
             </a:fld>
             <a:endParaRPr lang="en-US" dirty="0"/>
           </a:p>
@@ -8142,7 +8155,7 @@
           <a:p>
             <a:fld id="{48A87A34-81AB-432B-8DAE-1953F412C126}" type="datetimeFigureOut">
               <a:rPr lang="en-US" dirty="0"/>
-              <a:t>12/19/2017</a:t>
+              <a:t>12/20/2017</a:t>
             </a:fld>
             <a:endParaRPr lang="en-US" dirty="0"/>
           </a:p>
@@ -8255,7 +8268,7 @@
           <a:p>
             <a:fld id="{48A87A34-81AB-432B-8DAE-1953F412C126}" type="datetimeFigureOut">
               <a:rPr lang="en-US" dirty="0"/>
-              <a:t>12/19/2017</a:t>
+              <a:t>12/20/2017</a:t>
             </a:fld>
             <a:endParaRPr lang="en-US" dirty="0"/>
           </a:p>
@@ -8345,7 +8358,7 @@
           <a:p>
             <a:fld id="{48A87A34-81AB-432B-8DAE-1953F412C126}" type="datetimeFigureOut">
               <a:rPr lang="en-US" dirty="0"/>
-              <a:t>12/19/2017</a:t>
+              <a:t>12/20/2017</a:t>
             </a:fld>
             <a:endParaRPr lang="en-US" dirty="0"/>
           </a:p>
@@ -8589,7 +8602,7 @@
           <a:p>
             <a:fld id="{48A87A34-81AB-432B-8DAE-1953F412C126}" type="datetimeFigureOut">
               <a:rPr lang="en-US" dirty="0"/>
-              <a:t>12/19/2017</a:t>
+              <a:t>12/20/2017</a:t>
             </a:fld>
             <a:endParaRPr lang="en-US" dirty="0"/>
           </a:p>
@@ -8864,7 +8877,7 @@
           <a:p>
             <a:fld id="{48A87A34-81AB-432B-8DAE-1953F412C126}" type="datetimeFigureOut">
               <a:rPr lang="en-US" dirty="0"/>
-              <a:t>12/19/2017</a:t>
+              <a:t>12/20/2017</a:t>
             </a:fld>
             <a:endParaRPr lang="en-US" dirty="0"/>
           </a:p>
@@ -11937,7 +11950,7 @@
             <a:fld id="{48A87A34-81AB-432B-8DAE-1953F412C126}" type="datetimeFigureOut">
               <a:rPr lang="en-US" dirty="0"/>
               <a:pPr/>
-              <a:t>12/19/2017</a:t>
+              <a:t>12/20/2017</a:t>
             </a:fld>
             <a:endParaRPr lang="en-US" dirty="0"/>
           </a:p>
@@ -14558,6 +14571,480 @@
           <p:cNvPr id="2" name="Titre 1">
             <a:extLst>
               <a:ext uri="{FF2B5EF4-FFF2-40B4-BE49-F238E27FC236}">
+                <a16:creationId xmlns:a16="http://schemas.microsoft.com/office/drawing/2014/main" id="{8D2282DF-420D-4227-90AA-2484C77BA45B}"/>
+              </a:ext>
+            </a:extLst>
+          </p:cNvPr>
+          <p:cNvSpPr>
+            <a:spLocks noGrp="1"/>
+          </p:cNvSpPr>
+          <p:nvPr>
+            <p:ph type="title"/>
+          </p:nvPr>
+        </p:nvSpPr>
+        <p:spPr>
+          <a:xfrm>
+            <a:off x="1143001" y="2689715"/>
+            <a:ext cx="9905998" cy="1478570"/>
+          </a:xfrm>
+        </p:spPr>
+        <p:txBody>
+          <a:bodyPr/>
+          <a:lstStyle/>
+          <a:p>
+            <a:pPr algn="ctr"/>
+            <a:r>
+              <a:rPr lang="fr-FR" dirty="0">
+                <a:solidFill>
+                  <a:schemeClr val="bg1"/>
+                </a:solidFill>
+              </a:rPr>
+              <a:t>Programme</a:t>
+            </a:r>
+          </a:p>
+        </p:txBody>
+      </p:sp>
+    </p:spTree>
+    <p:extLst>
+      <p:ext uri="{BB962C8B-B14F-4D97-AF65-F5344CB8AC3E}">
+        <p14:creationId xmlns:p14="http://schemas.microsoft.com/office/powerpoint/2010/main" val="2159077998"/>
+      </p:ext>
+    </p:extLst>
+  </p:cSld>
+  <p:clrMapOvr>
+    <a:masterClrMapping/>
+  </p:clrMapOvr>
+</p:sld>
+</file>
+
+<file path=ppt/slides/slide11.xml><?xml version="1.0" encoding="utf-8"?>
+<p:sld xmlns:a="http://schemas.openxmlformats.org/drawingml/2006/main" xmlns:r="http://schemas.openxmlformats.org/officeDocument/2006/relationships" xmlns:p="http://schemas.openxmlformats.org/presentationml/2006/main">
+  <p:cSld>
+    <p:spTree>
+      <p:nvGrpSpPr>
+        <p:cNvPr id="1" name=""/>
+        <p:cNvGrpSpPr/>
+        <p:nvPr/>
+      </p:nvGrpSpPr>
+      <p:grpSpPr>
+        <a:xfrm>
+          <a:off x="0" y="0"/>
+          <a:ext cx="0" cy="0"/>
+          <a:chOff x="0" y="0"/>
+          <a:chExt cx="0" cy="0"/>
+        </a:xfrm>
+      </p:grpSpPr>
+      <p:sp>
+        <p:nvSpPr>
+          <p:cNvPr id="2" name="Titre 1">
+            <a:extLst>
+              <a:ext uri="{FF2B5EF4-FFF2-40B4-BE49-F238E27FC236}">
+                <a16:creationId xmlns:a16="http://schemas.microsoft.com/office/drawing/2014/main" id="{83A857ED-7E35-430A-8F13-67116648A29E}"/>
+              </a:ext>
+            </a:extLst>
+          </p:cNvPr>
+          <p:cNvSpPr>
+            <a:spLocks noGrp="1"/>
+          </p:cNvSpPr>
+          <p:nvPr>
+            <p:ph type="title"/>
+          </p:nvPr>
+        </p:nvSpPr>
+        <p:spPr/>
+        <p:txBody>
+          <a:bodyPr/>
+          <a:lstStyle/>
+          <a:p>
+            <a:pPr algn="ctr"/>
+            <a:r>
+              <a:rPr lang="fr-FR" dirty="0">
+                <a:solidFill>
+                  <a:schemeClr val="bg1"/>
+                </a:solidFill>
+              </a:rPr>
+              <a:t>Samedi</a:t>
+            </a:r>
+          </a:p>
+        </p:txBody>
+      </p:sp>
+      <p:sp>
+        <p:nvSpPr>
+          <p:cNvPr id="3" name="Espace réservé du contenu 2">
+            <a:extLst>
+              <a:ext uri="{FF2B5EF4-FFF2-40B4-BE49-F238E27FC236}">
+                <a16:creationId xmlns:a16="http://schemas.microsoft.com/office/drawing/2014/main" id="{3038CC69-4697-4910-9DC2-AD770A72178A}"/>
+              </a:ext>
+            </a:extLst>
+          </p:cNvPr>
+          <p:cNvSpPr>
+            <a:spLocks noGrp="1"/>
+          </p:cNvSpPr>
+          <p:nvPr>
+            <p:ph idx="1"/>
+          </p:nvPr>
+        </p:nvSpPr>
+        <p:spPr/>
+        <p:txBody>
+          <a:bodyPr/>
+          <a:lstStyle/>
+          <a:p>
+            <a:r>
+              <a:rPr lang="fr-FR" dirty="0"/>
+              <a:t>8h00 : Ouverture du salon</a:t>
+            </a:r>
+          </a:p>
+          <a:p>
+            <a:r>
+              <a:rPr lang="fr-FR" dirty="0"/>
+              <a:t>9h30 : qualifications </a:t>
+            </a:r>
+            <a:r>
+              <a:rPr lang="fr-FR"/>
+              <a:t>HeartStone</a:t>
+            </a:r>
+            <a:endParaRPr lang="fr-FR" dirty="0"/>
+          </a:p>
+          <a:p>
+            <a:r>
+              <a:rPr lang="fr-FR" dirty="0"/>
+              <a:t>12h00 à 13h00 : Pause repas pour les joueurs</a:t>
+            </a:r>
+          </a:p>
+          <a:p>
+            <a:r>
+              <a:rPr lang="fr-FR" dirty="0"/>
+              <a:t>17h : Fin des phases de poules</a:t>
+            </a:r>
+          </a:p>
+          <a:p>
+            <a:r>
+              <a:rPr lang="fr-FR" dirty="0"/>
+              <a:t>19h30 : </a:t>
+            </a:r>
+          </a:p>
+        </p:txBody>
+      </p:sp>
+    </p:spTree>
+    <p:extLst>
+      <p:ext uri="{BB962C8B-B14F-4D97-AF65-F5344CB8AC3E}">
+        <p14:creationId xmlns:p14="http://schemas.microsoft.com/office/powerpoint/2010/main" val="1412917318"/>
+      </p:ext>
+    </p:extLst>
+  </p:cSld>
+  <p:clrMapOvr>
+    <a:masterClrMapping/>
+  </p:clrMapOvr>
+</p:sld>
+</file>
+
+<file path=ppt/slides/slide12.xml><?xml version="1.0" encoding="utf-8"?>
+<p:sld xmlns:a="http://schemas.openxmlformats.org/drawingml/2006/main" xmlns:r="http://schemas.openxmlformats.org/officeDocument/2006/relationships" xmlns:p="http://schemas.openxmlformats.org/presentationml/2006/main">
+  <p:cSld>
+    <p:spTree>
+      <p:nvGrpSpPr>
+        <p:cNvPr id="1" name=""/>
+        <p:cNvGrpSpPr/>
+        <p:nvPr/>
+      </p:nvGrpSpPr>
+      <p:grpSpPr>
+        <a:xfrm>
+          <a:off x="0" y="0"/>
+          <a:ext cx="0" cy="0"/>
+          <a:chOff x="0" y="0"/>
+          <a:chExt cx="0" cy="0"/>
+        </a:xfrm>
+      </p:grpSpPr>
+      <p:sp>
+        <p:nvSpPr>
+          <p:cNvPr id="2" name="Titre 1">
+            <a:extLst>
+              <a:ext uri="{FF2B5EF4-FFF2-40B4-BE49-F238E27FC236}">
+                <a16:creationId xmlns:a16="http://schemas.microsoft.com/office/drawing/2014/main" id="{91D975BD-3C7D-4409-B400-B420B3F0B3E5}"/>
+              </a:ext>
+            </a:extLst>
+          </p:cNvPr>
+          <p:cNvSpPr>
+            <a:spLocks noGrp="1"/>
+          </p:cNvSpPr>
+          <p:nvPr>
+            <p:ph type="title"/>
+          </p:nvPr>
+        </p:nvSpPr>
+        <p:spPr/>
+        <p:txBody>
+          <a:bodyPr/>
+          <a:lstStyle/>
+          <a:p>
+            <a:pPr algn="ctr"/>
+            <a:r>
+              <a:rPr lang="fr-FR">
+                <a:solidFill>
+                  <a:schemeClr val="bg1"/>
+                </a:solidFill>
+              </a:rPr>
+              <a:t>Dimanche</a:t>
+            </a:r>
+            <a:endParaRPr lang="fr-FR" dirty="0">
+              <a:solidFill>
+                <a:schemeClr val="bg1"/>
+              </a:solidFill>
+            </a:endParaRPr>
+          </a:p>
+        </p:txBody>
+      </p:sp>
+      <p:sp>
+        <p:nvSpPr>
+          <p:cNvPr id="3" name="Espace réservé du contenu 2">
+            <a:extLst>
+              <a:ext uri="{FF2B5EF4-FFF2-40B4-BE49-F238E27FC236}">
+                <a16:creationId xmlns:a16="http://schemas.microsoft.com/office/drawing/2014/main" id="{15B3DFA3-D956-4471-B8A9-385BB26FE727}"/>
+              </a:ext>
+            </a:extLst>
+          </p:cNvPr>
+          <p:cNvSpPr>
+            <a:spLocks noGrp="1"/>
+          </p:cNvSpPr>
+          <p:nvPr>
+            <p:ph idx="1"/>
+          </p:nvPr>
+        </p:nvSpPr>
+        <p:spPr/>
+        <p:txBody>
+          <a:bodyPr/>
+          <a:lstStyle/>
+          <a:p>
+            <a:endParaRPr lang="fr-FR"/>
+          </a:p>
+        </p:txBody>
+      </p:sp>
+    </p:spTree>
+    <p:extLst>
+      <p:ext uri="{BB962C8B-B14F-4D97-AF65-F5344CB8AC3E}">
+        <p14:creationId xmlns:p14="http://schemas.microsoft.com/office/powerpoint/2010/main" val="700332430"/>
+      </p:ext>
+    </p:extLst>
+  </p:cSld>
+  <p:clrMapOvr>
+    <a:masterClrMapping/>
+  </p:clrMapOvr>
+</p:sld>
+</file>
+
+<file path=ppt/slides/slide13.xml><?xml version="1.0" encoding="utf-8"?>
+<p:sld xmlns:a="http://schemas.openxmlformats.org/drawingml/2006/main" xmlns:r="http://schemas.openxmlformats.org/officeDocument/2006/relationships" xmlns:p="http://schemas.openxmlformats.org/presentationml/2006/main">
+  <p:cSld>
+    <p:spTree>
+      <p:nvGrpSpPr>
+        <p:cNvPr id="1" name=""/>
+        <p:cNvGrpSpPr/>
+        <p:nvPr/>
+      </p:nvGrpSpPr>
+      <p:grpSpPr>
+        <a:xfrm>
+          <a:off x="0" y="0"/>
+          <a:ext cx="0" cy="0"/>
+          <a:chOff x="0" y="0"/>
+          <a:chExt cx="0" cy="0"/>
+        </a:xfrm>
+      </p:grpSpPr>
+      <p:sp>
+        <p:nvSpPr>
+          <p:cNvPr id="2" name="Titre 1">
+            <a:extLst>
+              <a:ext uri="{FF2B5EF4-FFF2-40B4-BE49-F238E27FC236}">
+                <a16:creationId xmlns:a16="http://schemas.microsoft.com/office/drawing/2014/main" id="{F5B5E53F-BB75-4C35-AD1E-F5EA05BEB3BB}"/>
+              </a:ext>
+            </a:extLst>
+          </p:cNvPr>
+          <p:cNvSpPr>
+            <a:spLocks noGrp="1"/>
+          </p:cNvSpPr>
+          <p:nvPr>
+            <p:ph type="title"/>
+          </p:nvPr>
+        </p:nvSpPr>
+        <p:spPr/>
+        <p:txBody>
+          <a:bodyPr/>
+          <a:lstStyle/>
+          <a:p>
+            <a:pPr algn="ctr"/>
+            <a:r>
+              <a:rPr lang="fr-FR" dirty="0">
+                <a:solidFill>
+                  <a:schemeClr val="bg1"/>
+                </a:solidFill>
+              </a:rPr>
+              <a:t>Exposants</a:t>
+            </a:r>
+          </a:p>
+        </p:txBody>
+      </p:sp>
+      <p:sp>
+        <p:nvSpPr>
+          <p:cNvPr id="3" name="Espace réservé du contenu 2">
+            <a:extLst>
+              <a:ext uri="{FF2B5EF4-FFF2-40B4-BE49-F238E27FC236}">
+                <a16:creationId xmlns:a16="http://schemas.microsoft.com/office/drawing/2014/main" id="{EA1449D6-A3AF-4516-AE8E-F399792EDBCA}"/>
+              </a:ext>
+            </a:extLst>
+          </p:cNvPr>
+          <p:cNvSpPr>
+            <a:spLocks noGrp="1"/>
+          </p:cNvSpPr>
+          <p:nvPr>
+            <p:ph idx="1"/>
+          </p:nvPr>
+        </p:nvSpPr>
+        <p:spPr>
+          <a:xfrm>
+            <a:off x="1141412" y="2249487"/>
+            <a:ext cx="9905999" cy="3806756"/>
+          </a:xfrm>
+        </p:spPr>
+        <p:txBody>
+          <a:bodyPr numCol="3">
+            <a:normAutofit/>
+          </a:bodyPr>
+          <a:lstStyle/>
+          <a:p>
+            <a:r>
+              <a:rPr lang="fr-FR" dirty="0"/>
+              <a:t>Associations</a:t>
+            </a:r>
+          </a:p>
+          <a:p>
+            <a:r>
+              <a:rPr lang="fr-FR" dirty="0"/>
+              <a:t>Éditeurs </a:t>
+            </a:r>
+          </a:p>
+          <a:p>
+            <a:pPr lvl="1"/>
+            <a:r>
+              <a:rPr lang="fr-FR" dirty="0"/>
+              <a:t>De jeux vidéos</a:t>
+            </a:r>
+          </a:p>
+          <a:p>
+            <a:pPr lvl="1"/>
+            <a:r>
+              <a:rPr lang="fr-FR" dirty="0"/>
+              <a:t>De mangas</a:t>
+            </a:r>
+          </a:p>
+          <a:p>
+            <a:pPr lvl="1"/>
+            <a:r>
+              <a:rPr lang="fr-FR" dirty="0"/>
+              <a:t>De BD</a:t>
+            </a:r>
+          </a:p>
+          <a:p>
+            <a:endParaRPr lang="fr-FR" dirty="0"/>
+          </a:p>
+          <a:p>
+            <a:endParaRPr lang="fr-FR" dirty="0"/>
+          </a:p>
+          <a:p>
+            <a:r>
+              <a:rPr lang="fr-FR" dirty="0"/>
+              <a:t>Commerçants</a:t>
+            </a:r>
+          </a:p>
+          <a:p>
+            <a:pPr marL="0" indent="0">
+              <a:buNone/>
+            </a:pPr>
+            <a:r>
+              <a:rPr lang="fr-FR" dirty="0"/>
+              <a:t>   spécialisés en:</a:t>
+            </a:r>
+          </a:p>
+          <a:p>
+            <a:pPr lvl="1"/>
+            <a:r>
+              <a:rPr lang="fr-FR" dirty="0"/>
+              <a:t>Figurines</a:t>
+            </a:r>
+          </a:p>
+          <a:p>
+            <a:pPr lvl="1"/>
+            <a:r>
+              <a:rPr lang="fr-FR" dirty="0"/>
+              <a:t>Produits dérivés</a:t>
+            </a:r>
+          </a:p>
+          <a:p>
+            <a:pPr lvl="1"/>
+            <a:r>
+              <a:rPr lang="fr-FR" dirty="0"/>
+              <a:t>Musiques</a:t>
+            </a:r>
+          </a:p>
+          <a:p>
+            <a:pPr lvl="1"/>
+            <a:r>
+              <a:rPr lang="fr-FR" dirty="0"/>
+              <a:t>Peluches</a:t>
+            </a:r>
+          </a:p>
+          <a:p>
+            <a:pPr lvl="1"/>
+            <a:r>
+              <a:rPr lang="fr-FR" dirty="0"/>
+              <a:t>Accessoire de déguisement</a:t>
+            </a:r>
+          </a:p>
+          <a:p>
+            <a:r>
+              <a:rPr lang="fr-FR" dirty="0"/>
+              <a:t>Illustrateurs</a:t>
+            </a:r>
+          </a:p>
+          <a:p>
+            <a:r>
+              <a:rPr lang="fr-FR" dirty="0"/>
+              <a:t>Boutiques « asiatiques »</a:t>
+            </a:r>
+          </a:p>
+        </p:txBody>
+      </p:sp>
+    </p:spTree>
+    <p:extLst>
+      <p:ext uri="{BB962C8B-B14F-4D97-AF65-F5344CB8AC3E}">
+        <p14:creationId xmlns:p14="http://schemas.microsoft.com/office/powerpoint/2010/main" val="3167911917"/>
+      </p:ext>
+    </p:extLst>
+  </p:cSld>
+  <p:clrMapOvr>
+    <a:masterClrMapping/>
+  </p:clrMapOvr>
+</p:sld>
+</file>
+
+<file path=ppt/slides/slide14.xml><?xml version="1.0" encoding="utf-8"?>
+<p:sld xmlns:a="http://schemas.openxmlformats.org/drawingml/2006/main" xmlns:r="http://schemas.openxmlformats.org/officeDocument/2006/relationships" xmlns:p="http://schemas.openxmlformats.org/presentationml/2006/main">
+  <p:cSld>
+    <p:spTree>
+      <p:nvGrpSpPr>
+        <p:cNvPr id="1" name=""/>
+        <p:cNvGrpSpPr/>
+        <p:nvPr/>
+      </p:nvGrpSpPr>
+      <p:grpSpPr>
+        <a:xfrm>
+          <a:off x="0" y="0"/>
+          <a:ext cx="0" cy="0"/>
+          <a:chOff x="0" y="0"/>
+          <a:chExt cx="0" cy="0"/>
+        </a:xfrm>
+      </p:grpSpPr>
+      <p:sp>
+        <p:nvSpPr>
+          <p:cNvPr id="2" name="Titre 1">
+            <a:extLst>
+              <a:ext uri="{FF2B5EF4-FFF2-40B4-BE49-F238E27FC236}">
                 <a16:creationId xmlns:a16="http://schemas.microsoft.com/office/drawing/2014/main" id="{71642654-71FB-4B58-9544-869AECC259D6}"/>
               </a:ext>
             </a:extLst>
@@ -14602,7 +15089,7 @@
             <p:ph idx="1"/>
             <p:extLst>
               <p:ext uri="{D42A27DB-BD31-4B8C-83A1-F6EECF244321}">
-                <p14:modId xmlns:p14="http://schemas.microsoft.com/office/powerpoint/2010/main" val="3564353869"/>
+                <p14:modId xmlns:p14="http://schemas.microsoft.com/office/powerpoint/2010/main" val="2422338737"/>
               </p:ext>
             </p:extLst>
           </p:nvPr>
@@ -14716,9 +15203,9 @@
                         <a:rPr lang="fr-FR" sz="1100">
                           <a:effectLst/>
                         </a:rPr>
-                        <a:t>Pertes</a:t>
+                        <a:t>Dépenses</a:t>
                       </a:r>
-                      <a:endParaRPr lang="fr-FR" sz="1100">
+                      <a:endParaRPr lang="fr-FR" sz="1100" dirty="0">
                         <a:effectLst/>
                         <a:latin typeface="Calibri" panose="020F0502020204030204" pitchFamily="34" charset="0"/>
                         <a:ea typeface="Calibri" panose="020F0502020204030204" pitchFamily="34" charset="0"/>
@@ -16349,7 +16836,7 @@
 </p:sld>
 </file>
 
-<file path=ppt/slides/slide11.xml><?xml version="1.0" encoding="utf-8"?>
+<file path=ppt/slides/slide15.xml><?xml version="1.0" encoding="utf-8"?>
 <p:sld xmlns:a="http://schemas.openxmlformats.org/drawingml/2006/main" xmlns:r="http://schemas.openxmlformats.org/officeDocument/2006/relationships" xmlns:p="http://schemas.openxmlformats.org/presentationml/2006/main">
   <p:cSld>
     <p:spTree>
@@ -16610,6 +17097,4380 @@
 <file path=ppt/slides/slide3.xml><?xml version="1.0" encoding="utf-8"?>
 <p:sld xmlns:a="http://schemas.openxmlformats.org/drawingml/2006/main" xmlns:r="http://schemas.openxmlformats.org/officeDocument/2006/relationships" xmlns:p="http://schemas.openxmlformats.org/presentationml/2006/main">
   <p:cSld>
+    <p:bg>
+      <p:bgPr>
+        <a:blipFill>
+          <a:blip r:embed="rId2">
+            <a:duotone>
+              <a:schemeClr val="bg2">
+                <a:shade val="88000"/>
+                <a:hueMod val="106000"/>
+                <a:satMod val="140000"/>
+                <a:lumMod val="54000"/>
+              </a:schemeClr>
+              <a:schemeClr val="bg2">
+                <a:tint val="98000"/>
+                <a:hueMod val="90000"/>
+                <a:satMod val="150000"/>
+                <a:lumMod val="160000"/>
+              </a:schemeClr>
+            </a:duotone>
+            <a:extLst/>
+          </a:blip>
+          <a:stretch/>
+        </a:blipFill>
+        <a:effectLst/>
+      </p:bgPr>
+    </p:bg>
+    <p:spTree>
+      <p:nvGrpSpPr>
+        <p:cNvPr id="1" name=""/>
+        <p:cNvGrpSpPr/>
+        <p:nvPr/>
+      </p:nvGrpSpPr>
+      <p:grpSpPr>
+        <a:xfrm>
+          <a:off x="0" y="0"/>
+          <a:ext cx="0" cy="0"/>
+          <a:chOff x="0" y="0"/>
+          <a:chExt cx="0" cy="0"/>
+        </a:xfrm>
+      </p:grpSpPr>
+      <p:pic>
+        <p:nvPicPr>
+          <p:cNvPr id="1028" name="Picture 4" descr="https://lolstatic-a.akamaihd.net/frontpage/apps/prod/playnow-global/en_US/f1896aaffe69e2fec207246d8b7e0b5ff3a378ba/assets/img/lol-logo.png">
+            <a:extLst>
+              <a:ext uri="{FF2B5EF4-FFF2-40B4-BE49-F238E27FC236}">
+                <a16:creationId xmlns:a16="http://schemas.microsoft.com/office/drawing/2014/main" id="{C7268429-1A42-45B7-9B93-44DC1A749D29}"/>
+              </a:ext>
+            </a:extLst>
+          </p:cNvPr>
+          <p:cNvPicPr>
+            <a:picLocks noChangeAspect="1" noChangeArrowheads="1"/>
+          </p:cNvPicPr>
+          <p:nvPr/>
+        </p:nvPicPr>
+        <p:blipFill>
+          <a:blip r:embed="rId3">
+            <a:extLst>
+              <a:ext uri="{28A0092B-C50C-407E-A947-70E740481C1C}">
+                <a14:useLocalDpi xmlns:a14="http://schemas.microsoft.com/office/drawing/2010/main" val="0"/>
+              </a:ext>
+            </a:extLst>
+          </a:blip>
+          <a:srcRect/>
+          <a:stretch>
+            <a:fillRect/>
+          </a:stretch>
+        </p:blipFill>
+        <p:spPr bwMode="auto">
+          <a:xfrm>
+            <a:off x="1141411" y="3157708"/>
+            <a:ext cx="4689234" cy="1733208"/>
+          </a:xfrm>
+          <a:prstGeom prst="round2DiagRect">
+            <a:avLst>
+              <a:gd name="adj1" fmla="val 5608"/>
+              <a:gd name="adj2" fmla="val 0"/>
+            </a:avLst>
+          </a:prstGeom>
+          <a:noFill/>
+          <a:ln w="19050" cap="sq">
+            <a:solidFill>
+              <a:schemeClr val="tx2">
+                <a:lumMod val="60000"/>
+                <a:lumOff val="40000"/>
+                <a:alpha val="60000"/>
+              </a:schemeClr>
+            </a:solidFill>
+            <a:miter lim="800000"/>
+          </a:ln>
+          <a:effectLst>
+            <a:outerShdw blurRad="88900" dist="38100" dir="5400000" algn="t" rotWithShape="0">
+              <a:prstClr val="black">
+                <a:alpha val="40000"/>
+              </a:prstClr>
+            </a:outerShdw>
+          </a:effectLst>
+          <a:extLst>
+            <a:ext uri="{909E8E84-426E-40DD-AFC4-6F175D3DCCD1}">
+              <a14:hiddenFill xmlns:a14="http://schemas.microsoft.com/office/drawing/2010/main">
+                <a:solidFill>
+                  <a:srgbClr val="FFFFFF"/>
+                </a:solidFill>
+              </a14:hiddenFill>
+            </a:ext>
+          </a:extLst>
+        </p:spPr>
+      </p:pic>
+      <p:sp>
+        <p:nvSpPr>
+          <p:cNvPr id="2" name="Titre 1">
+            <a:extLst>
+              <a:ext uri="{FF2B5EF4-FFF2-40B4-BE49-F238E27FC236}">
+                <a16:creationId xmlns:a16="http://schemas.microsoft.com/office/drawing/2014/main" id="{0D20B279-7C93-434D-8FA2-F5C7103A54E0}"/>
+              </a:ext>
+            </a:extLst>
+          </p:cNvPr>
+          <p:cNvSpPr>
+            <a:spLocks noGrp="1"/>
+          </p:cNvSpPr>
+          <p:nvPr>
+            <p:ph type="title"/>
+          </p:nvPr>
+        </p:nvSpPr>
+        <p:spPr>
+          <a:xfrm>
+            <a:off x="1141413" y="618518"/>
+            <a:ext cx="9905998" cy="1478570"/>
+          </a:xfrm>
+        </p:spPr>
+        <p:txBody>
+          <a:bodyPr>
+            <a:normAutofit/>
+          </a:bodyPr>
+          <a:lstStyle/>
+          <a:p>
+            <a:pPr algn="ctr"/>
+            <a:r>
+              <a:rPr lang="fr-FR" dirty="0">
+                <a:solidFill>
+                  <a:schemeClr val="bg1"/>
+                </a:solidFill>
+              </a:rPr>
+              <a:t>Présentation du projet</a:t>
+            </a:r>
+            <a:br>
+              <a:rPr lang="fr-FR" dirty="0">
+                <a:solidFill>
+                  <a:schemeClr val="bg1"/>
+                </a:solidFill>
+              </a:rPr>
+            </a:br>
+            <a:r>
+              <a:rPr lang="fr-FR" dirty="0">
+                <a:solidFill>
+                  <a:schemeClr val="bg1"/>
+                </a:solidFill>
+              </a:rPr>
+              <a:t>LOL – </a:t>
+            </a:r>
+            <a:r>
+              <a:rPr lang="fr-FR" dirty="0">
+                <a:solidFill>
+                  <a:srgbClr val="FF0000"/>
+                </a:solidFill>
+              </a:rPr>
+              <a:t>L</a:t>
+            </a:r>
+            <a:r>
+              <a:rPr lang="fr-FR" dirty="0">
+                <a:solidFill>
+                  <a:schemeClr val="bg1"/>
+                </a:solidFill>
+              </a:rPr>
+              <a:t>eague </a:t>
+            </a:r>
+            <a:r>
+              <a:rPr lang="fr-FR" dirty="0">
+                <a:solidFill>
+                  <a:srgbClr val="FF0000"/>
+                </a:solidFill>
+              </a:rPr>
+              <a:t>o</a:t>
+            </a:r>
+            <a:r>
+              <a:rPr lang="fr-FR" dirty="0">
+                <a:solidFill>
+                  <a:schemeClr val="bg1"/>
+                </a:solidFill>
+              </a:rPr>
+              <a:t>f </a:t>
+            </a:r>
+            <a:r>
+              <a:rPr lang="fr-FR" dirty="0" err="1">
+                <a:solidFill>
+                  <a:srgbClr val="FF0000"/>
+                </a:solidFill>
+              </a:rPr>
+              <a:t>l</a:t>
+            </a:r>
+            <a:r>
+              <a:rPr lang="fr-FR" dirty="0" err="1">
+                <a:solidFill>
+                  <a:schemeClr val="bg1"/>
+                </a:solidFill>
+              </a:rPr>
+              <a:t>egends</a:t>
+            </a:r>
+            <a:endParaRPr lang="fr-FR" dirty="0">
+              <a:solidFill>
+                <a:schemeClr val="bg1"/>
+              </a:solidFill>
+            </a:endParaRPr>
+          </a:p>
+        </p:txBody>
+      </p:sp>
+      <p:sp>
+        <p:nvSpPr>
+          <p:cNvPr id="3" name="Espace réservé du contenu 2">
+            <a:extLst>
+              <a:ext uri="{FF2B5EF4-FFF2-40B4-BE49-F238E27FC236}">
+                <a16:creationId xmlns:a16="http://schemas.microsoft.com/office/drawing/2014/main" id="{B5D12D61-1885-40DA-BD2E-B2D811AD1824}"/>
+              </a:ext>
+            </a:extLst>
+          </p:cNvPr>
+          <p:cNvSpPr>
+            <a:spLocks noGrp="1"/>
+          </p:cNvSpPr>
+          <p:nvPr>
+            <p:ph idx="1"/>
+          </p:nvPr>
+        </p:nvSpPr>
+        <p:spPr>
+          <a:xfrm>
+            <a:off x="6336727" y="2249487"/>
+            <a:ext cx="4710683" cy="3541714"/>
+          </a:xfrm>
+        </p:spPr>
+        <p:txBody>
+          <a:bodyPr>
+            <a:normAutofit/>
+          </a:bodyPr>
+          <a:lstStyle/>
+          <a:p>
+            <a:pPr marL="0" indent="0">
+              <a:buNone/>
+            </a:pPr>
+            <a:r>
+              <a:rPr lang="fr-FR" dirty="0"/>
+              <a:t>240 joueurs</a:t>
+            </a:r>
+          </a:p>
+        </p:txBody>
+      </p:sp>
+    </p:spTree>
+    <p:extLst>
+      <p:ext uri="{BB962C8B-B14F-4D97-AF65-F5344CB8AC3E}">
+        <p14:creationId xmlns:p14="http://schemas.microsoft.com/office/powerpoint/2010/main" val="3687235043"/>
+      </p:ext>
+    </p:extLst>
+  </p:cSld>
+  <p:clrMapOvr>
+    <a:masterClrMapping/>
+  </p:clrMapOvr>
+</p:sld>
+</file>
+
+<file path=ppt/slides/slide4.xml><?xml version="1.0" encoding="utf-8"?>
+<p:sld xmlns:a="http://schemas.openxmlformats.org/drawingml/2006/main" xmlns:r="http://schemas.openxmlformats.org/officeDocument/2006/relationships" xmlns:p="http://schemas.openxmlformats.org/presentationml/2006/main">
+  <p:cSld>
+    <p:bg>
+      <p:bgPr>
+        <a:blipFill>
+          <a:blip r:embed="rId2">
+            <a:duotone>
+              <a:schemeClr val="bg2">
+                <a:shade val="88000"/>
+                <a:hueMod val="106000"/>
+                <a:satMod val="140000"/>
+                <a:lumMod val="54000"/>
+              </a:schemeClr>
+              <a:schemeClr val="bg2">
+                <a:tint val="98000"/>
+                <a:hueMod val="90000"/>
+                <a:satMod val="150000"/>
+                <a:lumMod val="160000"/>
+              </a:schemeClr>
+            </a:duotone>
+            <a:extLst/>
+          </a:blip>
+          <a:stretch/>
+        </a:blipFill>
+        <a:effectLst/>
+      </p:bgPr>
+    </p:bg>
+    <p:spTree>
+      <p:nvGrpSpPr>
+        <p:cNvPr id="1" name=""/>
+        <p:cNvGrpSpPr/>
+        <p:nvPr/>
+      </p:nvGrpSpPr>
+      <p:grpSpPr>
+        <a:xfrm>
+          <a:off x="0" y="0"/>
+          <a:ext cx="0" cy="0"/>
+          <a:chOff x="0" y="0"/>
+          <a:chExt cx="0" cy="0"/>
+        </a:xfrm>
+      </p:grpSpPr>
+      <p:pic>
+        <p:nvPicPr>
+          <p:cNvPr id="2055" name="Picture 4" descr="http://www.eclypsia.com/content/Counter%20Strike/thumb_csgo_portail_fps.png">
+            <a:extLst>
+              <a:ext uri="{FF2B5EF4-FFF2-40B4-BE49-F238E27FC236}">
+                <a16:creationId xmlns:a16="http://schemas.microsoft.com/office/drawing/2014/main" id="{6E6B95F1-E4FD-4FF2-BD63-E70FF0BE2CD7}"/>
+              </a:ext>
+            </a:extLst>
+          </p:cNvPr>
+          <p:cNvPicPr>
+            <a:picLocks noChangeAspect="1" noChangeArrowheads="1"/>
+          </p:cNvPicPr>
+          <p:nvPr/>
+        </p:nvPicPr>
+        <p:blipFill>
+          <a:blip r:embed="rId3">
+            <a:extLst>
+              <a:ext uri="{28A0092B-C50C-407E-A947-70E740481C1C}">
+                <a14:useLocalDpi xmlns:a14="http://schemas.microsoft.com/office/drawing/2010/main" val="0"/>
+              </a:ext>
+            </a:extLst>
+          </a:blip>
+          <a:srcRect/>
+          <a:stretch>
+            <a:fillRect/>
+          </a:stretch>
+        </p:blipFill>
+        <p:spPr bwMode="auto">
+          <a:xfrm>
+            <a:off x="1141411" y="2975096"/>
+            <a:ext cx="4689234" cy="2098432"/>
+          </a:xfrm>
+          <a:prstGeom prst="round2DiagRect">
+            <a:avLst>
+              <a:gd name="adj1" fmla="val 5608"/>
+              <a:gd name="adj2" fmla="val 0"/>
+            </a:avLst>
+          </a:prstGeom>
+          <a:noFill/>
+          <a:ln w="19050" cap="sq">
+            <a:solidFill>
+              <a:schemeClr val="tx2">
+                <a:lumMod val="60000"/>
+                <a:lumOff val="40000"/>
+                <a:alpha val="60000"/>
+              </a:schemeClr>
+            </a:solidFill>
+            <a:miter lim="800000"/>
+          </a:ln>
+          <a:effectLst>
+            <a:outerShdw blurRad="88900" dist="38100" dir="5400000" algn="t" rotWithShape="0">
+              <a:prstClr val="black">
+                <a:alpha val="40000"/>
+              </a:prstClr>
+            </a:outerShdw>
+          </a:effectLst>
+          <a:extLst>
+            <a:ext uri="{909E8E84-426E-40DD-AFC4-6F175D3DCCD1}">
+              <a14:hiddenFill xmlns:a14="http://schemas.microsoft.com/office/drawing/2010/main">
+                <a:solidFill>
+                  <a:srgbClr val="FFFFFF"/>
+                </a:solidFill>
+              </a14:hiddenFill>
+            </a:ext>
+          </a:extLst>
+        </p:spPr>
+      </p:pic>
+      <p:sp>
+        <p:nvSpPr>
+          <p:cNvPr id="2" name="Titre 1">
+            <a:extLst>
+              <a:ext uri="{FF2B5EF4-FFF2-40B4-BE49-F238E27FC236}">
+                <a16:creationId xmlns:a16="http://schemas.microsoft.com/office/drawing/2014/main" id="{3F9C14D1-4149-47B0-A7B4-018C88721D4E}"/>
+              </a:ext>
+            </a:extLst>
+          </p:cNvPr>
+          <p:cNvSpPr>
+            <a:spLocks noGrp="1"/>
+          </p:cNvSpPr>
+          <p:nvPr>
+            <p:ph type="title"/>
+          </p:nvPr>
+        </p:nvSpPr>
+        <p:spPr>
+          <a:xfrm>
+            <a:off x="1141413" y="618518"/>
+            <a:ext cx="9905998" cy="1478570"/>
+          </a:xfrm>
+        </p:spPr>
+        <p:txBody>
+          <a:bodyPr>
+            <a:normAutofit/>
+          </a:bodyPr>
+          <a:lstStyle/>
+          <a:p>
+            <a:r>
+              <a:rPr lang="fr-FR" dirty="0">
+                <a:solidFill>
+                  <a:schemeClr val="bg1"/>
+                </a:solidFill>
+              </a:rPr>
+              <a:t>CS GO – </a:t>
+            </a:r>
+            <a:r>
+              <a:rPr lang="fr-FR" dirty="0">
+                <a:solidFill>
+                  <a:srgbClr val="FF0000"/>
+                </a:solidFill>
+              </a:rPr>
+              <a:t>C</a:t>
+            </a:r>
+            <a:r>
+              <a:rPr lang="fr-FR" dirty="0">
+                <a:solidFill>
+                  <a:schemeClr val="bg1"/>
+                </a:solidFill>
+              </a:rPr>
+              <a:t>ounter </a:t>
+            </a:r>
+            <a:r>
+              <a:rPr lang="fr-FR" dirty="0">
+                <a:solidFill>
+                  <a:srgbClr val="FF0000"/>
+                </a:solidFill>
+              </a:rPr>
+              <a:t>s</a:t>
+            </a:r>
+            <a:r>
+              <a:rPr lang="fr-FR" dirty="0">
+                <a:solidFill>
+                  <a:schemeClr val="bg1"/>
+                </a:solidFill>
+              </a:rPr>
+              <a:t>trike : </a:t>
+            </a:r>
+            <a:r>
+              <a:rPr lang="fr-FR" dirty="0">
+                <a:solidFill>
+                  <a:srgbClr val="FF0000"/>
+                </a:solidFill>
+              </a:rPr>
+              <a:t>G</a:t>
+            </a:r>
+            <a:r>
+              <a:rPr lang="fr-FR" dirty="0">
+                <a:solidFill>
+                  <a:schemeClr val="bg1"/>
+                </a:solidFill>
+              </a:rPr>
+              <a:t>lobal </a:t>
+            </a:r>
+            <a:r>
+              <a:rPr lang="fr-FR" dirty="0">
+                <a:solidFill>
+                  <a:srgbClr val="FF0000"/>
+                </a:solidFill>
+              </a:rPr>
+              <a:t>o</a:t>
+            </a:r>
+            <a:r>
+              <a:rPr lang="fr-FR" dirty="0">
+                <a:solidFill>
+                  <a:schemeClr val="bg1"/>
+                </a:solidFill>
+              </a:rPr>
+              <a:t>ffensive</a:t>
+            </a:r>
+          </a:p>
+        </p:txBody>
+      </p:sp>
+      <p:sp>
+        <p:nvSpPr>
+          <p:cNvPr id="2057" name="Content Placeholder 2056"/>
+          <p:cNvSpPr>
+            <a:spLocks noGrp="1"/>
+          </p:cNvSpPr>
+          <p:nvPr>
+            <p:ph idx="1"/>
+          </p:nvPr>
+        </p:nvSpPr>
+        <p:spPr>
+          <a:xfrm>
+            <a:off x="6336727" y="2249487"/>
+            <a:ext cx="4710683" cy="3541714"/>
+          </a:xfrm>
+        </p:spPr>
+        <p:txBody>
+          <a:bodyPr>
+            <a:normAutofit/>
+          </a:bodyPr>
+          <a:lstStyle/>
+          <a:p>
+            <a:pPr marL="0" indent="0">
+              <a:buNone/>
+            </a:pPr>
+            <a:r>
+              <a:rPr lang="en-US" dirty="0"/>
+              <a:t>120 </a:t>
+            </a:r>
+            <a:r>
+              <a:rPr lang="en-US" dirty="0" err="1"/>
+              <a:t>joueurs</a:t>
+            </a:r>
+            <a:endParaRPr lang="en-US" dirty="0"/>
+          </a:p>
+        </p:txBody>
+      </p:sp>
+    </p:spTree>
+    <p:extLst>
+      <p:ext uri="{BB962C8B-B14F-4D97-AF65-F5344CB8AC3E}">
+        <p14:creationId xmlns:p14="http://schemas.microsoft.com/office/powerpoint/2010/main" val="2525219763"/>
+      </p:ext>
+    </p:extLst>
+  </p:cSld>
+  <p:clrMapOvr>
+    <a:masterClrMapping/>
+  </p:clrMapOvr>
+</p:sld>
+</file>
+
+<file path=ppt/slides/slide5.xml><?xml version="1.0" encoding="utf-8"?>
+<p:sld xmlns:a="http://schemas.openxmlformats.org/drawingml/2006/main" xmlns:r="http://schemas.openxmlformats.org/officeDocument/2006/relationships" xmlns:p="http://schemas.openxmlformats.org/presentationml/2006/main">
+  <p:cSld>
+    <p:bg>
+      <p:bgPr>
+        <a:blipFill>
+          <a:blip r:embed="rId2">
+            <a:duotone>
+              <a:schemeClr val="bg2">
+                <a:shade val="88000"/>
+                <a:hueMod val="106000"/>
+                <a:satMod val="140000"/>
+                <a:lumMod val="54000"/>
+              </a:schemeClr>
+              <a:schemeClr val="bg2">
+                <a:tint val="98000"/>
+                <a:hueMod val="90000"/>
+                <a:satMod val="150000"/>
+                <a:lumMod val="160000"/>
+              </a:schemeClr>
+            </a:duotone>
+            <a:extLst/>
+          </a:blip>
+          <a:stretch/>
+        </a:blipFill>
+        <a:effectLst/>
+      </p:bgPr>
+    </p:bg>
+    <p:spTree>
+      <p:nvGrpSpPr>
+        <p:cNvPr id="1" name=""/>
+        <p:cNvGrpSpPr/>
+        <p:nvPr/>
+      </p:nvGrpSpPr>
+      <p:grpSpPr>
+        <a:xfrm>
+          <a:off x="0" y="0"/>
+          <a:ext cx="0" cy="0"/>
+          <a:chOff x="0" y="0"/>
+          <a:chExt cx="0" cy="0"/>
+        </a:xfrm>
+      </p:grpSpPr>
+      <p:pic>
+        <p:nvPicPr>
+          <p:cNvPr id="3077" name="Picture 2" descr="https://d2q63o9r0h0ohi.cloudfront.net/images/logos/logo-small-914ab388ea8891cdeca192ea4d7c1cd611d05b687de1b8a5f4a25daa01e512d3d83ffe3182654e826da7ddc4d363ae98be0fc9df647d317470ba492a458c7e7f.png">
+            <a:extLst>
+              <a:ext uri="{FF2B5EF4-FFF2-40B4-BE49-F238E27FC236}">
+                <a16:creationId xmlns:a16="http://schemas.microsoft.com/office/drawing/2014/main" id="{0C303FFF-6728-4BFF-B331-4BE7E97611E6}"/>
+              </a:ext>
+            </a:extLst>
+          </p:cNvPr>
+          <p:cNvPicPr>
+            <a:picLocks noChangeAspect="1" noChangeArrowheads="1"/>
+          </p:cNvPicPr>
+          <p:nvPr/>
+        </p:nvPicPr>
+        <p:blipFill>
+          <a:blip r:embed="rId3">
+            <a:extLst>
+              <a:ext uri="{28A0092B-C50C-407E-A947-70E740481C1C}">
+                <a14:useLocalDpi xmlns:a14="http://schemas.microsoft.com/office/drawing/2010/main" val="0"/>
+              </a:ext>
+            </a:extLst>
+          </a:blip>
+          <a:srcRect/>
+          <a:stretch>
+            <a:fillRect/>
+          </a:stretch>
+        </p:blipFill>
+        <p:spPr bwMode="auto">
+          <a:xfrm>
+            <a:off x="1141411" y="2945788"/>
+            <a:ext cx="4689234" cy="2157047"/>
+          </a:xfrm>
+          <a:prstGeom prst="round2DiagRect">
+            <a:avLst>
+              <a:gd name="adj1" fmla="val 5608"/>
+              <a:gd name="adj2" fmla="val 0"/>
+            </a:avLst>
+          </a:prstGeom>
+          <a:noFill/>
+          <a:ln w="19050" cap="sq">
+            <a:solidFill>
+              <a:schemeClr val="tx2">
+                <a:lumMod val="60000"/>
+                <a:lumOff val="40000"/>
+                <a:alpha val="60000"/>
+              </a:schemeClr>
+            </a:solidFill>
+            <a:miter lim="800000"/>
+          </a:ln>
+          <a:effectLst>
+            <a:outerShdw blurRad="88900" dist="38100" dir="5400000" algn="t" rotWithShape="0">
+              <a:prstClr val="black">
+                <a:alpha val="40000"/>
+              </a:prstClr>
+            </a:outerShdw>
+          </a:effectLst>
+          <a:extLst>
+            <a:ext uri="{909E8E84-426E-40DD-AFC4-6F175D3DCCD1}">
+              <a14:hiddenFill xmlns:a14="http://schemas.microsoft.com/office/drawing/2010/main">
+                <a:solidFill>
+                  <a:srgbClr val="FFFFFF"/>
+                </a:solidFill>
+              </a14:hiddenFill>
+            </a:ext>
+          </a:extLst>
+        </p:spPr>
+      </p:pic>
+      <p:sp>
+        <p:nvSpPr>
+          <p:cNvPr id="2" name="Titre 1">
+            <a:extLst>
+              <a:ext uri="{FF2B5EF4-FFF2-40B4-BE49-F238E27FC236}">
+                <a16:creationId xmlns:a16="http://schemas.microsoft.com/office/drawing/2014/main" id="{ACA9E945-6409-43FE-9DF8-C9D41DECB335}"/>
+              </a:ext>
+            </a:extLst>
+          </p:cNvPr>
+          <p:cNvSpPr>
+            <a:spLocks noGrp="1"/>
+          </p:cNvSpPr>
+          <p:nvPr>
+            <p:ph type="title"/>
+          </p:nvPr>
+        </p:nvSpPr>
+        <p:spPr>
+          <a:xfrm>
+            <a:off x="1141413" y="618518"/>
+            <a:ext cx="9905998" cy="1478570"/>
+          </a:xfrm>
+        </p:spPr>
+        <p:txBody>
+          <a:bodyPr>
+            <a:normAutofit/>
+          </a:bodyPr>
+          <a:lstStyle/>
+          <a:p>
+            <a:r>
+              <a:rPr lang="fr-FR" dirty="0" err="1">
+                <a:solidFill>
+                  <a:srgbClr val="FF0000"/>
+                </a:solidFill>
+              </a:rPr>
+              <a:t>H</a:t>
+            </a:r>
+            <a:r>
+              <a:rPr lang="fr-FR" dirty="0" err="1">
+                <a:solidFill>
+                  <a:schemeClr val="bg1"/>
+                </a:solidFill>
+              </a:rPr>
+              <a:t>earthStone</a:t>
+            </a:r>
+            <a:endParaRPr lang="fr-FR" dirty="0">
+              <a:solidFill>
+                <a:schemeClr val="bg1"/>
+              </a:solidFill>
+            </a:endParaRPr>
+          </a:p>
+        </p:txBody>
+      </p:sp>
+      <p:sp>
+        <p:nvSpPr>
+          <p:cNvPr id="3079" name="Content Placeholder 3078"/>
+          <p:cNvSpPr>
+            <a:spLocks noGrp="1"/>
+          </p:cNvSpPr>
+          <p:nvPr>
+            <p:ph idx="1"/>
+          </p:nvPr>
+        </p:nvSpPr>
+        <p:spPr>
+          <a:xfrm>
+            <a:off x="6336727" y="2249487"/>
+            <a:ext cx="4710683" cy="3541714"/>
+          </a:xfrm>
+        </p:spPr>
+        <p:txBody>
+          <a:bodyPr>
+            <a:normAutofit/>
+          </a:bodyPr>
+          <a:lstStyle/>
+          <a:p>
+            <a:pPr marL="0" indent="0">
+              <a:buNone/>
+            </a:pPr>
+            <a:r>
+              <a:rPr lang="en-US" dirty="0"/>
+              <a:t>48 </a:t>
+            </a:r>
+            <a:r>
+              <a:rPr lang="en-US" dirty="0" err="1"/>
+              <a:t>joueurs</a:t>
+            </a:r>
+            <a:endParaRPr lang="en-US" dirty="0"/>
+          </a:p>
+        </p:txBody>
+      </p:sp>
+    </p:spTree>
+    <p:extLst>
+      <p:ext uri="{BB962C8B-B14F-4D97-AF65-F5344CB8AC3E}">
+        <p14:creationId xmlns:p14="http://schemas.microsoft.com/office/powerpoint/2010/main" val="3256639683"/>
+      </p:ext>
+    </p:extLst>
+  </p:cSld>
+  <p:clrMapOvr>
+    <a:masterClrMapping/>
+  </p:clrMapOvr>
+</p:sld>
+</file>
+
+<file path=ppt/slides/slide6.xml><?xml version="1.0" encoding="utf-8"?>
+<p:sld xmlns:a="http://schemas.openxmlformats.org/drawingml/2006/main" xmlns:r="http://schemas.openxmlformats.org/officeDocument/2006/relationships" xmlns:p="http://schemas.openxmlformats.org/presentationml/2006/main">
+  <p:cSld>
+    <p:bg>
+      <p:bgPr>
+        <a:blipFill>
+          <a:blip r:embed="rId2">
+            <a:duotone>
+              <a:schemeClr val="bg2">
+                <a:shade val="88000"/>
+                <a:hueMod val="106000"/>
+                <a:satMod val="140000"/>
+                <a:lumMod val="54000"/>
+              </a:schemeClr>
+              <a:schemeClr val="bg2">
+                <a:tint val="98000"/>
+                <a:hueMod val="90000"/>
+                <a:satMod val="150000"/>
+                <a:lumMod val="160000"/>
+              </a:schemeClr>
+            </a:duotone>
+            <a:extLst/>
+          </a:blip>
+          <a:stretch/>
+        </a:blipFill>
+        <a:effectLst/>
+      </p:bgPr>
+    </p:bg>
+    <p:spTree>
+      <p:nvGrpSpPr>
+        <p:cNvPr id="1" name=""/>
+        <p:cNvGrpSpPr/>
+        <p:nvPr/>
+      </p:nvGrpSpPr>
+      <p:grpSpPr>
+        <a:xfrm>
+          <a:off x="0" y="0"/>
+          <a:ext cx="0" cy="0"/>
+          <a:chOff x="0" y="0"/>
+          <a:chExt cx="0" cy="0"/>
+        </a:xfrm>
+      </p:grpSpPr>
+      <p:pic>
+        <p:nvPicPr>
+          <p:cNvPr id="17" name="Picture 2">
+            <a:extLst>
+              <a:ext uri="{FF2B5EF4-FFF2-40B4-BE49-F238E27FC236}">
+                <a16:creationId xmlns:a16="http://schemas.microsoft.com/office/drawing/2014/main" id="{5FF7B57D-FF7B-48B3-9F60-9BCEEECF9E76}"/>
+              </a:ext>
+            </a:extLst>
+          </p:cNvPr>
+          <p:cNvPicPr>
+            <a:picLocks noGrp="1" noRot="1" noChangeAspect="1" noMove="1" noResize="1" noEditPoints="1" noAdjustHandles="1" noChangeArrowheads="1" noChangeShapeType="1" noCrop="1"/>
+          </p:cNvPicPr>
+          <p:nvPr>
+            <p:extLst>
+              <p:ext uri="{386F3935-93C4-4BCD-93E2-E3B085C9AB24}">
+                <p16:designElem xmlns:p16="http://schemas.microsoft.com/office/powerpoint/2015/main" val="1"/>
+              </p:ext>
+            </p:extLst>
+          </p:nvPr>
+        </p:nvPicPr>
+        <p:blipFill>
+          <a:blip r:embed="rId3">
+            <a:alphaModFix amt="30000"/>
+            <a:extLst>
+              <a:ext uri="{28A0092B-C50C-407E-A947-70E740481C1C}">
+                <a14:useLocalDpi xmlns:a14="http://schemas.microsoft.com/office/drawing/2010/main" val="0"/>
+              </a:ext>
+            </a:extLst>
+          </a:blip>
+          <a:srcRect/>
+          <a:stretch>
+            <a:fillRect/>
+          </a:stretch>
+        </p:blipFill>
+        <p:spPr bwMode="auto">
+          <a:xfrm>
+            <a:off x="0" y="0"/>
+            <a:ext cx="12192003" cy="6858001"/>
+          </a:xfrm>
+          <a:prstGeom prst="rect">
+            <a:avLst/>
+          </a:prstGeom>
+          <a:noFill/>
+          <a:extLst>
+            <a:ext uri="{909E8E84-426E-40dd-AFC4-6F175D3DCCD1}">
+              <a14:hiddenFill xmlns:a14="http://schemas.microsoft.com/office/drawing/2010/main" xmlns:p14="http://schemas.microsoft.com/office/powerpoint/2010/main" xmlns="">
+                <a:solidFill>
+                  <a:srgbClr val="FFFFFF"/>
+                </a:solidFill>
+              </a14:hiddenFill>
+            </a:ext>
+          </a:extLst>
+        </p:spPr>
+      </p:pic>
+      <p:grpSp>
+        <p:nvGrpSpPr>
+          <p:cNvPr id="19" name="Group 18">
+            <a:extLst>
+              <a:ext uri="{FF2B5EF4-FFF2-40B4-BE49-F238E27FC236}">
+                <a16:creationId xmlns:a16="http://schemas.microsoft.com/office/drawing/2014/main" id="{EB95AFDF-FA7D-4311-9C65-6D507D92F474}"/>
+              </a:ext>
+            </a:extLst>
+          </p:cNvPr>
+          <p:cNvGrpSpPr>
+            <a:grpSpLocks noGrp="1" noUngrp="1" noRot="1" noChangeAspect="1" noMove="1" noResize="1"/>
+          </p:cNvGrpSpPr>
+          <p:nvPr>
+            <p:extLst>
+              <p:ext uri="{386F3935-93C4-4BCD-93E2-E3B085C9AB24}">
+                <p16:designElem xmlns:p16="http://schemas.microsoft.com/office/powerpoint/2015/main" val="1"/>
+              </p:ext>
+            </p:extLst>
+          </p:nvPr>
+        </p:nvGrpSpPr>
+        <p:grpSpPr>
+          <a:xfrm>
+            <a:off x="-14288" y="0"/>
+            <a:ext cx="12053888" cy="6858001"/>
+            <a:chOff x="-14288" y="0"/>
+            <a:chExt cx="12053888" cy="6858001"/>
+          </a:xfrm>
+        </p:grpSpPr>
+        <p:grpSp>
+          <p:nvGrpSpPr>
+            <p:cNvPr id="20" name="Group 19">
+              <a:extLst>
+                <a:ext uri="{FF2B5EF4-FFF2-40B4-BE49-F238E27FC236}">
+                  <a16:creationId xmlns:a16="http://schemas.microsoft.com/office/drawing/2014/main" id="{9A5CCD98-20C1-4404-B788-FDA92F8A4403}"/>
+                </a:ext>
+              </a:extLst>
+            </p:cNvPr>
+            <p:cNvGrpSpPr/>
+            <p:nvPr>
+              <p:extLst>
+                <p:ext uri="{386F3935-93C4-4BCD-93E2-E3B085C9AB24}">
+                  <p16:designElem xmlns:p16="http://schemas.microsoft.com/office/powerpoint/2015/main" val="1"/>
+                </p:ext>
+              </p:extLst>
+            </p:nvPr>
+          </p:nvGrpSpPr>
+          <p:grpSpPr>
+            <a:xfrm>
+              <a:off x="-14288" y="0"/>
+              <a:ext cx="1220788" cy="6858001"/>
+              <a:chOff x="-14288" y="0"/>
+              <a:chExt cx="1220788" cy="6858001"/>
+            </a:xfrm>
+            <a:gradFill flip="none" rotWithShape="1">
+              <a:gsLst>
+                <a:gs pos="0">
+                  <a:schemeClr val="tx2"/>
+                </a:gs>
+                <a:gs pos="100000">
+                  <a:schemeClr val="bg2">
+                    <a:lumMod val="60000"/>
+                    <a:lumOff val="40000"/>
+                  </a:schemeClr>
+                </a:gs>
+              </a:gsLst>
+              <a:lin ang="5400000" scaled="0"/>
+              <a:tileRect/>
+            </a:gradFill>
+          </p:grpSpPr>
+          <p:sp>
+            <p:nvSpPr>
+              <p:cNvPr id="32" name="Rectangle 5">
+                <a:extLst>
+                  <a:ext uri="{FF2B5EF4-FFF2-40B4-BE49-F238E27FC236}">
+                    <a16:creationId xmlns:a16="http://schemas.microsoft.com/office/drawing/2014/main" id="{C1424C76-B5C3-468E-86FA-8D9B269053DE}"/>
+                  </a:ext>
+                </a:extLst>
+              </p:cNvPr>
+              <p:cNvSpPr>
+                <a:spLocks noChangeArrowheads="1"/>
+              </p:cNvSpPr>
+              <p:nvPr>
+                <p:extLst>
+                  <p:ext uri="{386F3935-93C4-4BCD-93E2-E3B085C9AB24}">
+                    <p16:designElem xmlns:p16="http://schemas.microsoft.com/office/powerpoint/2015/main" val="1"/>
+                  </p:ext>
+                </p:extLst>
+              </p:nvPr>
+            </p:nvSpPr>
+            <p:spPr bwMode="auto">
+              <a:xfrm>
+                <a:off x="114300" y="4763"/>
+                <a:ext cx="23813" cy="2181225"/>
+              </a:xfrm>
+              <a:prstGeom prst="rect">
+                <a:avLst/>
+              </a:prstGeom>
+              <a:grpFill/>
+              <a:ln>
+                <a:noFill/>
+              </a:ln>
+              <a:extLst>
+                <a:ext uri="{91240B29-F687-4f45-9708-019B960494DF}">
+                  <a14:hiddenLine xmlns:a14="http://schemas.microsoft.com/office/drawing/2010/main" xmlns:p14="http://schemas.microsoft.com/office/powerpoint/2010/main" xmlns="" w="9525">
+                    <a:solidFill>
+                      <a:srgbClr val="000000"/>
+                    </a:solidFill>
+                    <a:miter lim="800000"/>
+                    <a:headEnd/>
+                    <a:tailEnd/>
+                  </a14:hiddenLine>
+                </a:ext>
+              </a:extLst>
+            </p:spPr>
+          </p:sp>
+          <p:sp>
+            <p:nvSpPr>
+              <p:cNvPr id="33" name="Freeform 6">
+                <a:extLst>
+                  <a:ext uri="{FF2B5EF4-FFF2-40B4-BE49-F238E27FC236}">
+                    <a16:creationId xmlns:a16="http://schemas.microsoft.com/office/drawing/2014/main" id="{B3922267-72C9-403B-A6DE-7D0A43D5541F}"/>
+                  </a:ext>
+                </a:extLst>
+              </p:cNvPr>
+              <p:cNvSpPr>
+                <a:spLocks noEditPoints="1"/>
+              </p:cNvSpPr>
+              <p:nvPr>
+                <p:extLst>
+                  <p:ext uri="{386F3935-93C4-4BCD-93E2-E3B085C9AB24}">
+                    <p16:designElem xmlns:p16="http://schemas.microsoft.com/office/powerpoint/2015/main" val="1"/>
+                  </p:ext>
+                </p:extLst>
+              </p:nvPr>
+            </p:nvSpPr>
+            <p:spPr bwMode="auto">
+              <a:xfrm>
+                <a:off x="33337" y="2176463"/>
+                <a:ext cx="190500" cy="190500"/>
+              </a:xfrm>
+              <a:custGeom>
+                <a:avLst/>
+                <a:gdLst/>
+                <a:ahLst/>
+                <a:cxnLst/>
+                <a:rect l="0" t="0" r="r" b="b"/>
+                <a:pathLst>
+                  <a:path w="40" h="40">
+                    <a:moveTo>
+                      <a:pt x="20" y="40"/>
+                    </a:moveTo>
+                    <a:cubicBezTo>
+                      <a:pt x="9" y="40"/>
+                      <a:pt x="0" y="31"/>
+                      <a:pt x="0" y="20"/>
+                    </a:cubicBezTo>
+                    <a:cubicBezTo>
+                      <a:pt x="0" y="9"/>
+                      <a:pt x="9" y="0"/>
+                      <a:pt x="20" y="0"/>
+                    </a:cubicBezTo>
+                    <a:cubicBezTo>
+                      <a:pt x="31" y="0"/>
+                      <a:pt x="40" y="9"/>
+                      <a:pt x="40" y="20"/>
+                    </a:cubicBezTo>
+                    <a:cubicBezTo>
+                      <a:pt x="40" y="31"/>
+                      <a:pt x="31" y="40"/>
+                      <a:pt x="20" y="40"/>
+                    </a:cubicBezTo>
+                    <a:close/>
+                    <a:moveTo>
+                      <a:pt x="20" y="4"/>
+                    </a:moveTo>
+                    <a:cubicBezTo>
+                      <a:pt x="11" y="4"/>
+                      <a:pt x="4" y="11"/>
+                      <a:pt x="4" y="20"/>
+                    </a:cubicBezTo>
+                    <a:cubicBezTo>
+                      <a:pt x="4" y="29"/>
+                      <a:pt x="11" y="36"/>
+                      <a:pt x="20" y="36"/>
+                    </a:cubicBezTo>
+                    <a:cubicBezTo>
+                      <a:pt x="28" y="36"/>
+                      <a:pt x="36" y="29"/>
+                      <a:pt x="36" y="20"/>
+                    </a:cubicBezTo>
+                    <a:cubicBezTo>
+                      <a:pt x="36" y="11"/>
+                      <a:pt x="28" y="4"/>
+                      <a:pt x="20" y="4"/>
+                    </a:cubicBezTo>
+                    <a:close/>
+                  </a:path>
+                </a:pathLst>
+              </a:custGeom>
+              <a:grpFill/>
+              <a:ln>
+                <a:noFill/>
+              </a:ln>
+              <a:extLst>
+                <a:ext uri="{91240B29-F687-4f45-9708-019B960494DF}">
+                  <a14:hiddenLine xmlns:a14="http://schemas.microsoft.com/office/drawing/2010/main" xmlns:p14="http://schemas.microsoft.com/office/powerpoint/2010/main" xmlns="" w="9525">
+                    <a:solidFill>
+                      <a:srgbClr val="000000"/>
+                    </a:solidFill>
+                    <a:round/>
+                    <a:headEnd/>
+                    <a:tailEnd/>
+                  </a14:hiddenLine>
+                </a:ext>
+              </a:extLst>
+            </p:spPr>
+          </p:sp>
+          <p:sp>
+            <p:nvSpPr>
+              <p:cNvPr id="34" name="Freeform 7">
+                <a:extLst>
+                  <a:ext uri="{FF2B5EF4-FFF2-40B4-BE49-F238E27FC236}">
+                    <a16:creationId xmlns:a16="http://schemas.microsoft.com/office/drawing/2014/main" id="{7276DB68-2E8D-4723-852B-7476DD38FED0}"/>
+                  </a:ext>
+                </a:extLst>
+              </p:cNvPr>
+              <p:cNvSpPr>
+                <a:spLocks noEditPoints="1"/>
+              </p:cNvSpPr>
+              <p:nvPr>
+                <p:extLst>
+                  <p:ext uri="{386F3935-93C4-4BCD-93E2-E3B085C9AB24}">
+                    <p16:designElem xmlns:p16="http://schemas.microsoft.com/office/powerpoint/2015/main" val="1"/>
+                  </p:ext>
+                </p:extLst>
+              </p:nvPr>
+            </p:nvSpPr>
+            <p:spPr bwMode="auto">
+              <a:xfrm>
+                <a:off x="28575" y="4021138"/>
+                <a:ext cx="190500" cy="188913"/>
+              </a:xfrm>
+              <a:custGeom>
+                <a:avLst/>
+                <a:gdLst/>
+                <a:ahLst/>
+                <a:cxnLst/>
+                <a:rect l="0" t="0" r="r" b="b"/>
+                <a:pathLst>
+                  <a:path w="40" h="40">
+                    <a:moveTo>
+                      <a:pt x="20" y="40"/>
+                    </a:moveTo>
+                    <a:cubicBezTo>
+                      <a:pt x="9" y="40"/>
+                      <a:pt x="0" y="31"/>
+                      <a:pt x="0" y="20"/>
+                    </a:cubicBezTo>
+                    <a:cubicBezTo>
+                      <a:pt x="0" y="9"/>
+                      <a:pt x="9" y="0"/>
+                      <a:pt x="20" y="0"/>
+                    </a:cubicBezTo>
+                    <a:cubicBezTo>
+                      <a:pt x="31" y="0"/>
+                      <a:pt x="40" y="9"/>
+                      <a:pt x="40" y="20"/>
+                    </a:cubicBezTo>
+                    <a:cubicBezTo>
+                      <a:pt x="40" y="31"/>
+                      <a:pt x="31" y="40"/>
+                      <a:pt x="20" y="40"/>
+                    </a:cubicBezTo>
+                    <a:close/>
+                    <a:moveTo>
+                      <a:pt x="20" y="4"/>
+                    </a:moveTo>
+                    <a:cubicBezTo>
+                      <a:pt x="12" y="4"/>
+                      <a:pt x="4" y="11"/>
+                      <a:pt x="4" y="20"/>
+                    </a:cubicBezTo>
+                    <a:cubicBezTo>
+                      <a:pt x="4" y="29"/>
+                      <a:pt x="12" y="36"/>
+                      <a:pt x="20" y="36"/>
+                    </a:cubicBezTo>
+                    <a:cubicBezTo>
+                      <a:pt x="29" y="36"/>
+                      <a:pt x="36" y="29"/>
+                      <a:pt x="36" y="20"/>
+                    </a:cubicBezTo>
+                    <a:cubicBezTo>
+                      <a:pt x="36" y="11"/>
+                      <a:pt x="29" y="4"/>
+                      <a:pt x="20" y="4"/>
+                    </a:cubicBezTo>
+                    <a:close/>
+                  </a:path>
+                </a:pathLst>
+              </a:custGeom>
+              <a:grpFill/>
+              <a:ln>
+                <a:noFill/>
+              </a:ln>
+              <a:extLst>
+                <a:ext uri="{91240B29-F687-4f45-9708-019B960494DF}">
+                  <a14:hiddenLine xmlns:a14="http://schemas.microsoft.com/office/drawing/2010/main" xmlns:p14="http://schemas.microsoft.com/office/powerpoint/2010/main" xmlns="" w="9525">
+                    <a:solidFill>
+                      <a:srgbClr val="000000"/>
+                    </a:solidFill>
+                    <a:round/>
+                    <a:headEnd/>
+                    <a:tailEnd/>
+                  </a14:hiddenLine>
+                </a:ext>
+              </a:extLst>
+            </p:spPr>
+          </p:sp>
+          <p:sp>
+            <p:nvSpPr>
+              <p:cNvPr id="35" name="Freeform 8">
+                <a:extLst>
+                  <a:ext uri="{FF2B5EF4-FFF2-40B4-BE49-F238E27FC236}">
+                    <a16:creationId xmlns:a16="http://schemas.microsoft.com/office/drawing/2014/main" id="{0A155711-4993-4D1E-89EA-A397C164F0FB}"/>
+                  </a:ext>
+                </a:extLst>
+              </p:cNvPr>
+              <p:cNvSpPr/>
+              <p:nvPr>
+                <p:extLst>
+                  <p:ext uri="{386F3935-93C4-4BCD-93E2-E3B085C9AB24}">
+                    <p16:designElem xmlns:p16="http://schemas.microsoft.com/office/powerpoint/2015/main" val="1"/>
+                  </p:ext>
+                </p:extLst>
+              </p:nvPr>
+            </p:nvSpPr>
+            <p:spPr bwMode="auto">
+              <a:xfrm>
+                <a:off x="200025" y="4763"/>
+                <a:ext cx="369888" cy="1811338"/>
+              </a:xfrm>
+              <a:custGeom>
+                <a:avLst/>
+                <a:gdLst/>
+                <a:ahLst/>
+                <a:cxnLst/>
+                <a:rect l="0" t="0" r="r" b="b"/>
+                <a:pathLst>
+                  <a:path w="233" h="1141">
+                    <a:moveTo>
+                      <a:pt x="218" y="1141"/>
+                    </a:moveTo>
+                    <a:lnTo>
+                      <a:pt x="0" y="626"/>
+                    </a:lnTo>
+                    <a:lnTo>
+                      <a:pt x="0" y="0"/>
+                    </a:lnTo>
+                    <a:lnTo>
+                      <a:pt x="15" y="0"/>
+                    </a:lnTo>
+                    <a:lnTo>
+                      <a:pt x="15" y="623"/>
+                    </a:lnTo>
+                    <a:lnTo>
+                      <a:pt x="233" y="1135"/>
+                    </a:lnTo>
+                    <a:lnTo>
+                      <a:pt x="218" y="1141"/>
+                    </a:lnTo>
+                    <a:close/>
+                  </a:path>
+                </a:pathLst>
+              </a:custGeom>
+              <a:grpFill/>
+              <a:ln>
+                <a:noFill/>
+              </a:ln>
+              <a:extLst>
+                <a:ext uri="{91240B29-F687-4f45-9708-019B960494DF}">
+                  <a14:hiddenLine xmlns:a14="http://schemas.microsoft.com/office/drawing/2010/main" xmlns:p14="http://schemas.microsoft.com/office/powerpoint/2010/main" xmlns="" w="9525">
+                    <a:solidFill>
+                      <a:srgbClr val="000000"/>
+                    </a:solidFill>
+                    <a:round/>
+                    <a:headEnd/>
+                    <a:tailEnd/>
+                  </a14:hiddenLine>
+                </a:ext>
+              </a:extLst>
+            </p:spPr>
+          </p:sp>
+          <p:sp>
+            <p:nvSpPr>
+              <p:cNvPr id="36" name="Freeform 9">
+                <a:extLst>
+                  <a:ext uri="{FF2B5EF4-FFF2-40B4-BE49-F238E27FC236}">
+                    <a16:creationId xmlns:a16="http://schemas.microsoft.com/office/drawing/2014/main" id="{2AB42136-2551-4CAA-857F-65FA3247B49D}"/>
+                  </a:ext>
+                </a:extLst>
+              </p:cNvPr>
+              <p:cNvSpPr>
+                <a:spLocks noEditPoints="1"/>
+              </p:cNvSpPr>
+              <p:nvPr>
+                <p:extLst>
+                  <p:ext uri="{386F3935-93C4-4BCD-93E2-E3B085C9AB24}">
+                    <p16:designElem xmlns:p16="http://schemas.microsoft.com/office/powerpoint/2015/main" val="1"/>
+                  </p:ext>
+                </p:extLst>
+              </p:nvPr>
+            </p:nvSpPr>
+            <p:spPr bwMode="auto">
+              <a:xfrm>
+                <a:off x="503237" y="1801813"/>
+                <a:ext cx="190500" cy="188913"/>
+              </a:xfrm>
+              <a:custGeom>
+                <a:avLst/>
+                <a:gdLst/>
+                <a:ahLst/>
+                <a:cxnLst/>
+                <a:rect l="0" t="0" r="r" b="b"/>
+                <a:pathLst>
+                  <a:path w="40" h="40">
+                    <a:moveTo>
+                      <a:pt x="20" y="40"/>
+                    </a:moveTo>
+                    <a:cubicBezTo>
+                      <a:pt x="9" y="40"/>
+                      <a:pt x="0" y="31"/>
+                      <a:pt x="0" y="20"/>
+                    </a:cubicBezTo>
+                    <a:cubicBezTo>
+                      <a:pt x="0" y="9"/>
+                      <a:pt x="9" y="0"/>
+                      <a:pt x="20" y="0"/>
+                    </a:cubicBezTo>
+                    <a:cubicBezTo>
+                      <a:pt x="33" y="0"/>
+                      <a:pt x="40" y="6"/>
+                      <a:pt x="40" y="20"/>
+                    </a:cubicBezTo>
+                    <a:cubicBezTo>
+                      <a:pt x="40" y="31"/>
+                      <a:pt x="31" y="40"/>
+                      <a:pt x="20" y="40"/>
+                    </a:cubicBezTo>
+                    <a:close/>
+                    <a:moveTo>
+                      <a:pt x="20" y="4"/>
+                    </a:moveTo>
+                    <a:cubicBezTo>
+                      <a:pt x="11" y="4"/>
+                      <a:pt x="4" y="11"/>
+                      <a:pt x="4" y="20"/>
+                    </a:cubicBezTo>
+                    <a:cubicBezTo>
+                      <a:pt x="4" y="29"/>
+                      <a:pt x="11" y="36"/>
+                      <a:pt x="20" y="36"/>
+                    </a:cubicBezTo>
+                    <a:cubicBezTo>
+                      <a:pt x="28" y="36"/>
+                      <a:pt x="36" y="29"/>
+                      <a:pt x="36" y="20"/>
+                    </a:cubicBezTo>
+                    <a:cubicBezTo>
+                      <a:pt x="36" y="9"/>
+                      <a:pt x="31" y="4"/>
+                      <a:pt x="20" y="4"/>
+                    </a:cubicBezTo>
+                    <a:close/>
+                  </a:path>
+                </a:pathLst>
+              </a:custGeom>
+              <a:grpFill/>
+              <a:ln>
+                <a:noFill/>
+              </a:ln>
+              <a:extLst>
+                <a:ext uri="{91240B29-F687-4f45-9708-019B960494DF}">
+                  <a14:hiddenLine xmlns:a14="http://schemas.microsoft.com/office/drawing/2010/main" xmlns:p14="http://schemas.microsoft.com/office/powerpoint/2010/main" xmlns="" w="9525">
+                    <a:solidFill>
+                      <a:srgbClr val="000000"/>
+                    </a:solidFill>
+                    <a:round/>
+                    <a:headEnd/>
+                    <a:tailEnd/>
+                  </a14:hiddenLine>
+                </a:ext>
+              </a:extLst>
+            </p:spPr>
+          </p:sp>
+          <p:sp>
+            <p:nvSpPr>
+              <p:cNvPr id="37" name="Freeform 10">
+                <a:extLst>
+                  <a:ext uri="{FF2B5EF4-FFF2-40B4-BE49-F238E27FC236}">
+                    <a16:creationId xmlns:a16="http://schemas.microsoft.com/office/drawing/2014/main" id="{7C2ADEA1-EA3E-4C0E-A28E-460092F7FFD7}"/>
+                  </a:ext>
+                </a:extLst>
+              </p:cNvPr>
+              <p:cNvSpPr/>
+              <p:nvPr>
+                <p:extLst>
+                  <p:ext uri="{386F3935-93C4-4BCD-93E2-E3B085C9AB24}">
+                    <p16:designElem xmlns:p16="http://schemas.microsoft.com/office/powerpoint/2015/main" val="1"/>
+                  </p:ext>
+                </p:extLst>
+              </p:nvPr>
+            </p:nvSpPr>
+            <p:spPr bwMode="auto">
+              <a:xfrm>
+                <a:off x="285750" y="4763"/>
+                <a:ext cx="369888" cy="1430338"/>
+              </a:xfrm>
+              <a:custGeom>
+                <a:avLst/>
+                <a:gdLst/>
+                <a:ahLst/>
+                <a:cxnLst/>
+                <a:rect l="0" t="0" r="r" b="b"/>
+                <a:pathLst>
+                  <a:path w="233" h="901">
+                    <a:moveTo>
+                      <a:pt x="221" y="901"/>
+                    </a:moveTo>
+                    <a:lnTo>
+                      <a:pt x="0" y="383"/>
+                    </a:lnTo>
+                    <a:lnTo>
+                      <a:pt x="0" y="0"/>
+                    </a:lnTo>
+                    <a:lnTo>
+                      <a:pt x="18" y="0"/>
+                    </a:lnTo>
+                    <a:lnTo>
+                      <a:pt x="18" y="380"/>
+                    </a:lnTo>
+                    <a:lnTo>
+                      <a:pt x="233" y="895"/>
+                    </a:lnTo>
+                    <a:lnTo>
+                      <a:pt x="221" y="901"/>
+                    </a:lnTo>
+                    <a:close/>
+                  </a:path>
+                </a:pathLst>
+              </a:custGeom>
+              <a:grpFill/>
+              <a:ln>
+                <a:noFill/>
+              </a:ln>
+              <a:extLst>
+                <a:ext uri="{91240B29-F687-4f45-9708-019B960494DF}">
+                  <a14:hiddenLine xmlns:a14="http://schemas.microsoft.com/office/drawing/2010/main" xmlns:p14="http://schemas.microsoft.com/office/powerpoint/2010/main" xmlns="" w="9525">
+                    <a:solidFill>
+                      <a:srgbClr val="000000"/>
+                    </a:solidFill>
+                    <a:round/>
+                    <a:headEnd/>
+                    <a:tailEnd/>
+                  </a14:hiddenLine>
+                </a:ext>
+              </a:extLst>
+            </p:spPr>
+          </p:sp>
+          <p:sp>
+            <p:nvSpPr>
+              <p:cNvPr id="38" name="Freeform 11">
+                <a:extLst>
+                  <a:ext uri="{FF2B5EF4-FFF2-40B4-BE49-F238E27FC236}">
+                    <a16:creationId xmlns:a16="http://schemas.microsoft.com/office/drawing/2014/main" id="{B04584B3-081C-4286-A840-AB5B16B10AA3}"/>
+                  </a:ext>
+                </a:extLst>
+              </p:cNvPr>
+              <p:cNvSpPr/>
+              <p:nvPr>
+                <p:extLst>
+                  <p:ext uri="{386F3935-93C4-4BCD-93E2-E3B085C9AB24}">
+                    <p16:designElem xmlns:p16="http://schemas.microsoft.com/office/powerpoint/2015/main" val="1"/>
+                  </p:ext>
+                </p:extLst>
+              </p:nvPr>
+            </p:nvSpPr>
+            <p:spPr bwMode="auto">
+              <a:xfrm>
+                <a:off x="546100" y="0"/>
+                <a:ext cx="152400" cy="912813"/>
+              </a:xfrm>
+              <a:custGeom>
+                <a:avLst/>
+                <a:gdLst/>
+                <a:ahLst/>
+                <a:cxnLst/>
+                <a:rect l="0" t="0" r="r" b="b"/>
+                <a:pathLst>
+                  <a:path w="96" h="575">
+                    <a:moveTo>
+                      <a:pt x="96" y="575"/>
+                    </a:moveTo>
+                    <a:lnTo>
+                      <a:pt x="78" y="575"/>
+                    </a:lnTo>
+                    <a:lnTo>
+                      <a:pt x="78" y="192"/>
+                    </a:lnTo>
+                    <a:lnTo>
+                      <a:pt x="0" y="6"/>
+                    </a:lnTo>
+                    <a:lnTo>
+                      <a:pt x="15" y="0"/>
+                    </a:lnTo>
+                    <a:lnTo>
+                      <a:pt x="96" y="189"/>
+                    </a:lnTo>
+                    <a:lnTo>
+                      <a:pt x="96" y="575"/>
+                    </a:lnTo>
+                    <a:close/>
+                  </a:path>
+                </a:pathLst>
+              </a:custGeom>
+              <a:grpFill/>
+              <a:ln>
+                <a:noFill/>
+              </a:ln>
+              <a:extLst>
+                <a:ext uri="{91240B29-F687-4f45-9708-019B960494DF}">
+                  <a14:hiddenLine xmlns:a14="http://schemas.microsoft.com/office/drawing/2010/main" xmlns:p14="http://schemas.microsoft.com/office/powerpoint/2010/main" xmlns="" w="9525">
+                    <a:solidFill>
+                      <a:srgbClr val="000000"/>
+                    </a:solidFill>
+                    <a:round/>
+                    <a:headEnd/>
+                    <a:tailEnd/>
+                  </a14:hiddenLine>
+                </a:ext>
+              </a:extLst>
+            </p:spPr>
+          </p:sp>
+          <p:sp>
+            <p:nvSpPr>
+              <p:cNvPr id="39" name="Freeform 12">
+                <a:extLst>
+                  <a:ext uri="{FF2B5EF4-FFF2-40B4-BE49-F238E27FC236}">
+                    <a16:creationId xmlns:a16="http://schemas.microsoft.com/office/drawing/2014/main" id="{3AB388FD-C246-4936-A041-E0413A132986}"/>
+                  </a:ext>
+                </a:extLst>
+              </p:cNvPr>
+              <p:cNvSpPr>
+                <a:spLocks noEditPoints="1"/>
+              </p:cNvSpPr>
+              <p:nvPr>
+                <p:extLst>
+                  <p:ext uri="{386F3935-93C4-4BCD-93E2-E3B085C9AB24}">
+                    <p16:designElem xmlns:p16="http://schemas.microsoft.com/office/powerpoint/2015/main" val="1"/>
+                  </p:ext>
+                </p:extLst>
+              </p:nvPr>
+            </p:nvSpPr>
+            <p:spPr bwMode="auto">
+              <a:xfrm>
+                <a:off x="588962" y="1420813"/>
+                <a:ext cx="190500" cy="190500"/>
+              </a:xfrm>
+              <a:custGeom>
+                <a:avLst/>
+                <a:gdLst/>
+                <a:ahLst/>
+                <a:cxnLst/>
+                <a:rect l="0" t="0" r="r" b="b"/>
+                <a:pathLst>
+                  <a:path w="40" h="40">
+                    <a:moveTo>
+                      <a:pt x="20" y="40"/>
+                    </a:moveTo>
+                    <a:cubicBezTo>
+                      <a:pt x="9" y="40"/>
+                      <a:pt x="0" y="31"/>
+                      <a:pt x="0" y="20"/>
+                    </a:cubicBezTo>
+                    <a:cubicBezTo>
+                      <a:pt x="0" y="9"/>
+                      <a:pt x="9" y="0"/>
+                      <a:pt x="20" y="0"/>
+                    </a:cubicBezTo>
+                    <a:cubicBezTo>
+                      <a:pt x="33" y="0"/>
+                      <a:pt x="40" y="7"/>
+                      <a:pt x="40" y="20"/>
+                    </a:cubicBezTo>
+                    <a:cubicBezTo>
+                      <a:pt x="40" y="31"/>
+                      <a:pt x="31" y="40"/>
+                      <a:pt x="20" y="40"/>
+                    </a:cubicBezTo>
+                    <a:close/>
+                    <a:moveTo>
+                      <a:pt x="20" y="4"/>
+                    </a:moveTo>
+                    <a:cubicBezTo>
+                      <a:pt x="11" y="4"/>
+                      <a:pt x="4" y="11"/>
+                      <a:pt x="4" y="20"/>
+                    </a:cubicBezTo>
+                    <a:cubicBezTo>
+                      <a:pt x="4" y="29"/>
+                      <a:pt x="11" y="36"/>
+                      <a:pt x="20" y="36"/>
+                    </a:cubicBezTo>
+                    <a:cubicBezTo>
+                      <a:pt x="29" y="36"/>
+                      <a:pt x="36" y="29"/>
+                      <a:pt x="36" y="20"/>
+                    </a:cubicBezTo>
+                    <a:cubicBezTo>
+                      <a:pt x="36" y="9"/>
+                      <a:pt x="31" y="4"/>
+                      <a:pt x="20" y="4"/>
+                    </a:cubicBezTo>
+                    <a:close/>
+                  </a:path>
+                </a:pathLst>
+              </a:custGeom>
+              <a:grpFill/>
+              <a:ln>
+                <a:noFill/>
+              </a:ln>
+              <a:extLst>
+                <a:ext uri="{91240B29-F687-4f45-9708-019B960494DF}">
+                  <a14:hiddenLine xmlns:a14="http://schemas.microsoft.com/office/drawing/2010/main" xmlns:p14="http://schemas.microsoft.com/office/powerpoint/2010/main" xmlns="" w="9525">
+                    <a:solidFill>
+                      <a:srgbClr val="000000"/>
+                    </a:solidFill>
+                    <a:round/>
+                    <a:headEnd/>
+                    <a:tailEnd/>
+                  </a14:hiddenLine>
+                </a:ext>
+              </a:extLst>
+            </p:spPr>
+          </p:sp>
+          <p:sp>
+            <p:nvSpPr>
+              <p:cNvPr id="40" name="Freeform 13">
+                <a:extLst>
+                  <a:ext uri="{FF2B5EF4-FFF2-40B4-BE49-F238E27FC236}">
+                    <a16:creationId xmlns:a16="http://schemas.microsoft.com/office/drawing/2014/main" id="{57692343-2D12-4F57-836C-945D407B68B7}"/>
+                  </a:ext>
+                </a:extLst>
+              </p:cNvPr>
+              <p:cNvSpPr>
+                <a:spLocks noEditPoints="1"/>
+              </p:cNvSpPr>
+              <p:nvPr>
+                <p:extLst>
+                  <p:ext uri="{386F3935-93C4-4BCD-93E2-E3B085C9AB24}">
+                    <p16:designElem xmlns:p16="http://schemas.microsoft.com/office/powerpoint/2015/main" val="1"/>
+                  </p:ext>
+                </p:extLst>
+              </p:nvPr>
+            </p:nvSpPr>
+            <p:spPr bwMode="auto">
+              <a:xfrm>
+                <a:off x="588962" y="903288"/>
+                <a:ext cx="190500" cy="190500"/>
+              </a:xfrm>
+              <a:custGeom>
+                <a:avLst/>
+                <a:gdLst/>
+                <a:ahLst/>
+                <a:cxnLst/>
+                <a:rect l="0" t="0" r="r" b="b"/>
+                <a:pathLst>
+                  <a:path w="40" h="40">
+                    <a:moveTo>
+                      <a:pt x="20" y="40"/>
+                    </a:moveTo>
+                    <a:cubicBezTo>
+                      <a:pt x="9" y="40"/>
+                      <a:pt x="0" y="31"/>
+                      <a:pt x="0" y="20"/>
+                    </a:cubicBezTo>
+                    <a:cubicBezTo>
+                      <a:pt x="0" y="9"/>
+                      <a:pt x="9" y="0"/>
+                      <a:pt x="20" y="0"/>
+                    </a:cubicBezTo>
+                    <a:cubicBezTo>
+                      <a:pt x="31" y="0"/>
+                      <a:pt x="40" y="9"/>
+                      <a:pt x="40" y="20"/>
+                    </a:cubicBezTo>
+                    <a:cubicBezTo>
+                      <a:pt x="40" y="31"/>
+                      <a:pt x="31" y="40"/>
+                      <a:pt x="20" y="40"/>
+                    </a:cubicBezTo>
+                    <a:close/>
+                    <a:moveTo>
+                      <a:pt x="20" y="4"/>
+                    </a:moveTo>
+                    <a:cubicBezTo>
+                      <a:pt x="11" y="4"/>
+                      <a:pt x="4" y="11"/>
+                      <a:pt x="4" y="20"/>
+                    </a:cubicBezTo>
+                    <a:cubicBezTo>
+                      <a:pt x="4" y="29"/>
+                      <a:pt x="11" y="36"/>
+                      <a:pt x="20" y="36"/>
+                    </a:cubicBezTo>
+                    <a:cubicBezTo>
+                      <a:pt x="29" y="36"/>
+                      <a:pt x="36" y="29"/>
+                      <a:pt x="36" y="20"/>
+                    </a:cubicBezTo>
+                    <a:cubicBezTo>
+                      <a:pt x="36" y="11"/>
+                      <a:pt x="29" y="4"/>
+                      <a:pt x="20" y="4"/>
+                    </a:cubicBezTo>
+                    <a:close/>
+                  </a:path>
+                </a:pathLst>
+              </a:custGeom>
+              <a:grpFill/>
+              <a:ln>
+                <a:noFill/>
+              </a:ln>
+              <a:extLst>
+                <a:ext uri="{91240B29-F687-4f45-9708-019B960494DF}">
+                  <a14:hiddenLine xmlns:a14="http://schemas.microsoft.com/office/drawing/2010/main" xmlns:p14="http://schemas.microsoft.com/office/powerpoint/2010/main" xmlns="" w="9525">
+                    <a:solidFill>
+                      <a:srgbClr val="000000"/>
+                    </a:solidFill>
+                    <a:round/>
+                    <a:headEnd/>
+                    <a:tailEnd/>
+                  </a14:hiddenLine>
+                </a:ext>
+              </a:extLst>
+            </p:spPr>
+          </p:sp>
+          <p:sp>
+            <p:nvSpPr>
+              <p:cNvPr id="41" name="Freeform 14">
+                <a:extLst>
+                  <a:ext uri="{FF2B5EF4-FFF2-40B4-BE49-F238E27FC236}">
+                    <a16:creationId xmlns:a16="http://schemas.microsoft.com/office/drawing/2014/main" id="{062EE710-0210-4840-8698-E0DF1C617007}"/>
+                  </a:ext>
+                </a:extLst>
+              </p:cNvPr>
+              <p:cNvSpPr/>
+              <p:nvPr>
+                <p:extLst>
+                  <p:ext uri="{386F3935-93C4-4BCD-93E2-E3B085C9AB24}">
+                    <p16:designElem xmlns:p16="http://schemas.microsoft.com/office/powerpoint/2015/main" val="1"/>
+                  </p:ext>
+                </p:extLst>
+              </p:nvPr>
+            </p:nvSpPr>
+            <p:spPr bwMode="auto">
+              <a:xfrm>
+                <a:off x="641350" y="0"/>
+                <a:ext cx="422275" cy="527050"/>
+              </a:xfrm>
+              <a:custGeom>
+                <a:avLst/>
+                <a:gdLst/>
+                <a:ahLst/>
+                <a:cxnLst/>
+                <a:rect l="0" t="0" r="r" b="b"/>
+                <a:pathLst>
+                  <a:path w="266" h="332">
+                    <a:moveTo>
+                      <a:pt x="257" y="332"/>
+                    </a:moveTo>
+                    <a:lnTo>
+                      <a:pt x="48" y="123"/>
+                    </a:lnTo>
+                    <a:lnTo>
+                      <a:pt x="0" y="6"/>
+                    </a:lnTo>
+                    <a:lnTo>
+                      <a:pt x="15" y="0"/>
+                    </a:lnTo>
+                    <a:lnTo>
+                      <a:pt x="63" y="114"/>
+                    </a:lnTo>
+                    <a:lnTo>
+                      <a:pt x="266" y="320"/>
+                    </a:lnTo>
+                    <a:lnTo>
+                      <a:pt x="257" y="332"/>
+                    </a:lnTo>
+                    <a:close/>
+                  </a:path>
+                </a:pathLst>
+              </a:custGeom>
+              <a:grpFill/>
+              <a:ln>
+                <a:noFill/>
+              </a:ln>
+              <a:extLst>
+                <a:ext uri="{91240B29-F687-4f45-9708-019B960494DF}">
+                  <a14:hiddenLine xmlns:a14="http://schemas.microsoft.com/office/drawing/2010/main" xmlns:p14="http://schemas.microsoft.com/office/powerpoint/2010/main" xmlns="" w="9525">
+                    <a:solidFill>
+                      <a:srgbClr val="000000"/>
+                    </a:solidFill>
+                    <a:round/>
+                    <a:headEnd/>
+                    <a:tailEnd/>
+                  </a14:hiddenLine>
+                </a:ext>
+              </a:extLst>
+            </p:spPr>
+          </p:sp>
+          <p:sp>
+            <p:nvSpPr>
+              <p:cNvPr id="42" name="Freeform 15">
+                <a:extLst>
+                  <a:ext uri="{FF2B5EF4-FFF2-40B4-BE49-F238E27FC236}">
+                    <a16:creationId xmlns:a16="http://schemas.microsoft.com/office/drawing/2014/main" id="{161892F4-6071-40CD-8E18-CDEE0C91B586}"/>
+                  </a:ext>
+                </a:extLst>
+              </p:cNvPr>
+              <p:cNvSpPr>
+                <a:spLocks noEditPoints="1"/>
+              </p:cNvSpPr>
+              <p:nvPr>
+                <p:extLst>
+                  <p:ext uri="{386F3935-93C4-4BCD-93E2-E3B085C9AB24}">
+                    <p16:designElem xmlns:p16="http://schemas.microsoft.com/office/powerpoint/2015/main" val="1"/>
+                  </p:ext>
+                </p:extLst>
+              </p:nvPr>
+            </p:nvSpPr>
+            <p:spPr bwMode="auto">
+              <a:xfrm>
+                <a:off x="1020762" y="488950"/>
+                <a:ext cx="161925" cy="147638"/>
+              </a:xfrm>
+              <a:custGeom>
+                <a:avLst/>
+                <a:gdLst/>
+                <a:ahLst/>
+                <a:cxnLst/>
+                <a:rect l="0" t="0" r="r" b="b"/>
+                <a:pathLst>
+                  <a:path w="34" h="31">
+                    <a:moveTo>
+                      <a:pt x="17" y="31"/>
+                    </a:moveTo>
+                    <a:cubicBezTo>
+                      <a:pt x="13" y="31"/>
+                      <a:pt x="9" y="30"/>
+                      <a:pt x="6" y="27"/>
+                    </a:cubicBezTo>
+                    <a:cubicBezTo>
+                      <a:pt x="0" y="20"/>
+                      <a:pt x="0" y="10"/>
+                      <a:pt x="6" y="4"/>
+                    </a:cubicBezTo>
+                    <a:cubicBezTo>
+                      <a:pt x="9" y="1"/>
+                      <a:pt x="13" y="0"/>
+                      <a:pt x="17" y="0"/>
+                    </a:cubicBezTo>
+                    <a:cubicBezTo>
+                      <a:pt x="21" y="0"/>
+                      <a:pt x="25" y="1"/>
+                      <a:pt x="28" y="4"/>
+                    </a:cubicBezTo>
+                    <a:cubicBezTo>
+                      <a:pt x="34" y="10"/>
+                      <a:pt x="34" y="20"/>
+                      <a:pt x="28" y="27"/>
+                    </a:cubicBezTo>
+                    <a:cubicBezTo>
+                      <a:pt x="25" y="30"/>
+                      <a:pt x="21" y="31"/>
+                      <a:pt x="17" y="31"/>
+                    </a:cubicBezTo>
+                    <a:close/>
+                    <a:moveTo>
+                      <a:pt x="17" y="4"/>
+                    </a:moveTo>
+                    <a:cubicBezTo>
+                      <a:pt x="14" y="4"/>
+                      <a:pt x="11" y="5"/>
+                      <a:pt x="9" y="7"/>
+                    </a:cubicBezTo>
+                    <a:cubicBezTo>
+                      <a:pt x="4" y="12"/>
+                      <a:pt x="4" y="19"/>
+                      <a:pt x="9" y="24"/>
+                    </a:cubicBezTo>
+                    <a:cubicBezTo>
+                      <a:pt x="11" y="26"/>
+                      <a:pt x="14" y="27"/>
+                      <a:pt x="17" y="27"/>
+                    </a:cubicBezTo>
+                    <a:cubicBezTo>
+                      <a:pt x="20" y="27"/>
+                      <a:pt x="23" y="26"/>
+                      <a:pt x="25" y="24"/>
+                    </a:cubicBezTo>
+                    <a:cubicBezTo>
+                      <a:pt x="30" y="19"/>
+                      <a:pt x="30" y="12"/>
+                      <a:pt x="25" y="7"/>
+                    </a:cubicBezTo>
+                    <a:cubicBezTo>
+                      <a:pt x="23" y="5"/>
+                      <a:pt x="20" y="4"/>
+                      <a:pt x="17" y="4"/>
+                    </a:cubicBezTo>
+                    <a:close/>
+                  </a:path>
+                </a:pathLst>
+              </a:custGeom>
+              <a:grpFill/>
+              <a:ln>
+                <a:noFill/>
+              </a:ln>
+              <a:extLst>
+                <a:ext uri="{91240B29-F687-4f45-9708-019B960494DF}">
+                  <a14:hiddenLine xmlns:a14="http://schemas.microsoft.com/office/drawing/2010/main" xmlns:p14="http://schemas.microsoft.com/office/powerpoint/2010/main" xmlns="" w="9525">
+                    <a:solidFill>
+                      <a:srgbClr val="000000"/>
+                    </a:solidFill>
+                    <a:round/>
+                    <a:headEnd/>
+                    <a:tailEnd/>
+                  </a14:hiddenLine>
+                </a:ext>
+              </a:extLst>
+            </p:spPr>
+          </p:sp>
+          <p:sp>
+            <p:nvSpPr>
+              <p:cNvPr id="43" name="Line 16">
+                <a:extLst>
+                  <a:ext uri="{FF2B5EF4-FFF2-40B4-BE49-F238E27FC236}">
+                    <a16:creationId xmlns:a16="http://schemas.microsoft.com/office/drawing/2014/main" id="{3E6BBE44-8D88-407D-B1C6-10C89DD6173B}"/>
+                  </a:ext>
+                </a:extLst>
+              </p:cNvPr>
+              <p:cNvSpPr>
+                <a:spLocks noChangeShapeType="1"/>
+              </p:cNvSpPr>
+              <p:nvPr>
+                <p:extLst>
+                  <p:ext uri="{386F3935-93C4-4BCD-93E2-E3B085C9AB24}">
+                    <p16:designElem xmlns:p16="http://schemas.microsoft.com/office/powerpoint/2015/main" val="1"/>
+                  </p:ext>
+                </p:extLst>
+              </p:nvPr>
+            </p:nvSpPr>
+            <p:spPr bwMode="auto">
+              <a:xfrm>
+                <a:off x="-4763" y="9525"/>
+                <a:ext cx="0" cy="0"/>
+              </a:xfrm>
+              <a:prstGeom prst="line">
+                <a:avLst/>
+              </a:prstGeom>
+              <a:grpFill/>
+              <a:ln w="15" cap="flat">
+                <a:solidFill>
+                  <a:srgbClr val="FFFFFF"/>
+                </a:solidFill>
+                <a:prstDash val="solid"/>
+                <a:miter lim="800000"/>
+                <a:headEnd/>
+                <a:tailEnd/>
+              </a:ln>
+            </p:spPr>
+          </p:sp>
+          <p:sp>
+            <p:nvSpPr>
+              <p:cNvPr id="44" name="Freeform 17">
+                <a:extLst>
+                  <a:ext uri="{FF2B5EF4-FFF2-40B4-BE49-F238E27FC236}">
+                    <a16:creationId xmlns:a16="http://schemas.microsoft.com/office/drawing/2014/main" id="{1E90AE6E-328E-4730-825C-B5130F5CFCA4}"/>
+                  </a:ext>
+                </a:extLst>
+              </p:cNvPr>
+              <p:cNvSpPr/>
+              <p:nvPr>
+                <p:extLst>
+                  <p:ext uri="{386F3935-93C4-4BCD-93E2-E3B085C9AB24}">
+                    <p16:designElem xmlns:p16="http://schemas.microsoft.com/office/powerpoint/2015/main" val="1"/>
+                  </p:ext>
+                </p:extLst>
+              </p:nvPr>
+            </p:nvSpPr>
+            <p:spPr bwMode="auto">
+              <a:xfrm>
+                <a:off x="9525" y="1801813"/>
+                <a:ext cx="123825" cy="127000"/>
+              </a:xfrm>
+              <a:custGeom>
+                <a:avLst/>
+                <a:gdLst/>
+                <a:ahLst/>
+                <a:cxnLst/>
+                <a:rect l="0" t="0" r="r" b="b"/>
+                <a:pathLst>
+                  <a:path w="78" h="80">
+                    <a:moveTo>
+                      <a:pt x="6" y="80"/>
+                    </a:moveTo>
+                    <a:lnTo>
+                      <a:pt x="0" y="71"/>
+                    </a:lnTo>
+                    <a:lnTo>
+                      <a:pt x="69" y="0"/>
+                    </a:lnTo>
+                    <a:lnTo>
+                      <a:pt x="78" y="9"/>
+                    </a:lnTo>
+                    <a:lnTo>
+                      <a:pt x="6" y="80"/>
+                    </a:lnTo>
+                    <a:close/>
+                  </a:path>
+                </a:pathLst>
+              </a:custGeom>
+              <a:grpFill/>
+              <a:ln>
+                <a:noFill/>
+              </a:ln>
+              <a:extLst>
+                <a:ext uri="{91240B29-F687-4f45-9708-019B960494DF}">
+                  <a14:hiddenLine xmlns:a14="http://schemas.microsoft.com/office/drawing/2010/main" xmlns:p14="http://schemas.microsoft.com/office/powerpoint/2010/main" xmlns="" w="9525">
+                    <a:solidFill>
+                      <a:srgbClr val="000000"/>
+                    </a:solidFill>
+                    <a:round/>
+                    <a:headEnd/>
+                    <a:tailEnd/>
+                  </a14:hiddenLine>
+                </a:ext>
+              </a:extLst>
+            </p:spPr>
+          </p:sp>
+          <p:sp>
+            <p:nvSpPr>
+              <p:cNvPr id="45" name="Freeform 18">
+                <a:extLst>
+                  <a:ext uri="{FF2B5EF4-FFF2-40B4-BE49-F238E27FC236}">
+                    <a16:creationId xmlns:a16="http://schemas.microsoft.com/office/drawing/2014/main" id="{24EC969F-6E4A-4163-ABDA-4674429A3DC2}"/>
+                  </a:ext>
+                </a:extLst>
+              </p:cNvPr>
+              <p:cNvSpPr/>
+              <p:nvPr>
+                <p:extLst>
+                  <p:ext uri="{386F3935-93C4-4BCD-93E2-E3B085C9AB24}">
+                    <p16:designElem xmlns:p16="http://schemas.microsoft.com/office/powerpoint/2015/main" val="1"/>
+                  </p:ext>
+                </p:extLst>
+              </p:nvPr>
+            </p:nvSpPr>
+            <p:spPr bwMode="auto">
+              <a:xfrm>
+                <a:off x="-9525" y="3549650"/>
+                <a:ext cx="147638" cy="481013"/>
+              </a:xfrm>
+              <a:custGeom>
+                <a:avLst/>
+                <a:gdLst/>
+                <a:ahLst/>
+                <a:cxnLst/>
+                <a:rect l="0" t="0" r="r" b="b"/>
+                <a:pathLst>
+                  <a:path w="93" h="303">
+                    <a:moveTo>
+                      <a:pt x="93" y="303"/>
+                    </a:moveTo>
+                    <a:lnTo>
+                      <a:pt x="78" y="303"/>
+                    </a:lnTo>
+                    <a:lnTo>
+                      <a:pt x="78" y="78"/>
+                    </a:lnTo>
+                    <a:lnTo>
+                      <a:pt x="0" y="12"/>
+                    </a:lnTo>
+                    <a:lnTo>
+                      <a:pt x="12" y="0"/>
+                    </a:lnTo>
+                    <a:lnTo>
+                      <a:pt x="93" y="69"/>
+                    </a:lnTo>
+                    <a:lnTo>
+                      <a:pt x="93" y="303"/>
+                    </a:lnTo>
+                    <a:close/>
+                  </a:path>
+                </a:pathLst>
+              </a:custGeom>
+              <a:grpFill/>
+              <a:ln>
+                <a:noFill/>
+              </a:ln>
+              <a:extLst>
+                <a:ext uri="{91240B29-F687-4f45-9708-019B960494DF}">
+                  <a14:hiddenLine xmlns:a14="http://schemas.microsoft.com/office/drawing/2010/main" xmlns:p14="http://schemas.microsoft.com/office/powerpoint/2010/main" xmlns="" w="9525">
+                    <a:solidFill>
+                      <a:srgbClr val="000000"/>
+                    </a:solidFill>
+                    <a:round/>
+                    <a:headEnd/>
+                    <a:tailEnd/>
+                  </a14:hiddenLine>
+                </a:ext>
+              </a:extLst>
+            </p:spPr>
+          </p:sp>
+          <p:sp>
+            <p:nvSpPr>
+              <p:cNvPr id="46" name="Freeform 19">
+                <a:extLst>
+                  <a:ext uri="{FF2B5EF4-FFF2-40B4-BE49-F238E27FC236}">
+                    <a16:creationId xmlns:a16="http://schemas.microsoft.com/office/drawing/2014/main" id="{1B735C94-B049-42C6-9DEF-5DB70D58CE4B}"/>
+                  </a:ext>
+                </a:extLst>
+              </p:cNvPr>
+              <p:cNvSpPr/>
+              <p:nvPr>
+                <p:extLst>
+                  <p:ext uri="{386F3935-93C4-4BCD-93E2-E3B085C9AB24}">
+                    <p16:designElem xmlns:p16="http://schemas.microsoft.com/office/powerpoint/2015/main" val="1"/>
+                  </p:ext>
+                </p:extLst>
+              </p:nvPr>
+            </p:nvSpPr>
+            <p:spPr bwMode="auto">
+              <a:xfrm>
+                <a:off x="128587" y="1382713"/>
+                <a:ext cx="142875" cy="476250"/>
+              </a:xfrm>
+              <a:custGeom>
+                <a:avLst/>
+                <a:gdLst/>
+                <a:ahLst/>
+                <a:cxnLst/>
+                <a:rect l="0" t="0" r="r" b="b"/>
+                <a:pathLst>
+                  <a:path w="90" h="300">
+                    <a:moveTo>
+                      <a:pt x="90" y="300"/>
+                    </a:moveTo>
+                    <a:lnTo>
+                      <a:pt x="78" y="300"/>
+                    </a:lnTo>
+                    <a:lnTo>
+                      <a:pt x="78" y="84"/>
+                    </a:lnTo>
+                    <a:lnTo>
+                      <a:pt x="0" y="9"/>
+                    </a:lnTo>
+                    <a:lnTo>
+                      <a:pt x="9" y="0"/>
+                    </a:lnTo>
+                    <a:lnTo>
+                      <a:pt x="90" y="81"/>
+                    </a:lnTo>
+                    <a:lnTo>
+                      <a:pt x="90" y="300"/>
+                    </a:lnTo>
+                    <a:close/>
+                  </a:path>
+                </a:pathLst>
+              </a:custGeom>
+              <a:grpFill/>
+              <a:ln>
+                <a:noFill/>
+              </a:ln>
+              <a:extLst>
+                <a:ext uri="{91240B29-F687-4f45-9708-019B960494DF}">
+                  <a14:hiddenLine xmlns:a14="http://schemas.microsoft.com/office/drawing/2010/main" xmlns:p14="http://schemas.microsoft.com/office/powerpoint/2010/main" xmlns="" w="9525">
+                    <a:solidFill>
+                      <a:srgbClr val="000000"/>
+                    </a:solidFill>
+                    <a:round/>
+                    <a:headEnd/>
+                    <a:tailEnd/>
+                  </a14:hiddenLine>
+                </a:ext>
+              </a:extLst>
+            </p:spPr>
+          </p:sp>
+          <p:sp>
+            <p:nvSpPr>
+              <p:cNvPr id="47" name="Freeform 20">
+                <a:extLst>
+                  <a:ext uri="{FF2B5EF4-FFF2-40B4-BE49-F238E27FC236}">
+                    <a16:creationId xmlns:a16="http://schemas.microsoft.com/office/drawing/2014/main" id="{051C02E6-1954-478B-AEAE-BF8F36BE9417}"/>
+                  </a:ext>
+                </a:extLst>
+              </p:cNvPr>
+              <p:cNvSpPr>
+                <a:spLocks noEditPoints="1"/>
+              </p:cNvSpPr>
+              <p:nvPr>
+                <p:extLst>
+                  <p:ext uri="{386F3935-93C4-4BCD-93E2-E3B085C9AB24}">
+                    <p16:designElem xmlns:p16="http://schemas.microsoft.com/office/powerpoint/2015/main" val="1"/>
+                  </p:ext>
+                </p:extLst>
+              </p:nvPr>
+            </p:nvSpPr>
+            <p:spPr bwMode="auto">
+              <a:xfrm>
+                <a:off x="204787" y="1849438"/>
+                <a:ext cx="114300" cy="107950"/>
+              </a:xfrm>
+              <a:custGeom>
+                <a:avLst/>
+                <a:gdLst/>
+                <a:ahLst/>
+                <a:cxnLst/>
+                <a:rect l="0" t="0" r="r" b="b"/>
+                <a:pathLst>
+                  <a:path w="24" h="23">
+                    <a:moveTo>
+                      <a:pt x="12" y="23"/>
+                    </a:moveTo>
+                    <a:cubicBezTo>
+                      <a:pt x="6" y="23"/>
+                      <a:pt x="0" y="18"/>
+                      <a:pt x="0" y="12"/>
+                    </a:cubicBezTo>
+                    <a:cubicBezTo>
+                      <a:pt x="0" y="5"/>
+                      <a:pt x="6" y="0"/>
+                      <a:pt x="12" y="0"/>
+                    </a:cubicBezTo>
+                    <a:cubicBezTo>
+                      <a:pt x="18" y="0"/>
+                      <a:pt x="24" y="5"/>
+                      <a:pt x="24" y="12"/>
+                    </a:cubicBezTo>
+                    <a:cubicBezTo>
+                      <a:pt x="24" y="18"/>
+                      <a:pt x="18" y="23"/>
+                      <a:pt x="12" y="23"/>
+                    </a:cubicBezTo>
+                    <a:close/>
+                    <a:moveTo>
+                      <a:pt x="12" y="4"/>
+                    </a:moveTo>
+                    <a:cubicBezTo>
+                      <a:pt x="8" y="4"/>
+                      <a:pt x="4" y="8"/>
+                      <a:pt x="4" y="12"/>
+                    </a:cubicBezTo>
+                    <a:cubicBezTo>
+                      <a:pt x="4" y="16"/>
+                      <a:pt x="8" y="19"/>
+                      <a:pt x="12" y="19"/>
+                    </a:cubicBezTo>
+                    <a:cubicBezTo>
+                      <a:pt x="16" y="19"/>
+                      <a:pt x="20" y="16"/>
+                      <a:pt x="20" y="12"/>
+                    </a:cubicBezTo>
+                    <a:cubicBezTo>
+                      <a:pt x="20" y="8"/>
+                      <a:pt x="16" y="4"/>
+                      <a:pt x="12" y="4"/>
+                    </a:cubicBezTo>
+                    <a:close/>
+                  </a:path>
+                </a:pathLst>
+              </a:custGeom>
+              <a:grpFill/>
+              <a:ln>
+                <a:noFill/>
+              </a:ln>
+              <a:extLst>
+                <a:ext uri="{91240B29-F687-4f45-9708-019B960494DF}">
+                  <a14:hiddenLine xmlns:a14="http://schemas.microsoft.com/office/drawing/2010/main" xmlns:p14="http://schemas.microsoft.com/office/powerpoint/2010/main" xmlns="" w="9525">
+                    <a:solidFill>
+                      <a:srgbClr val="000000"/>
+                    </a:solidFill>
+                    <a:round/>
+                    <a:headEnd/>
+                    <a:tailEnd/>
+                  </a14:hiddenLine>
+                </a:ext>
+              </a:extLst>
+            </p:spPr>
+          </p:sp>
+          <p:sp>
+            <p:nvSpPr>
+              <p:cNvPr id="48" name="Rectangle 21">
+                <a:extLst>
+                  <a:ext uri="{FF2B5EF4-FFF2-40B4-BE49-F238E27FC236}">
+                    <a16:creationId xmlns:a16="http://schemas.microsoft.com/office/drawing/2014/main" id="{6710B1C0-310A-48D0-B824-459D9AFC2FBC}"/>
+                  </a:ext>
+                </a:extLst>
+              </p:cNvPr>
+              <p:cNvSpPr>
+                <a:spLocks noChangeArrowheads="1"/>
+              </p:cNvSpPr>
+              <p:nvPr>
+                <p:extLst>
+                  <p:ext uri="{386F3935-93C4-4BCD-93E2-E3B085C9AB24}">
+                    <p16:designElem xmlns:p16="http://schemas.microsoft.com/office/powerpoint/2015/main" val="1"/>
+                  </p:ext>
+                </p:extLst>
+              </p:nvPr>
+            </p:nvSpPr>
+            <p:spPr bwMode="auto">
+              <a:xfrm>
+                <a:off x="133350" y="4662488"/>
+                <a:ext cx="23813" cy="2181225"/>
+              </a:xfrm>
+              <a:prstGeom prst="rect">
+                <a:avLst/>
+              </a:prstGeom>
+              <a:grpFill/>
+              <a:ln>
+                <a:noFill/>
+              </a:ln>
+              <a:extLst>
+                <a:ext uri="{91240B29-F687-4f45-9708-019B960494DF}">
+                  <a14:hiddenLine xmlns:a14="http://schemas.microsoft.com/office/drawing/2010/main" xmlns:p14="http://schemas.microsoft.com/office/powerpoint/2010/main" xmlns="" w="9525">
+                    <a:solidFill>
+                      <a:srgbClr val="000000"/>
+                    </a:solidFill>
+                    <a:miter lim="800000"/>
+                    <a:headEnd/>
+                    <a:tailEnd/>
+                  </a14:hiddenLine>
+                </a:ext>
+              </a:extLst>
+            </p:spPr>
+          </p:sp>
+          <p:sp>
+            <p:nvSpPr>
+              <p:cNvPr id="49" name="Freeform 22">
+                <a:extLst>
+                  <a:ext uri="{FF2B5EF4-FFF2-40B4-BE49-F238E27FC236}">
+                    <a16:creationId xmlns:a16="http://schemas.microsoft.com/office/drawing/2014/main" id="{1204A606-D9A6-4DC6-9F0E-D516EA1EB957}"/>
+                  </a:ext>
+                </a:extLst>
+              </p:cNvPr>
+              <p:cNvSpPr/>
+              <p:nvPr>
+                <p:extLst>
+                  <p:ext uri="{386F3935-93C4-4BCD-93E2-E3B085C9AB24}">
+                    <p16:designElem xmlns:p16="http://schemas.microsoft.com/office/powerpoint/2015/main" val="1"/>
+                  </p:ext>
+                </p:extLst>
+              </p:nvPr>
+            </p:nvSpPr>
+            <p:spPr bwMode="auto">
+              <a:xfrm>
+                <a:off x="223837" y="5041900"/>
+                <a:ext cx="369888" cy="1801813"/>
+              </a:xfrm>
+              <a:custGeom>
+                <a:avLst/>
+                <a:gdLst/>
+                <a:ahLst/>
+                <a:cxnLst/>
+                <a:rect l="0" t="0" r="r" b="b"/>
+                <a:pathLst>
+                  <a:path w="233" h="1135">
+                    <a:moveTo>
+                      <a:pt x="15" y="1135"/>
+                    </a:moveTo>
+                    <a:lnTo>
+                      <a:pt x="0" y="1135"/>
+                    </a:lnTo>
+                    <a:lnTo>
+                      <a:pt x="0" y="515"/>
+                    </a:lnTo>
+                    <a:lnTo>
+                      <a:pt x="0" y="512"/>
+                    </a:lnTo>
+                    <a:lnTo>
+                      <a:pt x="218" y="0"/>
+                    </a:lnTo>
+                    <a:lnTo>
+                      <a:pt x="233" y="6"/>
+                    </a:lnTo>
+                    <a:lnTo>
+                      <a:pt x="15" y="518"/>
+                    </a:lnTo>
+                    <a:lnTo>
+                      <a:pt x="15" y="1135"/>
+                    </a:lnTo>
+                    <a:close/>
+                  </a:path>
+                </a:pathLst>
+              </a:custGeom>
+              <a:grpFill/>
+              <a:ln>
+                <a:noFill/>
+              </a:ln>
+              <a:extLst>
+                <a:ext uri="{91240B29-F687-4f45-9708-019B960494DF}">
+                  <a14:hiddenLine xmlns:a14="http://schemas.microsoft.com/office/drawing/2010/main" xmlns:p14="http://schemas.microsoft.com/office/powerpoint/2010/main" xmlns="" w="9525">
+                    <a:solidFill>
+                      <a:srgbClr val="000000"/>
+                    </a:solidFill>
+                    <a:round/>
+                    <a:headEnd/>
+                    <a:tailEnd/>
+                  </a14:hiddenLine>
+                </a:ext>
+              </a:extLst>
+            </p:spPr>
+          </p:sp>
+          <p:sp>
+            <p:nvSpPr>
+              <p:cNvPr id="50" name="Freeform 23">
+                <a:extLst>
+                  <a:ext uri="{FF2B5EF4-FFF2-40B4-BE49-F238E27FC236}">
+                    <a16:creationId xmlns:a16="http://schemas.microsoft.com/office/drawing/2014/main" id="{EE569555-0243-4979-A537-C9B4AFD5F258}"/>
+                  </a:ext>
+                </a:extLst>
+              </p:cNvPr>
+              <p:cNvSpPr>
+                <a:spLocks noEditPoints="1"/>
+              </p:cNvSpPr>
+              <p:nvPr>
+                <p:extLst>
+                  <p:ext uri="{386F3935-93C4-4BCD-93E2-E3B085C9AB24}">
+                    <p16:designElem xmlns:p16="http://schemas.microsoft.com/office/powerpoint/2015/main" val="1"/>
+                  </p:ext>
+                </p:extLst>
+              </p:nvPr>
+            </p:nvSpPr>
+            <p:spPr bwMode="auto">
+              <a:xfrm>
+                <a:off x="52387" y="4481513"/>
+                <a:ext cx="190500" cy="190500"/>
+              </a:xfrm>
+              <a:custGeom>
+                <a:avLst/>
+                <a:gdLst/>
+                <a:ahLst/>
+                <a:cxnLst/>
+                <a:rect l="0" t="0" r="r" b="b"/>
+                <a:pathLst>
+                  <a:path w="40" h="40">
+                    <a:moveTo>
+                      <a:pt x="20" y="40"/>
+                    </a:moveTo>
+                    <a:cubicBezTo>
+                      <a:pt x="9" y="40"/>
+                      <a:pt x="0" y="31"/>
+                      <a:pt x="0" y="20"/>
+                    </a:cubicBezTo>
+                    <a:cubicBezTo>
+                      <a:pt x="0" y="9"/>
+                      <a:pt x="9" y="0"/>
+                      <a:pt x="20" y="0"/>
+                    </a:cubicBezTo>
+                    <a:cubicBezTo>
+                      <a:pt x="31" y="0"/>
+                      <a:pt x="40" y="9"/>
+                      <a:pt x="40" y="20"/>
+                    </a:cubicBezTo>
+                    <a:cubicBezTo>
+                      <a:pt x="40" y="31"/>
+                      <a:pt x="31" y="40"/>
+                      <a:pt x="20" y="40"/>
+                    </a:cubicBezTo>
+                    <a:close/>
+                    <a:moveTo>
+                      <a:pt x="20" y="4"/>
+                    </a:moveTo>
+                    <a:cubicBezTo>
+                      <a:pt x="11" y="4"/>
+                      <a:pt x="4" y="11"/>
+                      <a:pt x="4" y="20"/>
+                    </a:cubicBezTo>
+                    <a:cubicBezTo>
+                      <a:pt x="4" y="29"/>
+                      <a:pt x="11" y="36"/>
+                      <a:pt x="20" y="36"/>
+                    </a:cubicBezTo>
+                    <a:cubicBezTo>
+                      <a:pt x="28" y="36"/>
+                      <a:pt x="36" y="29"/>
+                      <a:pt x="36" y="20"/>
+                    </a:cubicBezTo>
+                    <a:cubicBezTo>
+                      <a:pt x="36" y="11"/>
+                      <a:pt x="28" y="4"/>
+                      <a:pt x="20" y="4"/>
+                    </a:cubicBezTo>
+                    <a:close/>
+                  </a:path>
+                </a:pathLst>
+              </a:custGeom>
+              <a:grpFill/>
+              <a:ln>
+                <a:noFill/>
+              </a:ln>
+              <a:extLst>
+                <a:ext uri="{91240B29-F687-4f45-9708-019B960494DF}">
+                  <a14:hiddenLine xmlns:a14="http://schemas.microsoft.com/office/drawing/2010/main" xmlns:p14="http://schemas.microsoft.com/office/powerpoint/2010/main" xmlns="" w="9525">
+                    <a:solidFill>
+                      <a:srgbClr val="000000"/>
+                    </a:solidFill>
+                    <a:round/>
+                    <a:headEnd/>
+                    <a:tailEnd/>
+                  </a14:hiddenLine>
+                </a:ext>
+              </a:extLst>
+            </p:spPr>
+          </p:sp>
+          <p:sp>
+            <p:nvSpPr>
+              <p:cNvPr id="51" name="Freeform 24">
+                <a:extLst>
+                  <a:ext uri="{FF2B5EF4-FFF2-40B4-BE49-F238E27FC236}">
+                    <a16:creationId xmlns:a16="http://schemas.microsoft.com/office/drawing/2014/main" id="{D52A977D-4993-48AF-A792-F2DE09639149}"/>
+                  </a:ext>
+                </a:extLst>
+              </p:cNvPr>
+              <p:cNvSpPr/>
+              <p:nvPr>
+                <p:extLst>
+                  <p:ext uri="{386F3935-93C4-4BCD-93E2-E3B085C9AB24}">
+                    <p16:designElem xmlns:p16="http://schemas.microsoft.com/office/powerpoint/2015/main" val="1"/>
+                  </p:ext>
+                </p:extLst>
+              </p:nvPr>
+            </p:nvSpPr>
+            <p:spPr bwMode="auto">
+              <a:xfrm>
+                <a:off x="-14288" y="5627688"/>
+                <a:ext cx="85725" cy="1216025"/>
+              </a:xfrm>
+              <a:custGeom>
+                <a:avLst/>
+                <a:gdLst/>
+                <a:ahLst/>
+                <a:cxnLst/>
+                <a:rect l="0" t="0" r="r" b="b"/>
+                <a:pathLst>
+                  <a:path w="54" h="766">
+                    <a:moveTo>
+                      <a:pt x="54" y="766"/>
+                    </a:moveTo>
+                    <a:lnTo>
+                      <a:pt x="36" y="766"/>
+                    </a:lnTo>
+                    <a:lnTo>
+                      <a:pt x="36" y="149"/>
+                    </a:lnTo>
+                    <a:lnTo>
+                      <a:pt x="0" y="3"/>
+                    </a:lnTo>
+                    <a:lnTo>
+                      <a:pt x="18" y="0"/>
+                    </a:lnTo>
+                    <a:lnTo>
+                      <a:pt x="54" y="146"/>
+                    </a:lnTo>
+                    <a:lnTo>
+                      <a:pt x="54" y="766"/>
+                    </a:lnTo>
+                    <a:close/>
+                  </a:path>
+                </a:pathLst>
+              </a:custGeom>
+              <a:grpFill/>
+              <a:ln>
+                <a:noFill/>
+              </a:ln>
+              <a:extLst>
+                <a:ext uri="{91240B29-F687-4f45-9708-019B960494DF}">
+                  <a14:hiddenLine xmlns:a14="http://schemas.microsoft.com/office/drawing/2010/main" xmlns:p14="http://schemas.microsoft.com/office/powerpoint/2010/main" xmlns="" w="9525">
+                    <a:solidFill>
+                      <a:srgbClr val="000000"/>
+                    </a:solidFill>
+                    <a:round/>
+                    <a:headEnd/>
+                    <a:tailEnd/>
+                  </a14:hiddenLine>
+                </a:ext>
+              </a:extLst>
+            </p:spPr>
+          </p:sp>
+          <p:sp>
+            <p:nvSpPr>
+              <p:cNvPr id="52" name="Freeform 25">
+                <a:extLst>
+                  <a:ext uri="{FF2B5EF4-FFF2-40B4-BE49-F238E27FC236}">
+                    <a16:creationId xmlns:a16="http://schemas.microsoft.com/office/drawing/2014/main" id="{93CFF2DC-E52E-4D99-97D5-B0D7B792E50A}"/>
+                  </a:ext>
+                </a:extLst>
+              </p:cNvPr>
+              <p:cNvSpPr>
+                <a:spLocks noEditPoints="1"/>
+              </p:cNvSpPr>
+              <p:nvPr>
+                <p:extLst>
+                  <p:ext uri="{386F3935-93C4-4BCD-93E2-E3B085C9AB24}">
+                    <p16:designElem xmlns:p16="http://schemas.microsoft.com/office/powerpoint/2015/main" val="1"/>
+                  </p:ext>
+                </p:extLst>
+              </p:nvPr>
+            </p:nvSpPr>
+            <p:spPr bwMode="auto">
+              <a:xfrm>
+                <a:off x="527050" y="4867275"/>
+                <a:ext cx="190500" cy="188913"/>
+              </a:xfrm>
+              <a:custGeom>
+                <a:avLst/>
+                <a:gdLst/>
+                <a:ahLst/>
+                <a:cxnLst/>
+                <a:rect l="0" t="0" r="r" b="b"/>
+                <a:pathLst>
+                  <a:path w="40" h="40">
+                    <a:moveTo>
+                      <a:pt x="20" y="40"/>
+                    </a:moveTo>
+                    <a:cubicBezTo>
+                      <a:pt x="9" y="40"/>
+                      <a:pt x="0" y="31"/>
+                      <a:pt x="0" y="20"/>
+                    </a:cubicBezTo>
+                    <a:cubicBezTo>
+                      <a:pt x="0" y="9"/>
+                      <a:pt x="9" y="0"/>
+                      <a:pt x="20" y="0"/>
+                    </a:cubicBezTo>
+                    <a:cubicBezTo>
+                      <a:pt x="31" y="0"/>
+                      <a:pt x="40" y="9"/>
+                      <a:pt x="40" y="20"/>
+                    </a:cubicBezTo>
+                    <a:cubicBezTo>
+                      <a:pt x="40" y="31"/>
+                      <a:pt x="31" y="40"/>
+                      <a:pt x="20" y="40"/>
+                    </a:cubicBezTo>
+                    <a:close/>
+                    <a:moveTo>
+                      <a:pt x="20" y="4"/>
+                    </a:moveTo>
+                    <a:cubicBezTo>
+                      <a:pt x="11" y="4"/>
+                      <a:pt x="4" y="11"/>
+                      <a:pt x="4" y="20"/>
+                    </a:cubicBezTo>
+                    <a:cubicBezTo>
+                      <a:pt x="4" y="29"/>
+                      <a:pt x="11" y="36"/>
+                      <a:pt x="20" y="36"/>
+                    </a:cubicBezTo>
+                    <a:cubicBezTo>
+                      <a:pt x="29" y="36"/>
+                      <a:pt x="36" y="29"/>
+                      <a:pt x="36" y="20"/>
+                    </a:cubicBezTo>
+                    <a:cubicBezTo>
+                      <a:pt x="36" y="11"/>
+                      <a:pt x="29" y="4"/>
+                      <a:pt x="20" y="4"/>
+                    </a:cubicBezTo>
+                    <a:close/>
+                  </a:path>
+                </a:pathLst>
+              </a:custGeom>
+              <a:grpFill/>
+              <a:ln>
+                <a:noFill/>
+              </a:ln>
+              <a:extLst>
+                <a:ext uri="{91240B29-F687-4f45-9708-019B960494DF}">
+                  <a14:hiddenLine xmlns:a14="http://schemas.microsoft.com/office/drawing/2010/main" xmlns:p14="http://schemas.microsoft.com/office/powerpoint/2010/main" xmlns="" w="9525">
+                    <a:solidFill>
+                      <a:srgbClr val="000000"/>
+                    </a:solidFill>
+                    <a:round/>
+                    <a:headEnd/>
+                    <a:tailEnd/>
+                  </a14:hiddenLine>
+                </a:ext>
+              </a:extLst>
+            </p:spPr>
+          </p:sp>
+          <p:sp>
+            <p:nvSpPr>
+              <p:cNvPr id="53" name="Freeform 26">
+                <a:extLst>
+                  <a:ext uri="{FF2B5EF4-FFF2-40B4-BE49-F238E27FC236}">
+                    <a16:creationId xmlns:a16="http://schemas.microsoft.com/office/drawing/2014/main" id="{5E175372-AF09-42A7-B3D0-226C83489170}"/>
+                  </a:ext>
+                </a:extLst>
+              </p:cNvPr>
+              <p:cNvSpPr/>
+              <p:nvPr>
+                <p:extLst>
+                  <p:ext uri="{386F3935-93C4-4BCD-93E2-E3B085C9AB24}">
+                    <p16:designElem xmlns:p16="http://schemas.microsoft.com/office/powerpoint/2015/main" val="1"/>
+                  </p:ext>
+                </p:extLst>
+              </p:nvPr>
+            </p:nvSpPr>
+            <p:spPr bwMode="auto">
+              <a:xfrm>
+                <a:off x="309562" y="5422900"/>
+                <a:ext cx="374650" cy="1425575"/>
+              </a:xfrm>
+              <a:custGeom>
+                <a:avLst/>
+                <a:gdLst/>
+                <a:ahLst/>
+                <a:cxnLst/>
+                <a:rect l="0" t="0" r="r" b="b"/>
+                <a:pathLst>
+                  <a:path w="236" h="898">
+                    <a:moveTo>
+                      <a:pt x="18" y="898"/>
+                    </a:moveTo>
+                    <a:lnTo>
+                      <a:pt x="0" y="898"/>
+                    </a:lnTo>
+                    <a:lnTo>
+                      <a:pt x="0" y="515"/>
+                    </a:lnTo>
+                    <a:lnTo>
+                      <a:pt x="3" y="512"/>
+                    </a:lnTo>
+                    <a:lnTo>
+                      <a:pt x="221" y="0"/>
+                    </a:lnTo>
+                    <a:lnTo>
+                      <a:pt x="236" y="6"/>
+                    </a:lnTo>
+                    <a:lnTo>
+                      <a:pt x="18" y="518"/>
+                    </a:lnTo>
+                    <a:lnTo>
+                      <a:pt x="18" y="898"/>
+                    </a:lnTo>
+                    <a:close/>
+                  </a:path>
+                </a:pathLst>
+              </a:custGeom>
+              <a:grpFill/>
+              <a:ln>
+                <a:noFill/>
+              </a:ln>
+              <a:extLst>
+                <a:ext uri="{91240B29-F687-4f45-9708-019B960494DF}">
+                  <a14:hiddenLine xmlns:a14="http://schemas.microsoft.com/office/drawing/2010/main" xmlns:p14="http://schemas.microsoft.com/office/powerpoint/2010/main" xmlns="" w="9525">
+                    <a:solidFill>
+                      <a:srgbClr val="000000"/>
+                    </a:solidFill>
+                    <a:round/>
+                    <a:headEnd/>
+                    <a:tailEnd/>
+                  </a14:hiddenLine>
+                </a:ext>
+              </a:extLst>
+            </p:spPr>
+          </p:sp>
+          <p:sp>
+            <p:nvSpPr>
+              <p:cNvPr id="54" name="Freeform 27">
+                <a:extLst>
+                  <a:ext uri="{FF2B5EF4-FFF2-40B4-BE49-F238E27FC236}">
+                    <a16:creationId xmlns:a16="http://schemas.microsoft.com/office/drawing/2014/main" id="{ABF20BA9-F4B2-49EA-A573-578B1897747D}"/>
+                  </a:ext>
+                </a:extLst>
+              </p:cNvPr>
+              <p:cNvSpPr/>
+              <p:nvPr>
+                <p:extLst>
+                  <p:ext uri="{386F3935-93C4-4BCD-93E2-E3B085C9AB24}">
+                    <p16:designElem xmlns:p16="http://schemas.microsoft.com/office/powerpoint/2015/main" val="1"/>
+                  </p:ext>
+                </p:extLst>
+              </p:nvPr>
+            </p:nvSpPr>
+            <p:spPr bwMode="auto">
+              <a:xfrm>
+                <a:off x="569912" y="5945188"/>
+                <a:ext cx="152400" cy="912813"/>
+              </a:xfrm>
+              <a:custGeom>
+                <a:avLst/>
+                <a:gdLst/>
+                <a:ahLst/>
+                <a:cxnLst/>
+                <a:rect l="0" t="0" r="r" b="b"/>
+                <a:pathLst>
+                  <a:path w="96" h="575">
+                    <a:moveTo>
+                      <a:pt x="15" y="575"/>
+                    </a:moveTo>
+                    <a:lnTo>
+                      <a:pt x="0" y="569"/>
+                    </a:lnTo>
+                    <a:lnTo>
+                      <a:pt x="81" y="383"/>
+                    </a:lnTo>
+                    <a:lnTo>
+                      <a:pt x="81" y="0"/>
+                    </a:lnTo>
+                    <a:lnTo>
+                      <a:pt x="96" y="0"/>
+                    </a:lnTo>
+                    <a:lnTo>
+                      <a:pt x="96" y="386"/>
+                    </a:lnTo>
+                    <a:lnTo>
+                      <a:pt x="15" y="575"/>
+                    </a:lnTo>
+                    <a:close/>
+                  </a:path>
+                </a:pathLst>
+              </a:custGeom>
+              <a:grpFill/>
+              <a:ln>
+                <a:noFill/>
+              </a:ln>
+              <a:extLst>
+                <a:ext uri="{91240B29-F687-4f45-9708-019B960494DF}">
+                  <a14:hiddenLine xmlns:a14="http://schemas.microsoft.com/office/drawing/2010/main" xmlns:p14="http://schemas.microsoft.com/office/powerpoint/2010/main" xmlns="" w="9525">
+                    <a:solidFill>
+                      <a:srgbClr val="000000"/>
+                    </a:solidFill>
+                    <a:round/>
+                    <a:headEnd/>
+                    <a:tailEnd/>
+                  </a14:hiddenLine>
+                </a:ext>
+              </a:extLst>
+            </p:spPr>
+          </p:sp>
+          <p:sp>
+            <p:nvSpPr>
+              <p:cNvPr id="55" name="Freeform 28">
+                <a:extLst>
+                  <a:ext uri="{FF2B5EF4-FFF2-40B4-BE49-F238E27FC236}">
+                    <a16:creationId xmlns:a16="http://schemas.microsoft.com/office/drawing/2014/main" id="{AA3A7A4B-C811-4E23-8BFD-5823A032DA3D}"/>
+                  </a:ext>
+                </a:extLst>
+              </p:cNvPr>
+              <p:cNvSpPr>
+                <a:spLocks noEditPoints="1"/>
+              </p:cNvSpPr>
+              <p:nvPr>
+                <p:extLst>
+                  <p:ext uri="{386F3935-93C4-4BCD-93E2-E3B085C9AB24}">
+                    <p16:designElem xmlns:p16="http://schemas.microsoft.com/office/powerpoint/2015/main" val="1"/>
+                  </p:ext>
+                </p:extLst>
+              </p:nvPr>
+            </p:nvSpPr>
+            <p:spPr bwMode="auto">
+              <a:xfrm>
+                <a:off x="612775" y="5246688"/>
+                <a:ext cx="190500" cy="190500"/>
+              </a:xfrm>
+              <a:custGeom>
+                <a:avLst/>
+                <a:gdLst/>
+                <a:ahLst/>
+                <a:cxnLst/>
+                <a:rect l="0" t="0" r="r" b="b"/>
+                <a:pathLst>
+                  <a:path w="40" h="40">
+                    <a:moveTo>
+                      <a:pt x="20" y="40"/>
+                    </a:moveTo>
+                    <a:cubicBezTo>
+                      <a:pt x="9" y="40"/>
+                      <a:pt x="0" y="31"/>
+                      <a:pt x="0" y="20"/>
+                    </a:cubicBezTo>
+                    <a:cubicBezTo>
+                      <a:pt x="0" y="9"/>
+                      <a:pt x="9" y="0"/>
+                      <a:pt x="20" y="0"/>
+                    </a:cubicBezTo>
+                    <a:cubicBezTo>
+                      <a:pt x="31" y="0"/>
+                      <a:pt x="40" y="9"/>
+                      <a:pt x="40" y="20"/>
+                    </a:cubicBezTo>
+                    <a:cubicBezTo>
+                      <a:pt x="40" y="31"/>
+                      <a:pt x="31" y="40"/>
+                      <a:pt x="20" y="40"/>
+                    </a:cubicBezTo>
+                    <a:close/>
+                    <a:moveTo>
+                      <a:pt x="20" y="4"/>
+                    </a:moveTo>
+                    <a:cubicBezTo>
+                      <a:pt x="12" y="4"/>
+                      <a:pt x="4" y="11"/>
+                      <a:pt x="4" y="20"/>
+                    </a:cubicBezTo>
+                    <a:cubicBezTo>
+                      <a:pt x="4" y="29"/>
+                      <a:pt x="12" y="36"/>
+                      <a:pt x="20" y="36"/>
+                    </a:cubicBezTo>
+                    <a:cubicBezTo>
+                      <a:pt x="29" y="36"/>
+                      <a:pt x="36" y="29"/>
+                      <a:pt x="36" y="20"/>
+                    </a:cubicBezTo>
+                    <a:cubicBezTo>
+                      <a:pt x="36" y="11"/>
+                      <a:pt x="29" y="4"/>
+                      <a:pt x="20" y="4"/>
+                    </a:cubicBezTo>
+                    <a:close/>
+                  </a:path>
+                </a:pathLst>
+              </a:custGeom>
+              <a:grpFill/>
+              <a:ln>
+                <a:noFill/>
+              </a:ln>
+              <a:extLst>
+                <a:ext uri="{91240B29-F687-4f45-9708-019B960494DF}">
+                  <a14:hiddenLine xmlns:a14="http://schemas.microsoft.com/office/drawing/2010/main" xmlns:p14="http://schemas.microsoft.com/office/powerpoint/2010/main" xmlns="" w="9525">
+                    <a:solidFill>
+                      <a:srgbClr val="000000"/>
+                    </a:solidFill>
+                    <a:round/>
+                    <a:headEnd/>
+                    <a:tailEnd/>
+                  </a14:hiddenLine>
+                </a:ext>
+              </a:extLst>
+            </p:spPr>
+          </p:sp>
+          <p:sp>
+            <p:nvSpPr>
+              <p:cNvPr id="56" name="Freeform 29">
+                <a:extLst>
+                  <a:ext uri="{FF2B5EF4-FFF2-40B4-BE49-F238E27FC236}">
+                    <a16:creationId xmlns:a16="http://schemas.microsoft.com/office/drawing/2014/main" id="{47537781-F057-4B97-AD8F-12FE9BE599A8}"/>
+                  </a:ext>
+                </a:extLst>
+              </p:cNvPr>
+              <p:cNvSpPr>
+                <a:spLocks noEditPoints="1"/>
+              </p:cNvSpPr>
+              <p:nvPr>
+                <p:extLst>
+                  <p:ext uri="{386F3935-93C4-4BCD-93E2-E3B085C9AB24}">
+                    <p16:designElem xmlns:p16="http://schemas.microsoft.com/office/powerpoint/2015/main" val="1"/>
+                  </p:ext>
+                </p:extLst>
+              </p:nvPr>
+            </p:nvSpPr>
+            <p:spPr bwMode="auto">
+              <a:xfrm>
+                <a:off x="612775" y="5764213"/>
+                <a:ext cx="190500" cy="190500"/>
+              </a:xfrm>
+              <a:custGeom>
+                <a:avLst/>
+                <a:gdLst/>
+                <a:ahLst/>
+                <a:cxnLst/>
+                <a:rect l="0" t="0" r="r" b="b"/>
+                <a:pathLst>
+                  <a:path w="40" h="40">
+                    <a:moveTo>
+                      <a:pt x="20" y="40"/>
+                    </a:moveTo>
+                    <a:cubicBezTo>
+                      <a:pt x="9" y="40"/>
+                      <a:pt x="0" y="31"/>
+                      <a:pt x="0" y="20"/>
+                    </a:cubicBezTo>
+                    <a:cubicBezTo>
+                      <a:pt x="0" y="9"/>
+                      <a:pt x="9" y="0"/>
+                      <a:pt x="20" y="0"/>
+                    </a:cubicBezTo>
+                    <a:cubicBezTo>
+                      <a:pt x="31" y="0"/>
+                      <a:pt x="40" y="9"/>
+                      <a:pt x="40" y="20"/>
+                    </a:cubicBezTo>
+                    <a:cubicBezTo>
+                      <a:pt x="40" y="31"/>
+                      <a:pt x="31" y="40"/>
+                      <a:pt x="20" y="40"/>
+                    </a:cubicBezTo>
+                    <a:close/>
+                    <a:moveTo>
+                      <a:pt x="20" y="4"/>
+                    </a:moveTo>
+                    <a:cubicBezTo>
+                      <a:pt x="12" y="4"/>
+                      <a:pt x="4" y="11"/>
+                      <a:pt x="4" y="20"/>
+                    </a:cubicBezTo>
+                    <a:cubicBezTo>
+                      <a:pt x="4" y="29"/>
+                      <a:pt x="12" y="36"/>
+                      <a:pt x="20" y="36"/>
+                    </a:cubicBezTo>
+                    <a:cubicBezTo>
+                      <a:pt x="29" y="36"/>
+                      <a:pt x="36" y="29"/>
+                      <a:pt x="36" y="20"/>
+                    </a:cubicBezTo>
+                    <a:cubicBezTo>
+                      <a:pt x="36" y="11"/>
+                      <a:pt x="29" y="4"/>
+                      <a:pt x="20" y="4"/>
+                    </a:cubicBezTo>
+                    <a:close/>
+                  </a:path>
+                </a:pathLst>
+              </a:custGeom>
+              <a:grpFill/>
+              <a:ln>
+                <a:noFill/>
+              </a:ln>
+              <a:extLst>
+                <a:ext uri="{91240B29-F687-4f45-9708-019B960494DF}">
+                  <a14:hiddenLine xmlns:a14="http://schemas.microsoft.com/office/drawing/2010/main" xmlns:p14="http://schemas.microsoft.com/office/powerpoint/2010/main" xmlns="" w="9525">
+                    <a:solidFill>
+                      <a:srgbClr val="000000"/>
+                    </a:solidFill>
+                    <a:round/>
+                    <a:headEnd/>
+                    <a:tailEnd/>
+                  </a14:hiddenLine>
+                </a:ext>
+              </a:extLst>
+            </p:spPr>
+          </p:sp>
+          <p:sp>
+            <p:nvSpPr>
+              <p:cNvPr id="57" name="Freeform 30">
+                <a:extLst>
+                  <a:ext uri="{FF2B5EF4-FFF2-40B4-BE49-F238E27FC236}">
+                    <a16:creationId xmlns:a16="http://schemas.microsoft.com/office/drawing/2014/main" id="{078883C7-EB52-4BB7-A9A7-F8C046A8331D}"/>
+                  </a:ext>
+                </a:extLst>
+              </p:cNvPr>
+              <p:cNvSpPr/>
+              <p:nvPr>
+                <p:extLst>
+                  <p:ext uri="{386F3935-93C4-4BCD-93E2-E3B085C9AB24}">
+                    <p16:designElem xmlns:p16="http://schemas.microsoft.com/office/powerpoint/2015/main" val="1"/>
+                  </p:ext>
+                </p:extLst>
+              </p:nvPr>
+            </p:nvSpPr>
+            <p:spPr bwMode="auto">
+              <a:xfrm>
+                <a:off x="669925" y="6330950"/>
+                <a:ext cx="417513" cy="517525"/>
+              </a:xfrm>
+              <a:custGeom>
+                <a:avLst/>
+                <a:gdLst/>
+                <a:ahLst/>
+                <a:cxnLst/>
+                <a:rect l="0" t="0" r="r" b="b"/>
+                <a:pathLst>
+                  <a:path w="263" h="326">
+                    <a:moveTo>
+                      <a:pt x="15" y="326"/>
+                    </a:moveTo>
+                    <a:lnTo>
+                      <a:pt x="0" y="320"/>
+                    </a:lnTo>
+                    <a:lnTo>
+                      <a:pt x="45" y="206"/>
+                    </a:lnTo>
+                    <a:lnTo>
+                      <a:pt x="48" y="206"/>
+                    </a:lnTo>
+                    <a:lnTo>
+                      <a:pt x="254" y="0"/>
+                    </a:lnTo>
+                    <a:lnTo>
+                      <a:pt x="263" y="12"/>
+                    </a:lnTo>
+                    <a:lnTo>
+                      <a:pt x="60" y="215"/>
+                    </a:lnTo>
+                    <a:lnTo>
+                      <a:pt x="15" y="326"/>
+                    </a:lnTo>
+                    <a:close/>
+                  </a:path>
+                </a:pathLst>
+              </a:custGeom>
+              <a:grpFill/>
+              <a:ln>
+                <a:noFill/>
+              </a:ln>
+              <a:extLst>
+                <a:ext uri="{91240B29-F687-4f45-9708-019B960494DF}">
+                  <a14:hiddenLine xmlns:a14="http://schemas.microsoft.com/office/drawing/2010/main" xmlns:p14="http://schemas.microsoft.com/office/powerpoint/2010/main" xmlns="" w="9525">
+                    <a:solidFill>
+                      <a:srgbClr val="000000"/>
+                    </a:solidFill>
+                    <a:round/>
+                    <a:headEnd/>
+                    <a:tailEnd/>
+                  </a14:hiddenLine>
+                </a:ext>
+              </a:extLst>
+            </p:spPr>
+          </p:sp>
+          <p:sp>
+            <p:nvSpPr>
+              <p:cNvPr id="58" name="Freeform 31">
+                <a:extLst>
+                  <a:ext uri="{FF2B5EF4-FFF2-40B4-BE49-F238E27FC236}">
+                    <a16:creationId xmlns:a16="http://schemas.microsoft.com/office/drawing/2014/main" id="{63CCBBF8-5972-4ED3-AB5B-46DC425B1772}"/>
+                  </a:ext>
+                </a:extLst>
+              </p:cNvPr>
+              <p:cNvSpPr>
+                <a:spLocks noEditPoints="1"/>
+              </p:cNvSpPr>
+              <p:nvPr>
+                <p:extLst>
+                  <p:ext uri="{386F3935-93C4-4BCD-93E2-E3B085C9AB24}">
+                    <p16:designElem xmlns:p16="http://schemas.microsoft.com/office/powerpoint/2015/main" val="1"/>
+                  </p:ext>
+                </p:extLst>
+              </p:nvPr>
+            </p:nvSpPr>
+            <p:spPr bwMode="auto">
+              <a:xfrm>
+                <a:off x="1049337" y="6221413"/>
+                <a:ext cx="157163" cy="147638"/>
+              </a:xfrm>
+              <a:custGeom>
+                <a:avLst/>
+                <a:gdLst/>
+                <a:ahLst/>
+                <a:cxnLst/>
+                <a:rect l="0" t="0" r="r" b="b"/>
+                <a:pathLst>
+                  <a:path w="33" h="31">
+                    <a:moveTo>
+                      <a:pt x="16" y="31"/>
+                    </a:moveTo>
+                    <a:cubicBezTo>
+                      <a:pt x="12" y="31"/>
+                      <a:pt x="8" y="29"/>
+                      <a:pt x="5" y="26"/>
+                    </a:cubicBezTo>
+                    <a:cubicBezTo>
+                      <a:pt x="2" y="24"/>
+                      <a:pt x="0" y="20"/>
+                      <a:pt x="0" y="15"/>
+                    </a:cubicBezTo>
+                    <a:cubicBezTo>
+                      <a:pt x="0" y="11"/>
+                      <a:pt x="2" y="7"/>
+                      <a:pt x="5" y="4"/>
+                    </a:cubicBezTo>
+                    <a:cubicBezTo>
+                      <a:pt x="8" y="1"/>
+                      <a:pt x="12" y="0"/>
+                      <a:pt x="16" y="0"/>
+                    </a:cubicBezTo>
+                    <a:cubicBezTo>
+                      <a:pt x="20" y="0"/>
+                      <a:pt x="24" y="1"/>
+                      <a:pt x="27" y="4"/>
+                    </a:cubicBezTo>
+                    <a:cubicBezTo>
+                      <a:pt x="33" y="10"/>
+                      <a:pt x="33" y="20"/>
+                      <a:pt x="27" y="26"/>
+                    </a:cubicBezTo>
+                    <a:cubicBezTo>
+                      <a:pt x="24" y="29"/>
+                      <a:pt x="20" y="31"/>
+                      <a:pt x="16" y="31"/>
+                    </a:cubicBezTo>
+                    <a:close/>
+                    <a:moveTo>
+                      <a:pt x="16" y="4"/>
+                    </a:moveTo>
+                    <a:cubicBezTo>
+                      <a:pt x="13" y="4"/>
+                      <a:pt x="10" y="5"/>
+                      <a:pt x="8" y="7"/>
+                    </a:cubicBezTo>
+                    <a:cubicBezTo>
+                      <a:pt x="6" y="9"/>
+                      <a:pt x="4" y="12"/>
+                      <a:pt x="4" y="15"/>
+                    </a:cubicBezTo>
+                    <a:cubicBezTo>
+                      <a:pt x="4" y="19"/>
+                      <a:pt x="6" y="21"/>
+                      <a:pt x="8" y="24"/>
+                    </a:cubicBezTo>
+                    <a:cubicBezTo>
+                      <a:pt x="10" y="26"/>
+                      <a:pt x="13" y="27"/>
+                      <a:pt x="16" y="27"/>
+                    </a:cubicBezTo>
+                    <a:cubicBezTo>
+                      <a:pt x="19" y="27"/>
+                      <a:pt x="22" y="26"/>
+                      <a:pt x="24" y="24"/>
+                    </a:cubicBezTo>
+                    <a:cubicBezTo>
+                      <a:pt x="29" y="19"/>
+                      <a:pt x="29" y="12"/>
+                      <a:pt x="24" y="7"/>
+                    </a:cubicBezTo>
+                    <a:cubicBezTo>
+                      <a:pt x="22" y="5"/>
+                      <a:pt x="19" y="4"/>
+                      <a:pt x="16" y="4"/>
+                    </a:cubicBezTo>
+                    <a:close/>
+                  </a:path>
+                </a:pathLst>
+              </a:custGeom>
+              <a:grpFill/>
+              <a:ln>
+                <a:noFill/>
+              </a:ln>
+              <a:extLst>
+                <a:ext uri="{91240B29-F687-4f45-9708-019B960494DF}">
+                  <a14:hiddenLine xmlns:a14="http://schemas.microsoft.com/office/drawing/2010/main" xmlns:p14="http://schemas.microsoft.com/office/powerpoint/2010/main" xmlns="" w="9525">
+                    <a:solidFill>
+                      <a:srgbClr val="000000"/>
+                    </a:solidFill>
+                    <a:round/>
+                    <a:headEnd/>
+                    <a:tailEnd/>
+                  </a14:hiddenLine>
+                </a:ext>
+              </a:extLst>
+            </p:spPr>
+          </p:sp>
+        </p:grpSp>
+        <p:grpSp>
+          <p:nvGrpSpPr>
+            <p:cNvPr id="21" name="Group 20">
+              <a:extLst>
+                <a:ext uri="{FF2B5EF4-FFF2-40B4-BE49-F238E27FC236}">
+                  <a16:creationId xmlns:a16="http://schemas.microsoft.com/office/drawing/2014/main" id="{A8C19883-37FB-437C-A3AA-89AA6239D3A9}"/>
+                </a:ext>
+              </a:extLst>
+            </p:cNvPr>
+            <p:cNvGrpSpPr/>
+            <p:nvPr>
+              <p:extLst>
+                <p:ext uri="{386F3935-93C4-4BCD-93E2-E3B085C9AB24}">
+                  <p16:designElem xmlns:p16="http://schemas.microsoft.com/office/powerpoint/2015/main" val="1"/>
+                </p:ext>
+              </p:extLst>
+            </p:nvPr>
+          </p:nvGrpSpPr>
+          <p:grpSpPr>
+            <a:xfrm>
+              <a:off x="11364912" y="0"/>
+              <a:ext cx="674688" cy="6848476"/>
+              <a:chOff x="11364912" y="0"/>
+              <a:chExt cx="674688" cy="6848476"/>
+            </a:xfrm>
+            <a:gradFill flip="none" rotWithShape="1">
+              <a:gsLst>
+                <a:gs pos="0">
+                  <a:schemeClr val="tx2">
+                    <a:alpha val="80000"/>
+                  </a:schemeClr>
+                </a:gs>
+                <a:gs pos="100000">
+                  <a:schemeClr val="bg2">
+                    <a:lumMod val="60000"/>
+                    <a:lumOff val="40000"/>
+                    <a:alpha val="60000"/>
+                  </a:schemeClr>
+                </a:gs>
+              </a:gsLst>
+              <a:lin ang="5400000" scaled="0"/>
+              <a:tileRect/>
+            </a:gradFill>
+          </p:grpSpPr>
+          <p:sp>
+            <p:nvSpPr>
+              <p:cNvPr id="22" name="Freeform 32">
+                <a:extLst>
+                  <a:ext uri="{FF2B5EF4-FFF2-40B4-BE49-F238E27FC236}">
+                    <a16:creationId xmlns:a16="http://schemas.microsoft.com/office/drawing/2014/main" id="{AF1753DD-4CEF-45EC-B952-90EA8895D7CB}"/>
+                  </a:ext>
+                </a:extLst>
+              </p:cNvPr>
+              <p:cNvSpPr/>
+              <p:nvPr>
+                <p:extLst>
+                  <p:ext uri="{386F3935-93C4-4BCD-93E2-E3B085C9AB24}">
+                    <p16:designElem xmlns:p16="http://schemas.microsoft.com/office/powerpoint/2015/main" val="1"/>
+                  </p:ext>
+                </p:extLst>
+              </p:nvPr>
+            </p:nvSpPr>
+            <p:spPr bwMode="auto">
+              <a:xfrm>
+                <a:off x="11483975" y="0"/>
+                <a:ext cx="417513" cy="512763"/>
+              </a:xfrm>
+              <a:custGeom>
+                <a:avLst/>
+                <a:gdLst/>
+                <a:ahLst/>
+                <a:cxnLst/>
+                <a:rect l="0" t="0" r="r" b="b"/>
+                <a:pathLst>
+                  <a:path w="263" h="323">
+                    <a:moveTo>
+                      <a:pt x="12" y="323"/>
+                    </a:moveTo>
+                    <a:lnTo>
+                      <a:pt x="0" y="314"/>
+                    </a:lnTo>
+                    <a:lnTo>
+                      <a:pt x="203" y="108"/>
+                    </a:lnTo>
+                    <a:lnTo>
+                      <a:pt x="248" y="0"/>
+                    </a:lnTo>
+                    <a:lnTo>
+                      <a:pt x="263" y="6"/>
+                    </a:lnTo>
+                    <a:lnTo>
+                      <a:pt x="218" y="117"/>
+                    </a:lnTo>
+                    <a:lnTo>
+                      <a:pt x="218" y="117"/>
+                    </a:lnTo>
+                    <a:lnTo>
+                      <a:pt x="12" y="323"/>
+                    </a:lnTo>
+                    <a:close/>
+                  </a:path>
+                </a:pathLst>
+              </a:custGeom>
+              <a:grpFill/>
+              <a:ln>
+                <a:noFill/>
+              </a:ln>
+              <a:extLst>
+                <a:ext uri="{91240B29-F687-4f45-9708-019B960494DF}">
+                  <a14:hiddenLine xmlns:a14="http://schemas.microsoft.com/office/drawing/2010/main" xmlns:p14="http://schemas.microsoft.com/office/powerpoint/2010/main" xmlns="" w="9525">
+                    <a:solidFill>
+                      <a:srgbClr val="000000"/>
+                    </a:solidFill>
+                    <a:round/>
+                    <a:headEnd/>
+                    <a:tailEnd/>
+                  </a14:hiddenLine>
+                </a:ext>
+              </a:extLst>
+            </p:spPr>
+          </p:sp>
+          <p:sp>
+            <p:nvSpPr>
+              <p:cNvPr id="23" name="Freeform 33">
+                <a:extLst>
+                  <a:ext uri="{FF2B5EF4-FFF2-40B4-BE49-F238E27FC236}">
+                    <a16:creationId xmlns:a16="http://schemas.microsoft.com/office/drawing/2014/main" id="{5B9356DB-C1BE-4D76-8FA7-4FBAA12D1D33}"/>
+                  </a:ext>
+                </a:extLst>
+              </p:cNvPr>
+              <p:cNvSpPr>
+                <a:spLocks noEditPoints="1"/>
+              </p:cNvSpPr>
+              <p:nvPr>
+                <p:extLst>
+                  <p:ext uri="{386F3935-93C4-4BCD-93E2-E3B085C9AB24}">
+                    <p16:designElem xmlns:p16="http://schemas.microsoft.com/office/powerpoint/2015/main" val="1"/>
+                  </p:ext>
+                </p:extLst>
+              </p:nvPr>
+            </p:nvSpPr>
+            <p:spPr bwMode="auto">
+              <a:xfrm>
+                <a:off x="11364912" y="474663"/>
+                <a:ext cx="157163" cy="152400"/>
+              </a:xfrm>
+              <a:custGeom>
+                <a:avLst/>
+                <a:gdLst/>
+                <a:ahLst/>
+                <a:cxnLst/>
+                <a:rect l="0" t="0" r="r" b="b"/>
+                <a:pathLst>
+                  <a:path w="33" h="32">
+                    <a:moveTo>
+                      <a:pt x="17" y="32"/>
+                    </a:moveTo>
+                    <a:cubicBezTo>
+                      <a:pt x="13" y="32"/>
+                      <a:pt x="9" y="30"/>
+                      <a:pt x="6" y="27"/>
+                    </a:cubicBezTo>
+                    <a:cubicBezTo>
+                      <a:pt x="0" y="21"/>
+                      <a:pt x="0" y="11"/>
+                      <a:pt x="6" y="5"/>
+                    </a:cubicBezTo>
+                    <a:cubicBezTo>
+                      <a:pt x="9" y="2"/>
+                      <a:pt x="13" y="0"/>
+                      <a:pt x="17" y="0"/>
+                    </a:cubicBezTo>
+                    <a:cubicBezTo>
+                      <a:pt x="21" y="0"/>
+                      <a:pt x="25" y="2"/>
+                      <a:pt x="28" y="5"/>
+                    </a:cubicBezTo>
+                    <a:cubicBezTo>
+                      <a:pt x="31" y="8"/>
+                      <a:pt x="33" y="12"/>
+                      <a:pt x="33" y="16"/>
+                    </a:cubicBezTo>
+                    <a:cubicBezTo>
+                      <a:pt x="33" y="20"/>
+                      <a:pt x="31" y="24"/>
+                      <a:pt x="28" y="27"/>
+                    </a:cubicBezTo>
+                    <a:cubicBezTo>
+                      <a:pt x="25" y="30"/>
+                      <a:pt x="21" y="32"/>
+                      <a:pt x="17" y="32"/>
+                    </a:cubicBezTo>
+                    <a:close/>
+                    <a:moveTo>
+                      <a:pt x="17" y="4"/>
+                    </a:moveTo>
+                    <a:cubicBezTo>
+                      <a:pt x="14" y="4"/>
+                      <a:pt x="11" y="6"/>
+                      <a:pt x="9" y="8"/>
+                    </a:cubicBezTo>
+                    <a:cubicBezTo>
+                      <a:pt x="4" y="12"/>
+                      <a:pt x="4" y="20"/>
+                      <a:pt x="9" y="24"/>
+                    </a:cubicBezTo>
+                    <a:cubicBezTo>
+                      <a:pt x="11" y="27"/>
+                      <a:pt x="14" y="28"/>
+                      <a:pt x="17" y="28"/>
+                    </a:cubicBezTo>
+                    <a:cubicBezTo>
+                      <a:pt x="20" y="28"/>
+                      <a:pt x="23" y="27"/>
+                      <a:pt x="26" y="24"/>
+                    </a:cubicBezTo>
+                    <a:cubicBezTo>
+                      <a:pt x="30" y="20"/>
+                      <a:pt x="30" y="12"/>
+                      <a:pt x="26" y="8"/>
+                    </a:cubicBezTo>
+                    <a:cubicBezTo>
+                      <a:pt x="23" y="6"/>
+                      <a:pt x="20" y="4"/>
+                      <a:pt x="17" y="4"/>
+                    </a:cubicBezTo>
+                    <a:close/>
+                  </a:path>
+                </a:pathLst>
+              </a:custGeom>
+              <a:grpFill/>
+              <a:ln>
+                <a:noFill/>
+              </a:ln>
+              <a:extLst>
+                <a:ext uri="{91240B29-F687-4f45-9708-019B960494DF}">
+                  <a14:hiddenLine xmlns:a14="http://schemas.microsoft.com/office/drawing/2010/main" xmlns:p14="http://schemas.microsoft.com/office/powerpoint/2010/main" xmlns="" w="9525">
+                    <a:solidFill>
+                      <a:srgbClr val="000000"/>
+                    </a:solidFill>
+                    <a:round/>
+                    <a:headEnd/>
+                    <a:tailEnd/>
+                  </a14:hiddenLine>
+                </a:ext>
+              </a:extLst>
+            </p:spPr>
+          </p:sp>
+          <p:sp>
+            <p:nvSpPr>
+              <p:cNvPr id="24" name="Freeform 34">
+                <a:extLst>
+                  <a:ext uri="{FF2B5EF4-FFF2-40B4-BE49-F238E27FC236}">
+                    <a16:creationId xmlns:a16="http://schemas.microsoft.com/office/drawing/2014/main" id="{C4F59561-572D-42BA-A6FD-F3AFA1A394DD}"/>
+                  </a:ext>
+                </a:extLst>
+              </p:cNvPr>
+              <p:cNvSpPr>
+                <a:spLocks noEditPoints="1"/>
+              </p:cNvSpPr>
+              <p:nvPr>
+                <p:extLst>
+                  <p:ext uri="{386F3935-93C4-4BCD-93E2-E3B085C9AB24}">
+                    <p16:designElem xmlns:p16="http://schemas.microsoft.com/office/powerpoint/2015/main" val="1"/>
+                  </p:ext>
+                </p:extLst>
+              </p:nvPr>
+            </p:nvSpPr>
+            <p:spPr bwMode="auto">
+              <a:xfrm>
+                <a:off x="11631612" y="1539875"/>
+                <a:ext cx="188913" cy="190500"/>
+              </a:xfrm>
+              <a:custGeom>
+                <a:avLst/>
+                <a:gdLst/>
+                <a:ahLst/>
+                <a:cxnLst/>
+                <a:rect l="0" t="0" r="r" b="b"/>
+                <a:pathLst>
+                  <a:path w="40" h="40">
+                    <a:moveTo>
+                      <a:pt x="20" y="40"/>
+                    </a:moveTo>
+                    <a:cubicBezTo>
+                      <a:pt x="9" y="40"/>
+                      <a:pt x="0" y="31"/>
+                      <a:pt x="0" y="20"/>
+                    </a:cubicBezTo>
+                    <a:cubicBezTo>
+                      <a:pt x="0" y="9"/>
+                      <a:pt x="9" y="0"/>
+                      <a:pt x="20" y="0"/>
+                    </a:cubicBezTo>
+                    <a:cubicBezTo>
+                      <a:pt x="31" y="0"/>
+                      <a:pt x="40" y="9"/>
+                      <a:pt x="40" y="20"/>
+                    </a:cubicBezTo>
+                    <a:cubicBezTo>
+                      <a:pt x="40" y="31"/>
+                      <a:pt x="31" y="40"/>
+                      <a:pt x="20" y="40"/>
+                    </a:cubicBezTo>
+                    <a:close/>
+                    <a:moveTo>
+                      <a:pt x="20" y="4"/>
+                    </a:moveTo>
+                    <a:cubicBezTo>
+                      <a:pt x="11" y="4"/>
+                      <a:pt x="4" y="11"/>
+                      <a:pt x="4" y="20"/>
+                    </a:cubicBezTo>
+                    <a:cubicBezTo>
+                      <a:pt x="4" y="29"/>
+                      <a:pt x="11" y="36"/>
+                      <a:pt x="20" y="36"/>
+                    </a:cubicBezTo>
+                    <a:cubicBezTo>
+                      <a:pt x="29" y="36"/>
+                      <a:pt x="36" y="29"/>
+                      <a:pt x="36" y="20"/>
+                    </a:cubicBezTo>
+                    <a:cubicBezTo>
+                      <a:pt x="36" y="11"/>
+                      <a:pt x="29" y="4"/>
+                      <a:pt x="20" y="4"/>
+                    </a:cubicBezTo>
+                    <a:close/>
+                  </a:path>
+                </a:pathLst>
+              </a:custGeom>
+              <a:grpFill/>
+              <a:ln>
+                <a:noFill/>
+              </a:ln>
+              <a:extLst>
+                <a:ext uri="{91240B29-F687-4f45-9708-019B960494DF}">
+                  <a14:hiddenLine xmlns:a14="http://schemas.microsoft.com/office/drawing/2010/main" xmlns:p14="http://schemas.microsoft.com/office/powerpoint/2010/main" xmlns="" w="9525">
+                    <a:solidFill>
+                      <a:srgbClr val="000000"/>
+                    </a:solidFill>
+                    <a:round/>
+                    <a:headEnd/>
+                    <a:tailEnd/>
+                  </a14:hiddenLine>
+                </a:ext>
+              </a:extLst>
+            </p:spPr>
+          </p:sp>
+          <p:sp>
+            <p:nvSpPr>
+              <p:cNvPr id="25" name="Freeform 35">
+                <a:extLst>
+                  <a:ext uri="{FF2B5EF4-FFF2-40B4-BE49-F238E27FC236}">
+                    <a16:creationId xmlns:a16="http://schemas.microsoft.com/office/drawing/2014/main" id="{BB7A51A1-D509-4494-BAE2-1B96CAD4DB37}"/>
+                  </a:ext>
+                </a:extLst>
+              </p:cNvPr>
+              <p:cNvSpPr/>
+              <p:nvPr>
+                <p:extLst>
+                  <p:ext uri="{386F3935-93C4-4BCD-93E2-E3B085C9AB24}">
+                    <p16:designElem xmlns:p16="http://schemas.microsoft.com/office/powerpoint/2015/main" val="1"/>
+                  </p:ext>
+                </p:extLst>
+              </p:nvPr>
+            </p:nvSpPr>
+            <p:spPr bwMode="auto">
+              <a:xfrm>
+                <a:off x="11531600" y="5694363"/>
+                <a:ext cx="298450" cy="1154113"/>
+              </a:xfrm>
+              <a:custGeom>
+                <a:avLst/>
+                <a:gdLst/>
+                <a:ahLst/>
+                <a:cxnLst/>
+                <a:rect l="0" t="0" r="r" b="b"/>
+                <a:pathLst>
+                  <a:path w="188" h="727">
+                    <a:moveTo>
+                      <a:pt x="15" y="727"/>
+                    </a:moveTo>
+                    <a:lnTo>
+                      <a:pt x="0" y="727"/>
+                    </a:lnTo>
+                    <a:lnTo>
+                      <a:pt x="0" y="407"/>
+                    </a:lnTo>
+                    <a:lnTo>
+                      <a:pt x="0" y="407"/>
+                    </a:lnTo>
+                    <a:lnTo>
+                      <a:pt x="176" y="0"/>
+                    </a:lnTo>
+                    <a:lnTo>
+                      <a:pt x="188" y="6"/>
+                    </a:lnTo>
+                    <a:lnTo>
+                      <a:pt x="15" y="410"/>
+                    </a:lnTo>
+                    <a:lnTo>
+                      <a:pt x="15" y="727"/>
+                    </a:lnTo>
+                    <a:close/>
+                  </a:path>
+                </a:pathLst>
+              </a:custGeom>
+              <a:grpFill/>
+              <a:ln>
+                <a:noFill/>
+              </a:ln>
+              <a:extLst>
+                <a:ext uri="{91240B29-F687-4f45-9708-019B960494DF}">
+                  <a14:hiddenLine xmlns:a14="http://schemas.microsoft.com/office/drawing/2010/main" xmlns:p14="http://schemas.microsoft.com/office/powerpoint/2010/main" xmlns="" w="9525">
+                    <a:solidFill>
+                      <a:srgbClr val="000000"/>
+                    </a:solidFill>
+                    <a:round/>
+                    <a:headEnd/>
+                    <a:tailEnd/>
+                  </a14:hiddenLine>
+                </a:ext>
+              </a:extLst>
+            </p:spPr>
+          </p:sp>
+          <p:sp>
+            <p:nvSpPr>
+              <p:cNvPr id="26" name="Freeform 36">
+                <a:extLst>
+                  <a:ext uri="{FF2B5EF4-FFF2-40B4-BE49-F238E27FC236}">
+                    <a16:creationId xmlns:a16="http://schemas.microsoft.com/office/drawing/2014/main" id="{D3FE0B5A-55DE-4E56-8E9B-B92D1DB9A894}"/>
+                  </a:ext>
+                </a:extLst>
+              </p:cNvPr>
+              <p:cNvSpPr>
+                <a:spLocks noEditPoints="1"/>
+              </p:cNvSpPr>
+              <p:nvPr>
+                <p:extLst>
+                  <p:ext uri="{386F3935-93C4-4BCD-93E2-E3B085C9AB24}">
+                    <p16:designElem xmlns:p16="http://schemas.microsoft.com/office/powerpoint/2015/main" val="1"/>
+                  </p:ext>
+                </p:extLst>
+              </p:nvPr>
+            </p:nvSpPr>
+            <p:spPr bwMode="auto">
+              <a:xfrm>
+                <a:off x="11772900" y="5551488"/>
+                <a:ext cx="157163" cy="155575"/>
+              </a:xfrm>
+              <a:custGeom>
+                <a:avLst/>
+                <a:gdLst/>
+                <a:ahLst/>
+                <a:cxnLst/>
+                <a:rect l="0" t="0" r="r" b="b"/>
+                <a:pathLst>
+                  <a:path w="33" h="33">
+                    <a:moveTo>
+                      <a:pt x="17" y="33"/>
+                    </a:moveTo>
+                    <a:cubicBezTo>
+                      <a:pt x="8" y="33"/>
+                      <a:pt x="0" y="25"/>
+                      <a:pt x="0" y="16"/>
+                    </a:cubicBezTo>
+                    <a:cubicBezTo>
+                      <a:pt x="0" y="7"/>
+                      <a:pt x="8" y="0"/>
+                      <a:pt x="17" y="0"/>
+                    </a:cubicBezTo>
+                    <a:cubicBezTo>
+                      <a:pt x="26" y="0"/>
+                      <a:pt x="33" y="7"/>
+                      <a:pt x="33" y="16"/>
+                    </a:cubicBezTo>
+                    <a:cubicBezTo>
+                      <a:pt x="33" y="25"/>
+                      <a:pt x="26" y="33"/>
+                      <a:pt x="17" y="33"/>
+                    </a:cubicBezTo>
+                    <a:close/>
+                    <a:moveTo>
+                      <a:pt x="17" y="4"/>
+                    </a:moveTo>
+                    <a:cubicBezTo>
+                      <a:pt x="10" y="4"/>
+                      <a:pt x="4" y="9"/>
+                      <a:pt x="4" y="16"/>
+                    </a:cubicBezTo>
+                    <a:cubicBezTo>
+                      <a:pt x="4" y="23"/>
+                      <a:pt x="10" y="29"/>
+                      <a:pt x="17" y="29"/>
+                    </a:cubicBezTo>
+                    <a:cubicBezTo>
+                      <a:pt x="23" y="29"/>
+                      <a:pt x="29" y="23"/>
+                      <a:pt x="29" y="16"/>
+                    </a:cubicBezTo>
+                    <a:cubicBezTo>
+                      <a:pt x="29" y="9"/>
+                      <a:pt x="23" y="4"/>
+                      <a:pt x="17" y="4"/>
+                    </a:cubicBezTo>
+                    <a:close/>
+                  </a:path>
+                </a:pathLst>
+              </a:custGeom>
+              <a:grpFill/>
+              <a:ln>
+                <a:noFill/>
+              </a:ln>
+              <a:extLst>
+                <a:ext uri="{91240B29-F687-4f45-9708-019B960494DF}">
+                  <a14:hiddenLine xmlns:a14="http://schemas.microsoft.com/office/drawing/2010/main" xmlns:p14="http://schemas.microsoft.com/office/powerpoint/2010/main" xmlns="" w="9525">
+                    <a:solidFill>
+                      <a:srgbClr val="000000"/>
+                    </a:solidFill>
+                    <a:round/>
+                    <a:headEnd/>
+                    <a:tailEnd/>
+                  </a14:hiddenLine>
+                </a:ext>
+              </a:extLst>
+            </p:spPr>
+          </p:sp>
+          <p:sp>
+            <p:nvSpPr>
+              <p:cNvPr id="27" name="Freeform 37">
+                <a:extLst>
+                  <a:ext uri="{FF2B5EF4-FFF2-40B4-BE49-F238E27FC236}">
+                    <a16:creationId xmlns:a16="http://schemas.microsoft.com/office/drawing/2014/main" id="{F125661C-3A0E-4B6E-B2AB-1B08C8925175}"/>
+                  </a:ext>
+                </a:extLst>
+              </p:cNvPr>
+              <p:cNvSpPr/>
+              <p:nvPr>
+                <p:extLst>
+                  <p:ext uri="{386F3935-93C4-4BCD-93E2-E3B085C9AB24}">
+                    <p16:designElem xmlns:p16="http://schemas.microsoft.com/office/powerpoint/2015/main" val="1"/>
+                  </p:ext>
+                </p:extLst>
+              </p:nvPr>
+            </p:nvSpPr>
+            <p:spPr bwMode="auto">
+              <a:xfrm>
+                <a:off x="11710987" y="4763"/>
+                <a:ext cx="304800" cy="1544638"/>
+              </a:xfrm>
+              <a:custGeom>
+                <a:avLst/>
+                <a:gdLst/>
+                <a:ahLst/>
+                <a:cxnLst/>
+                <a:rect l="0" t="0" r="r" b="b"/>
+                <a:pathLst>
+                  <a:path w="192" h="973">
+                    <a:moveTo>
+                      <a:pt x="15" y="973"/>
+                    </a:moveTo>
+                    <a:lnTo>
+                      <a:pt x="0" y="973"/>
+                    </a:lnTo>
+                    <a:lnTo>
+                      <a:pt x="0" y="790"/>
+                    </a:lnTo>
+                    <a:lnTo>
+                      <a:pt x="174" y="614"/>
+                    </a:lnTo>
+                    <a:lnTo>
+                      <a:pt x="174" y="0"/>
+                    </a:lnTo>
+                    <a:lnTo>
+                      <a:pt x="192" y="0"/>
+                    </a:lnTo>
+                    <a:lnTo>
+                      <a:pt x="192" y="620"/>
+                    </a:lnTo>
+                    <a:lnTo>
+                      <a:pt x="15" y="796"/>
+                    </a:lnTo>
+                    <a:lnTo>
+                      <a:pt x="15" y="973"/>
+                    </a:lnTo>
+                    <a:close/>
+                  </a:path>
+                </a:pathLst>
+              </a:custGeom>
+              <a:grpFill/>
+              <a:ln>
+                <a:noFill/>
+              </a:ln>
+              <a:extLst>
+                <a:ext uri="{91240B29-F687-4f45-9708-019B960494DF}">
+                  <a14:hiddenLine xmlns:a14="http://schemas.microsoft.com/office/drawing/2010/main" xmlns:p14="http://schemas.microsoft.com/office/powerpoint/2010/main" xmlns="" w="9525">
+                    <a:solidFill>
+                      <a:srgbClr val="000000"/>
+                    </a:solidFill>
+                    <a:round/>
+                    <a:headEnd/>
+                    <a:tailEnd/>
+                  </a14:hiddenLine>
+                </a:ext>
+              </a:extLst>
+            </p:spPr>
+          </p:sp>
+          <p:sp>
+            <p:nvSpPr>
+              <p:cNvPr id="28" name="Freeform 38">
+                <a:extLst>
+                  <a:ext uri="{FF2B5EF4-FFF2-40B4-BE49-F238E27FC236}">
+                    <a16:creationId xmlns:a16="http://schemas.microsoft.com/office/drawing/2014/main" id="{39304006-EE77-438A-A0D1-537322356C1F}"/>
+                  </a:ext>
+                </a:extLst>
+              </p:cNvPr>
+              <p:cNvSpPr>
+                <a:spLocks noEditPoints="1"/>
+              </p:cNvSpPr>
+              <p:nvPr>
+                <p:extLst>
+                  <p:ext uri="{386F3935-93C4-4BCD-93E2-E3B085C9AB24}">
+                    <p16:designElem xmlns:p16="http://schemas.microsoft.com/office/powerpoint/2015/main" val="1"/>
+                  </p:ext>
+                </p:extLst>
+              </p:nvPr>
+            </p:nvSpPr>
+            <p:spPr bwMode="auto">
+              <a:xfrm>
+                <a:off x="11636375" y="4867275"/>
+                <a:ext cx="188913" cy="188913"/>
+              </a:xfrm>
+              <a:custGeom>
+                <a:avLst/>
+                <a:gdLst/>
+                <a:ahLst/>
+                <a:cxnLst/>
+                <a:rect l="0" t="0" r="r" b="b"/>
+                <a:pathLst>
+                  <a:path w="40" h="40">
+                    <a:moveTo>
+                      <a:pt x="20" y="40"/>
+                    </a:moveTo>
+                    <a:cubicBezTo>
+                      <a:pt x="9" y="40"/>
+                      <a:pt x="0" y="31"/>
+                      <a:pt x="0" y="20"/>
+                    </a:cubicBezTo>
+                    <a:cubicBezTo>
+                      <a:pt x="0" y="9"/>
+                      <a:pt x="9" y="0"/>
+                      <a:pt x="20" y="0"/>
+                    </a:cubicBezTo>
+                    <a:cubicBezTo>
+                      <a:pt x="31" y="0"/>
+                      <a:pt x="40" y="9"/>
+                      <a:pt x="40" y="20"/>
+                    </a:cubicBezTo>
+                    <a:cubicBezTo>
+                      <a:pt x="40" y="31"/>
+                      <a:pt x="31" y="40"/>
+                      <a:pt x="20" y="40"/>
+                    </a:cubicBezTo>
+                    <a:close/>
+                    <a:moveTo>
+                      <a:pt x="20" y="4"/>
+                    </a:moveTo>
+                    <a:cubicBezTo>
+                      <a:pt x="11" y="4"/>
+                      <a:pt x="4" y="11"/>
+                      <a:pt x="4" y="20"/>
+                    </a:cubicBezTo>
+                    <a:cubicBezTo>
+                      <a:pt x="4" y="29"/>
+                      <a:pt x="11" y="36"/>
+                      <a:pt x="20" y="36"/>
+                    </a:cubicBezTo>
+                    <a:cubicBezTo>
+                      <a:pt x="29" y="36"/>
+                      <a:pt x="36" y="29"/>
+                      <a:pt x="36" y="20"/>
+                    </a:cubicBezTo>
+                    <a:cubicBezTo>
+                      <a:pt x="36" y="11"/>
+                      <a:pt x="29" y="4"/>
+                      <a:pt x="20" y="4"/>
+                    </a:cubicBezTo>
+                    <a:close/>
+                  </a:path>
+                </a:pathLst>
+              </a:custGeom>
+              <a:grpFill/>
+              <a:ln>
+                <a:noFill/>
+              </a:ln>
+              <a:extLst>
+                <a:ext uri="{91240B29-F687-4f45-9708-019B960494DF}">
+                  <a14:hiddenLine xmlns:a14="http://schemas.microsoft.com/office/drawing/2010/main" xmlns:p14="http://schemas.microsoft.com/office/powerpoint/2010/main" xmlns="" w="9525">
+                    <a:solidFill>
+                      <a:srgbClr val="000000"/>
+                    </a:solidFill>
+                    <a:round/>
+                    <a:headEnd/>
+                    <a:tailEnd/>
+                  </a14:hiddenLine>
+                </a:ext>
+              </a:extLst>
+            </p:spPr>
+          </p:sp>
+          <p:sp>
+            <p:nvSpPr>
+              <p:cNvPr id="29" name="Freeform 39">
+                <a:extLst>
+                  <a:ext uri="{FF2B5EF4-FFF2-40B4-BE49-F238E27FC236}">
+                    <a16:creationId xmlns:a16="http://schemas.microsoft.com/office/drawing/2014/main" id="{C6031DEB-4109-4049-82CF-DD06483A2CA1}"/>
+                  </a:ext>
+                </a:extLst>
+              </p:cNvPr>
+              <p:cNvSpPr/>
+              <p:nvPr>
+                <p:extLst>
+                  <p:ext uri="{386F3935-93C4-4BCD-93E2-E3B085C9AB24}">
+                    <p16:designElem xmlns:p16="http://schemas.microsoft.com/office/powerpoint/2015/main" val="1"/>
+                  </p:ext>
+                </p:extLst>
+              </p:nvPr>
+            </p:nvSpPr>
+            <p:spPr bwMode="auto">
+              <a:xfrm>
+                <a:off x="11441112" y="5046663"/>
+                <a:ext cx="307975" cy="1801813"/>
+              </a:xfrm>
+              <a:custGeom>
+                <a:avLst/>
+                <a:gdLst/>
+                <a:ahLst/>
+                <a:cxnLst/>
+                <a:rect l="0" t="0" r="r" b="b"/>
+                <a:pathLst>
+                  <a:path w="194" h="1135">
+                    <a:moveTo>
+                      <a:pt x="18" y="1135"/>
+                    </a:moveTo>
+                    <a:lnTo>
+                      <a:pt x="0" y="1135"/>
+                    </a:lnTo>
+                    <a:lnTo>
+                      <a:pt x="0" y="354"/>
+                    </a:lnTo>
+                    <a:lnTo>
+                      <a:pt x="176" y="177"/>
+                    </a:lnTo>
+                    <a:lnTo>
+                      <a:pt x="176" y="0"/>
+                    </a:lnTo>
+                    <a:lnTo>
+                      <a:pt x="194" y="0"/>
+                    </a:lnTo>
+                    <a:lnTo>
+                      <a:pt x="194" y="183"/>
+                    </a:lnTo>
+                    <a:lnTo>
+                      <a:pt x="18" y="360"/>
+                    </a:lnTo>
+                    <a:lnTo>
+                      <a:pt x="18" y="1135"/>
+                    </a:lnTo>
+                    <a:close/>
+                  </a:path>
+                </a:pathLst>
+              </a:custGeom>
+              <a:grpFill/>
+              <a:ln>
+                <a:noFill/>
+              </a:ln>
+              <a:extLst>
+                <a:ext uri="{91240B29-F687-4f45-9708-019B960494DF}">
+                  <a14:hiddenLine xmlns:a14="http://schemas.microsoft.com/office/drawing/2010/main" xmlns:p14="http://schemas.microsoft.com/office/powerpoint/2010/main" xmlns="" w="9525">
+                    <a:solidFill>
+                      <a:srgbClr val="000000"/>
+                    </a:solidFill>
+                    <a:round/>
+                    <a:headEnd/>
+                    <a:tailEnd/>
+                  </a14:hiddenLine>
+                </a:ext>
+              </a:extLst>
+            </p:spPr>
+          </p:sp>
+          <p:sp>
+            <p:nvSpPr>
+              <p:cNvPr id="30" name="Freeform 40">
+                <a:extLst>
+                  <a:ext uri="{FF2B5EF4-FFF2-40B4-BE49-F238E27FC236}">
+                    <a16:creationId xmlns:a16="http://schemas.microsoft.com/office/drawing/2014/main" id="{65FC2657-18D6-4490-88D6-32E6B1C6FB15}"/>
+                  </a:ext>
+                </a:extLst>
+              </p:cNvPr>
+              <p:cNvSpPr>
+                <a:spLocks noEditPoints="1"/>
+              </p:cNvSpPr>
+              <p:nvPr>
+                <p:extLst>
+                  <p:ext uri="{386F3935-93C4-4BCD-93E2-E3B085C9AB24}">
+                    <p16:designElem xmlns:p16="http://schemas.microsoft.com/office/powerpoint/2015/main" val="1"/>
+                  </p:ext>
+                </p:extLst>
+              </p:nvPr>
+            </p:nvSpPr>
+            <p:spPr bwMode="auto">
+              <a:xfrm>
+                <a:off x="11849100" y="6416675"/>
+                <a:ext cx="190500" cy="188913"/>
+              </a:xfrm>
+              <a:custGeom>
+                <a:avLst/>
+                <a:gdLst/>
+                <a:ahLst/>
+                <a:cxnLst/>
+                <a:rect l="0" t="0" r="r" b="b"/>
+                <a:pathLst>
+                  <a:path w="40" h="40">
+                    <a:moveTo>
+                      <a:pt x="20" y="40"/>
+                    </a:moveTo>
+                    <a:cubicBezTo>
+                      <a:pt x="9" y="40"/>
+                      <a:pt x="0" y="31"/>
+                      <a:pt x="0" y="20"/>
+                    </a:cubicBezTo>
+                    <a:cubicBezTo>
+                      <a:pt x="0" y="9"/>
+                      <a:pt x="9" y="0"/>
+                      <a:pt x="20" y="0"/>
+                    </a:cubicBezTo>
+                    <a:cubicBezTo>
+                      <a:pt x="31" y="0"/>
+                      <a:pt x="40" y="9"/>
+                      <a:pt x="40" y="20"/>
+                    </a:cubicBezTo>
+                    <a:cubicBezTo>
+                      <a:pt x="40" y="31"/>
+                      <a:pt x="31" y="40"/>
+                      <a:pt x="20" y="40"/>
+                    </a:cubicBezTo>
+                    <a:close/>
+                    <a:moveTo>
+                      <a:pt x="20" y="4"/>
+                    </a:moveTo>
+                    <a:cubicBezTo>
+                      <a:pt x="12" y="4"/>
+                      <a:pt x="4" y="11"/>
+                      <a:pt x="4" y="20"/>
+                    </a:cubicBezTo>
+                    <a:cubicBezTo>
+                      <a:pt x="4" y="29"/>
+                      <a:pt x="12" y="36"/>
+                      <a:pt x="20" y="36"/>
+                    </a:cubicBezTo>
+                    <a:cubicBezTo>
+                      <a:pt x="29" y="36"/>
+                      <a:pt x="36" y="29"/>
+                      <a:pt x="36" y="20"/>
+                    </a:cubicBezTo>
+                    <a:cubicBezTo>
+                      <a:pt x="36" y="11"/>
+                      <a:pt x="29" y="4"/>
+                      <a:pt x="20" y="4"/>
+                    </a:cubicBezTo>
+                    <a:close/>
+                  </a:path>
+                </a:pathLst>
+              </a:custGeom>
+              <a:grpFill/>
+              <a:ln>
+                <a:noFill/>
+              </a:ln>
+              <a:extLst>
+                <a:ext uri="{91240B29-F687-4f45-9708-019B960494DF}">
+                  <a14:hiddenLine xmlns:a14="http://schemas.microsoft.com/office/drawing/2010/main" xmlns:p14="http://schemas.microsoft.com/office/powerpoint/2010/main" xmlns="" w="9525">
+                    <a:solidFill>
+                      <a:srgbClr val="000000"/>
+                    </a:solidFill>
+                    <a:round/>
+                    <a:headEnd/>
+                    <a:tailEnd/>
+                  </a14:hiddenLine>
+                </a:ext>
+              </a:extLst>
+            </p:spPr>
+          </p:sp>
+          <p:sp>
+            <p:nvSpPr>
+              <p:cNvPr id="31" name="Rectangle 41">
+                <a:extLst>
+                  <a:ext uri="{FF2B5EF4-FFF2-40B4-BE49-F238E27FC236}">
+                    <a16:creationId xmlns:a16="http://schemas.microsoft.com/office/drawing/2014/main" id="{20BEA03B-3EAD-4FA2-BC9D-25A14D635CF6}"/>
+                  </a:ext>
+                </a:extLst>
+              </p:cNvPr>
+              <p:cNvSpPr>
+                <a:spLocks noChangeArrowheads="1"/>
+              </p:cNvSpPr>
+              <p:nvPr>
+                <p:extLst>
+                  <p:ext uri="{386F3935-93C4-4BCD-93E2-E3B085C9AB24}">
+                    <p16:designElem xmlns:p16="http://schemas.microsoft.com/office/powerpoint/2015/main" val="1"/>
+                  </p:ext>
+                </p:extLst>
+              </p:nvPr>
+            </p:nvSpPr>
+            <p:spPr bwMode="auto">
+              <a:xfrm>
+                <a:off x="11939587" y="6596063"/>
+                <a:ext cx="23813" cy="252413"/>
+              </a:xfrm>
+              <a:prstGeom prst="rect">
+                <a:avLst/>
+              </a:prstGeom>
+              <a:grpFill/>
+              <a:ln>
+                <a:noFill/>
+              </a:ln>
+              <a:extLst>
+                <a:ext uri="{91240B29-F687-4f45-9708-019B960494DF}">
+                  <a14:hiddenLine xmlns:a14="http://schemas.microsoft.com/office/drawing/2010/main" xmlns:p14="http://schemas.microsoft.com/office/powerpoint/2010/main" xmlns="" w="9525">
+                    <a:solidFill>
+                      <a:srgbClr val="000000"/>
+                    </a:solidFill>
+                    <a:miter lim="800000"/>
+                    <a:headEnd/>
+                    <a:tailEnd/>
+                  </a14:hiddenLine>
+                </a:ext>
+              </a:extLst>
+            </p:spPr>
+          </p:sp>
+        </p:grpSp>
+      </p:grpSp>
+      <p:pic>
+        <p:nvPicPr>
+          <p:cNvPr id="12" name="Picture 2" descr="https://news.xbox.com/en-us/wp-content/uploads/PUBG_Logo_color_RGB.jpg">
+            <a:extLst>
+              <a:ext uri="{FF2B5EF4-FFF2-40B4-BE49-F238E27FC236}">
+                <a16:creationId xmlns:a16="http://schemas.microsoft.com/office/drawing/2014/main" id="{1333F6F1-1E10-4A9A-81F1-33056A04350B}"/>
+              </a:ext>
+            </a:extLst>
+          </p:cNvPr>
+          <p:cNvPicPr>
+            <a:picLocks noChangeAspect="1" noChangeArrowheads="1"/>
+          </p:cNvPicPr>
+          <p:nvPr/>
+        </p:nvPicPr>
+        <p:blipFill>
+          <a:blip r:embed="rId4">
+            <a:extLst>
+              <a:ext uri="{28A0092B-C50C-407E-A947-70E740481C1C}">
+                <a14:useLocalDpi xmlns:a14="http://schemas.microsoft.com/office/drawing/2010/main" val="0"/>
+              </a:ext>
+            </a:extLst>
+          </a:blip>
+          <a:srcRect/>
+          <a:stretch>
+            <a:fillRect/>
+          </a:stretch>
+        </p:blipFill>
+        <p:spPr bwMode="auto">
+          <a:xfrm>
+            <a:off x="1141411" y="2646850"/>
+            <a:ext cx="4689234" cy="2754924"/>
+          </a:xfrm>
+          <a:prstGeom prst="round2DiagRect">
+            <a:avLst>
+              <a:gd name="adj1" fmla="val 5608"/>
+              <a:gd name="adj2" fmla="val 0"/>
+            </a:avLst>
+          </a:prstGeom>
+          <a:noFill/>
+          <a:ln w="19050" cap="sq">
+            <a:solidFill>
+              <a:schemeClr val="tx2">
+                <a:lumMod val="60000"/>
+                <a:lumOff val="40000"/>
+                <a:alpha val="60000"/>
+              </a:schemeClr>
+            </a:solidFill>
+            <a:miter lim="800000"/>
+          </a:ln>
+          <a:effectLst>
+            <a:outerShdw blurRad="88900" dist="38100" dir="5400000" algn="t" rotWithShape="0">
+              <a:prstClr val="black">
+                <a:alpha val="40000"/>
+              </a:prstClr>
+            </a:outerShdw>
+          </a:effectLst>
+          <a:extLst>
+            <a:ext uri="{909E8E84-426E-40DD-AFC4-6F175D3DCCD1}">
+              <a14:hiddenFill xmlns:a14="http://schemas.microsoft.com/office/drawing/2010/main">
+                <a:solidFill>
+                  <a:srgbClr val="FFFFFF"/>
+                </a:solidFill>
+              </a14:hiddenFill>
+            </a:ext>
+          </a:extLst>
+        </p:spPr>
+      </p:pic>
+      <p:sp>
+        <p:nvSpPr>
+          <p:cNvPr id="2" name="Titre 1">
+            <a:extLst>
+              <a:ext uri="{FF2B5EF4-FFF2-40B4-BE49-F238E27FC236}">
+                <a16:creationId xmlns:a16="http://schemas.microsoft.com/office/drawing/2014/main" id="{F4326E33-9E51-4F33-B3D1-51291D8CEF6C}"/>
+              </a:ext>
+            </a:extLst>
+          </p:cNvPr>
+          <p:cNvSpPr>
+            <a:spLocks noGrp="1"/>
+          </p:cNvSpPr>
+          <p:nvPr>
+            <p:ph type="title"/>
+          </p:nvPr>
+        </p:nvSpPr>
+        <p:spPr>
+          <a:xfrm>
+            <a:off x="1141413" y="618518"/>
+            <a:ext cx="9905998" cy="1478570"/>
+          </a:xfrm>
+        </p:spPr>
+        <p:txBody>
+          <a:bodyPr vert="horz" lIns="91440" tIns="45720" rIns="91440" bIns="45720" rtlCol="0" anchor="ctr">
+            <a:normAutofit/>
+          </a:bodyPr>
+          <a:lstStyle/>
+          <a:p>
+            <a:pPr algn="ctr"/>
+            <a:r>
+              <a:rPr lang="en-US" dirty="0">
+                <a:solidFill>
+                  <a:schemeClr val="bg1"/>
+                </a:solidFill>
+              </a:rPr>
+              <a:t>PUBG –</a:t>
+            </a:r>
+            <a:r>
+              <a:rPr lang="en-US" dirty="0" err="1">
+                <a:solidFill>
+                  <a:srgbClr val="FF0000"/>
+                </a:solidFill>
+              </a:rPr>
+              <a:t>p</a:t>
+            </a:r>
+            <a:r>
+              <a:rPr lang="en-US" dirty="0" err="1">
+                <a:solidFill>
+                  <a:schemeClr val="bg1"/>
+                </a:solidFill>
+              </a:rPr>
+              <a:t>layer</a:t>
+            </a:r>
+            <a:r>
+              <a:rPr lang="en-US" dirty="0" err="1">
+                <a:solidFill>
+                  <a:srgbClr val="FF0000"/>
+                </a:solidFill>
+              </a:rPr>
+              <a:t>u</a:t>
+            </a:r>
+            <a:r>
+              <a:rPr lang="en-US" dirty="0" err="1">
+                <a:solidFill>
+                  <a:schemeClr val="bg1"/>
+                </a:solidFill>
+              </a:rPr>
+              <a:t>nknown’s</a:t>
+            </a:r>
+            <a:r>
+              <a:rPr lang="en-US" dirty="0">
+                <a:solidFill>
+                  <a:schemeClr val="bg1"/>
+                </a:solidFill>
+              </a:rPr>
+              <a:t> </a:t>
+            </a:r>
+            <a:r>
+              <a:rPr lang="en-US" dirty="0">
+                <a:solidFill>
+                  <a:srgbClr val="FF0000"/>
+                </a:solidFill>
+              </a:rPr>
+              <a:t>b</a:t>
+            </a:r>
+            <a:r>
+              <a:rPr lang="en-US" dirty="0">
+                <a:solidFill>
+                  <a:schemeClr val="bg1"/>
+                </a:solidFill>
+              </a:rPr>
+              <a:t>attle</a:t>
+            </a:r>
+            <a:r>
+              <a:rPr lang="en-US" dirty="0">
+                <a:solidFill>
+                  <a:srgbClr val="FF0000"/>
+                </a:solidFill>
+              </a:rPr>
+              <a:t>g</a:t>
+            </a:r>
+            <a:r>
+              <a:rPr lang="en-US" dirty="0">
+                <a:solidFill>
+                  <a:schemeClr val="bg1"/>
+                </a:solidFill>
+              </a:rPr>
+              <a:t>rounds</a:t>
+            </a:r>
+          </a:p>
+        </p:txBody>
+      </p:sp>
+      <p:sp>
+        <p:nvSpPr>
+          <p:cNvPr id="14" name="Content Placeholder 13"/>
+          <p:cNvSpPr>
+            <a:spLocks noGrp="1"/>
+          </p:cNvSpPr>
+          <p:nvPr>
+            <p:ph sz="half" idx="1"/>
+          </p:nvPr>
+        </p:nvSpPr>
+        <p:spPr>
+          <a:xfrm>
+            <a:off x="6336727" y="2249487"/>
+            <a:ext cx="4710683" cy="3541714"/>
+          </a:xfrm>
+        </p:spPr>
+        <p:txBody>
+          <a:bodyPr vert="horz" lIns="91440" tIns="45720" rIns="91440" bIns="45720" rtlCol="0">
+            <a:normAutofit/>
+          </a:bodyPr>
+          <a:lstStyle/>
+          <a:p>
+            <a:pPr marL="0" indent="0">
+              <a:buNone/>
+            </a:pPr>
+            <a:r>
+              <a:rPr lang="en-US" dirty="0"/>
+              <a:t>48 </a:t>
+            </a:r>
+            <a:r>
+              <a:rPr lang="en-US" dirty="0" err="1"/>
+              <a:t>joueurs</a:t>
+            </a:r>
+            <a:endParaRPr lang="en-US" dirty="0"/>
+          </a:p>
+        </p:txBody>
+      </p:sp>
+    </p:spTree>
+    <p:extLst>
+      <p:ext uri="{BB962C8B-B14F-4D97-AF65-F5344CB8AC3E}">
+        <p14:creationId xmlns:p14="http://schemas.microsoft.com/office/powerpoint/2010/main" val="3725322157"/>
+      </p:ext>
+    </p:extLst>
+  </p:cSld>
+  <p:clrMapOvr>
+    <a:masterClrMapping/>
+  </p:clrMapOvr>
+</p:sld>
+</file>
+
+<file path=ppt/slides/slide7.xml><?xml version="1.0" encoding="utf-8"?>
+<p:sld xmlns:a="http://schemas.openxmlformats.org/drawingml/2006/main" xmlns:r="http://schemas.openxmlformats.org/officeDocument/2006/relationships" xmlns:p="http://schemas.openxmlformats.org/presentationml/2006/main">
+  <p:cSld>
     <p:spTree>
       <p:nvGrpSpPr>
         <p:cNvPr id="1" name=""/>
@@ -16629,7 +21490,7 @@
           <p:cNvPr id="2" name="Titre 1">
             <a:extLst>
               <a:ext uri="{FF2B5EF4-FFF2-40B4-BE49-F238E27FC236}">
-                <a16:creationId xmlns:a16="http://schemas.microsoft.com/office/drawing/2014/main" id="{0D20B279-7C93-434D-8FA2-F5C7103A54E0}"/>
+                <a16:creationId xmlns:a16="http://schemas.microsoft.com/office/drawing/2014/main" id="{D902C026-1FBD-479C-AACC-EE728CF25F4D}"/>
               </a:ext>
             </a:extLst>
           </p:cNvPr>
@@ -16649,11 +21510,40 @@
             <a:r>
               <a:rPr lang="fr-FR" dirty="0">
                 <a:solidFill>
+                  <a:srgbClr val="FF0000"/>
+                </a:solidFill>
+              </a:rPr>
+              <a:t>R</a:t>
+            </a:r>
+            <a:r>
+              <a:rPr lang="fr-FR" dirty="0">
+                <a:solidFill>
                   <a:schemeClr val="bg1"/>
                 </a:solidFill>
               </a:rPr>
-              <a:t>Présentation du projet</a:t>
+              <a:t>ocket </a:t>
             </a:r>
+            <a:r>
+              <a:rPr lang="fr-FR" dirty="0" err="1">
+                <a:solidFill>
+                  <a:srgbClr val="FF0000"/>
+                </a:solidFill>
+              </a:rPr>
+              <a:t>l</a:t>
+            </a:r>
+            <a:r>
+              <a:rPr lang="fr-FR" dirty="0" err="1">
+                <a:solidFill>
+                  <a:schemeClr val="bg1"/>
+                </a:solidFill>
+              </a:rPr>
+              <a:t>eague</a:t>
+            </a:r>
+            <a:endParaRPr lang="fr-FR" dirty="0">
+              <a:solidFill>
+                <a:schemeClr val="bg1"/>
+              </a:solidFill>
+            </a:endParaRPr>
           </a:p>
         </p:txBody>
       </p:sp>
@@ -16662,7 +21552,7 @@
           <p:cNvPr id="3" name="Espace réservé du contenu 2">
             <a:extLst>
               <a:ext uri="{FF2B5EF4-FFF2-40B4-BE49-F238E27FC236}">
-                <a16:creationId xmlns:a16="http://schemas.microsoft.com/office/drawing/2014/main" id="{B5D12D61-1885-40DA-BD2E-B2D811AD1824}"/>
+                <a16:creationId xmlns:a16="http://schemas.microsoft.com/office/drawing/2014/main" id="{012E8AE8-94C0-4F3C-9120-6F79ED24B406}"/>
               </a:ext>
             </a:extLst>
           </p:cNvPr>
@@ -16678,66 +21568,14 @@
           <a:bodyPr/>
           <a:lstStyle/>
           <a:p>
-            <a:r>
-              <a:rPr lang="fr-FR" dirty="0"/>
-              <a:t>LAN Party</a:t>
-            </a:r>
-          </a:p>
-          <a:p>
-            <a:r>
-              <a:rPr lang="fr-FR" dirty="0"/>
-              <a:t>Jeux présents :</a:t>
-            </a:r>
-          </a:p>
-          <a:p>
-            <a:pPr lvl="1"/>
-            <a:r>
-              <a:rPr lang="fr-FR" dirty="0"/>
-              <a:t>LOL</a:t>
-            </a:r>
-          </a:p>
-          <a:p>
-            <a:pPr lvl="1"/>
-            <a:r>
-              <a:rPr lang="fr-FR" dirty="0"/>
-              <a:t>CS GO</a:t>
-            </a:r>
-          </a:p>
-          <a:p>
-            <a:pPr lvl="1"/>
-            <a:r>
-              <a:rPr lang="fr-FR" dirty="0"/>
-              <a:t>PUBG</a:t>
-            </a:r>
-          </a:p>
-          <a:p>
-            <a:pPr lvl="1"/>
-            <a:r>
-              <a:rPr lang="fr-FR" dirty="0" err="1"/>
-              <a:t>HeartStone</a:t>
-            </a:r>
-            <a:endParaRPr lang="fr-FR" dirty="0"/>
-          </a:p>
-          <a:p>
-            <a:pPr lvl="1"/>
-            <a:r>
-              <a:rPr lang="fr-FR" dirty="0"/>
-              <a:t>Rocket League</a:t>
-            </a:r>
-          </a:p>
-          <a:p>
-            <a:pPr lvl="1"/>
-            <a:endParaRPr lang="fr-FR" dirty="0"/>
-          </a:p>
-          <a:p>
-            <a:endParaRPr lang="fr-FR" dirty="0"/>
+            <a:endParaRPr lang="fr-FR"/>
           </a:p>
         </p:txBody>
       </p:sp>
     </p:spTree>
     <p:extLst>
       <p:ext uri="{BB962C8B-B14F-4D97-AF65-F5344CB8AC3E}">
-        <p14:creationId xmlns:p14="http://schemas.microsoft.com/office/powerpoint/2010/main" val="3687235043"/>
+        <p14:creationId xmlns:p14="http://schemas.microsoft.com/office/powerpoint/2010/main" val="98446443"/>
       </p:ext>
     </p:extLst>
   </p:cSld>
@@ -16747,7 +21585,7 @@
 </p:sld>
 </file>
 
-<file path=ppt/slides/slide4.xml><?xml version="1.0" encoding="utf-8"?>
+<file path=ppt/slides/slide8.xml><?xml version="1.0" encoding="utf-8"?>
 <p:sld xmlns:a="http://schemas.openxmlformats.org/drawingml/2006/main" xmlns:r="http://schemas.openxmlformats.org/officeDocument/2006/relationships" xmlns:p="http://schemas.openxmlformats.org/presentationml/2006/main">
   <p:cSld>
     <p:bg>
@@ -19387,7 +24225,7 @@
 </p:sld>
 </file>
 
-<file path=ppt/slides/slide5.xml><?xml version="1.0" encoding="utf-8"?>
+<file path=ppt/slides/slide9.xml><?xml version="1.0" encoding="utf-8"?>
 <p:sld xmlns:a="http://schemas.openxmlformats.org/drawingml/2006/main" xmlns:r="http://schemas.openxmlformats.org/officeDocument/2006/relationships" xmlns:p="http://schemas.openxmlformats.org/presentationml/2006/main">
   <p:cSld>
     <p:spTree>
@@ -19581,475 +24419,6 @@
     <p:extLst>
       <p:ext uri="{BB962C8B-B14F-4D97-AF65-F5344CB8AC3E}">
         <p14:creationId xmlns:p14="http://schemas.microsoft.com/office/powerpoint/2010/main" val="1696517077"/>
-      </p:ext>
-    </p:extLst>
-  </p:cSld>
-  <p:clrMapOvr>
-    <a:masterClrMapping/>
-  </p:clrMapOvr>
-</p:sld>
-</file>
-
-<file path=ppt/slides/slide6.xml><?xml version="1.0" encoding="utf-8"?>
-<p:sld xmlns:a="http://schemas.openxmlformats.org/drawingml/2006/main" xmlns:r="http://schemas.openxmlformats.org/officeDocument/2006/relationships" xmlns:p="http://schemas.openxmlformats.org/presentationml/2006/main">
-  <p:cSld>
-    <p:spTree>
-      <p:nvGrpSpPr>
-        <p:cNvPr id="1" name=""/>
-        <p:cNvGrpSpPr/>
-        <p:nvPr/>
-      </p:nvGrpSpPr>
-      <p:grpSpPr>
-        <a:xfrm>
-          <a:off x="0" y="0"/>
-          <a:ext cx="0" cy="0"/>
-          <a:chOff x="0" y="0"/>
-          <a:chExt cx="0" cy="0"/>
-        </a:xfrm>
-      </p:grpSpPr>
-      <p:sp>
-        <p:nvSpPr>
-          <p:cNvPr id="2" name="Titre 1">
-            <a:extLst>
-              <a:ext uri="{FF2B5EF4-FFF2-40B4-BE49-F238E27FC236}">
-                <a16:creationId xmlns:a16="http://schemas.microsoft.com/office/drawing/2014/main" id="{8D2282DF-420D-4227-90AA-2484C77BA45B}"/>
-              </a:ext>
-            </a:extLst>
-          </p:cNvPr>
-          <p:cNvSpPr>
-            <a:spLocks noGrp="1"/>
-          </p:cNvSpPr>
-          <p:nvPr>
-            <p:ph type="title"/>
-          </p:nvPr>
-        </p:nvSpPr>
-        <p:spPr>
-          <a:xfrm>
-            <a:off x="1143001" y="2689715"/>
-            <a:ext cx="9905998" cy="1478570"/>
-          </a:xfrm>
-        </p:spPr>
-        <p:txBody>
-          <a:bodyPr/>
-          <a:lstStyle/>
-          <a:p>
-            <a:pPr algn="ctr"/>
-            <a:r>
-              <a:rPr lang="fr-FR" dirty="0">
-                <a:solidFill>
-                  <a:schemeClr val="bg1"/>
-                </a:solidFill>
-              </a:rPr>
-              <a:t>Programme</a:t>
-            </a:r>
-          </a:p>
-        </p:txBody>
-      </p:sp>
-    </p:spTree>
-    <p:extLst>
-      <p:ext uri="{BB962C8B-B14F-4D97-AF65-F5344CB8AC3E}">
-        <p14:creationId xmlns:p14="http://schemas.microsoft.com/office/powerpoint/2010/main" val="2159077998"/>
-      </p:ext>
-    </p:extLst>
-  </p:cSld>
-  <p:clrMapOvr>
-    <a:masterClrMapping/>
-  </p:clrMapOvr>
-</p:sld>
-</file>
-
-<file path=ppt/slides/slide7.xml><?xml version="1.0" encoding="utf-8"?>
-<p:sld xmlns:a="http://schemas.openxmlformats.org/drawingml/2006/main" xmlns:r="http://schemas.openxmlformats.org/officeDocument/2006/relationships" xmlns:p="http://schemas.openxmlformats.org/presentationml/2006/main">
-  <p:cSld>
-    <p:spTree>
-      <p:nvGrpSpPr>
-        <p:cNvPr id="1" name=""/>
-        <p:cNvGrpSpPr/>
-        <p:nvPr/>
-      </p:nvGrpSpPr>
-      <p:grpSpPr>
-        <a:xfrm>
-          <a:off x="0" y="0"/>
-          <a:ext cx="0" cy="0"/>
-          <a:chOff x="0" y="0"/>
-          <a:chExt cx="0" cy="0"/>
-        </a:xfrm>
-      </p:grpSpPr>
-      <p:sp>
-        <p:nvSpPr>
-          <p:cNvPr id="2" name="Titre 1">
-            <a:extLst>
-              <a:ext uri="{FF2B5EF4-FFF2-40B4-BE49-F238E27FC236}">
-                <a16:creationId xmlns:a16="http://schemas.microsoft.com/office/drawing/2014/main" id="{83A857ED-7E35-430A-8F13-67116648A29E}"/>
-              </a:ext>
-            </a:extLst>
-          </p:cNvPr>
-          <p:cNvSpPr>
-            <a:spLocks noGrp="1"/>
-          </p:cNvSpPr>
-          <p:nvPr>
-            <p:ph type="title"/>
-          </p:nvPr>
-        </p:nvSpPr>
-        <p:spPr/>
-        <p:txBody>
-          <a:bodyPr/>
-          <a:lstStyle/>
-          <a:p>
-            <a:pPr algn="ctr"/>
-            <a:r>
-              <a:rPr lang="fr-FR" dirty="0">
-                <a:solidFill>
-                  <a:schemeClr val="bg1"/>
-                </a:solidFill>
-              </a:rPr>
-              <a:t>Samedi</a:t>
-            </a:r>
-          </a:p>
-        </p:txBody>
-      </p:sp>
-      <p:sp>
-        <p:nvSpPr>
-          <p:cNvPr id="3" name="Espace réservé du contenu 2">
-            <a:extLst>
-              <a:ext uri="{FF2B5EF4-FFF2-40B4-BE49-F238E27FC236}">
-                <a16:creationId xmlns:a16="http://schemas.microsoft.com/office/drawing/2014/main" id="{3038CC69-4697-4910-9DC2-AD770A72178A}"/>
-              </a:ext>
-            </a:extLst>
-          </p:cNvPr>
-          <p:cNvSpPr>
-            <a:spLocks noGrp="1"/>
-          </p:cNvSpPr>
-          <p:nvPr>
-            <p:ph idx="1"/>
-          </p:nvPr>
-        </p:nvSpPr>
-        <p:spPr/>
-        <p:txBody>
-          <a:bodyPr/>
-          <a:lstStyle/>
-          <a:p>
-            <a:r>
-              <a:rPr lang="fr-FR" dirty="0"/>
-              <a:t>8h00 : Ouverture du salon</a:t>
-            </a:r>
-          </a:p>
-          <a:p>
-            <a:r>
-              <a:rPr lang="fr-FR" dirty="0"/>
-              <a:t>9h30 : qualifications </a:t>
-            </a:r>
-            <a:r>
-              <a:rPr lang="fr-FR"/>
-              <a:t>HeartStone</a:t>
-            </a:r>
-            <a:endParaRPr lang="fr-FR" dirty="0"/>
-          </a:p>
-          <a:p>
-            <a:r>
-              <a:rPr lang="fr-FR" dirty="0"/>
-              <a:t>12h00 à 13h00 : Pause repas pour les joueurs</a:t>
-            </a:r>
-          </a:p>
-          <a:p>
-            <a:r>
-              <a:rPr lang="fr-FR" dirty="0"/>
-              <a:t>17h : Fin des phases de poules</a:t>
-            </a:r>
-          </a:p>
-          <a:p>
-            <a:r>
-              <a:rPr lang="fr-FR" dirty="0"/>
-              <a:t>19h30 : </a:t>
-            </a:r>
-          </a:p>
-        </p:txBody>
-      </p:sp>
-    </p:spTree>
-    <p:extLst>
-      <p:ext uri="{BB962C8B-B14F-4D97-AF65-F5344CB8AC3E}">
-        <p14:creationId xmlns:p14="http://schemas.microsoft.com/office/powerpoint/2010/main" val="1412917318"/>
-      </p:ext>
-    </p:extLst>
-  </p:cSld>
-  <p:clrMapOvr>
-    <a:masterClrMapping/>
-  </p:clrMapOvr>
-</p:sld>
-</file>
-
-<file path=ppt/slides/slide8.xml><?xml version="1.0" encoding="utf-8"?>
-<p:sld xmlns:a="http://schemas.openxmlformats.org/drawingml/2006/main" xmlns:r="http://schemas.openxmlformats.org/officeDocument/2006/relationships" xmlns:p="http://schemas.openxmlformats.org/presentationml/2006/main">
-  <p:cSld>
-    <p:spTree>
-      <p:nvGrpSpPr>
-        <p:cNvPr id="1" name=""/>
-        <p:cNvGrpSpPr/>
-        <p:nvPr/>
-      </p:nvGrpSpPr>
-      <p:grpSpPr>
-        <a:xfrm>
-          <a:off x="0" y="0"/>
-          <a:ext cx="0" cy="0"/>
-          <a:chOff x="0" y="0"/>
-          <a:chExt cx="0" cy="0"/>
-        </a:xfrm>
-      </p:grpSpPr>
-      <p:sp>
-        <p:nvSpPr>
-          <p:cNvPr id="2" name="Titre 1">
-            <a:extLst>
-              <a:ext uri="{FF2B5EF4-FFF2-40B4-BE49-F238E27FC236}">
-                <a16:creationId xmlns:a16="http://schemas.microsoft.com/office/drawing/2014/main" id="{91D975BD-3C7D-4409-B400-B420B3F0B3E5}"/>
-              </a:ext>
-            </a:extLst>
-          </p:cNvPr>
-          <p:cNvSpPr>
-            <a:spLocks noGrp="1"/>
-          </p:cNvSpPr>
-          <p:nvPr>
-            <p:ph type="title"/>
-          </p:nvPr>
-        </p:nvSpPr>
-        <p:spPr/>
-        <p:txBody>
-          <a:bodyPr/>
-          <a:lstStyle/>
-          <a:p>
-            <a:pPr algn="ctr"/>
-            <a:r>
-              <a:rPr lang="fr-FR" dirty="0">
-                <a:solidFill>
-                  <a:schemeClr val="bg1"/>
-                </a:solidFill>
-              </a:rPr>
-              <a:t>Samedi</a:t>
-            </a:r>
-          </a:p>
-        </p:txBody>
-      </p:sp>
-      <p:sp>
-        <p:nvSpPr>
-          <p:cNvPr id="3" name="Espace réservé du contenu 2">
-            <a:extLst>
-              <a:ext uri="{FF2B5EF4-FFF2-40B4-BE49-F238E27FC236}">
-                <a16:creationId xmlns:a16="http://schemas.microsoft.com/office/drawing/2014/main" id="{15B3DFA3-D956-4471-B8A9-385BB26FE727}"/>
-              </a:ext>
-            </a:extLst>
-          </p:cNvPr>
-          <p:cNvSpPr>
-            <a:spLocks noGrp="1"/>
-          </p:cNvSpPr>
-          <p:nvPr>
-            <p:ph idx="1"/>
-          </p:nvPr>
-        </p:nvSpPr>
-        <p:spPr/>
-        <p:txBody>
-          <a:bodyPr/>
-          <a:lstStyle/>
-          <a:p>
-            <a:endParaRPr lang="fr-FR"/>
-          </a:p>
-        </p:txBody>
-      </p:sp>
-    </p:spTree>
-    <p:extLst>
-      <p:ext uri="{BB962C8B-B14F-4D97-AF65-F5344CB8AC3E}">
-        <p14:creationId xmlns:p14="http://schemas.microsoft.com/office/powerpoint/2010/main" val="700332430"/>
-      </p:ext>
-    </p:extLst>
-  </p:cSld>
-  <p:clrMapOvr>
-    <a:masterClrMapping/>
-  </p:clrMapOvr>
-</p:sld>
-</file>
-
-<file path=ppt/slides/slide9.xml><?xml version="1.0" encoding="utf-8"?>
-<p:sld xmlns:a="http://schemas.openxmlformats.org/drawingml/2006/main" xmlns:r="http://schemas.openxmlformats.org/officeDocument/2006/relationships" xmlns:p="http://schemas.openxmlformats.org/presentationml/2006/main">
-  <p:cSld>
-    <p:spTree>
-      <p:nvGrpSpPr>
-        <p:cNvPr id="1" name=""/>
-        <p:cNvGrpSpPr/>
-        <p:nvPr/>
-      </p:nvGrpSpPr>
-      <p:grpSpPr>
-        <a:xfrm>
-          <a:off x="0" y="0"/>
-          <a:ext cx="0" cy="0"/>
-          <a:chOff x="0" y="0"/>
-          <a:chExt cx="0" cy="0"/>
-        </a:xfrm>
-      </p:grpSpPr>
-      <p:sp>
-        <p:nvSpPr>
-          <p:cNvPr id="2" name="Titre 1">
-            <a:extLst>
-              <a:ext uri="{FF2B5EF4-FFF2-40B4-BE49-F238E27FC236}">
-                <a16:creationId xmlns:a16="http://schemas.microsoft.com/office/drawing/2014/main" id="{F5B5E53F-BB75-4C35-AD1E-F5EA05BEB3BB}"/>
-              </a:ext>
-            </a:extLst>
-          </p:cNvPr>
-          <p:cNvSpPr>
-            <a:spLocks noGrp="1"/>
-          </p:cNvSpPr>
-          <p:nvPr>
-            <p:ph type="title"/>
-          </p:nvPr>
-        </p:nvSpPr>
-        <p:spPr/>
-        <p:txBody>
-          <a:bodyPr/>
-          <a:lstStyle/>
-          <a:p>
-            <a:pPr algn="ctr"/>
-            <a:r>
-              <a:rPr lang="fr-FR" dirty="0">
-                <a:solidFill>
-                  <a:schemeClr val="bg1"/>
-                </a:solidFill>
-              </a:rPr>
-              <a:t>Exposants</a:t>
-            </a:r>
-          </a:p>
-        </p:txBody>
-      </p:sp>
-      <p:sp>
-        <p:nvSpPr>
-          <p:cNvPr id="3" name="Espace réservé du contenu 2">
-            <a:extLst>
-              <a:ext uri="{FF2B5EF4-FFF2-40B4-BE49-F238E27FC236}">
-                <a16:creationId xmlns:a16="http://schemas.microsoft.com/office/drawing/2014/main" id="{EA1449D6-A3AF-4516-AE8E-F399792EDBCA}"/>
-              </a:ext>
-            </a:extLst>
-          </p:cNvPr>
-          <p:cNvSpPr>
-            <a:spLocks noGrp="1"/>
-          </p:cNvSpPr>
-          <p:nvPr>
-            <p:ph idx="1"/>
-          </p:nvPr>
-        </p:nvSpPr>
-        <p:spPr>
-          <a:xfrm>
-            <a:off x="1141412" y="2249487"/>
-            <a:ext cx="9905999" cy="3806756"/>
-          </a:xfrm>
-        </p:spPr>
-        <p:txBody>
-          <a:bodyPr numCol="3">
-            <a:normAutofit/>
-          </a:bodyPr>
-          <a:lstStyle/>
-          <a:p>
-            <a:r>
-              <a:rPr lang="fr-FR" dirty="0"/>
-              <a:t>Associations</a:t>
-            </a:r>
-          </a:p>
-          <a:p>
-            <a:r>
-              <a:rPr lang="fr-FR" dirty="0"/>
-              <a:t>Éditeurs </a:t>
-            </a:r>
-          </a:p>
-          <a:p>
-            <a:pPr lvl="1"/>
-            <a:r>
-              <a:rPr lang="fr-FR" dirty="0"/>
-              <a:t>De jeux vidéos</a:t>
-            </a:r>
-          </a:p>
-          <a:p>
-            <a:pPr lvl="1"/>
-            <a:r>
-              <a:rPr lang="fr-FR" dirty="0"/>
-              <a:t>De mangas</a:t>
-            </a:r>
-          </a:p>
-          <a:p>
-            <a:pPr lvl="1"/>
-            <a:r>
-              <a:rPr lang="fr-FR" dirty="0"/>
-              <a:t>De BD</a:t>
-            </a:r>
-          </a:p>
-          <a:p>
-            <a:endParaRPr lang="fr-FR" dirty="0"/>
-          </a:p>
-          <a:p>
-            <a:endParaRPr lang="fr-FR" dirty="0"/>
-          </a:p>
-          <a:p>
-            <a:r>
-              <a:rPr lang="fr-FR" dirty="0"/>
-              <a:t>Commerçants</a:t>
-            </a:r>
-          </a:p>
-          <a:p>
-            <a:pPr marL="0" indent="0">
-              <a:buNone/>
-            </a:pPr>
-            <a:r>
-              <a:rPr lang="fr-FR" dirty="0"/>
-              <a:t>   spécialisés en:</a:t>
-            </a:r>
-          </a:p>
-          <a:p>
-            <a:pPr lvl="1"/>
-            <a:r>
-              <a:rPr lang="fr-FR" dirty="0"/>
-              <a:t>Figurines</a:t>
-            </a:r>
-          </a:p>
-          <a:p>
-            <a:pPr lvl="1"/>
-            <a:r>
-              <a:rPr lang="fr-FR" dirty="0"/>
-              <a:t>Produits dérivés</a:t>
-            </a:r>
-          </a:p>
-          <a:p>
-            <a:pPr lvl="1"/>
-            <a:r>
-              <a:rPr lang="fr-FR" dirty="0"/>
-              <a:t>Musiques</a:t>
-            </a:r>
-          </a:p>
-          <a:p>
-            <a:pPr lvl="1"/>
-            <a:r>
-              <a:rPr lang="fr-FR" dirty="0"/>
-              <a:t>Peluches</a:t>
-            </a:r>
-          </a:p>
-          <a:p>
-            <a:pPr lvl="1"/>
-            <a:r>
-              <a:rPr lang="fr-FR" dirty="0"/>
-              <a:t>Accessoire de déguisement</a:t>
-            </a:r>
-          </a:p>
-          <a:p>
-            <a:r>
-              <a:rPr lang="fr-FR" dirty="0"/>
-              <a:t>Illustrateurs</a:t>
-            </a:r>
-          </a:p>
-          <a:p>
-            <a:r>
-              <a:rPr lang="fr-FR" dirty="0"/>
-              <a:t>Boutiques « asiatiques »</a:t>
-            </a:r>
-          </a:p>
-        </p:txBody>
-      </p:sp>
-    </p:spTree>
-    <p:extLst>
-      <p:ext uri="{BB962C8B-B14F-4D97-AF65-F5344CB8AC3E}">
-        <p14:creationId xmlns:p14="http://schemas.microsoft.com/office/powerpoint/2010/main" val="3167911917"/>
       </p:ext>
     </p:extLst>
   </p:cSld>

--- a/Présentation projet.pptx
+++ b/Présentation projet.pptx
@@ -19,7 +19,8 @@
     <p:sldId id="269" r:id="rId13"/>
     <p:sldId id="266" r:id="rId14"/>
     <p:sldId id="262" r:id="rId15"/>
-    <p:sldId id="265" r:id="rId16"/>
+    <p:sldId id="274" r:id="rId16"/>
+    <p:sldId id="265" r:id="rId17"/>
   </p:sldIdLst>
   <p:sldSz cx="12192000" cy="6858000"/>
   <p:notesSz cx="6858000" cy="9144000"/>
@@ -180,7 +181,7 @@
           <a:noFill/>
           <a:extLst>
             <a:ext uri="{909E8E84-426E-40dd-AFC4-6F175D3DCCD1}">
-              <a14:hiddenFill xmlns:a14="http://schemas.microsoft.com/office/drawing/2010/main" xmlns="">
+              <a14:hiddenFill xmlns="" xmlns:a14="http://schemas.microsoft.com/office/drawing/2010/main">
                 <a:solidFill>
                   <a:srgbClr val="FFFFFF"/>
                 </a:solidFill>
@@ -240,7 +241,7 @@
             </a:ln>
             <a:extLst>
               <a:ext uri="{91240B29-F687-4f45-9708-019B960494DF}">
-                <a14:hiddenLine xmlns:a14="http://schemas.microsoft.com/office/drawing/2010/main" xmlns="" w="9525">
+                <a14:hiddenLine xmlns="" xmlns:a14="http://schemas.microsoft.com/office/drawing/2010/main" w="9525">
                   <a:solidFill>
                     <a:srgbClr val="000000"/>
                   </a:solidFill>
@@ -330,7 +331,7 @@
             </a:ln>
             <a:extLst>
               <a:ext uri="{91240B29-F687-4f45-9708-019B960494DF}">
-                <a14:hiddenLine xmlns:a14="http://schemas.microsoft.com/office/drawing/2010/main" xmlns="" w="9525">
+                <a14:hiddenLine xmlns="" xmlns:a14="http://schemas.microsoft.com/office/drawing/2010/main" w="9525">
                   <a:solidFill>
                     <a:srgbClr val="000000"/>
                   </a:solidFill>
@@ -420,7 +421,7 @@
             </a:ln>
             <a:extLst>
               <a:ext uri="{91240B29-F687-4f45-9708-019B960494DF}">
-                <a14:hiddenLine xmlns:a14="http://schemas.microsoft.com/office/drawing/2010/main" xmlns="" w="9525">
+                <a14:hiddenLine xmlns="" xmlns:a14="http://schemas.microsoft.com/office/drawing/2010/main" w="9525">
                   <a:solidFill>
                     <a:srgbClr val="000000"/>
                   </a:solidFill>
@@ -454,7 +455,7 @@
             </a:ln>
             <a:extLst>
               <a:ext uri="{91240B29-F687-4f45-9708-019B960494DF}">
-                <a14:hiddenLine xmlns:a14="http://schemas.microsoft.com/office/drawing/2010/main" xmlns="" w="9525">
+                <a14:hiddenLine xmlns="" xmlns:a14="http://schemas.microsoft.com/office/drawing/2010/main" w="9525">
                   <a:solidFill>
                     <a:srgbClr val="000000"/>
                   </a:solidFill>
@@ -544,7 +545,7 @@
             </a:ln>
             <a:extLst>
               <a:ext uri="{91240B29-F687-4f45-9708-019B960494DF}">
-                <a14:hiddenLine xmlns:a14="http://schemas.microsoft.com/office/drawing/2010/main" xmlns="" w="9525">
+                <a14:hiddenLine xmlns="" xmlns:a14="http://schemas.microsoft.com/office/drawing/2010/main" w="9525">
                   <a:solidFill>
                     <a:srgbClr val="000000"/>
                   </a:solidFill>
@@ -606,7 +607,7 @@
             </a:ln>
             <a:extLst>
               <a:ext uri="{91240B29-F687-4f45-9708-019B960494DF}">
-                <a14:hiddenLine xmlns:a14="http://schemas.microsoft.com/office/drawing/2010/main" xmlns="" w="9525">
+                <a14:hiddenLine xmlns="" xmlns:a14="http://schemas.microsoft.com/office/drawing/2010/main" w="9525">
                   <a:solidFill>
                     <a:srgbClr val="000000"/>
                   </a:solidFill>
@@ -668,7 +669,7 @@
             </a:ln>
             <a:extLst>
               <a:ext uri="{91240B29-F687-4f45-9708-019B960494DF}">
-                <a14:hiddenLine xmlns:a14="http://schemas.microsoft.com/office/drawing/2010/main" xmlns="" w="9525">
+                <a14:hiddenLine xmlns="" xmlns:a14="http://schemas.microsoft.com/office/drawing/2010/main" w="9525">
                   <a:solidFill>
                     <a:srgbClr val="000000"/>
                   </a:solidFill>
@@ -758,7 +759,7 @@
             </a:ln>
             <a:extLst>
               <a:ext uri="{91240B29-F687-4f45-9708-019B960494DF}">
-                <a14:hiddenLine xmlns:a14="http://schemas.microsoft.com/office/drawing/2010/main" xmlns="" w="9525">
+                <a14:hiddenLine xmlns="" xmlns:a14="http://schemas.microsoft.com/office/drawing/2010/main" w="9525">
                   <a:solidFill>
                     <a:srgbClr val="000000"/>
                   </a:solidFill>
@@ -820,7 +821,7 @@
             </a:ln>
             <a:extLst>
               <a:ext uri="{91240B29-F687-4f45-9708-019B960494DF}">
-                <a14:hiddenLine xmlns:a14="http://schemas.microsoft.com/office/drawing/2010/main" xmlns="" w="9525">
+                <a14:hiddenLine xmlns="" xmlns:a14="http://schemas.microsoft.com/office/drawing/2010/main" w="9525">
                   <a:solidFill>
                     <a:srgbClr val="000000"/>
                   </a:solidFill>
@@ -882,7 +883,7 @@
             </a:ln>
             <a:extLst>
               <a:ext uri="{91240B29-F687-4f45-9708-019B960494DF}">
-                <a14:hiddenLine xmlns:a14="http://schemas.microsoft.com/office/drawing/2010/main" xmlns="" w="9525">
+                <a14:hiddenLine xmlns="" xmlns:a14="http://schemas.microsoft.com/office/drawing/2010/main" w="9525">
                   <a:solidFill>
                     <a:srgbClr val="000000"/>
                   </a:solidFill>
@@ -972,7 +973,7 @@
             </a:ln>
             <a:extLst>
               <a:ext uri="{91240B29-F687-4f45-9708-019B960494DF}">
-                <a14:hiddenLine xmlns:a14="http://schemas.microsoft.com/office/drawing/2010/main" xmlns="" w="9525">
+                <a14:hiddenLine xmlns="" xmlns:a14="http://schemas.microsoft.com/office/drawing/2010/main" w="9525">
                   <a:solidFill>
                     <a:srgbClr val="000000"/>
                   </a:solidFill>
@@ -1062,7 +1063,7 @@
             </a:ln>
             <a:extLst>
               <a:ext uri="{91240B29-F687-4f45-9708-019B960494DF}">
-                <a14:hiddenLine xmlns:a14="http://schemas.microsoft.com/office/drawing/2010/main" xmlns="" w="9525">
+                <a14:hiddenLine xmlns="" xmlns:a14="http://schemas.microsoft.com/office/drawing/2010/main" w="9525">
                   <a:solidFill>
                     <a:srgbClr val="000000"/>
                   </a:solidFill>
@@ -1124,7 +1125,7 @@
             </a:ln>
             <a:extLst>
               <a:ext uri="{91240B29-F687-4f45-9708-019B960494DF}">
-                <a14:hiddenLine xmlns:a14="http://schemas.microsoft.com/office/drawing/2010/main" xmlns="" w="9525">
+                <a14:hiddenLine xmlns="" xmlns:a14="http://schemas.microsoft.com/office/drawing/2010/main" w="9525">
                   <a:solidFill>
                     <a:srgbClr val="000000"/>
                   </a:solidFill>
@@ -1234,7 +1235,7 @@
             </a:ln>
             <a:extLst>
               <a:ext uri="{91240B29-F687-4f45-9708-019B960494DF}">
-                <a14:hiddenLine xmlns:a14="http://schemas.microsoft.com/office/drawing/2010/main" xmlns="" w="9525">
+                <a14:hiddenLine xmlns="" xmlns:a14="http://schemas.microsoft.com/office/drawing/2010/main" w="9525">
                   <a:solidFill>
                     <a:srgbClr val="000000"/>
                   </a:solidFill>
@@ -1296,7 +1297,7 @@
             </a:ln>
             <a:extLst>
               <a:ext uri="{91240B29-F687-4f45-9708-019B960494DF}">
-                <a14:hiddenLine xmlns:a14="http://schemas.microsoft.com/office/drawing/2010/main" xmlns="" w="9525">
+                <a14:hiddenLine xmlns="" xmlns:a14="http://schemas.microsoft.com/office/drawing/2010/main" w="9525">
                   <a:solidFill>
                     <a:srgbClr val="000000"/>
                   </a:solidFill>
@@ -1386,7 +1387,7 @@
             </a:ln>
             <a:extLst>
               <a:ext uri="{91240B29-F687-4f45-9708-019B960494DF}">
-                <a14:hiddenLine xmlns:a14="http://schemas.microsoft.com/office/drawing/2010/main" xmlns="" w="9525">
+                <a14:hiddenLine xmlns="" xmlns:a14="http://schemas.microsoft.com/office/drawing/2010/main" w="9525">
                   <a:solidFill>
                     <a:srgbClr val="000000"/>
                   </a:solidFill>
@@ -1476,7 +1477,7 @@
             </a:ln>
             <a:extLst>
               <a:ext uri="{91240B29-F687-4f45-9708-019B960494DF}">
-                <a14:hiddenLine xmlns:a14="http://schemas.microsoft.com/office/drawing/2010/main" xmlns="" w="9525">
+                <a14:hiddenLine xmlns="" xmlns:a14="http://schemas.microsoft.com/office/drawing/2010/main" w="9525">
                   <a:solidFill>
                     <a:srgbClr val="000000"/>
                   </a:solidFill>
@@ -1538,7 +1539,7 @@
             </a:ln>
             <a:extLst>
               <a:ext uri="{91240B29-F687-4f45-9708-019B960494DF}">
-                <a14:hiddenLine xmlns:a14="http://schemas.microsoft.com/office/drawing/2010/main" xmlns="" w="9525">
+                <a14:hiddenLine xmlns="" xmlns:a14="http://schemas.microsoft.com/office/drawing/2010/main" w="9525">
                   <a:solidFill>
                     <a:srgbClr val="000000"/>
                   </a:solidFill>
@@ -1628,7 +1629,7 @@
             </a:ln>
             <a:extLst>
               <a:ext uri="{91240B29-F687-4f45-9708-019B960494DF}">
-                <a14:hiddenLine xmlns:a14="http://schemas.microsoft.com/office/drawing/2010/main" xmlns="" w="9525">
+                <a14:hiddenLine xmlns="" xmlns:a14="http://schemas.microsoft.com/office/drawing/2010/main" w="9525">
                   <a:solidFill>
                     <a:srgbClr val="000000"/>
                   </a:solidFill>
@@ -1718,7 +1719,7 @@
             </a:ln>
             <a:extLst>
               <a:ext uri="{91240B29-F687-4f45-9708-019B960494DF}">
-                <a14:hiddenLine xmlns:a14="http://schemas.microsoft.com/office/drawing/2010/main" xmlns="" w="9525">
+                <a14:hiddenLine xmlns="" xmlns:a14="http://schemas.microsoft.com/office/drawing/2010/main" w="9525">
                   <a:solidFill>
                     <a:srgbClr val="000000"/>
                   </a:solidFill>
@@ -1774,7 +1775,7 @@
             </a:ln>
             <a:extLst>
               <a:ext uri="{91240B29-F687-4f45-9708-019B960494DF}">
-                <a14:hiddenLine xmlns:a14="http://schemas.microsoft.com/office/drawing/2010/main" xmlns="" w="9525">
+                <a14:hiddenLine xmlns="" xmlns:a14="http://schemas.microsoft.com/office/drawing/2010/main" w="9525">
                   <a:solidFill>
                     <a:srgbClr val="000000"/>
                   </a:solidFill>
@@ -1864,7 +1865,7 @@
             </a:ln>
             <a:extLst>
               <a:ext uri="{91240B29-F687-4f45-9708-019B960494DF}">
-                <a14:hiddenLine xmlns:a14="http://schemas.microsoft.com/office/drawing/2010/main" xmlns="" w="9525">
+                <a14:hiddenLine xmlns="" xmlns:a14="http://schemas.microsoft.com/office/drawing/2010/main" w="9525">
                   <a:solidFill>
                     <a:srgbClr val="000000"/>
                   </a:solidFill>
@@ -1920,7 +1921,7 @@
             </a:ln>
             <a:extLst>
               <a:ext uri="{91240B29-F687-4f45-9708-019B960494DF}">
-                <a14:hiddenLine xmlns:a14="http://schemas.microsoft.com/office/drawing/2010/main" xmlns="" w="9525">
+                <a14:hiddenLine xmlns="" xmlns:a14="http://schemas.microsoft.com/office/drawing/2010/main" w="9525">
                   <a:solidFill>
                     <a:srgbClr val="000000"/>
                   </a:solidFill>
@@ -2010,7 +2011,7 @@
             </a:ln>
             <a:extLst>
               <a:ext uri="{91240B29-F687-4f45-9708-019B960494DF}">
-                <a14:hiddenLine xmlns:a14="http://schemas.microsoft.com/office/drawing/2010/main" xmlns="" w="9525">
+                <a14:hiddenLine xmlns="" xmlns:a14="http://schemas.microsoft.com/office/drawing/2010/main" w="9525">
                   <a:solidFill>
                     <a:srgbClr val="000000"/>
                   </a:solidFill>
@@ -2078,7 +2079,7 @@
             </a:ln>
             <a:extLst>
               <a:ext uri="{91240B29-F687-4f45-9708-019B960494DF}">
-                <a14:hiddenLine xmlns:a14="http://schemas.microsoft.com/office/drawing/2010/main" xmlns="" w="9525">
+                <a14:hiddenLine xmlns="" xmlns:a14="http://schemas.microsoft.com/office/drawing/2010/main" w="9525">
                   <a:solidFill>
                     <a:srgbClr val="000000"/>
                   </a:solidFill>
@@ -2168,7 +2169,7 @@
             </a:ln>
             <a:extLst>
               <a:ext uri="{91240B29-F687-4f45-9708-019B960494DF}">
-                <a14:hiddenLine xmlns:a14="http://schemas.microsoft.com/office/drawing/2010/main" xmlns="" w="9525">
+                <a14:hiddenLine xmlns="" xmlns:a14="http://schemas.microsoft.com/office/drawing/2010/main" w="9525">
                   <a:solidFill>
                     <a:srgbClr val="000000"/>
                   </a:solidFill>
@@ -2236,7 +2237,7 @@
             </a:ln>
             <a:extLst>
               <a:ext uri="{91240B29-F687-4f45-9708-019B960494DF}">
-                <a14:hiddenLine xmlns:a14="http://schemas.microsoft.com/office/drawing/2010/main" xmlns="" w="9525">
+                <a14:hiddenLine xmlns="" xmlns:a14="http://schemas.microsoft.com/office/drawing/2010/main" w="9525">
                   <a:solidFill>
                     <a:srgbClr val="000000"/>
                   </a:solidFill>
@@ -2326,7 +2327,7 @@
             </a:ln>
             <a:extLst>
               <a:ext uri="{91240B29-F687-4f45-9708-019B960494DF}">
-                <a14:hiddenLine xmlns:a14="http://schemas.microsoft.com/office/drawing/2010/main" xmlns="" w="9525">
+                <a14:hiddenLine xmlns="" xmlns:a14="http://schemas.microsoft.com/office/drawing/2010/main" w="9525">
                   <a:solidFill>
                     <a:srgbClr val="000000"/>
                   </a:solidFill>
@@ -2360,7 +2361,7 @@
             </a:ln>
             <a:extLst>
               <a:ext uri="{91240B29-F687-4f45-9708-019B960494DF}">
-                <a14:hiddenLine xmlns:a14="http://schemas.microsoft.com/office/drawing/2010/main" xmlns="" w="9525">
+                <a14:hiddenLine xmlns="" xmlns:a14="http://schemas.microsoft.com/office/drawing/2010/main" w="9525">
                   <a:solidFill>
                     <a:srgbClr val="000000"/>
                   </a:solidFill>
@@ -2450,7 +2451,7 @@
             </a:ln>
             <a:extLst>
               <a:ext uri="{91240B29-F687-4f45-9708-019B960494DF}">
-                <a14:hiddenLine xmlns:a14="http://schemas.microsoft.com/office/drawing/2010/main" xmlns="" w="9525">
+                <a14:hiddenLine xmlns="" xmlns:a14="http://schemas.microsoft.com/office/drawing/2010/main" w="9525">
                   <a:solidFill>
                     <a:srgbClr val="000000"/>
                   </a:solidFill>
@@ -2512,7 +2513,7 @@
             </a:ln>
             <a:extLst>
               <a:ext uri="{91240B29-F687-4f45-9708-019B960494DF}">
-                <a14:hiddenLine xmlns:a14="http://schemas.microsoft.com/office/drawing/2010/main" xmlns="" w="9525">
+                <a14:hiddenLine xmlns="" xmlns:a14="http://schemas.microsoft.com/office/drawing/2010/main" w="9525">
                   <a:solidFill>
                     <a:srgbClr val="000000"/>
                   </a:solidFill>
@@ -2574,7 +2575,7 @@
             </a:ln>
             <a:extLst>
               <a:ext uri="{91240B29-F687-4f45-9708-019B960494DF}">
-                <a14:hiddenLine xmlns:a14="http://schemas.microsoft.com/office/drawing/2010/main" xmlns="" w="9525">
+                <a14:hiddenLine xmlns="" xmlns:a14="http://schemas.microsoft.com/office/drawing/2010/main" w="9525">
                   <a:solidFill>
                     <a:srgbClr val="000000"/>
                   </a:solidFill>
@@ -2664,7 +2665,7 @@
             </a:ln>
             <a:extLst>
               <a:ext uri="{91240B29-F687-4f45-9708-019B960494DF}">
-                <a14:hiddenLine xmlns:a14="http://schemas.microsoft.com/office/drawing/2010/main" xmlns="" w="9525">
+                <a14:hiddenLine xmlns="" xmlns:a14="http://schemas.microsoft.com/office/drawing/2010/main" w="9525">
                   <a:solidFill>
                     <a:srgbClr val="000000"/>
                   </a:solidFill>
@@ -2732,7 +2733,7 @@
             </a:ln>
             <a:extLst>
               <a:ext uri="{91240B29-F687-4f45-9708-019B960494DF}">
-                <a14:hiddenLine xmlns:a14="http://schemas.microsoft.com/office/drawing/2010/main" xmlns="" w="9525">
+                <a14:hiddenLine xmlns="" xmlns:a14="http://schemas.microsoft.com/office/drawing/2010/main" w="9525">
                   <a:solidFill>
                     <a:srgbClr val="000000"/>
                   </a:solidFill>
@@ -2794,7 +2795,7 @@
             </a:ln>
             <a:extLst>
               <a:ext uri="{91240B29-F687-4f45-9708-019B960494DF}">
-                <a14:hiddenLine xmlns:a14="http://schemas.microsoft.com/office/drawing/2010/main" xmlns="" w="9525">
+                <a14:hiddenLine xmlns="" xmlns:a14="http://schemas.microsoft.com/office/drawing/2010/main" w="9525">
                   <a:solidFill>
                     <a:srgbClr val="000000"/>
                   </a:solidFill>
@@ -2884,7 +2885,7 @@
             </a:ln>
             <a:extLst>
               <a:ext uri="{91240B29-F687-4f45-9708-019B960494DF}">
-                <a14:hiddenLine xmlns:a14="http://schemas.microsoft.com/office/drawing/2010/main" xmlns="" w="9525">
+                <a14:hiddenLine xmlns="" xmlns:a14="http://schemas.microsoft.com/office/drawing/2010/main" w="9525">
                   <a:solidFill>
                     <a:srgbClr val="000000"/>
                   </a:solidFill>
@@ -2946,7 +2947,7 @@
             </a:ln>
             <a:extLst>
               <a:ext uri="{91240B29-F687-4f45-9708-019B960494DF}">
-                <a14:hiddenLine xmlns:a14="http://schemas.microsoft.com/office/drawing/2010/main" xmlns="" w="9525">
+                <a14:hiddenLine xmlns="" xmlns:a14="http://schemas.microsoft.com/office/drawing/2010/main" w="9525">
                   <a:solidFill>
                     <a:srgbClr val="000000"/>
                   </a:solidFill>
@@ -3036,7 +3037,7 @@
             </a:ln>
             <a:extLst>
               <a:ext uri="{91240B29-F687-4f45-9708-019B960494DF}">
-                <a14:hiddenLine xmlns:a14="http://schemas.microsoft.com/office/drawing/2010/main" xmlns="" w="9525">
+                <a14:hiddenLine xmlns="" xmlns:a14="http://schemas.microsoft.com/office/drawing/2010/main" w="9525">
                   <a:solidFill>
                     <a:srgbClr val="000000"/>
                   </a:solidFill>
@@ -3098,7 +3099,7 @@
             </a:ln>
             <a:extLst>
               <a:ext uri="{91240B29-F687-4f45-9708-019B960494DF}">
-                <a14:hiddenLine xmlns:a14="http://schemas.microsoft.com/office/drawing/2010/main" xmlns="" w="9525">
+                <a14:hiddenLine xmlns="" xmlns:a14="http://schemas.microsoft.com/office/drawing/2010/main" w="9525">
                   <a:solidFill>
                     <a:srgbClr val="000000"/>
                   </a:solidFill>
@@ -3188,7 +3189,7 @@
             </a:ln>
             <a:extLst>
               <a:ext uri="{91240B29-F687-4f45-9708-019B960494DF}">
-                <a14:hiddenLine xmlns:a14="http://schemas.microsoft.com/office/drawing/2010/main" xmlns="" w="9525">
+                <a14:hiddenLine xmlns="" xmlns:a14="http://schemas.microsoft.com/office/drawing/2010/main" w="9525">
                   <a:solidFill>
                     <a:srgbClr val="000000"/>
                   </a:solidFill>
@@ -3222,7 +3223,7 @@
             </a:ln>
             <a:extLst>
               <a:ext uri="{91240B29-F687-4f45-9708-019B960494DF}">
-                <a14:hiddenLine xmlns:a14="http://schemas.microsoft.com/office/drawing/2010/main" xmlns="" w="9525">
+                <a14:hiddenLine xmlns="" xmlns:a14="http://schemas.microsoft.com/office/drawing/2010/main" w="9525">
                   <a:solidFill>
                     <a:srgbClr val="000000"/>
                   </a:solidFill>
@@ -3287,7 +3288,7 @@
             </a:ln>
             <a:extLst>
               <a:ext uri="{91240B29-F687-4f45-9708-019B960494DF}">
-                <a14:hiddenLine xmlns:a14="http://schemas.microsoft.com/office/drawing/2010/main" xmlns="" w="9525">
+                <a14:hiddenLine xmlns="" xmlns:a14="http://schemas.microsoft.com/office/drawing/2010/main" w="9525">
                   <a:solidFill>
                     <a:srgbClr val="000000"/>
                   </a:solidFill>
@@ -3377,7 +3378,7 @@
             </a:ln>
             <a:extLst>
               <a:ext uri="{91240B29-F687-4f45-9708-019B960494DF}">
-                <a14:hiddenLine xmlns:a14="http://schemas.microsoft.com/office/drawing/2010/main" xmlns="" w="9525">
+                <a14:hiddenLine xmlns="" xmlns:a14="http://schemas.microsoft.com/office/drawing/2010/main" w="9525">
                   <a:solidFill>
                     <a:srgbClr val="000000"/>
                   </a:solidFill>
@@ -3439,7 +3440,7 @@
             </a:ln>
             <a:extLst>
               <a:ext uri="{91240B29-F687-4f45-9708-019B960494DF}">
-                <a14:hiddenLine xmlns:a14="http://schemas.microsoft.com/office/drawing/2010/main" xmlns="" w="9525">
+                <a14:hiddenLine xmlns="" xmlns:a14="http://schemas.microsoft.com/office/drawing/2010/main" w="9525">
                   <a:solidFill>
                     <a:srgbClr val="000000"/>
                   </a:solidFill>
@@ -3529,7 +3530,7 @@
             </a:ln>
             <a:extLst>
               <a:ext uri="{91240B29-F687-4f45-9708-019B960494DF}">
-                <a14:hiddenLine xmlns:a14="http://schemas.microsoft.com/office/drawing/2010/main" xmlns="" w="9525">
+                <a14:hiddenLine xmlns="" xmlns:a14="http://schemas.microsoft.com/office/drawing/2010/main" w="9525">
                   <a:solidFill>
                     <a:srgbClr val="000000"/>
                   </a:solidFill>
@@ -3619,7 +3620,7 @@
             </a:ln>
             <a:extLst>
               <a:ext uri="{91240B29-F687-4f45-9708-019B960494DF}">
-                <a14:hiddenLine xmlns:a14="http://schemas.microsoft.com/office/drawing/2010/main" xmlns="" w="9525">
+                <a14:hiddenLine xmlns="" xmlns:a14="http://schemas.microsoft.com/office/drawing/2010/main" w="9525">
                   <a:solidFill>
                     <a:srgbClr val="000000"/>
                   </a:solidFill>
@@ -3684,7 +3685,7 @@
             </a:ln>
             <a:extLst>
               <a:ext uri="{91240B29-F687-4f45-9708-019B960494DF}">
-                <a14:hiddenLine xmlns:a14="http://schemas.microsoft.com/office/drawing/2010/main" xmlns="" w="9525">
+                <a14:hiddenLine xmlns="" xmlns:a14="http://schemas.microsoft.com/office/drawing/2010/main" w="9525">
                   <a:solidFill>
                     <a:srgbClr val="000000"/>
                   </a:solidFill>
@@ -3746,7 +3747,7 @@
             </a:ln>
             <a:extLst>
               <a:ext uri="{91240B29-F687-4f45-9708-019B960494DF}">
-                <a14:hiddenLine xmlns:a14="http://schemas.microsoft.com/office/drawing/2010/main" xmlns="" w="9525">
+                <a14:hiddenLine xmlns="" xmlns:a14="http://schemas.microsoft.com/office/drawing/2010/main" w="9525">
                   <a:solidFill>
                     <a:srgbClr val="000000"/>
                   </a:solidFill>
@@ -3836,7 +3837,7 @@
             </a:ln>
             <a:extLst>
               <a:ext uri="{91240B29-F687-4f45-9708-019B960494DF}">
-                <a14:hiddenLine xmlns:a14="http://schemas.microsoft.com/office/drawing/2010/main" xmlns="" w="9525">
+                <a14:hiddenLine xmlns="" xmlns:a14="http://schemas.microsoft.com/office/drawing/2010/main" w="9525">
                   <a:solidFill>
                     <a:srgbClr val="000000"/>
                   </a:solidFill>
@@ -3926,7 +3927,7 @@
             </a:ln>
             <a:extLst>
               <a:ext uri="{91240B29-F687-4f45-9708-019B960494DF}">
-                <a14:hiddenLine xmlns:a14="http://schemas.microsoft.com/office/drawing/2010/main" xmlns="" w="9525">
+                <a14:hiddenLine xmlns="" xmlns:a14="http://schemas.microsoft.com/office/drawing/2010/main" w="9525">
                   <a:solidFill>
                     <a:srgbClr val="000000"/>
                   </a:solidFill>
@@ -3988,7 +3989,7 @@
             </a:ln>
             <a:extLst>
               <a:ext uri="{91240B29-F687-4f45-9708-019B960494DF}">
-                <a14:hiddenLine xmlns:a14="http://schemas.microsoft.com/office/drawing/2010/main" xmlns="" w="9525">
+                <a14:hiddenLine xmlns="" xmlns:a14="http://schemas.microsoft.com/office/drawing/2010/main" w="9525">
                   <a:solidFill>
                     <a:srgbClr val="000000"/>
                   </a:solidFill>
@@ -4108,7 +4109,7 @@
             </a:ln>
             <a:extLst>
               <a:ext uri="{91240B29-F687-4f45-9708-019B960494DF}">
-                <a14:hiddenLine xmlns:a14="http://schemas.microsoft.com/office/drawing/2010/main" xmlns="" w="9525">
+                <a14:hiddenLine xmlns="" xmlns:a14="http://schemas.microsoft.com/office/drawing/2010/main" w="9525">
                   <a:solidFill>
                     <a:srgbClr val="000000"/>
                   </a:solidFill>
@@ -4176,7 +4177,7 @@
             </a:ln>
             <a:extLst>
               <a:ext uri="{91240B29-F687-4f45-9708-019B960494DF}">
-                <a14:hiddenLine xmlns:a14="http://schemas.microsoft.com/office/drawing/2010/main" xmlns="" w="9525">
+                <a14:hiddenLine xmlns="" xmlns:a14="http://schemas.microsoft.com/office/drawing/2010/main" w="9525">
                   <a:solidFill>
                     <a:srgbClr val="000000"/>
                   </a:solidFill>
@@ -4266,7 +4267,7 @@
             </a:ln>
             <a:extLst>
               <a:ext uri="{91240B29-F687-4f45-9708-019B960494DF}">
-                <a14:hiddenLine xmlns:a14="http://schemas.microsoft.com/office/drawing/2010/main" xmlns="" w="9525">
+                <a14:hiddenLine xmlns="" xmlns:a14="http://schemas.microsoft.com/office/drawing/2010/main" w="9525">
                   <a:solidFill>
                     <a:srgbClr val="000000"/>
                   </a:solidFill>
@@ -8988,7 +8989,7 @@
           <a:noFill/>
           <a:extLst>
             <a:ext uri="{909E8E84-426E-40dd-AFC4-6F175D3DCCD1}">
-              <a14:hiddenFill xmlns:a14="http://schemas.microsoft.com/office/drawing/2010/main" xmlns="">
+              <a14:hiddenFill xmlns="" xmlns:a14="http://schemas.microsoft.com/office/drawing/2010/main">
                 <a:solidFill>
                   <a:srgbClr val="FFFFFF"/>
                 </a:solidFill>
@@ -9062,7 +9063,7 @@
               </a:ln>
               <a:extLst>
                 <a:ext uri="{91240B29-F687-4f45-9708-019B960494DF}">
-                  <a14:hiddenLine xmlns:a14="http://schemas.microsoft.com/office/drawing/2010/main" xmlns="" w="9525">
+                  <a14:hiddenLine xmlns="" xmlns:a14="http://schemas.microsoft.com/office/drawing/2010/main" w="9525">
                     <a:solidFill>
                       <a:srgbClr val="000000"/>
                     </a:solidFill>
@@ -9152,7 +9153,7 @@
               </a:ln>
               <a:extLst>
                 <a:ext uri="{91240B29-F687-4f45-9708-019B960494DF}">
-                  <a14:hiddenLine xmlns:a14="http://schemas.microsoft.com/office/drawing/2010/main" xmlns="" w="9525">
+                  <a14:hiddenLine xmlns="" xmlns:a14="http://schemas.microsoft.com/office/drawing/2010/main" w="9525">
                     <a:solidFill>
                       <a:srgbClr val="000000"/>
                     </a:solidFill>
@@ -9242,7 +9243,7 @@
               </a:ln>
               <a:extLst>
                 <a:ext uri="{91240B29-F687-4f45-9708-019B960494DF}">
-                  <a14:hiddenLine xmlns:a14="http://schemas.microsoft.com/office/drawing/2010/main" xmlns="" w="9525">
+                  <a14:hiddenLine xmlns="" xmlns:a14="http://schemas.microsoft.com/office/drawing/2010/main" w="9525">
                     <a:solidFill>
                       <a:srgbClr val="000000"/>
                     </a:solidFill>
@@ -9304,7 +9305,7 @@
               </a:ln>
               <a:extLst>
                 <a:ext uri="{91240B29-F687-4f45-9708-019B960494DF}">
-                  <a14:hiddenLine xmlns:a14="http://schemas.microsoft.com/office/drawing/2010/main" xmlns="" w="9525">
+                  <a14:hiddenLine xmlns="" xmlns:a14="http://schemas.microsoft.com/office/drawing/2010/main" w="9525">
                     <a:solidFill>
                       <a:srgbClr val="000000"/>
                     </a:solidFill>
@@ -9394,7 +9395,7 @@
               </a:ln>
               <a:extLst>
                 <a:ext uri="{91240B29-F687-4f45-9708-019B960494DF}">
-                  <a14:hiddenLine xmlns:a14="http://schemas.microsoft.com/office/drawing/2010/main" xmlns="" w="9525">
+                  <a14:hiddenLine xmlns="" xmlns:a14="http://schemas.microsoft.com/office/drawing/2010/main" w="9525">
                     <a:solidFill>
                       <a:srgbClr val="000000"/>
                     </a:solidFill>
@@ -9456,7 +9457,7 @@
               </a:ln>
               <a:extLst>
                 <a:ext uri="{91240B29-F687-4f45-9708-019B960494DF}">
-                  <a14:hiddenLine xmlns:a14="http://schemas.microsoft.com/office/drawing/2010/main" xmlns="" w="9525">
+                  <a14:hiddenLine xmlns="" xmlns:a14="http://schemas.microsoft.com/office/drawing/2010/main" w="9525">
                     <a:solidFill>
                       <a:srgbClr val="000000"/>
                     </a:solidFill>
@@ -9518,7 +9519,7 @@
               </a:ln>
               <a:extLst>
                 <a:ext uri="{91240B29-F687-4f45-9708-019B960494DF}">
-                  <a14:hiddenLine xmlns:a14="http://schemas.microsoft.com/office/drawing/2010/main" xmlns="" w="9525">
+                  <a14:hiddenLine xmlns="" xmlns:a14="http://schemas.microsoft.com/office/drawing/2010/main" w="9525">
                     <a:solidFill>
                       <a:srgbClr val="000000"/>
                     </a:solidFill>
@@ -9608,7 +9609,7 @@
               </a:ln>
               <a:extLst>
                 <a:ext uri="{91240B29-F687-4f45-9708-019B960494DF}">
-                  <a14:hiddenLine xmlns:a14="http://schemas.microsoft.com/office/drawing/2010/main" xmlns="" w="9525">
+                  <a14:hiddenLine xmlns="" xmlns:a14="http://schemas.microsoft.com/office/drawing/2010/main" w="9525">
                     <a:solidFill>
                       <a:srgbClr val="000000"/>
                     </a:solidFill>
@@ -9698,7 +9699,7 @@
               </a:ln>
               <a:extLst>
                 <a:ext uri="{91240B29-F687-4f45-9708-019B960494DF}">
-                  <a14:hiddenLine xmlns:a14="http://schemas.microsoft.com/office/drawing/2010/main" xmlns="" w="9525">
+                  <a14:hiddenLine xmlns="" xmlns:a14="http://schemas.microsoft.com/office/drawing/2010/main" w="9525">
                     <a:solidFill>
                       <a:srgbClr val="000000"/>
                     </a:solidFill>
@@ -9760,7 +9761,7 @@
               </a:ln>
               <a:extLst>
                 <a:ext uri="{91240B29-F687-4f45-9708-019B960494DF}">
-                  <a14:hiddenLine xmlns:a14="http://schemas.microsoft.com/office/drawing/2010/main" xmlns="" w="9525">
+                  <a14:hiddenLine xmlns="" xmlns:a14="http://schemas.microsoft.com/office/drawing/2010/main" w="9525">
                     <a:solidFill>
                       <a:srgbClr val="000000"/>
                     </a:solidFill>
@@ -9870,7 +9871,7 @@
               </a:ln>
               <a:extLst>
                 <a:ext uri="{91240B29-F687-4f45-9708-019B960494DF}">
-                  <a14:hiddenLine xmlns:a14="http://schemas.microsoft.com/office/drawing/2010/main" xmlns="" w="9525">
+                  <a14:hiddenLine xmlns="" xmlns:a14="http://schemas.microsoft.com/office/drawing/2010/main" w="9525">
                     <a:solidFill>
                       <a:srgbClr val="000000"/>
                     </a:solidFill>
@@ -9954,7 +9955,7 @@
               </a:ln>
               <a:extLst>
                 <a:ext uri="{91240B29-F687-4f45-9708-019B960494DF}">
-                  <a14:hiddenLine xmlns:a14="http://schemas.microsoft.com/office/drawing/2010/main" xmlns="" w="9525">
+                  <a14:hiddenLine xmlns="" xmlns:a14="http://schemas.microsoft.com/office/drawing/2010/main" w="9525">
                     <a:solidFill>
                       <a:srgbClr val="000000"/>
                     </a:solidFill>
@@ -10016,7 +10017,7 @@
               </a:ln>
               <a:extLst>
                 <a:ext uri="{91240B29-F687-4f45-9708-019B960494DF}">
-                  <a14:hiddenLine xmlns:a14="http://schemas.microsoft.com/office/drawing/2010/main" xmlns="" w="9525">
+                  <a14:hiddenLine xmlns="" xmlns:a14="http://schemas.microsoft.com/office/drawing/2010/main" w="9525">
                     <a:solidFill>
                       <a:srgbClr val="000000"/>
                     </a:solidFill>
@@ -10078,7 +10079,7 @@
               </a:ln>
               <a:extLst>
                 <a:ext uri="{91240B29-F687-4f45-9708-019B960494DF}">
-                  <a14:hiddenLine xmlns:a14="http://schemas.microsoft.com/office/drawing/2010/main" xmlns="" w="9525">
+                  <a14:hiddenLine xmlns="" xmlns:a14="http://schemas.microsoft.com/office/drawing/2010/main" w="9525">
                     <a:solidFill>
                       <a:srgbClr val="000000"/>
                     </a:solidFill>
@@ -10168,7 +10169,7 @@
               </a:ln>
               <a:extLst>
                 <a:ext uri="{91240B29-F687-4f45-9708-019B960494DF}">
-                  <a14:hiddenLine xmlns:a14="http://schemas.microsoft.com/office/drawing/2010/main" xmlns="" w="9525">
+                  <a14:hiddenLine xmlns="" xmlns:a14="http://schemas.microsoft.com/office/drawing/2010/main" w="9525">
                     <a:solidFill>
                       <a:srgbClr val="000000"/>
                     </a:solidFill>
@@ -10202,7 +10203,7 @@
               </a:ln>
               <a:extLst>
                 <a:ext uri="{91240B29-F687-4f45-9708-019B960494DF}">
-                  <a14:hiddenLine xmlns:a14="http://schemas.microsoft.com/office/drawing/2010/main" xmlns="" w="9525">
+                  <a14:hiddenLine xmlns="" xmlns:a14="http://schemas.microsoft.com/office/drawing/2010/main" w="9525">
                     <a:solidFill>
                       <a:srgbClr val="000000"/>
                     </a:solidFill>
@@ -10267,7 +10268,7 @@
               </a:ln>
               <a:extLst>
                 <a:ext uri="{91240B29-F687-4f45-9708-019B960494DF}">
-                  <a14:hiddenLine xmlns:a14="http://schemas.microsoft.com/office/drawing/2010/main" xmlns="" w="9525">
+                  <a14:hiddenLine xmlns="" xmlns:a14="http://schemas.microsoft.com/office/drawing/2010/main" w="9525">
                     <a:solidFill>
                       <a:srgbClr val="000000"/>
                     </a:solidFill>
@@ -10357,7 +10358,7 @@
               </a:ln>
               <a:extLst>
                 <a:ext uri="{91240B29-F687-4f45-9708-019B960494DF}">
-                  <a14:hiddenLine xmlns:a14="http://schemas.microsoft.com/office/drawing/2010/main" xmlns="" w="9525">
+                  <a14:hiddenLine xmlns="" xmlns:a14="http://schemas.microsoft.com/office/drawing/2010/main" w="9525">
                     <a:solidFill>
                       <a:srgbClr val="000000"/>
                     </a:solidFill>
@@ -10419,7 +10420,7 @@
               </a:ln>
               <a:extLst>
                 <a:ext uri="{91240B29-F687-4f45-9708-019B960494DF}">
-                  <a14:hiddenLine xmlns:a14="http://schemas.microsoft.com/office/drawing/2010/main" xmlns="" w="9525">
+                  <a14:hiddenLine xmlns="" xmlns:a14="http://schemas.microsoft.com/office/drawing/2010/main" w="9525">
                     <a:solidFill>
                       <a:srgbClr val="000000"/>
                     </a:solidFill>
@@ -10509,7 +10510,7 @@
               </a:ln>
               <a:extLst>
                 <a:ext uri="{91240B29-F687-4f45-9708-019B960494DF}">
-                  <a14:hiddenLine xmlns:a14="http://schemas.microsoft.com/office/drawing/2010/main" xmlns="" w="9525">
+                  <a14:hiddenLine xmlns="" xmlns:a14="http://schemas.microsoft.com/office/drawing/2010/main" w="9525">
                     <a:solidFill>
                       <a:srgbClr val="000000"/>
                     </a:solidFill>
@@ -10574,7 +10575,7 @@
               </a:ln>
               <a:extLst>
                 <a:ext uri="{91240B29-F687-4f45-9708-019B960494DF}">
-                  <a14:hiddenLine xmlns:a14="http://schemas.microsoft.com/office/drawing/2010/main" xmlns="" w="9525">
+                  <a14:hiddenLine xmlns="" xmlns:a14="http://schemas.microsoft.com/office/drawing/2010/main" w="9525">
                     <a:solidFill>
                       <a:srgbClr val="000000"/>
                     </a:solidFill>
@@ -10636,7 +10637,7 @@
               </a:ln>
               <a:extLst>
                 <a:ext uri="{91240B29-F687-4f45-9708-019B960494DF}">
-                  <a14:hiddenLine xmlns:a14="http://schemas.microsoft.com/office/drawing/2010/main" xmlns="" w="9525">
+                  <a14:hiddenLine xmlns="" xmlns:a14="http://schemas.microsoft.com/office/drawing/2010/main" w="9525">
                     <a:solidFill>
                       <a:srgbClr val="000000"/>
                     </a:solidFill>
@@ -10726,7 +10727,7 @@
               </a:ln>
               <a:extLst>
                 <a:ext uri="{91240B29-F687-4f45-9708-019B960494DF}">
-                  <a14:hiddenLine xmlns:a14="http://schemas.microsoft.com/office/drawing/2010/main" xmlns="" w="9525">
+                  <a14:hiddenLine xmlns="" xmlns:a14="http://schemas.microsoft.com/office/drawing/2010/main" w="9525">
                     <a:solidFill>
                       <a:srgbClr val="000000"/>
                     </a:solidFill>
@@ -10816,7 +10817,7 @@
               </a:ln>
               <a:extLst>
                 <a:ext uri="{91240B29-F687-4f45-9708-019B960494DF}">
-                  <a14:hiddenLine xmlns:a14="http://schemas.microsoft.com/office/drawing/2010/main" xmlns="" w="9525">
+                  <a14:hiddenLine xmlns="" xmlns:a14="http://schemas.microsoft.com/office/drawing/2010/main" w="9525">
                     <a:solidFill>
                       <a:srgbClr val="000000"/>
                     </a:solidFill>
@@ -10881,7 +10882,7 @@
               </a:ln>
               <a:extLst>
                 <a:ext uri="{91240B29-F687-4f45-9708-019B960494DF}">
-                  <a14:hiddenLine xmlns:a14="http://schemas.microsoft.com/office/drawing/2010/main" xmlns="" w="9525">
+                  <a14:hiddenLine xmlns="" xmlns:a14="http://schemas.microsoft.com/office/drawing/2010/main" w="9525">
                     <a:solidFill>
                       <a:srgbClr val="000000"/>
                     </a:solidFill>
@@ -11001,7 +11002,7 @@
               </a:ln>
               <a:extLst>
                 <a:ext uri="{91240B29-F687-4f45-9708-019B960494DF}">
-                  <a14:hiddenLine xmlns:a14="http://schemas.microsoft.com/office/drawing/2010/main" xmlns="" w="9525">
+                  <a14:hiddenLine xmlns="" xmlns:a14="http://schemas.microsoft.com/office/drawing/2010/main" w="9525">
                     <a:solidFill>
                       <a:srgbClr val="000000"/>
                     </a:solidFill>
@@ -11099,7 +11100,7 @@
               </a:ln>
               <a:extLst>
                 <a:ext uri="{91240B29-F687-4f45-9708-019B960494DF}">
-                  <a14:hiddenLine xmlns:a14="http://schemas.microsoft.com/office/drawing/2010/main" xmlns="" w="9525">
+                  <a14:hiddenLine xmlns="" xmlns:a14="http://schemas.microsoft.com/office/drawing/2010/main" w="9525">
                     <a:solidFill>
                       <a:srgbClr val="000000"/>
                     </a:solidFill>
@@ -11214,7 +11215,7 @@
               </a:ln>
               <a:extLst>
                 <a:ext uri="{91240B29-F687-4f45-9708-019B960494DF}">
-                  <a14:hiddenLine xmlns:a14="http://schemas.microsoft.com/office/drawing/2010/main" xmlns="" w="9525">
+                  <a14:hiddenLine xmlns="" xmlns:a14="http://schemas.microsoft.com/office/drawing/2010/main" w="9525">
                     <a:solidFill>
                       <a:srgbClr val="000000"/>
                     </a:solidFill>
@@ -11304,7 +11305,7 @@
               </a:ln>
               <a:extLst>
                 <a:ext uri="{91240B29-F687-4f45-9708-019B960494DF}">
-                  <a14:hiddenLine xmlns:a14="http://schemas.microsoft.com/office/drawing/2010/main" xmlns="" w="9525">
+                  <a14:hiddenLine xmlns="" xmlns:a14="http://schemas.microsoft.com/office/drawing/2010/main" w="9525">
                     <a:solidFill>
                       <a:srgbClr val="000000"/>
                     </a:solidFill>
@@ -11369,7 +11370,7 @@
               </a:ln>
               <a:extLst>
                 <a:ext uri="{91240B29-F687-4f45-9708-019B960494DF}">
-                  <a14:hiddenLine xmlns:a14="http://schemas.microsoft.com/office/drawing/2010/main" xmlns="" w="9525">
+                  <a14:hiddenLine xmlns="" xmlns:a14="http://schemas.microsoft.com/office/drawing/2010/main" w="9525">
                     <a:solidFill>
                       <a:srgbClr val="000000"/>
                     </a:solidFill>
@@ -11459,7 +11460,7 @@
               </a:ln>
               <a:extLst>
                 <a:ext uri="{91240B29-F687-4f45-9708-019B960494DF}">
-                  <a14:hiddenLine xmlns:a14="http://schemas.microsoft.com/office/drawing/2010/main" xmlns="" w="9525">
+                  <a14:hiddenLine xmlns="" xmlns:a14="http://schemas.microsoft.com/office/drawing/2010/main" w="9525">
                     <a:solidFill>
                       <a:srgbClr val="000000"/>
                     </a:solidFill>
@@ -11527,7 +11528,7 @@
               </a:ln>
               <a:extLst>
                 <a:ext uri="{91240B29-F687-4f45-9708-019B960494DF}">
-                  <a14:hiddenLine xmlns:a14="http://schemas.microsoft.com/office/drawing/2010/main" xmlns="" w="9525">
+                  <a14:hiddenLine xmlns="" xmlns:a14="http://schemas.microsoft.com/office/drawing/2010/main" w="9525">
                     <a:solidFill>
                       <a:srgbClr val="000000"/>
                     </a:solidFill>
@@ -11617,7 +11618,7 @@
               </a:ln>
               <a:extLst>
                 <a:ext uri="{91240B29-F687-4f45-9708-019B960494DF}">
-                  <a14:hiddenLine xmlns:a14="http://schemas.microsoft.com/office/drawing/2010/main" xmlns="" w="9525">
+                  <a14:hiddenLine xmlns="" xmlns:a14="http://schemas.microsoft.com/office/drawing/2010/main" w="9525">
                     <a:solidFill>
                       <a:srgbClr val="000000"/>
                     </a:solidFill>
@@ -11685,7 +11686,7 @@
               </a:ln>
               <a:extLst>
                 <a:ext uri="{91240B29-F687-4f45-9708-019B960494DF}">
-                  <a14:hiddenLine xmlns:a14="http://schemas.microsoft.com/office/drawing/2010/main" xmlns="" w="9525">
+                  <a14:hiddenLine xmlns="" xmlns:a14="http://schemas.microsoft.com/office/drawing/2010/main" w="9525">
                     <a:solidFill>
                       <a:srgbClr val="000000"/>
                     </a:solidFill>
@@ -11775,7 +11776,7 @@
               </a:ln>
               <a:extLst>
                 <a:ext uri="{91240B29-F687-4f45-9708-019B960494DF}">
-                  <a14:hiddenLine xmlns:a14="http://schemas.microsoft.com/office/drawing/2010/main" xmlns="" w="9525">
+                  <a14:hiddenLine xmlns="" xmlns:a14="http://schemas.microsoft.com/office/drawing/2010/main" w="9525">
                     <a:solidFill>
                       <a:srgbClr val="000000"/>
                     </a:solidFill>
@@ -11809,7 +11810,7 @@
               </a:ln>
               <a:extLst>
                 <a:ext uri="{91240B29-F687-4f45-9708-019B960494DF}">
-                  <a14:hiddenLine xmlns:a14="http://schemas.microsoft.com/office/drawing/2010/main" xmlns="" w="9525">
+                  <a14:hiddenLine xmlns="" xmlns:a14="http://schemas.microsoft.com/office/drawing/2010/main" w="9525">
                     <a:solidFill>
                       <a:srgbClr val="000000"/>
                     </a:solidFill>
@@ -12526,7 +12527,7 @@
             <a:noFill/>
             <a:extLst>
               <a:ext uri="{909E8E84-426E-40dd-AFC4-6F175D3DCCD1}">
-                <a14:hiddenFill xmlns="" xmlns:p14="http://schemas.microsoft.com/office/powerpoint/2010/main" xmlns:a14="http://schemas.microsoft.com/office/drawing/2010/main">
+                <a14:hiddenFill xmlns:a14="http://schemas.microsoft.com/office/drawing/2010/main" xmlns:p14="http://schemas.microsoft.com/office/powerpoint/2010/main" xmlns="">
                   <a:solidFill>
                     <a:srgbClr val="FFFFFF"/>
                   </a:solidFill>
@@ -15068,7 +15069,7 @@
                   <a:schemeClr val="bg1"/>
                 </a:solidFill>
               </a:rPr>
-              <a:t>Budget</a:t>
+              <a:t>Budget minimal</a:t>
             </a:r>
           </a:p>
         </p:txBody>
@@ -15089,14 +15090,14 @@
             <p:ph idx="1"/>
             <p:extLst>
               <p:ext uri="{D42A27DB-BD31-4B8C-83A1-F6EECF244321}">
-                <p14:modId xmlns:p14="http://schemas.microsoft.com/office/powerpoint/2010/main" val="2422338737"/>
+                <p14:modId xmlns:p14="http://schemas.microsoft.com/office/powerpoint/2010/main" val="716783704"/>
               </p:ext>
             </p:extLst>
           </p:nvPr>
         </p:nvGraphicFramePr>
         <p:xfrm>
           <a:off x="2463551" y="2048308"/>
-          <a:ext cx="7264898" cy="4191174"/>
+          <a:ext cx="7264898" cy="4620155"/>
         </p:xfrm>
         <a:graphic>
           <a:graphicData uri="http://schemas.openxmlformats.org/drawingml/2006/table">
@@ -15171,12 +15172,12 @@
                         </a:spcAft>
                       </a:pPr>
                       <a:r>
-                        <a:rPr lang="fr-FR" sz="1100">
+                        <a:rPr lang="fr-FR" sz="1100" dirty="0">
                           <a:effectLst/>
                         </a:rPr>
-                        <a:t>Bénéfices</a:t>
+                        <a:t>Bénéfices potentiels</a:t>
                       </a:r>
-                      <a:endParaRPr lang="fr-FR" sz="1100">
+                      <a:endParaRPr lang="fr-FR" sz="1100" dirty="0">
                         <a:effectLst/>
                         <a:latin typeface="Calibri" panose="020F0502020204030204" pitchFamily="34" charset="0"/>
                         <a:ea typeface="Calibri" panose="020F0502020204030204" pitchFamily="34" charset="0"/>
@@ -15200,7 +15201,7 @@
                         </a:spcAft>
                       </a:pPr>
                       <a:r>
-                        <a:rPr lang="fr-FR" sz="1100">
+                        <a:rPr lang="fr-FR" sz="1100" dirty="0">
                           <a:effectLst/>
                         </a:rPr>
                         <a:t>Dépenses</a:t>
@@ -15359,12 +15360,12 @@
                         </a:spcAft>
                       </a:pPr>
                       <a:r>
-                        <a:rPr lang="fr-FR" sz="1100">
+                        <a:rPr lang="fr-FR" sz="1100" dirty="0">
                           <a:effectLst/>
                         </a:rPr>
                         <a:t> </a:t>
                       </a:r>
-                      <a:endParaRPr lang="fr-FR" sz="1100">
+                      <a:endParaRPr lang="fr-FR" sz="1100" dirty="0">
                         <a:effectLst/>
                         <a:latin typeface="Calibri" panose="020F0502020204030204" pitchFamily="34" charset="0"/>
                         <a:ea typeface="Calibri" panose="020F0502020204030204" pitchFamily="34" charset="0"/>
@@ -15388,12 +15389,12 @@
                         </a:spcAft>
                       </a:pPr>
                       <a:r>
-                        <a:rPr lang="fr-FR" sz="1100">
+                        <a:rPr lang="fr-FR" sz="1100" dirty="0">
                           <a:effectLst/>
                         </a:rPr>
                         <a:t>563.97€</a:t>
                       </a:r>
-                      <a:endParaRPr lang="fr-FR" sz="1100">
+                      <a:endParaRPr lang="fr-FR" sz="1100" dirty="0">
                         <a:effectLst/>
                         <a:latin typeface="Calibri" panose="020F0502020204030204" pitchFamily="34" charset="0"/>
                         <a:ea typeface="Calibri" panose="020F0502020204030204" pitchFamily="34" charset="0"/>
@@ -15424,12 +15425,12 @@
                         </a:spcAft>
                       </a:pPr>
                       <a:r>
-                        <a:rPr lang="fr-FR" sz="1100">
+                        <a:rPr lang="fr-FR" sz="1100" dirty="0">
                           <a:effectLst/>
                         </a:rPr>
                         <a:t>Câble FFTP</a:t>
                       </a:r>
-                      <a:endParaRPr lang="fr-FR" sz="1100">
+                      <a:endParaRPr lang="fr-FR" sz="1100" dirty="0">
                         <a:effectLst/>
                         <a:latin typeface="Calibri" panose="020F0502020204030204" pitchFamily="34" charset="0"/>
                         <a:ea typeface="Calibri" panose="020F0502020204030204" pitchFamily="34" charset="0"/>
@@ -15482,12 +15483,12 @@
                         </a:spcAft>
                       </a:pPr>
                       <a:r>
-                        <a:rPr lang="fr-FR" sz="1100">
+                        <a:rPr lang="fr-FR" sz="1100" dirty="0">
                           <a:effectLst/>
                         </a:rPr>
-                        <a:t> </a:t>
+                        <a:t>1 560€</a:t>
                       </a:r>
-                      <a:endParaRPr lang="fr-FR" sz="1100">
+                      <a:endParaRPr lang="fr-FR" sz="1100" dirty="0">
                         <a:effectLst/>
                         <a:latin typeface="Calibri" panose="020F0502020204030204" pitchFamily="34" charset="0"/>
                         <a:ea typeface="Calibri" panose="020F0502020204030204" pitchFamily="34" charset="0"/>
@@ -15503,7 +15504,7 @@
                   </a:ext>
                 </a:extLst>
               </a:tr>
-              <a:tr h="419115">
+              <a:tr h="209559">
                 <a:tc>
                   <a:txBody>
                     <a:bodyPr/>
@@ -15518,12 +15519,94 @@
                         </a:spcAft>
                       </a:pPr>
                       <a:r>
-                        <a:rPr lang="fr-FR" sz="1100">
+                        <a:rPr lang="fr-FR" sz="1100" dirty="0">
+                          <a:effectLst/>
+                          <a:latin typeface="Calibri" panose="020F0502020204030204" pitchFamily="34" charset="0"/>
+                          <a:ea typeface="Calibri" panose="020F0502020204030204" pitchFamily="34" charset="0"/>
+                          <a:cs typeface="Times New Roman" panose="02020603050405020304" pitchFamily="18" charset="0"/>
+                        </a:rPr>
+                        <a:t>Connecteur CAT 6a</a:t>
+                      </a:r>
+                    </a:p>
+                  </a:txBody>
+                  <a:tcPr marL="67700" marR="67700" marT="0" marB="0"/>
+                </a:tc>
+                <a:tc>
+                  <a:txBody>
+                    <a:bodyPr/>
+                    <a:lstStyle/>
+                    <a:p>
+                      <a:pPr>
+                        <a:lnSpc>
+                          <a:spcPct val="107000"/>
+                        </a:lnSpc>
+                        <a:spcAft>
+                          <a:spcPts val="0"/>
+                        </a:spcAft>
+                      </a:pPr>
+                      <a:endParaRPr lang="fr-FR" sz="1100">
+                        <a:effectLst/>
+                        <a:latin typeface="Calibri" panose="020F0502020204030204" pitchFamily="34" charset="0"/>
+                        <a:ea typeface="Calibri" panose="020F0502020204030204" pitchFamily="34" charset="0"/>
+                        <a:cs typeface="Times New Roman" panose="02020603050405020304" pitchFamily="18" charset="0"/>
+                      </a:endParaRPr>
+                    </a:p>
+                  </a:txBody>
+                  <a:tcPr marL="67700" marR="67700" marT="0" marB="0"/>
+                </a:tc>
+                <a:tc>
+                  <a:txBody>
+                    <a:bodyPr/>
+                    <a:lstStyle/>
+                    <a:p>
+                      <a:pPr>
+                        <a:lnSpc>
+                          <a:spcPct val="107000"/>
+                        </a:lnSpc>
+                        <a:spcAft>
+                          <a:spcPts val="0"/>
+                        </a:spcAft>
+                      </a:pPr>
+                      <a:r>
+                        <a:rPr lang="fr-FR" sz="1100" dirty="0">
+                          <a:effectLst/>
+                          <a:latin typeface="Calibri" panose="020F0502020204030204" pitchFamily="34" charset="0"/>
+                          <a:ea typeface="Calibri" panose="020F0502020204030204" pitchFamily="34" charset="0"/>
+                          <a:cs typeface="Times New Roman" panose="02020603050405020304" pitchFamily="18" charset="0"/>
+                        </a:rPr>
+                        <a:t>100€</a:t>
+                      </a:r>
+                    </a:p>
+                  </a:txBody>
+                  <a:tcPr marL="67700" marR="67700" marT="0" marB="0"/>
+                </a:tc>
+                <a:extLst>
+                  <a:ext uri="{0D108BD9-81ED-4DB2-BD59-A6C34878D82A}">
+                    <a16:rowId xmlns:a16="http://schemas.microsoft.com/office/drawing/2014/main" val="2766766581"/>
+                  </a:ext>
+                </a:extLst>
+              </a:tr>
+              <a:tr h="201213">
+                <a:tc>
+                  <a:txBody>
+                    <a:bodyPr/>
+                    <a:lstStyle/>
+                    <a:p>
+                      <a:pPr>
+                        <a:lnSpc>
+                          <a:spcPct val="107000"/>
+                        </a:lnSpc>
+                        <a:spcAft>
+                          <a:spcPts val="0"/>
+                        </a:spcAft>
+                      </a:pPr>
+                      <a:r>
+                        <a:rPr lang="fr-FR" sz="1100" dirty="0">
                           <a:effectLst/>
                         </a:rPr>
                         <a:t>Multiprise parafoudre 6 prises</a:t>
                       </a:r>
-                      <a:endParaRPr lang="fr-FR" sz="1100">
+                      <a:endParaRPr lang="fr-FR" sz="1100" dirty="0">
                         <a:effectLst/>
                         <a:latin typeface="Calibri" panose="020F0502020204030204" pitchFamily="34" charset="0"/>
                         <a:ea typeface="Calibri" panose="020F0502020204030204" pitchFamily="34" charset="0"/>
@@ -15579,7 +15662,7 @@
                         <a:rPr lang="fr-FR" sz="1100" dirty="0">
                           <a:effectLst/>
                         </a:rPr>
-                        <a:t>1 014€</a:t>
+                        <a:t>3 523€</a:t>
                       </a:r>
                       <a:endParaRPr lang="fr-FR" sz="1100" dirty="0">
                         <a:effectLst/>
@@ -15670,12 +15753,12 @@
                         </a:spcAft>
                       </a:pPr>
                       <a:r>
-                        <a:rPr lang="fr-FR" sz="1100">
+                        <a:rPr lang="fr-FR" sz="1100" dirty="0">
                           <a:effectLst/>
                         </a:rPr>
-                        <a:t> </a:t>
+                        <a:t>4 468€</a:t>
                       </a:r>
-                      <a:endParaRPr lang="fr-FR" sz="1100">
+                      <a:endParaRPr lang="fr-FR" sz="1100" dirty="0">
                         <a:effectLst/>
                         <a:latin typeface="Calibri" panose="020F0502020204030204" pitchFamily="34" charset="0"/>
                         <a:ea typeface="Calibri" panose="020F0502020204030204" pitchFamily="34" charset="0"/>
@@ -15691,7 +15774,7 @@
                   </a:ext>
                 </a:extLst>
               </a:tr>
-              <a:tr h="419115">
+              <a:tr h="227762">
                 <a:tc>
                   <a:txBody>
                     <a:bodyPr/>
@@ -15706,12 +15789,12 @@
                         </a:spcAft>
                       </a:pPr>
                       <a:r>
-                        <a:rPr lang="fr-FR" sz="1100">
+                        <a:rPr lang="fr-FR" sz="1100" dirty="0">
                           <a:effectLst/>
                         </a:rPr>
                         <a:t>Armoire de distribution 630A</a:t>
                       </a:r>
-                      <a:endParaRPr lang="fr-FR" sz="1100">
+                      <a:endParaRPr lang="fr-FR" sz="1100" dirty="0">
                         <a:effectLst/>
                         <a:latin typeface="Calibri" panose="020F0502020204030204" pitchFamily="34" charset="0"/>
                         <a:ea typeface="Calibri" panose="020F0502020204030204" pitchFamily="34" charset="0"/>
@@ -15764,12 +15847,12 @@
                         </a:spcAft>
                       </a:pPr>
                       <a:r>
-                        <a:rPr lang="fr-FR" sz="1100">
+                        <a:rPr lang="fr-FR" sz="1100" dirty="0">
                           <a:effectLst/>
                         </a:rPr>
                         <a:t>3 216€</a:t>
                       </a:r>
-                      <a:endParaRPr lang="fr-FR" sz="1100">
+                      <a:endParaRPr lang="fr-FR" sz="1100" dirty="0">
                         <a:effectLst/>
                         <a:latin typeface="Calibri" panose="020F0502020204030204" pitchFamily="34" charset="0"/>
                         <a:ea typeface="Calibri" panose="020F0502020204030204" pitchFamily="34" charset="0"/>
@@ -15800,12 +15883,12 @@
                         </a:spcAft>
                       </a:pPr>
                       <a:r>
-                        <a:rPr lang="fr-FR" sz="1100">
+                        <a:rPr lang="fr-FR" sz="1100" dirty="0">
                           <a:effectLst/>
                         </a:rPr>
                         <a:t>Switch</a:t>
                       </a:r>
-                      <a:endParaRPr lang="fr-FR" sz="1100">
+                      <a:endParaRPr lang="fr-FR" sz="1100" dirty="0">
                         <a:effectLst/>
                         <a:latin typeface="Calibri" panose="020F0502020204030204" pitchFamily="34" charset="0"/>
                         <a:ea typeface="Calibri" panose="020F0502020204030204" pitchFamily="34" charset="0"/>
@@ -15858,12 +15941,12 @@
                         </a:spcAft>
                       </a:pPr>
                       <a:r>
-                        <a:rPr lang="fr-FR" sz="1100">
+                        <a:rPr lang="fr-FR" sz="1100" dirty="0">
                           <a:effectLst/>
                         </a:rPr>
                         <a:t>1 244.25€</a:t>
                       </a:r>
-                      <a:endParaRPr lang="fr-FR" sz="1100">
+                      <a:endParaRPr lang="fr-FR" sz="1100" dirty="0">
                         <a:effectLst/>
                         <a:latin typeface="Calibri" panose="020F0502020204030204" pitchFamily="34" charset="0"/>
                         <a:ea typeface="Calibri" panose="020F0502020204030204" pitchFamily="34" charset="0"/>
@@ -15988,12 +16071,12 @@
                         </a:spcAft>
                       </a:pPr>
                       <a:r>
-                        <a:rPr lang="fr-FR" sz="1100">
+                        <a:rPr lang="fr-FR" sz="1100" dirty="0">
                           <a:effectLst/>
                         </a:rPr>
                         <a:t>Sécurité</a:t>
                       </a:r>
-                      <a:endParaRPr lang="fr-FR" sz="1100">
+                      <a:endParaRPr lang="fr-FR" sz="1100" dirty="0">
                         <a:effectLst/>
                         <a:latin typeface="Calibri" panose="020F0502020204030204" pitchFamily="34" charset="0"/>
                         <a:ea typeface="Calibri" panose="020F0502020204030204" pitchFamily="34" charset="0"/>
@@ -16046,12 +16129,12 @@
                         </a:spcAft>
                       </a:pPr>
                       <a:r>
-                        <a:rPr lang="fr-FR" sz="1100">
+                        <a:rPr lang="fr-FR" sz="1100" dirty="0">
                           <a:effectLst/>
                         </a:rPr>
-                        <a:t> </a:t>
+                        <a:t>1 520€</a:t>
                       </a:r>
-                      <a:endParaRPr lang="fr-FR" sz="1100">
+                      <a:endParaRPr lang="fr-FR" sz="1100" dirty="0">
                         <a:effectLst/>
                         <a:latin typeface="Calibri" panose="020F0502020204030204" pitchFamily="34" charset="0"/>
                         <a:ea typeface="Calibri" panose="020F0502020204030204" pitchFamily="34" charset="0"/>
@@ -16064,6 +16147,91 @@
                 <a:extLst>
                   <a:ext uri="{0D108BD9-81ED-4DB2-BD59-A6C34878D82A}">
                     <a16:rowId xmlns:a16="http://schemas.microsoft.com/office/drawing/2014/main" val="193697292"/>
+                  </a:ext>
+                </a:extLst>
+              </a:tr>
+              <a:tr h="209559">
+                <a:tc>
+                  <a:txBody>
+                    <a:bodyPr/>
+                    <a:lstStyle/>
+                    <a:p>
+                      <a:pPr>
+                        <a:lnSpc>
+                          <a:spcPct val="107000"/>
+                        </a:lnSpc>
+                        <a:spcAft>
+                          <a:spcPts val="0"/>
+                        </a:spcAft>
+                      </a:pPr>
+                      <a:r>
+                        <a:rPr lang="fr-FR" sz="1100" dirty="0">
+                          <a:effectLst/>
+                          <a:latin typeface="Calibri" panose="020F0502020204030204" pitchFamily="34" charset="0"/>
+                          <a:ea typeface="Calibri" panose="020F0502020204030204" pitchFamily="34" charset="0"/>
+                          <a:cs typeface="Times New Roman" panose="02020603050405020304" pitchFamily="18" charset="0"/>
+                        </a:rPr>
+                        <a:t>Electricien</a:t>
+                      </a:r>
+                    </a:p>
+                  </a:txBody>
+                  <a:tcPr marL="67700" marR="67700" marT="0" marB="0"/>
+                </a:tc>
+                <a:tc>
+                  <a:txBody>
+                    <a:bodyPr/>
+                    <a:lstStyle/>
+                    <a:p>
+                      <a:pPr>
+                        <a:lnSpc>
+                          <a:spcPct val="107000"/>
+                        </a:lnSpc>
+                        <a:spcAft>
+                          <a:spcPts val="0"/>
+                        </a:spcAft>
+                      </a:pPr>
+                      <a:endParaRPr lang="fr-FR" sz="1100" dirty="0">
+                        <a:effectLst/>
+                        <a:latin typeface="Calibri" panose="020F0502020204030204" pitchFamily="34" charset="0"/>
+                        <a:ea typeface="Calibri" panose="020F0502020204030204" pitchFamily="34" charset="0"/>
+                        <a:cs typeface="Times New Roman" panose="02020603050405020304" pitchFamily="18" charset="0"/>
+                      </a:endParaRPr>
+                    </a:p>
+                  </a:txBody>
+                  <a:tcPr marL="67700" marR="67700" marT="0" marB="0"/>
+                </a:tc>
+                <a:tc>
+                  <a:txBody>
+                    <a:bodyPr/>
+                    <a:lstStyle/>
+                    <a:p>
+                      <a:pPr>
+                        <a:lnSpc>
+                          <a:spcPct val="107000"/>
+                        </a:lnSpc>
+                        <a:spcAft>
+                          <a:spcPts val="0"/>
+                        </a:spcAft>
+                      </a:pPr>
+                      <a:r>
+                        <a:rPr lang="fr-FR" sz="1100" dirty="0">
+                          <a:effectLst/>
+                        </a:rPr>
+                        <a:t>1 520€</a:t>
+                      </a:r>
+                      <a:endParaRPr lang="fr-FR" sz="1100" dirty="0">
+                        <a:effectLst/>
+                        <a:latin typeface="Calibri" panose="020F0502020204030204" pitchFamily="34" charset="0"/>
+                        <a:ea typeface="Calibri" panose="020F0502020204030204" pitchFamily="34" charset="0"/>
+                        <a:cs typeface="Times New Roman" panose="02020603050405020304" pitchFamily="18" charset="0"/>
+                      </a:endParaRPr>
+                    </a:p>
+                  </a:txBody>
+                  <a:tcPr marL="67700" marR="67700" marT="0" marB="0"/>
+                </a:tc>
+                <a:extLst>
+                  <a:ext uri="{0D108BD9-81ED-4DB2-BD59-A6C34878D82A}">
+                    <a16:rowId xmlns:a16="http://schemas.microsoft.com/office/drawing/2014/main" val="3731554717"/>
                   </a:ext>
                 </a:extLst>
               </a:tr>
@@ -16140,12 +16308,12 @@
                         </a:spcAft>
                       </a:pPr>
                       <a:r>
-                        <a:rPr lang="fr-FR" sz="1100">
+                        <a:rPr lang="fr-FR" sz="1100" dirty="0">
                           <a:effectLst/>
                         </a:rPr>
-                        <a:t> </a:t>
+                        <a:t> 0€</a:t>
                       </a:r>
-                      <a:endParaRPr lang="fr-FR" sz="1100">
+                      <a:endParaRPr lang="fr-FR" sz="1100" dirty="0">
                         <a:effectLst/>
                         <a:latin typeface="Calibri" panose="020F0502020204030204" pitchFamily="34" charset="0"/>
                         <a:ea typeface="Calibri" panose="020F0502020204030204" pitchFamily="34" charset="0"/>
@@ -16205,12 +16373,12 @@
                         </a:spcAft>
                       </a:pPr>
                       <a:r>
-                        <a:rPr lang="fr-FR" sz="1100">
+                        <a:rPr lang="fr-FR" sz="1100" dirty="0">
                           <a:effectLst/>
                         </a:rPr>
                         <a:t> </a:t>
                       </a:r>
-                      <a:endParaRPr lang="fr-FR" sz="1100">
+                      <a:endParaRPr lang="fr-FR" sz="1100" dirty="0">
                         <a:effectLst/>
                         <a:latin typeface="Calibri" panose="020F0502020204030204" pitchFamily="34" charset="0"/>
                         <a:ea typeface="Calibri" panose="020F0502020204030204" pitchFamily="34" charset="0"/>
@@ -16234,12 +16402,12 @@
                         </a:spcAft>
                       </a:pPr>
                       <a:r>
-                        <a:rPr lang="fr-FR" sz="1100">
+                        <a:rPr lang="fr-FR" sz="1100" dirty="0">
                           <a:effectLst/>
                         </a:rPr>
-                        <a:t> </a:t>
+                        <a:t> 20€</a:t>
                       </a:r>
-                      <a:endParaRPr lang="fr-FR" sz="1100">
+                      <a:endParaRPr lang="fr-FR" sz="1100" dirty="0">
                         <a:effectLst/>
                         <a:latin typeface="Calibri" panose="020F0502020204030204" pitchFamily="34" charset="0"/>
                         <a:ea typeface="Calibri" panose="020F0502020204030204" pitchFamily="34" charset="0"/>
@@ -16364,12 +16532,12 @@
                         </a:spcAft>
                       </a:pPr>
                       <a:r>
-                        <a:rPr lang="fr-FR" sz="1100">
+                        <a:rPr lang="fr-FR" sz="1100" dirty="0">
                           <a:effectLst/>
                         </a:rPr>
                         <a:t>Sponsor BDE Cesi</a:t>
                       </a:r>
-                      <a:endParaRPr lang="fr-FR" sz="1100">
+                      <a:endParaRPr lang="fr-FR" sz="1100" dirty="0">
                         <a:effectLst/>
                         <a:latin typeface="Calibri" panose="020F0502020204030204" pitchFamily="34" charset="0"/>
                         <a:ea typeface="Calibri" panose="020F0502020204030204" pitchFamily="34" charset="0"/>
@@ -16458,200 +16626,12 @@
                         </a:spcAft>
                       </a:pPr>
                       <a:r>
-                        <a:rPr lang="fr-FR" sz="1100">
-                          <a:effectLst/>
-                        </a:rPr>
-                        <a:t>Joueurs x500</a:t>
-                      </a:r>
-                      <a:endParaRPr lang="fr-FR" sz="1100">
-                        <a:effectLst/>
-                        <a:latin typeface="Calibri" panose="020F0502020204030204" pitchFamily="34" charset="0"/>
-                        <a:ea typeface="Calibri" panose="020F0502020204030204" pitchFamily="34" charset="0"/>
-                        <a:cs typeface="Times New Roman" panose="02020603050405020304" pitchFamily="18" charset="0"/>
-                      </a:endParaRPr>
-                    </a:p>
-                  </a:txBody>
-                  <a:tcPr marL="67700" marR="67700" marT="0" marB="0"/>
-                </a:tc>
-                <a:tc>
-                  <a:txBody>
-                    <a:bodyPr/>
-                    <a:lstStyle/>
-                    <a:p>
-                      <a:pPr>
-                        <a:lnSpc>
-                          <a:spcPct val="107000"/>
-                        </a:lnSpc>
-                        <a:spcAft>
-                          <a:spcPts val="0"/>
-                        </a:spcAft>
-                      </a:pPr>
-                      <a:r>
-                        <a:rPr lang="fr-FR" sz="1100">
-                          <a:effectLst/>
-                        </a:rPr>
-                        <a:t>12 500€</a:t>
-                      </a:r>
-                      <a:endParaRPr lang="fr-FR" sz="1100">
-                        <a:effectLst/>
-                        <a:latin typeface="Calibri" panose="020F0502020204030204" pitchFamily="34" charset="0"/>
-                        <a:ea typeface="Calibri" panose="020F0502020204030204" pitchFamily="34" charset="0"/>
-                        <a:cs typeface="Times New Roman" panose="02020603050405020304" pitchFamily="18" charset="0"/>
-                      </a:endParaRPr>
-                    </a:p>
-                  </a:txBody>
-                  <a:tcPr marL="67700" marR="67700" marT="0" marB="0"/>
-                </a:tc>
-                <a:tc>
-                  <a:txBody>
-                    <a:bodyPr/>
-                    <a:lstStyle/>
-                    <a:p>
-                      <a:pPr>
-                        <a:lnSpc>
-                          <a:spcPct val="107000"/>
-                        </a:lnSpc>
-                        <a:spcAft>
-                          <a:spcPts val="0"/>
-                        </a:spcAft>
-                      </a:pPr>
-                      <a:r>
-                        <a:rPr lang="fr-FR" sz="1100">
-                          <a:effectLst/>
-                        </a:rPr>
-                        <a:t> </a:t>
-                      </a:r>
-                      <a:endParaRPr lang="fr-FR" sz="1100">
-                        <a:effectLst/>
-                        <a:latin typeface="Calibri" panose="020F0502020204030204" pitchFamily="34" charset="0"/>
-                        <a:ea typeface="Calibri" panose="020F0502020204030204" pitchFamily="34" charset="0"/>
-                        <a:cs typeface="Times New Roman" panose="02020603050405020304" pitchFamily="18" charset="0"/>
-                      </a:endParaRPr>
-                    </a:p>
-                  </a:txBody>
-                  <a:tcPr marL="67700" marR="67700" marT="0" marB="0"/>
-                </a:tc>
-                <a:extLst>
-                  <a:ext uri="{0D108BD9-81ED-4DB2-BD59-A6C34878D82A}">
-                    <a16:rowId xmlns:a16="http://schemas.microsoft.com/office/drawing/2014/main" val="123231235"/>
-                  </a:ext>
-                </a:extLst>
-              </a:tr>
-              <a:tr h="209559">
-                <a:tc>
-                  <a:txBody>
-                    <a:bodyPr/>
-                    <a:lstStyle/>
-                    <a:p>
-                      <a:pPr>
-                        <a:lnSpc>
-                          <a:spcPct val="107000"/>
-                        </a:lnSpc>
-                        <a:spcAft>
-                          <a:spcPts val="0"/>
-                        </a:spcAft>
-                      </a:pPr>
-                      <a:r>
-                        <a:rPr lang="fr-FR" sz="1100">
-                          <a:effectLst/>
-                        </a:rPr>
-                        <a:t>Visiteurs (prévision 2500)</a:t>
-                      </a:r>
-                      <a:endParaRPr lang="fr-FR" sz="1100">
-                        <a:effectLst/>
-                        <a:latin typeface="Calibri" panose="020F0502020204030204" pitchFamily="34" charset="0"/>
-                        <a:ea typeface="Calibri" panose="020F0502020204030204" pitchFamily="34" charset="0"/>
-                        <a:cs typeface="Times New Roman" panose="02020603050405020304" pitchFamily="18" charset="0"/>
-                      </a:endParaRPr>
-                    </a:p>
-                  </a:txBody>
-                  <a:tcPr marL="67700" marR="67700" marT="0" marB="0"/>
-                </a:tc>
-                <a:tc>
-                  <a:txBody>
-                    <a:bodyPr/>
-                    <a:lstStyle/>
-                    <a:p>
-                      <a:pPr>
-                        <a:lnSpc>
-                          <a:spcPct val="107000"/>
-                        </a:lnSpc>
-                        <a:spcAft>
-                          <a:spcPts val="0"/>
-                        </a:spcAft>
-                      </a:pPr>
-                      <a:r>
-                        <a:rPr lang="fr-FR" sz="1100">
-                          <a:effectLst/>
-                        </a:rPr>
-                        <a:t>25 000€</a:t>
-                      </a:r>
-                      <a:endParaRPr lang="fr-FR" sz="1100">
-                        <a:effectLst/>
-                        <a:latin typeface="Calibri" panose="020F0502020204030204" pitchFamily="34" charset="0"/>
-                        <a:ea typeface="Calibri" panose="020F0502020204030204" pitchFamily="34" charset="0"/>
-                        <a:cs typeface="Times New Roman" panose="02020603050405020304" pitchFamily="18" charset="0"/>
-                      </a:endParaRPr>
-                    </a:p>
-                  </a:txBody>
-                  <a:tcPr marL="67700" marR="67700" marT="0" marB="0"/>
-                </a:tc>
-                <a:tc>
-                  <a:txBody>
-                    <a:bodyPr/>
-                    <a:lstStyle/>
-                    <a:p>
-                      <a:pPr>
-                        <a:lnSpc>
-                          <a:spcPct val="107000"/>
-                        </a:lnSpc>
-                        <a:spcAft>
-                          <a:spcPts val="0"/>
-                        </a:spcAft>
-                      </a:pPr>
-                      <a:r>
-                        <a:rPr lang="fr-FR" sz="1100">
-                          <a:effectLst/>
-                        </a:rPr>
-                        <a:t> </a:t>
-                      </a:r>
-                      <a:endParaRPr lang="fr-FR" sz="1100">
-                        <a:effectLst/>
-                        <a:latin typeface="Calibri" panose="020F0502020204030204" pitchFamily="34" charset="0"/>
-                        <a:ea typeface="Calibri" panose="020F0502020204030204" pitchFamily="34" charset="0"/>
-                        <a:cs typeface="Times New Roman" panose="02020603050405020304" pitchFamily="18" charset="0"/>
-                      </a:endParaRPr>
-                    </a:p>
-                  </a:txBody>
-                  <a:tcPr marL="67700" marR="67700" marT="0" marB="0"/>
-                </a:tc>
-                <a:extLst>
-                  <a:ext uri="{0D108BD9-81ED-4DB2-BD59-A6C34878D82A}">
-                    <a16:rowId xmlns:a16="http://schemas.microsoft.com/office/drawing/2014/main" val="2239044916"/>
-                  </a:ext>
-                </a:extLst>
-              </a:tr>
-              <a:tr h="209559">
-                <a:tc>
-                  <a:txBody>
-                    <a:bodyPr/>
-                    <a:lstStyle/>
-                    <a:p>
-                      <a:pPr>
-                        <a:lnSpc>
-                          <a:spcPct val="107000"/>
-                        </a:lnSpc>
-                        <a:spcAft>
-                          <a:spcPts val="0"/>
-                        </a:spcAft>
-                      </a:pPr>
-                      <a:r>
-                        <a:rPr lang="fr-FR" sz="1100">
+                        <a:rPr lang="fr-FR" sz="1100" dirty="0">
                           <a:effectLst/>
                         </a:rPr>
                         <a:t>Autres sponsors</a:t>
                       </a:r>
-                      <a:endParaRPr lang="fr-FR" sz="1100">
+                      <a:endParaRPr lang="fr-FR" sz="1100" dirty="0">
                         <a:effectLst/>
                         <a:latin typeface="Calibri" panose="020F0502020204030204" pitchFamily="34" charset="0"/>
                         <a:ea typeface="Calibri" panose="020F0502020204030204" pitchFamily="34" charset="0"/>
@@ -16704,12 +16684,12 @@
                         </a:spcAft>
                       </a:pPr>
                       <a:r>
-                        <a:rPr lang="fr-FR" sz="1100">
+                        <a:rPr lang="fr-FR" sz="1100" dirty="0">
                           <a:effectLst/>
                         </a:rPr>
                         <a:t> </a:t>
                       </a:r>
-                      <a:endParaRPr lang="fr-FR" sz="1100">
+                      <a:endParaRPr lang="fr-FR" sz="1100" dirty="0">
                         <a:effectLst/>
                         <a:latin typeface="Calibri" panose="020F0502020204030204" pitchFamily="34" charset="0"/>
                         <a:ea typeface="Calibri" panose="020F0502020204030204" pitchFamily="34" charset="0"/>
@@ -16721,7 +16701,171 @@
                 </a:tc>
                 <a:extLst>
                   <a:ext uri="{0D108BD9-81ED-4DB2-BD59-A6C34878D82A}">
-                    <a16:rowId xmlns:a16="http://schemas.microsoft.com/office/drawing/2014/main" val="1887706455"/>
+                    <a16:rowId xmlns:a16="http://schemas.microsoft.com/office/drawing/2014/main" val="2335864862"/>
+                  </a:ext>
+                </a:extLst>
+              </a:tr>
+              <a:tr h="209559">
+                <a:tc>
+                  <a:txBody>
+                    <a:bodyPr/>
+                    <a:lstStyle/>
+                    <a:p>
+                      <a:pPr>
+                        <a:lnSpc>
+                          <a:spcPct val="107000"/>
+                        </a:lnSpc>
+                        <a:spcAft>
+                          <a:spcPts val="0"/>
+                        </a:spcAft>
+                      </a:pPr>
+                      <a:r>
+                        <a:rPr lang="fr-FR" sz="1100" dirty="0">
+                          <a:effectLst/>
+                          <a:latin typeface="Calibri" panose="020F0502020204030204" pitchFamily="34" charset="0"/>
+                          <a:ea typeface="Calibri" panose="020F0502020204030204" pitchFamily="34" charset="0"/>
+                          <a:cs typeface="Times New Roman" panose="02020603050405020304" pitchFamily="18" charset="0"/>
+                        </a:rPr>
+                        <a:t>Buvette</a:t>
+                      </a:r>
+                    </a:p>
+                  </a:txBody>
+                  <a:tcPr marL="67700" marR="67700" marT="0" marB="0"/>
+                </a:tc>
+                <a:tc>
+                  <a:txBody>
+                    <a:bodyPr/>
+                    <a:lstStyle/>
+                    <a:p>
+                      <a:pPr>
+                        <a:lnSpc>
+                          <a:spcPct val="107000"/>
+                        </a:lnSpc>
+                        <a:spcAft>
+                          <a:spcPts val="0"/>
+                        </a:spcAft>
+                      </a:pPr>
+                      <a:r>
+                        <a:rPr lang="fr-FR" sz="1100" dirty="0">
+                          <a:effectLst/>
+                          <a:latin typeface="Calibri" panose="020F0502020204030204" pitchFamily="34" charset="0"/>
+                          <a:ea typeface="Calibri" panose="020F0502020204030204" pitchFamily="34" charset="0"/>
+                          <a:cs typeface="Times New Roman" panose="02020603050405020304" pitchFamily="18" charset="0"/>
+                        </a:rPr>
+                        <a:t>7 500€</a:t>
+                      </a:r>
+                    </a:p>
+                  </a:txBody>
+                  <a:tcPr marL="67700" marR="67700" marT="0" marB="0"/>
+                </a:tc>
+                <a:tc>
+                  <a:txBody>
+                    <a:bodyPr/>
+                    <a:lstStyle/>
+                    <a:p>
+                      <a:pPr>
+                        <a:lnSpc>
+                          <a:spcPct val="107000"/>
+                        </a:lnSpc>
+                        <a:spcAft>
+                          <a:spcPts val="0"/>
+                        </a:spcAft>
+                      </a:pPr>
+                      <a:endParaRPr lang="fr-FR" sz="1100" dirty="0">
+                        <a:effectLst/>
+                        <a:latin typeface="Calibri" panose="020F0502020204030204" pitchFamily="34" charset="0"/>
+                        <a:ea typeface="Calibri" panose="020F0502020204030204" pitchFamily="34" charset="0"/>
+                        <a:cs typeface="Times New Roman" panose="02020603050405020304" pitchFamily="18" charset="0"/>
+                      </a:endParaRPr>
+                    </a:p>
+                  </a:txBody>
+                  <a:tcPr marL="67700" marR="67700" marT="0" marB="0"/>
+                </a:tc>
+                <a:extLst>
+                  <a:ext uri="{0D108BD9-81ED-4DB2-BD59-A6C34878D82A}">
+                    <a16:rowId xmlns:a16="http://schemas.microsoft.com/office/drawing/2014/main" val="2247653228"/>
+                  </a:ext>
+                </a:extLst>
+              </a:tr>
+              <a:tr h="209559">
+                <a:tc>
+                  <a:txBody>
+                    <a:bodyPr/>
+                    <a:lstStyle/>
+                    <a:p>
+                      <a:pPr>
+                        <a:lnSpc>
+                          <a:spcPct val="107000"/>
+                        </a:lnSpc>
+                        <a:spcAft>
+                          <a:spcPts val="0"/>
+                        </a:spcAft>
+                      </a:pPr>
+                      <a:r>
+                        <a:rPr lang="fr-FR" sz="1100" dirty="0">
+                          <a:effectLst/>
+                          <a:latin typeface="Calibri" panose="020F0502020204030204" pitchFamily="34" charset="0"/>
+                          <a:ea typeface="Calibri" panose="020F0502020204030204" pitchFamily="34" charset="0"/>
+                          <a:cs typeface="Times New Roman" panose="02020603050405020304" pitchFamily="18" charset="0"/>
+                        </a:rPr>
+                        <a:t>Traiteur</a:t>
+                      </a:r>
+                    </a:p>
+                  </a:txBody>
+                  <a:tcPr marL="67700" marR="67700" marT="0" marB="0"/>
+                </a:tc>
+                <a:tc>
+                  <a:txBody>
+                    <a:bodyPr/>
+                    <a:lstStyle/>
+                    <a:p>
+                      <a:pPr>
+                        <a:lnSpc>
+                          <a:spcPct val="107000"/>
+                        </a:lnSpc>
+                        <a:spcAft>
+                          <a:spcPts val="0"/>
+                        </a:spcAft>
+                      </a:pPr>
+                      <a:r>
+                        <a:rPr lang="fr-FR" sz="1100" dirty="0">
+                          <a:effectLst/>
+                          <a:latin typeface="Calibri" panose="020F0502020204030204" pitchFamily="34" charset="0"/>
+                          <a:ea typeface="Calibri" panose="020F0502020204030204" pitchFamily="34" charset="0"/>
+                          <a:cs typeface="Times New Roman" panose="02020603050405020304" pitchFamily="18" charset="0"/>
+                        </a:rPr>
+                        <a:t>1 500€</a:t>
+                      </a:r>
+                    </a:p>
+                  </a:txBody>
+                  <a:tcPr marL="67700" marR="67700" marT="0" marB="0"/>
+                </a:tc>
+                <a:tc>
+                  <a:txBody>
+                    <a:bodyPr/>
+                    <a:lstStyle/>
+                    <a:p>
+                      <a:pPr>
+                        <a:lnSpc>
+                          <a:spcPct val="107000"/>
+                        </a:lnSpc>
+                        <a:spcAft>
+                          <a:spcPts val="0"/>
+                        </a:spcAft>
+                      </a:pPr>
+                      <a:endParaRPr lang="fr-FR" sz="1100" dirty="0">
+                        <a:effectLst/>
+                        <a:latin typeface="Calibri" panose="020F0502020204030204" pitchFamily="34" charset="0"/>
+                        <a:ea typeface="Calibri" panose="020F0502020204030204" pitchFamily="34" charset="0"/>
+                        <a:cs typeface="Times New Roman" panose="02020603050405020304" pitchFamily="18" charset="0"/>
+                      </a:endParaRPr>
+                    </a:p>
+                  </a:txBody>
+                  <a:tcPr marL="67700" marR="67700" marT="0" marB="0"/>
+                </a:tc>
+                <a:extLst>
+                  <a:ext uri="{0D108BD9-81ED-4DB2-BD59-A6C34878D82A}">
+                    <a16:rowId xmlns:a16="http://schemas.microsoft.com/office/drawing/2014/main" val="3597276703"/>
                   </a:ext>
                 </a:extLst>
               </a:tr>
@@ -16743,36 +16887,7 @@
                         <a:rPr lang="fr-FR" sz="1100">
                           <a:effectLst/>
                         </a:rPr>
-                        <a:t>Total</a:t>
-                      </a:r>
-                      <a:endParaRPr lang="fr-FR" sz="1100">
-                        <a:effectLst/>
-                        <a:latin typeface="Calibri" panose="020F0502020204030204" pitchFamily="34" charset="0"/>
-                        <a:ea typeface="Calibri" panose="020F0502020204030204" pitchFamily="34" charset="0"/>
-                        <a:cs typeface="Times New Roman" panose="02020603050405020304" pitchFamily="18" charset="0"/>
-                      </a:endParaRPr>
-                    </a:p>
-                  </a:txBody>
-                  <a:tcPr marL="67700" marR="67700" marT="0" marB="0"/>
-                </a:tc>
-                <a:tc>
-                  <a:txBody>
-                    <a:bodyPr/>
-                    <a:lstStyle/>
-                    <a:p>
-                      <a:pPr>
-                        <a:lnSpc>
-                          <a:spcPct val="107000"/>
-                        </a:lnSpc>
-                        <a:spcAft>
-                          <a:spcPts val="0"/>
-                        </a:spcAft>
-                      </a:pPr>
-                      <a:r>
-                        <a:rPr lang="fr-FR" sz="1100">
-                          <a:effectLst/>
-                        </a:rPr>
-                        <a:t>41 000€</a:t>
+                        <a:t>Joueurs x500</a:t>
                       </a:r>
                       <a:endParaRPr lang="fr-FR" sz="1100">
                         <a:effectLst/>
@@ -16801,7 +16916,7 @@
                         <a:rPr lang="fr-FR" sz="1100" dirty="0">
                           <a:effectLst/>
                         </a:rPr>
-                        <a:t>41 990.22€</a:t>
+                        <a:t>12 500€</a:t>
                       </a:r>
                       <a:endParaRPr lang="fr-FR" sz="1100" dirty="0">
                         <a:effectLst/>
@@ -16809,6 +16924,220 @@
                         <a:ea typeface="Calibri" panose="020F0502020204030204" pitchFamily="34" charset="0"/>
                         <a:cs typeface="Times New Roman" panose="02020603050405020304" pitchFamily="18" charset="0"/>
                       </a:endParaRPr>
+                    </a:p>
+                  </a:txBody>
+                  <a:tcPr marL="67700" marR="67700" marT="0" marB="0"/>
+                </a:tc>
+                <a:tc>
+                  <a:txBody>
+                    <a:bodyPr/>
+                    <a:lstStyle/>
+                    <a:p>
+                      <a:pPr>
+                        <a:lnSpc>
+                          <a:spcPct val="107000"/>
+                        </a:lnSpc>
+                        <a:spcAft>
+                          <a:spcPts val="0"/>
+                        </a:spcAft>
+                      </a:pPr>
+                      <a:r>
+                        <a:rPr lang="fr-FR" sz="1100" dirty="0">
+                          <a:effectLst/>
+                        </a:rPr>
+                        <a:t> </a:t>
+                      </a:r>
+                      <a:endParaRPr lang="fr-FR" sz="1100" dirty="0">
+                        <a:effectLst/>
+                        <a:latin typeface="Calibri" panose="020F0502020204030204" pitchFamily="34" charset="0"/>
+                        <a:ea typeface="Calibri" panose="020F0502020204030204" pitchFamily="34" charset="0"/>
+                        <a:cs typeface="Times New Roman" panose="02020603050405020304" pitchFamily="18" charset="0"/>
+                      </a:endParaRPr>
+                    </a:p>
+                  </a:txBody>
+                  <a:tcPr marL="67700" marR="67700" marT="0" marB="0"/>
+                </a:tc>
+                <a:extLst>
+                  <a:ext uri="{0D108BD9-81ED-4DB2-BD59-A6C34878D82A}">
+                    <a16:rowId xmlns:a16="http://schemas.microsoft.com/office/drawing/2014/main" val="123231235"/>
+                  </a:ext>
+                </a:extLst>
+              </a:tr>
+              <a:tr h="209559">
+                <a:tc>
+                  <a:txBody>
+                    <a:bodyPr/>
+                    <a:lstStyle/>
+                    <a:p>
+                      <a:pPr>
+                        <a:lnSpc>
+                          <a:spcPct val="107000"/>
+                        </a:lnSpc>
+                        <a:spcAft>
+                          <a:spcPts val="0"/>
+                        </a:spcAft>
+                      </a:pPr>
+                      <a:r>
+                        <a:rPr lang="fr-FR" sz="1100" dirty="0">
+                          <a:effectLst/>
+                        </a:rPr>
+                        <a:t>Visiteurs (prévision 15 000)</a:t>
+                      </a:r>
+                      <a:endParaRPr lang="fr-FR" sz="1100" dirty="0">
+                        <a:effectLst/>
+                        <a:latin typeface="Calibri" panose="020F0502020204030204" pitchFamily="34" charset="0"/>
+                        <a:ea typeface="Calibri" panose="020F0502020204030204" pitchFamily="34" charset="0"/>
+                        <a:cs typeface="Times New Roman" panose="02020603050405020304" pitchFamily="18" charset="0"/>
+                      </a:endParaRPr>
+                    </a:p>
+                  </a:txBody>
+                  <a:tcPr marL="67700" marR="67700" marT="0" marB="0"/>
+                </a:tc>
+                <a:tc>
+                  <a:txBody>
+                    <a:bodyPr/>
+                    <a:lstStyle/>
+                    <a:p>
+                      <a:pPr>
+                        <a:lnSpc>
+                          <a:spcPct val="107000"/>
+                        </a:lnSpc>
+                        <a:spcAft>
+                          <a:spcPts val="0"/>
+                        </a:spcAft>
+                      </a:pPr>
+                      <a:r>
+                        <a:rPr lang="fr-FR" sz="1100" dirty="0">
+                          <a:effectLst/>
+                        </a:rPr>
+                        <a:t>75 000€</a:t>
+                      </a:r>
+                      <a:endParaRPr lang="fr-FR" sz="1100" dirty="0">
+                        <a:effectLst/>
+                        <a:latin typeface="Calibri" panose="020F0502020204030204" pitchFamily="34" charset="0"/>
+                        <a:ea typeface="Calibri" panose="020F0502020204030204" pitchFamily="34" charset="0"/>
+                        <a:cs typeface="Times New Roman" panose="02020603050405020304" pitchFamily="18" charset="0"/>
+                      </a:endParaRPr>
+                    </a:p>
+                  </a:txBody>
+                  <a:tcPr marL="67700" marR="67700" marT="0" marB="0"/>
+                </a:tc>
+                <a:tc>
+                  <a:txBody>
+                    <a:bodyPr/>
+                    <a:lstStyle/>
+                    <a:p>
+                      <a:pPr>
+                        <a:lnSpc>
+                          <a:spcPct val="107000"/>
+                        </a:lnSpc>
+                        <a:spcAft>
+                          <a:spcPts val="0"/>
+                        </a:spcAft>
+                      </a:pPr>
+                      <a:r>
+                        <a:rPr lang="fr-FR" sz="1100" dirty="0">
+                          <a:effectLst/>
+                        </a:rPr>
+                        <a:t> </a:t>
+                      </a:r>
+                      <a:endParaRPr lang="fr-FR" sz="1100" dirty="0">
+                        <a:effectLst/>
+                        <a:latin typeface="Calibri" panose="020F0502020204030204" pitchFamily="34" charset="0"/>
+                        <a:ea typeface="Calibri" panose="020F0502020204030204" pitchFamily="34" charset="0"/>
+                        <a:cs typeface="Times New Roman" panose="02020603050405020304" pitchFamily="18" charset="0"/>
+                      </a:endParaRPr>
+                    </a:p>
+                  </a:txBody>
+                  <a:tcPr marL="67700" marR="67700" marT="0" marB="0"/>
+                </a:tc>
+                <a:extLst>
+                  <a:ext uri="{0D108BD9-81ED-4DB2-BD59-A6C34878D82A}">
+                    <a16:rowId xmlns:a16="http://schemas.microsoft.com/office/drawing/2014/main" val="2239044916"/>
+                  </a:ext>
+                </a:extLst>
+              </a:tr>
+              <a:tr h="209559">
+                <a:tc>
+                  <a:txBody>
+                    <a:bodyPr/>
+                    <a:lstStyle/>
+                    <a:p>
+                      <a:pPr>
+                        <a:lnSpc>
+                          <a:spcPct val="107000"/>
+                        </a:lnSpc>
+                        <a:spcAft>
+                          <a:spcPts val="0"/>
+                        </a:spcAft>
+                      </a:pPr>
+                      <a:r>
+                        <a:rPr lang="fr-FR" sz="1100" dirty="0">
+                          <a:effectLst/>
+                        </a:rPr>
+                        <a:t>Total</a:t>
+                      </a:r>
+                      <a:endParaRPr lang="fr-FR" sz="1100" dirty="0">
+                        <a:effectLst/>
+                        <a:latin typeface="Calibri" panose="020F0502020204030204" pitchFamily="34" charset="0"/>
+                        <a:ea typeface="Calibri" panose="020F0502020204030204" pitchFamily="34" charset="0"/>
+                        <a:cs typeface="Times New Roman" panose="02020603050405020304" pitchFamily="18" charset="0"/>
+                      </a:endParaRPr>
+                    </a:p>
+                  </a:txBody>
+                  <a:tcPr marL="67700" marR="67700" marT="0" marB="0"/>
+                </a:tc>
+                <a:tc>
+                  <a:txBody>
+                    <a:bodyPr/>
+                    <a:lstStyle/>
+                    <a:p>
+                      <a:pPr>
+                        <a:lnSpc>
+                          <a:spcPct val="107000"/>
+                        </a:lnSpc>
+                        <a:spcAft>
+                          <a:spcPts val="0"/>
+                        </a:spcAft>
+                      </a:pPr>
+                      <a:r>
+                        <a:rPr lang="fr-FR" sz="1100" b="1" dirty="0">
+                          <a:effectLst/>
+                        </a:rPr>
+                        <a:t>89 000€</a:t>
+                      </a:r>
+                      <a:endParaRPr lang="fr-FR" sz="1100" b="1" dirty="0">
+                        <a:effectLst/>
+                        <a:latin typeface="Calibri" panose="020F0502020204030204" pitchFamily="34" charset="0"/>
+                        <a:ea typeface="Calibri" panose="020F0502020204030204" pitchFamily="34" charset="0"/>
+                        <a:cs typeface="Times New Roman" panose="02020603050405020304" pitchFamily="18" charset="0"/>
+                      </a:endParaRPr>
+                    </a:p>
+                  </a:txBody>
+                  <a:tcPr marL="67700" marR="67700" marT="0" marB="0"/>
+                </a:tc>
+                <a:tc>
+                  <a:txBody>
+                    <a:bodyPr/>
+                    <a:lstStyle/>
+                    <a:p>
+                      <a:pPr>
+                        <a:lnSpc>
+                          <a:spcPct val="107000"/>
+                        </a:lnSpc>
+                        <a:spcAft>
+                          <a:spcPts val="0"/>
+                        </a:spcAft>
+                      </a:pPr>
+                      <a:r>
+                        <a:rPr lang="fr-FR" sz="1100" b="1" dirty="0">
+                          <a:effectLst/>
+                          <a:latin typeface="Calibri" panose="020F0502020204030204" pitchFamily="34" charset="0"/>
+                          <a:ea typeface="Calibri" panose="020F0502020204030204" pitchFamily="34" charset="0"/>
+                          <a:cs typeface="Times New Roman" panose="02020603050405020304" pitchFamily="18" charset="0"/>
+                        </a:rPr>
+                        <a:t>51 178,22€</a:t>
+                      </a:r>
                     </a:p>
                   </a:txBody>
                   <a:tcPr marL="67700" marR="67700" marT="0" marB="0"/>
@@ -16858,7 +17187,7 @@
           <p:cNvPr id="2" name="Titre 1">
             <a:extLst>
               <a:ext uri="{FF2B5EF4-FFF2-40B4-BE49-F238E27FC236}">
-                <a16:creationId xmlns:a16="http://schemas.microsoft.com/office/drawing/2014/main" id="{6E443BF5-2960-4F2C-98D5-C1B838AD5EB8}"/>
+                <a16:creationId xmlns:a16="http://schemas.microsoft.com/office/drawing/2014/main" id="{188EB089-17DC-4EA7-9AED-E510A54E8FF4}"/>
               </a:ext>
             </a:extLst>
           </p:cNvPr>
@@ -16881,7 +17210,7 @@
                   <a:schemeClr val="bg1"/>
                 </a:solidFill>
               </a:rPr>
-              <a:t>Organisation du réseau</a:t>
+              <a:t>électricité</a:t>
             </a:r>
           </a:p>
         </p:txBody>
@@ -16891,7 +17220,7 @@
           <p:cNvPr id="3" name="Espace réservé du contenu 2">
             <a:extLst>
               <a:ext uri="{FF2B5EF4-FFF2-40B4-BE49-F238E27FC236}">
-                <a16:creationId xmlns:a16="http://schemas.microsoft.com/office/drawing/2014/main" id="{46E85608-910C-44C9-8CB8-5BC8748E1D13}"/>
+                <a16:creationId xmlns:a16="http://schemas.microsoft.com/office/drawing/2014/main" id="{B20601E7-FD0C-41D2-9B33-5F7DAC538157}"/>
               </a:ext>
             </a:extLst>
           </p:cNvPr>
@@ -16907,7 +17236,249 @@
           <a:bodyPr/>
           <a:lstStyle/>
           <a:p>
+            <a:r>
+              <a:rPr lang="fr-FR" dirty="0"/>
+              <a:t>Multiprises (avec </a:t>
+            </a:r>
+            <a:r>
+              <a:rPr lang="fr-FR"/>
+              <a:t>du RAB)</a:t>
+            </a:r>
             <a:endParaRPr lang="fr-FR" dirty="0"/>
+          </a:p>
+          <a:p>
+            <a:pPr lvl="1"/>
+            <a:r>
+              <a:rPr lang="fr-FR" dirty="0"/>
+              <a:t>120 blocs de 8</a:t>
+            </a:r>
+          </a:p>
+          <a:p>
+            <a:pPr lvl="1"/>
+            <a:r>
+              <a:rPr lang="fr-FR" dirty="0"/>
+              <a:t>50 blocs de 6</a:t>
+            </a:r>
+          </a:p>
+          <a:p>
+            <a:pPr lvl="1"/>
+            <a:r>
+              <a:rPr lang="fr-FR" dirty="0"/>
+              <a:t>2600 ampères avec rab</a:t>
+            </a:r>
+          </a:p>
+        </p:txBody>
+      </p:sp>
+    </p:spTree>
+    <p:extLst>
+      <p:ext uri="{BB962C8B-B14F-4D97-AF65-F5344CB8AC3E}">
+        <p14:creationId xmlns:p14="http://schemas.microsoft.com/office/powerpoint/2010/main" val="1343923961"/>
+      </p:ext>
+    </p:extLst>
+  </p:cSld>
+  <p:clrMapOvr>
+    <a:masterClrMapping/>
+  </p:clrMapOvr>
+</p:sld>
+</file>
+
+<file path=ppt/slides/slide16.xml><?xml version="1.0" encoding="utf-8"?>
+<p:sld xmlns:a="http://schemas.openxmlformats.org/drawingml/2006/main" xmlns:r="http://schemas.openxmlformats.org/officeDocument/2006/relationships" xmlns:p="http://schemas.openxmlformats.org/presentationml/2006/main">
+  <p:cSld>
+    <p:bg>
+      <p:bgPr>
+        <a:blipFill>
+          <a:blip r:embed="rId2">
+            <a:duotone>
+              <a:schemeClr val="bg2">
+                <a:shade val="88000"/>
+                <a:hueMod val="106000"/>
+                <a:satMod val="140000"/>
+                <a:lumMod val="54000"/>
+              </a:schemeClr>
+              <a:schemeClr val="bg2">
+                <a:tint val="98000"/>
+                <a:hueMod val="90000"/>
+                <a:satMod val="150000"/>
+                <a:lumMod val="160000"/>
+              </a:schemeClr>
+            </a:duotone>
+            <a:extLst/>
+          </a:blip>
+          <a:stretch/>
+        </a:blipFill>
+        <a:effectLst/>
+      </p:bgPr>
+    </p:bg>
+    <p:spTree>
+      <p:nvGrpSpPr>
+        <p:cNvPr id="1" name=""/>
+        <p:cNvGrpSpPr/>
+        <p:nvPr/>
+      </p:nvGrpSpPr>
+      <p:grpSpPr>
+        <a:xfrm>
+          <a:off x="0" y="0"/>
+          <a:ext cx="0" cy="0"/>
+          <a:chOff x="0" y="0"/>
+          <a:chExt cx="0" cy="0"/>
+        </a:xfrm>
+      </p:grpSpPr>
+      <p:pic>
+        <p:nvPicPr>
+          <p:cNvPr id="1029" name="Picture 2" descr="https://media.discordapp.net/attachments/391981384178335757/392960446782504960/sh_nbr_switch.png">
+            <a:extLst>
+              <a:ext uri="{FF2B5EF4-FFF2-40B4-BE49-F238E27FC236}">
+                <a16:creationId xmlns:a16="http://schemas.microsoft.com/office/drawing/2014/main" id="{9B73F639-18E3-4CE4-A52A-F545A27D7B64}"/>
+              </a:ext>
+            </a:extLst>
+          </p:cNvPr>
+          <p:cNvPicPr>
+            <a:picLocks noChangeAspect="1" noChangeArrowheads="1"/>
+          </p:cNvPicPr>
+          <p:nvPr/>
+        </p:nvPicPr>
+        <p:blipFill>
+          <a:blip r:embed="rId3">
+            <a:extLst>
+              <a:ext uri="{28A0092B-C50C-407E-A947-70E740481C1C}">
+                <a14:useLocalDpi xmlns:a14="http://schemas.microsoft.com/office/drawing/2010/main" val="0"/>
+              </a:ext>
+            </a:extLst>
+          </a:blip>
+          <a:srcRect/>
+          <a:stretch>
+            <a:fillRect/>
+          </a:stretch>
+        </p:blipFill>
+        <p:spPr bwMode="auto">
+          <a:xfrm>
+            <a:off x="1141411" y="2512034"/>
+            <a:ext cx="4689234" cy="3024555"/>
+          </a:xfrm>
+          <a:prstGeom prst="round2DiagRect">
+            <a:avLst>
+              <a:gd name="adj1" fmla="val 5608"/>
+              <a:gd name="adj2" fmla="val 0"/>
+            </a:avLst>
+          </a:prstGeom>
+          <a:noFill/>
+          <a:ln w="19050" cap="sq">
+            <a:solidFill>
+              <a:schemeClr val="tx2">
+                <a:lumMod val="60000"/>
+                <a:lumOff val="40000"/>
+                <a:alpha val="60000"/>
+              </a:schemeClr>
+            </a:solidFill>
+            <a:miter lim="800000"/>
+          </a:ln>
+          <a:effectLst>
+            <a:outerShdw blurRad="88900" dist="38100" dir="5400000" algn="t" rotWithShape="0">
+              <a:prstClr val="black">
+                <a:alpha val="40000"/>
+              </a:prstClr>
+            </a:outerShdw>
+          </a:effectLst>
+          <a:extLst>
+            <a:ext uri="{909E8E84-426E-40DD-AFC4-6F175D3DCCD1}">
+              <a14:hiddenFill xmlns:a14="http://schemas.microsoft.com/office/drawing/2010/main">
+                <a:solidFill>
+                  <a:srgbClr val="FFFFFF"/>
+                </a:solidFill>
+              </a14:hiddenFill>
+            </a:ext>
+          </a:extLst>
+        </p:spPr>
+      </p:pic>
+      <p:sp>
+        <p:nvSpPr>
+          <p:cNvPr id="2" name="Titre 1">
+            <a:extLst>
+              <a:ext uri="{FF2B5EF4-FFF2-40B4-BE49-F238E27FC236}">
+                <a16:creationId xmlns:a16="http://schemas.microsoft.com/office/drawing/2014/main" id="{6E443BF5-2960-4F2C-98D5-C1B838AD5EB8}"/>
+              </a:ext>
+            </a:extLst>
+          </p:cNvPr>
+          <p:cNvSpPr>
+            <a:spLocks noGrp="1"/>
+          </p:cNvSpPr>
+          <p:nvPr>
+            <p:ph type="title"/>
+          </p:nvPr>
+        </p:nvSpPr>
+        <p:spPr>
+          <a:xfrm>
+            <a:off x="1141413" y="618518"/>
+            <a:ext cx="9905998" cy="1478570"/>
+          </a:xfrm>
+        </p:spPr>
+        <p:txBody>
+          <a:bodyPr>
+            <a:normAutofit/>
+          </a:bodyPr>
+          <a:lstStyle/>
+          <a:p>
+            <a:r>
+              <a:rPr lang="fr-FR" dirty="0"/>
+              <a:t>Organisation du réseau</a:t>
+            </a:r>
+          </a:p>
+        </p:txBody>
+      </p:sp>
+      <p:sp>
+        <p:nvSpPr>
+          <p:cNvPr id="1031" name="Content Placeholder 1030"/>
+          <p:cNvSpPr>
+            <a:spLocks noGrp="1"/>
+          </p:cNvSpPr>
+          <p:nvPr>
+            <p:ph idx="1"/>
+          </p:nvPr>
+        </p:nvSpPr>
+        <p:spPr>
+          <a:xfrm>
+            <a:off x="6336727" y="2249487"/>
+            <a:ext cx="4710683" cy="3541714"/>
+          </a:xfrm>
+        </p:spPr>
+        <p:txBody>
+          <a:bodyPr>
+            <a:normAutofit/>
+          </a:bodyPr>
+          <a:lstStyle/>
+          <a:p>
+            <a:r>
+              <a:rPr lang="en-US" dirty="0"/>
+              <a:t>1 switch pour 2 tables </a:t>
+            </a:r>
+            <a:r>
+              <a:rPr lang="en-US" dirty="0" err="1"/>
+              <a:t>soit</a:t>
+            </a:r>
+            <a:r>
+              <a:rPr lang="en-US" dirty="0"/>
+              <a:t> 31 </a:t>
+            </a:r>
+            <a:r>
+              <a:rPr lang="en-US" dirty="0" err="1"/>
+              <a:t>switchs</a:t>
+            </a:r>
+            <a:endParaRPr lang="en-US" dirty="0"/>
+          </a:p>
+          <a:p>
+            <a:r>
+              <a:rPr lang="en-US" dirty="0"/>
+              <a:t>1km de </a:t>
+            </a:r>
+            <a:r>
+              <a:rPr lang="en-US" dirty="0" err="1"/>
+              <a:t>câble</a:t>
+            </a:r>
+            <a:r>
+              <a:rPr lang="en-US" dirty="0"/>
+              <a:t> FFTP</a:t>
+            </a:r>
           </a:p>
         </p:txBody>
       </p:sp>
@@ -16927,6 +17498,31 @@
 <file path=ppt/slides/slide2.xml><?xml version="1.0" encoding="utf-8"?>
 <p:sld xmlns:a="http://schemas.openxmlformats.org/drawingml/2006/main" xmlns:r="http://schemas.openxmlformats.org/officeDocument/2006/relationships" xmlns:p="http://schemas.openxmlformats.org/presentationml/2006/main">
   <p:cSld>
+    <p:bg>
+      <p:bgPr>
+        <a:blipFill>
+          <a:blip r:embed="rId2">
+            <a:duotone>
+              <a:schemeClr val="bg2">
+                <a:shade val="88000"/>
+                <a:hueMod val="106000"/>
+                <a:satMod val="140000"/>
+                <a:lumMod val="54000"/>
+              </a:schemeClr>
+              <a:schemeClr val="bg2">
+                <a:tint val="98000"/>
+                <a:hueMod val="90000"/>
+                <a:satMod val="150000"/>
+                <a:lumMod val="160000"/>
+              </a:schemeClr>
+            </a:duotone>
+            <a:extLst/>
+          </a:blip>
+          <a:stretch/>
+        </a:blipFill>
+        <a:effectLst/>
+      </p:bgPr>
+    </p:bg>
     <p:spTree>
       <p:nvGrpSpPr>
         <p:cNvPr id="1" name=""/>
@@ -16941,6 +17537,56 @@
           <a:chExt cx="0" cy="0"/>
         </a:xfrm>
       </p:grpSpPr>
+      <p:pic>
+        <p:nvPicPr>
+          <p:cNvPr id="5" name="Image 4">
+            <a:extLst>
+              <a:ext uri="{FF2B5EF4-FFF2-40B4-BE49-F238E27FC236}">
+                <a16:creationId xmlns:a16="http://schemas.microsoft.com/office/drawing/2014/main" id="{1D5C0D91-3D1C-4BCE-9CA3-5EF20C79E61A}"/>
+              </a:ext>
+            </a:extLst>
+          </p:cNvPr>
+          <p:cNvPicPr>
+            <a:picLocks noChangeAspect="1"/>
+          </p:cNvPicPr>
+          <p:nvPr/>
+        </p:nvPicPr>
+        <p:blipFill>
+          <a:blip r:embed="rId3"/>
+          <a:stretch>
+            <a:fillRect/>
+          </a:stretch>
+        </p:blipFill>
+        <p:spPr>
+          <a:xfrm>
+            <a:off x="1141411" y="2277013"/>
+            <a:ext cx="3494597" cy="3494597"/>
+          </a:xfrm>
+          <a:prstGeom prst="round2DiagRect">
+            <a:avLst>
+              <a:gd name="adj1" fmla="val 5608"/>
+              <a:gd name="adj2" fmla="val 0"/>
+            </a:avLst>
+          </a:prstGeom>
+          <a:ln w="19050" cap="sq">
+            <a:solidFill>
+              <a:schemeClr val="tx2">
+                <a:lumMod val="60000"/>
+                <a:lumOff val="40000"/>
+                <a:alpha val="60000"/>
+              </a:schemeClr>
+            </a:solidFill>
+            <a:miter lim="800000"/>
+          </a:ln>
+          <a:effectLst>
+            <a:outerShdw blurRad="88900" dist="38100" dir="5400000" algn="t" rotWithShape="0">
+              <a:prstClr val="black">
+                <a:alpha val="40000"/>
+              </a:prstClr>
+            </a:outerShdw>
+          </a:effectLst>
+        </p:spPr>
+      </p:pic>
       <p:sp>
         <p:nvSpPr>
           <p:cNvPr id="2" name="Titre 1">
@@ -16957,18 +17603,20 @@
             <p:ph type="title"/>
           </p:nvPr>
         </p:nvSpPr>
-        <p:spPr/>
+        <p:spPr>
+          <a:xfrm>
+            <a:off x="1141413" y="618518"/>
+            <a:ext cx="9905998" cy="1478570"/>
+          </a:xfrm>
+        </p:spPr>
         <p:txBody>
-          <a:bodyPr/>
+          <a:bodyPr>
+            <a:normAutofit/>
+          </a:bodyPr>
           <a:lstStyle/>
           <a:p>
-            <a:pPr algn="ctr"/>
             <a:r>
-              <a:rPr lang="fr-FR" dirty="0">
-                <a:solidFill>
-                  <a:schemeClr val="bg1"/>
-                </a:solidFill>
-              </a:rPr>
+              <a:rPr lang="fr-FR"/>
               <a:t>Sommaire</a:t>
             </a:r>
           </a:p>
@@ -16990,94 +17638,128 @@
             <p:ph idx="1"/>
           </p:nvPr>
         </p:nvSpPr>
-        <p:spPr/>
+        <p:spPr>
+          <a:xfrm>
+            <a:off x="5034579" y="2249487"/>
+            <a:ext cx="6012832" cy="3541714"/>
+          </a:xfrm>
+        </p:spPr>
         <p:txBody>
           <a:bodyPr>
-            <a:normAutofit fontScale="85000" lnSpcReduction="20000"/>
+            <a:normAutofit/>
           </a:bodyPr>
           <a:lstStyle/>
           <a:p>
             <a:pPr marL="457200" indent="-457200">
+              <a:lnSpc>
+                <a:spcPct val="110000"/>
+              </a:lnSpc>
               <a:buFont typeface="+mj-lt"/>
               <a:buAutoNum type="arabicPeriod"/>
             </a:pPr>
             <a:r>
-              <a:rPr lang="fr-FR" dirty="0"/>
+              <a:rPr lang="fr-FR" sz="1900"/>
               <a:t>Présentation du projet</a:t>
             </a:r>
           </a:p>
           <a:p>
             <a:pPr marL="457200" indent="-457200">
+              <a:lnSpc>
+                <a:spcPct val="110000"/>
+              </a:lnSpc>
               <a:buFont typeface="+mj-lt"/>
               <a:buAutoNum type="arabicPeriod"/>
             </a:pPr>
             <a:r>
-              <a:rPr lang="fr-FR" dirty="0"/>
+              <a:rPr lang="fr-FR" sz="1900"/>
               <a:t>Organisation de la salle</a:t>
             </a:r>
           </a:p>
           <a:p>
             <a:pPr marL="457200" indent="-457200">
+              <a:lnSpc>
+                <a:spcPct val="110000"/>
+              </a:lnSpc>
               <a:buFont typeface="+mj-lt"/>
               <a:buAutoNum type="arabicPeriod"/>
             </a:pPr>
             <a:r>
-              <a:rPr lang="fr-FR" dirty="0"/>
+              <a:rPr lang="fr-FR" sz="1900"/>
               <a:t>Présentation des différentes activités</a:t>
             </a:r>
           </a:p>
           <a:p>
             <a:pPr marL="457200" indent="-457200">
+              <a:lnSpc>
+                <a:spcPct val="110000"/>
+              </a:lnSpc>
               <a:buFont typeface="+mj-lt"/>
               <a:buAutoNum type="arabicPeriod"/>
             </a:pPr>
             <a:r>
-              <a:rPr lang="fr-FR" dirty="0"/>
+              <a:rPr lang="fr-FR" sz="1900"/>
               <a:t>Programme</a:t>
             </a:r>
           </a:p>
           <a:p>
             <a:pPr marL="457200" indent="-457200">
+              <a:lnSpc>
+                <a:spcPct val="110000"/>
+              </a:lnSpc>
               <a:buFont typeface="+mj-lt"/>
               <a:buAutoNum type="arabicPeriod"/>
             </a:pPr>
             <a:r>
-              <a:rPr lang="fr-FR" dirty="0"/>
+              <a:rPr lang="fr-FR" sz="1900"/>
               <a:t>Exposants</a:t>
             </a:r>
           </a:p>
           <a:p>
             <a:pPr marL="457200" indent="-457200">
+              <a:lnSpc>
+                <a:spcPct val="110000"/>
+              </a:lnSpc>
               <a:buFont typeface="+mj-lt"/>
               <a:buAutoNum type="arabicPeriod"/>
             </a:pPr>
             <a:r>
-              <a:rPr lang="fr-FR" dirty="0"/>
+              <a:rPr lang="fr-FR" sz="1900"/>
               <a:t>Choix du matériel</a:t>
             </a:r>
           </a:p>
           <a:p>
             <a:pPr marL="457200" indent="-457200">
+              <a:lnSpc>
+                <a:spcPct val="110000"/>
+              </a:lnSpc>
               <a:buFont typeface="+mj-lt"/>
               <a:buAutoNum type="arabicPeriod"/>
             </a:pPr>
             <a:r>
-              <a:rPr lang="fr-FR" dirty="0"/>
+              <a:rPr lang="fr-FR" sz="1900"/>
               <a:t>Budget</a:t>
             </a:r>
           </a:p>
           <a:p>
             <a:pPr marL="457200" indent="-457200">
+              <a:lnSpc>
+                <a:spcPct val="110000"/>
+              </a:lnSpc>
               <a:buFont typeface="+mj-lt"/>
               <a:buAutoNum type="arabicPeriod"/>
             </a:pPr>
             <a:r>
-              <a:rPr lang="fr-FR" dirty="0"/>
+              <a:rPr lang="fr-FR" sz="1900"/>
               <a:t>Organisation du réseau</a:t>
             </a:r>
           </a:p>
           <a:p>
-            <a:endParaRPr lang="fr-FR" dirty="0"/>
+            <a:pPr>
+              <a:lnSpc>
+                <a:spcPct val="110000"/>
+              </a:lnSpc>
+            </a:pPr>
+            <a:endParaRPr lang="fr-FR" sz="1900"/>
           </a:p>
         </p:txBody>
       </p:sp>
@@ -17922,7 +18604,7 @@
           <a:noFill/>
           <a:extLst>
             <a:ext uri="{909E8E84-426E-40dd-AFC4-6F175D3DCCD1}">
-              <a14:hiddenFill xmlns:a14="http://schemas.microsoft.com/office/drawing/2010/main" xmlns:p14="http://schemas.microsoft.com/office/powerpoint/2010/main" xmlns="">
+              <a14:hiddenFill xmlns="" xmlns:p14="http://schemas.microsoft.com/office/powerpoint/2010/main" xmlns:a14="http://schemas.microsoft.com/office/drawing/2010/main">
                 <a:solidFill>
                   <a:srgbClr val="FFFFFF"/>
                 </a:solidFill>
@@ -18034,7 +18716,7 @@
               </a:ln>
               <a:extLst>
                 <a:ext uri="{91240B29-F687-4f45-9708-019B960494DF}">
-                  <a14:hiddenLine xmlns:a14="http://schemas.microsoft.com/office/drawing/2010/main" xmlns:p14="http://schemas.microsoft.com/office/powerpoint/2010/main" xmlns="" w="9525">
+                  <a14:hiddenLine xmlns="" xmlns:p14="http://schemas.microsoft.com/office/powerpoint/2010/main" xmlns:a14="http://schemas.microsoft.com/office/drawing/2010/main" w="9525">
                     <a:solidFill>
                       <a:srgbClr val="000000"/>
                     </a:solidFill>
@@ -18136,7 +18818,7 @@
               </a:ln>
               <a:extLst>
                 <a:ext uri="{91240B29-F687-4f45-9708-019B960494DF}">
-                  <a14:hiddenLine xmlns:a14="http://schemas.microsoft.com/office/drawing/2010/main" xmlns:p14="http://schemas.microsoft.com/office/powerpoint/2010/main" xmlns="" w="9525">
+                  <a14:hiddenLine xmlns="" xmlns:p14="http://schemas.microsoft.com/office/powerpoint/2010/main" xmlns:a14="http://schemas.microsoft.com/office/drawing/2010/main" w="9525">
                     <a:solidFill>
                       <a:srgbClr val="000000"/>
                     </a:solidFill>
@@ -18238,7 +18920,7 @@
               </a:ln>
               <a:extLst>
                 <a:ext uri="{91240B29-F687-4f45-9708-019B960494DF}">
-                  <a14:hiddenLine xmlns:a14="http://schemas.microsoft.com/office/drawing/2010/main" xmlns:p14="http://schemas.microsoft.com/office/powerpoint/2010/main" xmlns="" w="9525">
+                  <a14:hiddenLine xmlns="" xmlns:p14="http://schemas.microsoft.com/office/powerpoint/2010/main" xmlns:a14="http://schemas.microsoft.com/office/drawing/2010/main" w="9525">
                     <a:solidFill>
                       <a:srgbClr val="000000"/>
                     </a:solidFill>
@@ -18312,7 +18994,7 @@
               </a:ln>
               <a:extLst>
                 <a:ext uri="{91240B29-F687-4f45-9708-019B960494DF}">
-                  <a14:hiddenLine xmlns:a14="http://schemas.microsoft.com/office/drawing/2010/main" xmlns:p14="http://schemas.microsoft.com/office/powerpoint/2010/main" xmlns="" w="9525">
+                  <a14:hiddenLine xmlns="" xmlns:p14="http://schemas.microsoft.com/office/powerpoint/2010/main" xmlns:a14="http://schemas.microsoft.com/office/drawing/2010/main" w="9525">
                     <a:solidFill>
                       <a:srgbClr val="000000"/>
                     </a:solidFill>
@@ -18414,7 +19096,7 @@
               </a:ln>
               <a:extLst>
                 <a:ext uri="{91240B29-F687-4f45-9708-019B960494DF}">
-                  <a14:hiddenLine xmlns:a14="http://schemas.microsoft.com/office/drawing/2010/main" xmlns:p14="http://schemas.microsoft.com/office/powerpoint/2010/main" xmlns="" w="9525">
+                  <a14:hiddenLine xmlns="" xmlns:p14="http://schemas.microsoft.com/office/powerpoint/2010/main" xmlns:a14="http://schemas.microsoft.com/office/drawing/2010/main" w="9525">
                     <a:solidFill>
                       <a:srgbClr val="000000"/>
                     </a:solidFill>
@@ -18488,7 +19170,7 @@
               </a:ln>
               <a:extLst>
                 <a:ext uri="{91240B29-F687-4f45-9708-019B960494DF}">
-                  <a14:hiddenLine xmlns:a14="http://schemas.microsoft.com/office/drawing/2010/main" xmlns:p14="http://schemas.microsoft.com/office/powerpoint/2010/main" xmlns="" w="9525">
+                  <a14:hiddenLine xmlns="" xmlns:p14="http://schemas.microsoft.com/office/powerpoint/2010/main" xmlns:a14="http://schemas.microsoft.com/office/drawing/2010/main" w="9525">
                     <a:solidFill>
                       <a:srgbClr val="000000"/>
                     </a:solidFill>
@@ -18562,7 +19244,7 @@
               </a:ln>
               <a:extLst>
                 <a:ext uri="{91240B29-F687-4f45-9708-019B960494DF}">
-                  <a14:hiddenLine xmlns:a14="http://schemas.microsoft.com/office/drawing/2010/main" xmlns:p14="http://schemas.microsoft.com/office/powerpoint/2010/main" xmlns="" w="9525">
+                  <a14:hiddenLine xmlns="" xmlns:p14="http://schemas.microsoft.com/office/powerpoint/2010/main" xmlns:a14="http://schemas.microsoft.com/office/drawing/2010/main" w="9525">
                     <a:solidFill>
                       <a:srgbClr val="000000"/>
                     </a:solidFill>
@@ -18664,7 +19346,7 @@
               </a:ln>
               <a:extLst>
                 <a:ext uri="{91240B29-F687-4f45-9708-019B960494DF}">
-                  <a14:hiddenLine xmlns:a14="http://schemas.microsoft.com/office/drawing/2010/main" xmlns:p14="http://schemas.microsoft.com/office/powerpoint/2010/main" xmlns="" w="9525">
+                  <a14:hiddenLine xmlns="" xmlns:p14="http://schemas.microsoft.com/office/powerpoint/2010/main" xmlns:a14="http://schemas.microsoft.com/office/drawing/2010/main" w="9525">
                     <a:solidFill>
                       <a:srgbClr val="000000"/>
                     </a:solidFill>
@@ -18766,7 +19448,7 @@
               </a:ln>
               <a:extLst>
                 <a:ext uri="{91240B29-F687-4f45-9708-019B960494DF}">
-                  <a14:hiddenLine xmlns:a14="http://schemas.microsoft.com/office/drawing/2010/main" xmlns:p14="http://schemas.microsoft.com/office/powerpoint/2010/main" xmlns="" w="9525">
+                  <a14:hiddenLine xmlns="" xmlns:p14="http://schemas.microsoft.com/office/powerpoint/2010/main" xmlns:a14="http://schemas.microsoft.com/office/drawing/2010/main" w="9525">
                     <a:solidFill>
                       <a:srgbClr val="000000"/>
                     </a:solidFill>
@@ -18840,7 +19522,7 @@
               </a:ln>
               <a:extLst>
                 <a:ext uri="{91240B29-F687-4f45-9708-019B960494DF}">
-                  <a14:hiddenLine xmlns:a14="http://schemas.microsoft.com/office/drawing/2010/main" xmlns:p14="http://schemas.microsoft.com/office/powerpoint/2010/main" xmlns="" w="9525">
+                  <a14:hiddenLine xmlns="" xmlns:p14="http://schemas.microsoft.com/office/powerpoint/2010/main" xmlns:a14="http://schemas.microsoft.com/office/drawing/2010/main" w="9525">
                     <a:solidFill>
                       <a:srgbClr val="000000"/>
                     </a:solidFill>
@@ -18962,7 +19644,7 @@
               </a:ln>
               <a:extLst>
                 <a:ext uri="{91240B29-F687-4f45-9708-019B960494DF}">
-                  <a14:hiddenLine xmlns:a14="http://schemas.microsoft.com/office/drawing/2010/main" xmlns:p14="http://schemas.microsoft.com/office/powerpoint/2010/main" xmlns="" w="9525">
+                  <a14:hiddenLine xmlns="" xmlns:p14="http://schemas.microsoft.com/office/powerpoint/2010/main" xmlns:a14="http://schemas.microsoft.com/office/drawing/2010/main" w="9525">
                     <a:solidFill>
                       <a:srgbClr val="000000"/>
                     </a:solidFill>
@@ -19070,7 +19752,7 @@
               </a:ln>
               <a:extLst>
                 <a:ext uri="{91240B29-F687-4f45-9708-019B960494DF}">
-                  <a14:hiddenLine xmlns:a14="http://schemas.microsoft.com/office/drawing/2010/main" xmlns:p14="http://schemas.microsoft.com/office/powerpoint/2010/main" xmlns="" w="9525">
+                  <a14:hiddenLine xmlns="" xmlns:p14="http://schemas.microsoft.com/office/powerpoint/2010/main" xmlns:a14="http://schemas.microsoft.com/office/drawing/2010/main" w="9525">
                     <a:solidFill>
                       <a:srgbClr val="000000"/>
                     </a:solidFill>
@@ -19144,7 +19826,7 @@
               </a:ln>
               <a:extLst>
                 <a:ext uri="{91240B29-F687-4f45-9708-019B960494DF}">
-                  <a14:hiddenLine xmlns:a14="http://schemas.microsoft.com/office/drawing/2010/main" xmlns:p14="http://schemas.microsoft.com/office/powerpoint/2010/main" xmlns="" w="9525">
+                  <a14:hiddenLine xmlns="" xmlns:p14="http://schemas.microsoft.com/office/powerpoint/2010/main" xmlns:a14="http://schemas.microsoft.com/office/drawing/2010/main" w="9525">
                     <a:solidFill>
                       <a:srgbClr val="000000"/>
                     </a:solidFill>
@@ -19218,7 +19900,7 @@
               </a:ln>
               <a:extLst>
                 <a:ext uri="{91240B29-F687-4f45-9708-019B960494DF}">
-                  <a14:hiddenLine xmlns:a14="http://schemas.microsoft.com/office/drawing/2010/main" xmlns:p14="http://schemas.microsoft.com/office/powerpoint/2010/main" xmlns="" w="9525">
+                  <a14:hiddenLine xmlns="" xmlns:p14="http://schemas.microsoft.com/office/powerpoint/2010/main" xmlns:a14="http://schemas.microsoft.com/office/drawing/2010/main" w="9525">
                     <a:solidFill>
                       <a:srgbClr val="000000"/>
                     </a:solidFill>
@@ -19320,7 +20002,7 @@
               </a:ln>
               <a:extLst>
                 <a:ext uri="{91240B29-F687-4f45-9708-019B960494DF}">
-                  <a14:hiddenLine xmlns:a14="http://schemas.microsoft.com/office/drawing/2010/main" xmlns:p14="http://schemas.microsoft.com/office/powerpoint/2010/main" xmlns="" w="9525">
+                  <a14:hiddenLine xmlns="" xmlns:p14="http://schemas.microsoft.com/office/powerpoint/2010/main" xmlns:a14="http://schemas.microsoft.com/office/drawing/2010/main" w="9525">
                     <a:solidFill>
                       <a:srgbClr val="000000"/>
                     </a:solidFill>
@@ -19366,7 +20048,7 @@
               </a:ln>
               <a:extLst>
                 <a:ext uri="{91240B29-F687-4f45-9708-019B960494DF}">
-                  <a14:hiddenLine xmlns:a14="http://schemas.microsoft.com/office/drawing/2010/main" xmlns:p14="http://schemas.microsoft.com/office/powerpoint/2010/main" xmlns="" w="9525">
+                  <a14:hiddenLine xmlns="" xmlns:p14="http://schemas.microsoft.com/office/powerpoint/2010/main" xmlns:a14="http://schemas.microsoft.com/office/drawing/2010/main" w="9525">
                     <a:solidFill>
                       <a:srgbClr val="000000"/>
                     </a:solidFill>
@@ -19443,7 +20125,7 @@
               </a:ln>
               <a:extLst>
                 <a:ext uri="{91240B29-F687-4f45-9708-019B960494DF}">
-                  <a14:hiddenLine xmlns:a14="http://schemas.microsoft.com/office/drawing/2010/main" xmlns:p14="http://schemas.microsoft.com/office/powerpoint/2010/main" xmlns="" w="9525">
+                  <a14:hiddenLine xmlns="" xmlns:p14="http://schemas.microsoft.com/office/powerpoint/2010/main" xmlns:a14="http://schemas.microsoft.com/office/drawing/2010/main" w="9525">
                     <a:solidFill>
                       <a:srgbClr val="000000"/>
                     </a:solidFill>
@@ -19545,7 +20227,7 @@
               </a:ln>
               <a:extLst>
                 <a:ext uri="{91240B29-F687-4f45-9708-019B960494DF}">
-                  <a14:hiddenLine xmlns:a14="http://schemas.microsoft.com/office/drawing/2010/main" xmlns:p14="http://schemas.microsoft.com/office/powerpoint/2010/main" xmlns="" w="9525">
+                  <a14:hiddenLine xmlns="" xmlns:p14="http://schemas.microsoft.com/office/powerpoint/2010/main" xmlns:a14="http://schemas.microsoft.com/office/drawing/2010/main" w="9525">
                     <a:solidFill>
                       <a:srgbClr val="000000"/>
                     </a:solidFill>
@@ -19619,7 +20301,7 @@
               </a:ln>
               <a:extLst>
                 <a:ext uri="{91240B29-F687-4f45-9708-019B960494DF}">
-                  <a14:hiddenLine xmlns:a14="http://schemas.microsoft.com/office/drawing/2010/main" xmlns:p14="http://schemas.microsoft.com/office/powerpoint/2010/main" xmlns="" w="9525">
+                  <a14:hiddenLine xmlns="" xmlns:p14="http://schemas.microsoft.com/office/powerpoint/2010/main" xmlns:a14="http://schemas.microsoft.com/office/drawing/2010/main" w="9525">
                     <a:solidFill>
                       <a:srgbClr val="000000"/>
                     </a:solidFill>
@@ -19721,7 +20403,7 @@
               </a:ln>
               <a:extLst>
                 <a:ext uri="{91240B29-F687-4f45-9708-019B960494DF}">
-                  <a14:hiddenLine xmlns:a14="http://schemas.microsoft.com/office/drawing/2010/main" xmlns:p14="http://schemas.microsoft.com/office/powerpoint/2010/main" xmlns="" w="9525">
+                  <a14:hiddenLine xmlns="" xmlns:p14="http://schemas.microsoft.com/office/powerpoint/2010/main" xmlns:a14="http://schemas.microsoft.com/office/drawing/2010/main" w="9525">
                     <a:solidFill>
                       <a:srgbClr val="000000"/>
                     </a:solidFill>
@@ -19798,7 +20480,7 @@
               </a:ln>
               <a:extLst>
                 <a:ext uri="{91240B29-F687-4f45-9708-019B960494DF}">
-                  <a14:hiddenLine xmlns:a14="http://schemas.microsoft.com/office/drawing/2010/main" xmlns:p14="http://schemas.microsoft.com/office/powerpoint/2010/main" xmlns="" w="9525">
+                  <a14:hiddenLine xmlns="" xmlns:p14="http://schemas.microsoft.com/office/powerpoint/2010/main" xmlns:a14="http://schemas.microsoft.com/office/drawing/2010/main" w="9525">
                     <a:solidFill>
                       <a:srgbClr val="000000"/>
                     </a:solidFill>
@@ -19872,7 +20554,7 @@
               </a:ln>
               <a:extLst>
                 <a:ext uri="{91240B29-F687-4f45-9708-019B960494DF}">
-                  <a14:hiddenLine xmlns:a14="http://schemas.microsoft.com/office/drawing/2010/main" xmlns:p14="http://schemas.microsoft.com/office/powerpoint/2010/main" xmlns="" w="9525">
+                  <a14:hiddenLine xmlns="" xmlns:p14="http://schemas.microsoft.com/office/powerpoint/2010/main" xmlns:a14="http://schemas.microsoft.com/office/drawing/2010/main" w="9525">
                     <a:solidFill>
                       <a:srgbClr val="000000"/>
                     </a:solidFill>
@@ -19974,7 +20656,7 @@
               </a:ln>
               <a:extLst>
                 <a:ext uri="{91240B29-F687-4f45-9708-019B960494DF}">
-                  <a14:hiddenLine xmlns:a14="http://schemas.microsoft.com/office/drawing/2010/main" xmlns:p14="http://schemas.microsoft.com/office/powerpoint/2010/main" xmlns="" w="9525">
+                  <a14:hiddenLine xmlns="" xmlns:p14="http://schemas.microsoft.com/office/powerpoint/2010/main" xmlns:a14="http://schemas.microsoft.com/office/drawing/2010/main" w="9525">
                     <a:solidFill>
                       <a:srgbClr val="000000"/>
                     </a:solidFill>
@@ -20076,7 +20758,7 @@
               </a:ln>
               <a:extLst>
                 <a:ext uri="{91240B29-F687-4f45-9708-019B960494DF}">
-                  <a14:hiddenLine xmlns:a14="http://schemas.microsoft.com/office/drawing/2010/main" xmlns:p14="http://schemas.microsoft.com/office/powerpoint/2010/main" xmlns="" w="9525">
+                  <a14:hiddenLine xmlns="" xmlns:p14="http://schemas.microsoft.com/office/powerpoint/2010/main" xmlns:a14="http://schemas.microsoft.com/office/drawing/2010/main" w="9525">
                     <a:solidFill>
                       <a:srgbClr val="000000"/>
                     </a:solidFill>
@@ -20153,7 +20835,7 @@
               </a:ln>
               <a:extLst>
                 <a:ext uri="{91240B29-F687-4f45-9708-019B960494DF}">
-                  <a14:hiddenLine xmlns:a14="http://schemas.microsoft.com/office/drawing/2010/main" xmlns:p14="http://schemas.microsoft.com/office/powerpoint/2010/main" xmlns="" w="9525">
+                  <a14:hiddenLine xmlns="" xmlns:p14="http://schemas.microsoft.com/office/powerpoint/2010/main" xmlns:a14="http://schemas.microsoft.com/office/drawing/2010/main" w="9525">
                     <a:solidFill>
                       <a:srgbClr val="000000"/>
                     </a:solidFill>
@@ -20285,7 +20967,7 @@
               </a:ln>
               <a:extLst>
                 <a:ext uri="{91240B29-F687-4f45-9708-019B960494DF}">
-                  <a14:hiddenLine xmlns:a14="http://schemas.microsoft.com/office/drawing/2010/main" xmlns:p14="http://schemas.microsoft.com/office/powerpoint/2010/main" xmlns="" w="9525">
+                  <a14:hiddenLine xmlns="" xmlns:p14="http://schemas.microsoft.com/office/powerpoint/2010/main" xmlns:a14="http://schemas.microsoft.com/office/drawing/2010/main" w="9525">
                     <a:solidFill>
                       <a:srgbClr val="000000"/>
                     </a:solidFill>
@@ -20407,7 +21089,7 @@
               </a:ln>
               <a:extLst>
                 <a:ext uri="{91240B29-F687-4f45-9708-019B960494DF}">
-                  <a14:hiddenLine xmlns:a14="http://schemas.microsoft.com/office/drawing/2010/main" xmlns:p14="http://schemas.microsoft.com/office/powerpoint/2010/main" xmlns="" w="9525">
+                  <a14:hiddenLine xmlns="" xmlns:p14="http://schemas.microsoft.com/office/powerpoint/2010/main" xmlns:a14="http://schemas.microsoft.com/office/drawing/2010/main" w="9525">
                     <a:solidFill>
                       <a:srgbClr val="000000"/>
                     </a:solidFill>
@@ -20534,7 +21216,7 @@
               </a:ln>
               <a:extLst>
                 <a:ext uri="{91240B29-F687-4f45-9708-019B960494DF}">
-                  <a14:hiddenLine xmlns:a14="http://schemas.microsoft.com/office/drawing/2010/main" xmlns:p14="http://schemas.microsoft.com/office/powerpoint/2010/main" xmlns="" w="9525">
+                  <a14:hiddenLine xmlns="" xmlns:p14="http://schemas.microsoft.com/office/powerpoint/2010/main" xmlns:a14="http://schemas.microsoft.com/office/drawing/2010/main" w="9525">
                     <a:solidFill>
                       <a:srgbClr val="000000"/>
                     </a:solidFill>
@@ -20636,7 +21318,7 @@
               </a:ln>
               <a:extLst>
                 <a:ext uri="{91240B29-F687-4f45-9708-019B960494DF}">
-                  <a14:hiddenLine xmlns:a14="http://schemas.microsoft.com/office/drawing/2010/main" xmlns:p14="http://schemas.microsoft.com/office/powerpoint/2010/main" xmlns="" w="9525">
+                  <a14:hiddenLine xmlns="" xmlns:p14="http://schemas.microsoft.com/office/powerpoint/2010/main" xmlns:a14="http://schemas.microsoft.com/office/drawing/2010/main" w="9525">
                     <a:solidFill>
                       <a:srgbClr val="000000"/>
                     </a:solidFill>
@@ -20713,7 +21395,7 @@
               </a:ln>
               <a:extLst>
                 <a:ext uri="{91240B29-F687-4f45-9708-019B960494DF}">
-                  <a14:hiddenLine xmlns:a14="http://schemas.microsoft.com/office/drawing/2010/main" xmlns:p14="http://schemas.microsoft.com/office/powerpoint/2010/main" xmlns="" w="9525">
+                  <a14:hiddenLine xmlns="" xmlns:p14="http://schemas.microsoft.com/office/powerpoint/2010/main" xmlns:a14="http://schemas.microsoft.com/office/drawing/2010/main" w="9525">
                     <a:solidFill>
                       <a:srgbClr val="000000"/>
                     </a:solidFill>
@@ -20815,7 +21497,7 @@
               </a:ln>
               <a:extLst>
                 <a:ext uri="{91240B29-F687-4f45-9708-019B960494DF}">
-                  <a14:hiddenLine xmlns:a14="http://schemas.microsoft.com/office/drawing/2010/main" xmlns:p14="http://schemas.microsoft.com/office/powerpoint/2010/main" xmlns="" w="9525">
+                  <a14:hiddenLine xmlns="" xmlns:p14="http://schemas.microsoft.com/office/powerpoint/2010/main" xmlns:a14="http://schemas.microsoft.com/office/drawing/2010/main" w="9525">
                     <a:solidFill>
                       <a:srgbClr val="000000"/>
                     </a:solidFill>
@@ -20895,7 +21577,7 @@
               </a:ln>
               <a:extLst>
                 <a:ext uri="{91240B29-F687-4f45-9708-019B960494DF}">
-                  <a14:hiddenLine xmlns:a14="http://schemas.microsoft.com/office/drawing/2010/main" xmlns:p14="http://schemas.microsoft.com/office/powerpoint/2010/main" xmlns="" w="9525">
+                  <a14:hiddenLine xmlns="" xmlns:p14="http://schemas.microsoft.com/office/powerpoint/2010/main" xmlns:a14="http://schemas.microsoft.com/office/drawing/2010/main" w="9525">
                     <a:solidFill>
                       <a:srgbClr val="000000"/>
                     </a:solidFill>
@@ -20997,7 +21679,7 @@
               </a:ln>
               <a:extLst>
                 <a:ext uri="{91240B29-F687-4f45-9708-019B960494DF}">
-                  <a14:hiddenLine xmlns:a14="http://schemas.microsoft.com/office/drawing/2010/main" xmlns:p14="http://schemas.microsoft.com/office/powerpoint/2010/main" xmlns="" w="9525">
+                  <a14:hiddenLine xmlns="" xmlns:p14="http://schemas.microsoft.com/office/powerpoint/2010/main" xmlns:a14="http://schemas.microsoft.com/office/drawing/2010/main" w="9525">
                     <a:solidFill>
                       <a:srgbClr val="000000"/>
                     </a:solidFill>
@@ -21077,7 +21759,7 @@
               </a:ln>
               <a:extLst>
                 <a:ext uri="{91240B29-F687-4f45-9708-019B960494DF}">
-                  <a14:hiddenLine xmlns:a14="http://schemas.microsoft.com/office/drawing/2010/main" xmlns:p14="http://schemas.microsoft.com/office/powerpoint/2010/main" xmlns="" w="9525">
+                  <a14:hiddenLine xmlns="" xmlns:p14="http://schemas.microsoft.com/office/powerpoint/2010/main" xmlns:a14="http://schemas.microsoft.com/office/drawing/2010/main" w="9525">
                     <a:solidFill>
                       <a:srgbClr val="000000"/>
                     </a:solidFill>
@@ -21179,7 +21861,7 @@
               </a:ln>
               <a:extLst>
                 <a:ext uri="{91240B29-F687-4f45-9708-019B960494DF}">
-                  <a14:hiddenLine xmlns:a14="http://schemas.microsoft.com/office/drawing/2010/main" xmlns:p14="http://schemas.microsoft.com/office/powerpoint/2010/main" xmlns="" w="9525">
+                  <a14:hiddenLine xmlns="" xmlns:p14="http://schemas.microsoft.com/office/powerpoint/2010/main" xmlns:a14="http://schemas.microsoft.com/office/drawing/2010/main" w="9525">
                     <a:solidFill>
                       <a:srgbClr val="000000"/>
                     </a:solidFill>
@@ -21225,7 +21907,7 @@
               </a:ln>
               <a:extLst>
                 <a:ext uri="{91240B29-F687-4f45-9708-019B960494DF}">
-                  <a14:hiddenLine xmlns:a14="http://schemas.microsoft.com/office/drawing/2010/main" xmlns:p14="http://schemas.microsoft.com/office/powerpoint/2010/main" xmlns="" w="9525">
+                  <a14:hiddenLine xmlns="" xmlns:p14="http://schemas.microsoft.com/office/powerpoint/2010/main" xmlns:a14="http://schemas.microsoft.com/office/drawing/2010/main" w="9525">
                     <a:solidFill>
                       <a:srgbClr val="000000"/>
                     </a:solidFill>
@@ -21729,7 +22411,7 @@
           <a:noFill/>
           <a:extLst>
             <a:ext uri="{909E8E84-426E-40dd-AFC4-6F175D3DCCD1}">
-              <a14:hiddenFill xmlns:a14="http://schemas.microsoft.com/office/drawing/2010/main" xmlns:p14="http://schemas.microsoft.com/office/powerpoint/2010/main" xmlns="">
+              <a14:hiddenFill xmlns="" xmlns:p14="http://schemas.microsoft.com/office/powerpoint/2010/main" xmlns:a14="http://schemas.microsoft.com/office/drawing/2010/main">
                 <a:solidFill>
                   <a:srgbClr val="FFFFFF"/>
                 </a:solidFill>
@@ -21882,7 +22564,7 @@
             </a:ln>
             <a:extLst>
               <a:ext uri="{91240B29-F687-4f45-9708-019B960494DF}">
-                <a14:hiddenLine xmlns:a14="http://schemas.microsoft.com/office/drawing/2010/main" xmlns:p14="http://schemas.microsoft.com/office/powerpoint/2010/main" xmlns="" w="9525">
+                <a14:hiddenLine xmlns="" xmlns:p14="http://schemas.microsoft.com/office/powerpoint/2010/main" xmlns:a14="http://schemas.microsoft.com/office/drawing/2010/main" w="9525">
                   <a:solidFill>
                     <a:srgbClr val="000000"/>
                   </a:solidFill>
@@ -21984,7 +22666,7 @@
             </a:ln>
             <a:extLst>
               <a:ext uri="{91240B29-F687-4f45-9708-019B960494DF}">
-                <a14:hiddenLine xmlns:a14="http://schemas.microsoft.com/office/drawing/2010/main" xmlns:p14="http://schemas.microsoft.com/office/powerpoint/2010/main" xmlns="" w="9525">
+                <a14:hiddenLine xmlns="" xmlns:p14="http://schemas.microsoft.com/office/powerpoint/2010/main" xmlns:a14="http://schemas.microsoft.com/office/drawing/2010/main" w="9525">
                   <a:solidFill>
                     <a:srgbClr val="000000"/>
                   </a:solidFill>
@@ -22086,7 +22768,7 @@
             </a:ln>
             <a:extLst>
               <a:ext uri="{91240B29-F687-4f45-9708-019B960494DF}">
-                <a14:hiddenLine xmlns:a14="http://schemas.microsoft.com/office/drawing/2010/main" xmlns:p14="http://schemas.microsoft.com/office/powerpoint/2010/main" xmlns="" w="9525">
+                <a14:hiddenLine xmlns="" xmlns:p14="http://schemas.microsoft.com/office/powerpoint/2010/main" xmlns:a14="http://schemas.microsoft.com/office/drawing/2010/main" w="9525">
                   <a:solidFill>
                     <a:srgbClr val="000000"/>
                   </a:solidFill>
@@ -22160,7 +22842,7 @@
             </a:ln>
             <a:extLst>
               <a:ext uri="{91240B29-F687-4f45-9708-019B960494DF}">
-                <a14:hiddenLine xmlns:a14="http://schemas.microsoft.com/office/drawing/2010/main" xmlns:p14="http://schemas.microsoft.com/office/powerpoint/2010/main" xmlns="" w="9525">
+                <a14:hiddenLine xmlns="" xmlns:p14="http://schemas.microsoft.com/office/powerpoint/2010/main" xmlns:a14="http://schemas.microsoft.com/office/drawing/2010/main" w="9525">
                   <a:solidFill>
                     <a:srgbClr val="000000"/>
                   </a:solidFill>
@@ -22262,7 +22944,7 @@
             </a:ln>
             <a:extLst>
               <a:ext uri="{91240B29-F687-4f45-9708-019B960494DF}">
-                <a14:hiddenLine xmlns:a14="http://schemas.microsoft.com/office/drawing/2010/main" xmlns:p14="http://schemas.microsoft.com/office/powerpoint/2010/main" xmlns="" w="9525">
+                <a14:hiddenLine xmlns="" xmlns:p14="http://schemas.microsoft.com/office/powerpoint/2010/main" xmlns:a14="http://schemas.microsoft.com/office/drawing/2010/main" w="9525">
                   <a:solidFill>
                     <a:srgbClr val="000000"/>
                   </a:solidFill>
@@ -22336,7 +23018,7 @@
             </a:ln>
             <a:extLst>
               <a:ext uri="{91240B29-F687-4f45-9708-019B960494DF}">
-                <a14:hiddenLine xmlns:a14="http://schemas.microsoft.com/office/drawing/2010/main" xmlns:p14="http://schemas.microsoft.com/office/powerpoint/2010/main" xmlns="" w="9525">
+                <a14:hiddenLine xmlns="" xmlns:p14="http://schemas.microsoft.com/office/powerpoint/2010/main" xmlns:a14="http://schemas.microsoft.com/office/drawing/2010/main" w="9525">
                   <a:solidFill>
                     <a:srgbClr val="000000"/>
                   </a:solidFill>
@@ -22410,7 +23092,7 @@
             </a:ln>
             <a:extLst>
               <a:ext uri="{91240B29-F687-4f45-9708-019B960494DF}">
-                <a14:hiddenLine xmlns:a14="http://schemas.microsoft.com/office/drawing/2010/main" xmlns:p14="http://schemas.microsoft.com/office/powerpoint/2010/main" xmlns="" w="9525">
+                <a14:hiddenLine xmlns="" xmlns:p14="http://schemas.microsoft.com/office/powerpoint/2010/main" xmlns:a14="http://schemas.microsoft.com/office/drawing/2010/main" w="9525">
                   <a:solidFill>
                     <a:srgbClr val="000000"/>
                   </a:solidFill>
@@ -22512,7 +23194,7 @@
             </a:ln>
             <a:extLst>
               <a:ext uri="{91240B29-F687-4f45-9708-019B960494DF}">
-                <a14:hiddenLine xmlns:a14="http://schemas.microsoft.com/office/drawing/2010/main" xmlns:p14="http://schemas.microsoft.com/office/powerpoint/2010/main" xmlns="" w="9525">
+                <a14:hiddenLine xmlns="" xmlns:p14="http://schemas.microsoft.com/office/powerpoint/2010/main" xmlns:a14="http://schemas.microsoft.com/office/drawing/2010/main" w="9525">
                   <a:solidFill>
                     <a:srgbClr val="000000"/>
                   </a:solidFill>
@@ -22614,7 +23296,7 @@
             </a:ln>
             <a:extLst>
               <a:ext uri="{91240B29-F687-4f45-9708-019B960494DF}">
-                <a14:hiddenLine xmlns:a14="http://schemas.microsoft.com/office/drawing/2010/main" xmlns:p14="http://schemas.microsoft.com/office/powerpoint/2010/main" xmlns="" w="9525">
+                <a14:hiddenLine xmlns="" xmlns:p14="http://schemas.microsoft.com/office/powerpoint/2010/main" xmlns:a14="http://schemas.microsoft.com/office/drawing/2010/main" w="9525">
                   <a:solidFill>
                     <a:srgbClr val="000000"/>
                   </a:solidFill>
@@ -22688,7 +23370,7 @@
             </a:ln>
             <a:extLst>
               <a:ext uri="{91240B29-F687-4f45-9708-019B960494DF}">
-                <a14:hiddenLine xmlns:a14="http://schemas.microsoft.com/office/drawing/2010/main" xmlns:p14="http://schemas.microsoft.com/office/powerpoint/2010/main" xmlns="" w="9525">
+                <a14:hiddenLine xmlns="" xmlns:p14="http://schemas.microsoft.com/office/powerpoint/2010/main" xmlns:a14="http://schemas.microsoft.com/office/drawing/2010/main" w="9525">
                   <a:solidFill>
                     <a:srgbClr val="000000"/>
                   </a:solidFill>
@@ -22810,7 +23492,7 @@
             </a:ln>
             <a:extLst>
               <a:ext uri="{91240B29-F687-4f45-9708-019B960494DF}">
-                <a14:hiddenLine xmlns:a14="http://schemas.microsoft.com/office/drawing/2010/main" xmlns:p14="http://schemas.microsoft.com/office/powerpoint/2010/main" xmlns="" w="9525">
+                <a14:hiddenLine xmlns="" xmlns:p14="http://schemas.microsoft.com/office/powerpoint/2010/main" xmlns:a14="http://schemas.microsoft.com/office/drawing/2010/main" w="9525">
                   <a:solidFill>
                     <a:srgbClr val="000000"/>
                   </a:solidFill>
@@ -22918,7 +23600,7 @@
             </a:ln>
             <a:extLst>
               <a:ext uri="{91240B29-F687-4f45-9708-019B960494DF}">
-                <a14:hiddenLine xmlns:a14="http://schemas.microsoft.com/office/drawing/2010/main" xmlns:p14="http://schemas.microsoft.com/office/powerpoint/2010/main" xmlns="" w="9525">
+                <a14:hiddenLine xmlns="" xmlns:p14="http://schemas.microsoft.com/office/powerpoint/2010/main" xmlns:a14="http://schemas.microsoft.com/office/drawing/2010/main" w="9525">
                   <a:solidFill>
                     <a:srgbClr val="000000"/>
                   </a:solidFill>
@@ -22992,7 +23674,7 @@
             </a:ln>
             <a:extLst>
               <a:ext uri="{91240B29-F687-4f45-9708-019B960494DF}">
-                <a14:hiddenLine xmlns:a14="http://schemas.microsoft.com/office/drawing/2010/main" xmlns:p14="http://schemas.microsoft.com/office/powerpoint/2010/main" xmlns="" w="9525">
+                <a14:hiddenLine xmlns="" xmlns:p14="http://schemas.microsoft.com/office/powerpoint/2010/main" xmlns:a14="http://schemas.microsoft.com/office/drawing/2010/main" w="9525">
                   <a:solidFill>
                     <a:srgbClr val="000000"/>
                   </a:solidFill>
@@ -23066,7 +23748,7 @@
             </a:ln>
             <a:extLst>
               <a:ext uri="{91240B29-F687-4f45-9708-019B960494DF}">
-                <a14:hiddenLine xmlns:a14="http://schemas.microsoft.com/office/drawing/2010/main" xmlns:p14="http://schemas.microsoft.com/office/powerpoint/2010/main" xmlns="" w="9525">
+                <a14:hiddenLine xmlns="" xmlns:p14="http://schemas.microsoft.com/office/powerpoint/2010/main" xmlns:a14="http://schemas.microsoft.com/office/drawing/2010/main" w="9525">
                   <a:solidFill>
                     <a:srgbClr val="000000"/>
                   </a:solidFill>
@@ -23168,7 +23850,7 @@
             </a:ln>
             <a:extLst>
               <a:ext uri="{91240B29-F687-4f45-9708-019B960494DF}">
-                <a14:hiddenLine xmlns:a14="http://schemas.microsoft.com/office/drawing/2010/main" xmlns:p14="http://schemas.microsoft.com/office/powerpoint/2010/main" xmlns="" w="9525">
+                <a14:hiddenLine xmlns="" xmlns:p14="http://schemas.microsoft.com/office/powerpoint/2010/main" xmlns:a14="http://schemas.microsoft.com/office/drawing/2010/main" w="9525">
                   <a:solidFill>
                     <a:srgbClr val="000000"/>
                   </a:solidFill>
@@ -23214,7 +23896,7 @@
             </a:ln>
             <a:extLst>
               <a:ext uri="{91240B29-F687-4f45-9708-019B960494DF}">
-                <a14:hiddenLine xmlns:a14="http://schemas.microsoft.com/office/drawing/2010/main" xmlns:p14="http://schemas.microsoft.com/office/powerpoint/2010/main" xmlns="" w="9525">
+                <a14:hiddenLine xmlns="" xmlns:p14="http://schemas.microsoft.com/office/powerpoint/2010/main" xmlns:a14="http://schemas.microsoft.com/office/drawing/2010/main" w="9525">
                   <a:solidFill>
                     <a:srgbClr val="000000"/>
                   </a:solidFill>
@@ -23291,7 +23973,7 @@
             </a:ln>
             <a:extLst>
               <a:ext uri="{91240B29-F687-4f45-9708-019B960494DF}">
-                <a14:hiddenLine xmlns:a14="http://schemas.microsoft.com/office/drawing/2010/main" xmlns:p14="http://schemas.microsoft.com/office/powerpoint/2010/main" xmlns="" w="9525">
+                <a14:hiddenLine xmlns="" xmlns:p14="http://schemas.microsoft.com/office/powerpoint/2010/main" xmlns:a14="http://schemas.microsoft.com/office/drawing/2010/main" w="9525">
                   <a:solidFill>
                     <a:srgbClr val="000000"/>
                   </a:solidFill>
@@ -23393,7 +24075,7 @@
             </a:ln>
             <a:extLst>
               <a:ext uri="{91240B29-F687-4f45-9708-019B960494DF}">
-                <a14:hiddenLine xmlns:a14="http://schemas.microsoft.com/office/drawing/2010/main" xmlns:p14="http://schemas.microsoft.com/office/powerpoint/2010/main" xmlns="" w="9525">
+                <a14:hiddenLine xmlns="" xmlns:p14="http://schemas.microsoft.com/office/powerpoint/2010/main" xmlns:a14="http://schemas.microsoft.com/office/drawing/2010/main" w="9525">
                   <a:solidFill>
                     <a:srgbClr val="000000"/>
                   </a:solidFill>
@@ -23467,7 +24149,7 @@
             </a:ln>
             <a:extLst>
               <a:ext uri="{91240B29-F687-4f45-9708-019B960494DF}">
-                <a14:hiddenLine xmlns:a14="http://schemas.microsoft.com/office/drawing/2010/main" xmlns:p14="http://schemas.microsoft.com/office/powerpoint/2010/main" xmlns="" w="9525">
+                <a14:hiddenLine xmlns="" xmlns:p14="http://schemas.microsoft.com/office/powerpoint/2010/main" xmlns:a14="http://schemas.microsoft.com/office/drawing/2010/main" w="9525">
                   <a:solidFill>
                     <a:srgbClr val="000000"/>
                   </a:solidFill>
@@ -23569,7 +24251,7 @@
             </a:ln>
             <a:extLst>
               <a:ext uri="{91240B29-F687-4f45-9708-019B960494DF}">
-                <a14:hiddenLine xmlns:a14="http://schemas.microsoft.com/office/drawing/2010/main" xmlns:p14="http://schemas.microsoft.com/office/powerpoint/2010/main" xmlns="" w="9525">
+                <a14:hiddenLine xmlns="" xmlns:p14="http://schemas.microsoft.com/office/powerpoint/2010/main" xmlns:a14="http://schemas.microsoft.com/office/drawing/2010/main" w="9525">
                   <a:solidFill>
                     <a:srgbClr val="000000"/>
                   </a:solidFill>
@@ -23646,7 +24328,7 @@
             </a:ln>
             <a:extLst>
               <a:ext uri="{91240B29-F687-4f45-9708-019B960494DF}">
-                <a14:hiddenLine xmlns:a14="http://schemas.microsoft.com/office/drawing/2010/main" xmlns:p14="http://schemas.microsoft.com/office/powerpoint/2010/main" xmlns="" w="9525">
+                <a14:hiddenLine xmlns="" xmlns:p14="http://schemas.microsoft.com/office/powerpoint/2010/main" xmlns:a14="http://schemas.microsoft.com/office/drawing/2010/main" w="9525">
                   <a:solidFill>
                     <a:srgbClr val="000000"/>
                   </a:solidFill>
@@ -23720,7 +24402,7 @@
             </a:ln>
             <a:extLst>
               <a:ext uri="{91240B29-F687-4f45-9708-019B960494DF}">
-                <a14:hiddenLine xmlns:a14="http://schemas.microsoft.com/office/drawing/2010/main" xmlns:p14="http://schemas.microsoft.com/office/powerpoint/2010/main" xmlns="" w="9525">
+                <a14:hiddenLine xmlns="" xmlns:p14="http://schemas.microsoft.com/office/powerpoint/2010/main" xmlns:a14="http://schemas.microsoft.com/office/drawing/2010/main" w="9525">
                   <a:solidFill>
                     <a:srgbClr val="000000"/>
                   </a:solidFill>
@@ -23822,7 +24504,7 @@
             </a:ln>
             <a:extLst>
               <a:ext uri="{91240B29-F687-4f45-9708-019B960494DF}">
-                <a14:hiddenLine xmlns:a14="http://schemas.microsoft.com/office/drawing/2010/main" xmlns:p14="http://schemas.microsoft.com/office/powerpoint/2010/main" xmlns="" w="9525">
+                <a14:hiddenLine xmlns="" xmlns:p14="http://schemas.microsoft.com/office/powerpoint/2010/main" xmlns:a14="http://schemas.microsoft.com/office/drawing/2010/main" w="9525">
                   <a:solidFill>
                     <a:srgbClr val="000000"/>
                   </a:solidFill>
@@ -23924,7 +24606,7 @@
             </a:ln>
             <a:extLst>
               <a:ext uri="{91240B29-F687-4f45-9708-019B960494DF}">
-                <a14:hiddenLine xmlns:a14="http://schemas.microsoft.com/office/drawing/2010/main" xmlns:p14="http://schemas.microsoft.com/office/powerpoint/2010/main" xmlns="" w="9525">
+                <a14:hiddenLine xmlns="" xmlns:p14="http://schemas.microsoft.com/office/powerpoint/2010/main" xmlns:a14="http://schemas.microsoft.com/office/drawing/2010/main" w="9525">
                   <a:solidFill>
                     <a:srgbClr val="000000"/>
                   </a:solidFill>
@@ -24001,7 +24683,7 @@
             </a:ln>
             <a:extLst>
               <a:ext uri="{91240B29-F687-4f45-9708-019B960494DF}">
-                <a14:hiddenLine xmlns:a14="http://schemas.microsoft.com/office/drawing/2010/main" xmlns:p14="http://schemas.microsoft.com/office/powerpoint/2010/main" xmlns="" w="9525">
+                <a14:hiddenLine xmlns="" xmlns:p14="http://schemas.microsoft.com/office/powerpoint/2010/main" xmlns:a14="http://schemas.microsoft.com/office/drawing/2010/main" w="9525">
                   <a:solidFill>
                     <a:srgbClr val="000000"/>
                   </a:solidFill>
@@ -24133,7 +24815,7 @@
             </a:ln>
             <a:extLst>
               <a:ext uri="{91240B29-F687-4f45-9708-019B960494DF}">
-                <a14:hiddenLine xmlns:a14="http://schemas.microsoft.com/office/drawing/2010/main" xmlns:p14="http://schemas.microsoft.com/office/powerpoint/2010/main" xmlns="" w="9525">
+                <a14:hiddenLine xmlns="" xmlns:p14="http://schemas.microsoft.com/office/powerpoint/2010/main" xmlns:a14="http://schemas.microsoft.com/office/drawing/2010/main" w="9525">
                   <a:solidFill>
                     <a:srgbClr val="000000"/>
                   </a:solidFill>

--- a/Présentation projet.pptx
+++ b/Présentation projet.pptx
@@ -181,7 +181,7 @@
           <a:noFill/>
           <a:extLst>
             <a:ext uri="{909E8E84-426E-40dd-AFC4-6F175D3DCCD1}">
-              <a14:hiddenFill xmlns="" xmlns:a14="http://schemas.microsoft.com/office/drawing/2010/main">
+              <a14:hiddenFill xmlns:a14="http://schemas.microsoft.com/office/drawing/2010/main" xmlns="">
                 <a:solidFill>
                   <a:srgbClr val="FFFFFF"/>
                 </a:solidFill>
@@ -241,7 +241,7 @@
             </a:ln>
             <a:extLst>
               <a:ext uri="{91240B29-F687-4f45-9708-019B960494DF}">
-                <a14:hiddenLine xmlns="" xmlns:a14="http://schemas.microsoft.com/office/drawing/2010/main" w="9525">
+                <a14:hiddenLine xmlns:a14="http://schemas.microsoft.com/office/drawing/2010/main" xmlns="" w="9525">
                   <a:solidFill>
                     <a:srgbClr val="000000"/>
                   </a:solidFill>
@@ -331,7 +331,7 @@
             </a:ln>
             <a:extLst>
               <a:ext uri="{91240B29-F687-4f45-9708-019B960494DF}">
-                <a14:hiddenLine xmlns="" xmlns:a14="http://schemas.microsoft.com/office/drawing/2010/main" w="9525">
+                <a14:hiddenLine xmlns:a14="http://schemas.microsoft.com/office/drawing/2010/main" xmlns="" w="9525">
                   <a:solidFill>
                     <a:srgbClr val="000000"/>
                   </a:solidFill>
@@ -421,7 +421,7 @@
             </a:ln>
             <a:extLst>
               <a:ext uri="{91240B29-F687-4f45-9708-019B960494DF}">
-                <a14:hiddenLine xmlns="" xmlns:a14="http://schemas.microsoft.com/office/drawing/2010/main" w="9525">
+                <a14:hiddenLine xmlns:a14="http://schemas.microsoft.com/office/drawing/2010/main" xmlns="" w="9525">
                   <a:solidFill>
                     <a:srgbClr val="000000"/>
                   </a:solidFill>
@@ -455,7 +455,7 @@
             </a:ln>
             <a:extLst>
               <a:ext uri="{91240B29-F687-4f45-9708-019B960494DF}">
-                <a14:hiddenLine xmlns="" xmlns:a14="http://schemas.microsoft.com/office/drawing/2010/main" w="9525">
+                <a14:hiddenLine xmlns:a14="http://schemas.microsoft.com/office/drawing/2010/main" xmlns="" w="9525">
                   <a:solidFill>
                     <a:srgbClr val="000000"/>
                   </a:solidFill>
@@ -545,7 +545,7 @@
             </a:ln>
             <a:extLst>
               <a:ext uri="{91240B29-F687-4f45-9708-019B960494DF}">
-                <a14:hiddenLine xmlns="" xmlns:a14="http://schemas.microsoft.com/office/drawing/2010/main" w="9525">
+                <a14:hiddenLine xmlns:a14="http://schemas.microsoft.com/office/drawing/2010/main" xmlns="" w="9525">
                   <a:solidFill>
                     <a:srgbClr val="000000"/>
                   </a:solidFill>
@@ -607,7 +607,7 @@
             </a:ln>
             <a:extLst>
               <a:ext uri="{91240B29-F687-4f45-9708-019B960494DF}">
-                <a14:hiddenLine xmlns="" xmlns:a14="http://schemas.microsoft.com/office/drawing/2010/main" w="9525">
+                <a14:hiddenLine xmlns:a14="http://schemas.microsoft.com/office/drawing/2010/main" xmlns="" w="9525">
                   <a:solidFill>
                     <a:srgbClr val="000000"/>
                   </a:solidFill>
@@ -669,7 +669,7 @@
             </a:ln>
             <a:extLst>
               <a:ext uri="{91240B29-F687-4f45-9708-019B960494DF}">
-                <a14:hiddenLine xmlns="" xmlns:a14="http://schemas.microsoft.com/office/drawing/2010/main" w="9525">
+                <a14:hiddenLine xmlns:a14="http://schemas.microsoft.com/office/drawing/2010/main" xmlns="" w="9525">
                   <a:solidFill>
                     <a:srgbClr val="000000"/>
                   </a:solidFill>
@@ -759,7 +759,7 @@
             </a:ln>
             <a:extLst>
               <a:ext uri="{91240B29-F687-4f45-9708-019B960494DF}">
-                <a14:hiddenLine xmlns="" xmlns:a14="http://schemas.microsoft.com/office/drawing/2010/main" w="9525">
+                <a14:hiddenLine xmlns:a14="http://schemas.microsoft.com/office/drawing/2010/main" xmlns="" w="9525">
                   <a:solidFill>
                     <a:srgbClr val="000000"/>
                   </a:solidFill>
@@ -821,7 +821,7 @@
             </a:ln>
             <a:extLst>
               <a:ext uri="{91240B29-F687-4f45-9708-019B960494DF}">
-                <a14:hiddenLine xmlns="" xmlns:a14="http://schemas.microsoft.com/office/drawing/2010/main" w="9525">
+                <a14:hiddenLine xmlns:a14="http://schemas.microsoft.com/office/drawing/2010/main" xmlns="" w="9525">
                   <a:solidFill>
                     <a:srgbClr val="000000"/>
                   </a:solidFill>
@@ -883,7 +883,7 @@
             </a:ln>
             <a:extLst>
               <a:ext uri="{91240B29-F687-4f45-9708-019B960494DF}">
-                <a14:hiddenLine xmlns="" xmlns:a14="http://schemas.microsoft.com/office/drawing/2010/main" w="9525">
+                <a14:hiddenLine xmlns:a14="http://schemas.microsoft.com/office/drawing/2010/main" xmlns="" w="9525">
                   <a:solidFill>
                     <a:srgbClr val="000000"/>
                   </a:solidFill>
@@ -973,7 +973,7 @@
             </a:ln>
             <a:extLst>
               <a:ext uri="{91240B29-F687-4f45-9708-019B960494DF}">
-                <a14:hiddenLine xmlns="" xmlns:a14="http://schemas.microsoft.com/office/drawing/2010/main" w="9525">
+                <a14:hiddenLine xmlns:a14="http://schemas.microsoft.com/office/drawing/2010/main" xmlns="" w="9525">
                   <a:solidFill>
                     <a:srgbClr val="000000"/>
                   </a:solidFill>
@@ -1063,7 +1063,7 @@
             </a:ln>
             <a:extLst>
               <a:ext uri="{91240B29-F687-4f45-9708-019B960494DF}">
-                <a14:hiddenLine xmlns="" xmlns:a14="http://schemas.microsoft.com/office/drawing/2010/main" w="9525">
+                <a14:hiddenLine xmlns:a14="http://schemas.microsoft.com/office/drawing/2010/main" xmlns="" w="9525">
                   <a:solidFill>
                     <a:srgbClr val="000000"/>
                   </a:solidFill>
@@ -1125,7 +1125,7 @@
             </a:ln>
             <a:extLst>
               <a:ext uri="{91240B29-F687-4f45-9708-019B960494DF}">
-                <a14:hiddenLine xmlns="" xmlns:a14="http://schemas.microsoft.com/office/drawing/2010/main" w="9525">
+                <a14:hiddenLine xmlns:a14="http://schemas.microsoft.com/office/drawing/2010/main" xmlns="" w="9525">
                   <a:solidFill>
                     <a:srgbClr val="000000"/>
                   </a:solidFill>
@@ -1235,7 +1235,7 @@
             </a:ln>
             <a:extLst>
               <a:ext uri="{91240B29-F687-4f45-9708-019B960494DF}">
-                <a14:hiddenLine xmlns="" xmlns:a14="http://schemas.microsoft.com/office/drawing/2010/main" w="9525">
+                <a14:hiddenLine xmlns:a14="http://schemas.microsoft.com/office/drawing/2010/main" xmlns="" w="9525">
                   <a:solidFill>
                     <a:srgbClr val="000000"/>
                   </a:solidFill>
@@ -1297,7 +1297,7 @@
             </a:ln>
             <a:extLst>
               <a:ext uri="{91240B29-F687-4f45-9708-019B960494DF}">
-                <a14:hiddenLine xmlns="" xmlns:a14="http://schemas.microsoft.com/office/drawing/2010/main" w="9525">
+                <a14:hiddenLine xmlns:a14="http://schemas.microsoft.com/office/drawing/2010/main" xmlns="" w="9525">
                   <a:solidFill>
                     <a:srgbClr val="000000"/>
                   </a:solidFill>
@@ -1387,7 +1387,7 @@
             </a:ln>
             <a:extLst>
               <a:ext uri="{91240B29-F687-4f45-9708-019B960494DF}">
-                <a14:hiddenLine xmlns="" xmlns:a14="http://schemas.microsoft.com/office/drawing/2010/main" w="9525">
+                <a14:hiddenLine xmlns:a14="http://schemas.microsoft.com/office/drawing/2010/main" xmlns="" w="9525">
                   <a:solidFill>
                     <a:srgbClr val="000000"/>
                   </a:solidFill>
@@ -1477,7 +1477,7 @@
             </a:ln>
             <a:extLst>
               <a:ext uri="{91240B29-F687-4f45-9708-019B960494DF}">
-                <a14:hiddenLine xmlns="" xmlns:a14="http://schemas.microsoft.com/office/drawing/2010/main" w="9525">
+                <a14:hiddenLine xmlns:a14="http://schemas.microsoft.com/office/drawing/2010/main" xmlns="" w="9525">
                   <a:solidFill>
                     <a:srgbClr val="000000"/>
                   </a:solidFill>
@@ -1539,7 +1539,7 @@
             </a:ln>
             <a:extLst>
               <a:ext uri="{91240B29-F687-4f45-9708-019B960494DF}">
-                <a14:hiddenLine xmlns="" xmlns:a14="http://schemas.microsoft.com/office/drawing/2010/main" w="9525">
+                <a14:hiddenLine xmlns:a14="http://schemas.microsoft.com/office/drawing/2010/main" xmlns="" w="9525">
                   <a:solidFill>
                     <a:srgbClr val="000000"/>
                   </a:solidFill>
@@ -1629,7 +1629,7 @@
             </a:ln>
             <a:extLst>
               <a:ext uri="{91240B29-F687-4f45-9708-019B960494DF}">
-                <a14:hiddenLine xmlns="" xmlns:a14="http://schemas.microsoft.com/office/drawing/2010/main" w="9525">
+                <a14:hiddenLine xmlns:a14="http://schemas.microsoft.com/office/drawing/2010/main" xmlns="" w="9525">
                   <a:solidFill>
                     <a:srgbClr val="000000"/>
                   </a:solidFill>
@@ -1719,7 +1719,7 @@
             </a:ln>
             <a:extLst>
               <a:ext uri="{91240B29-F687-4f45-9708-019B960494DF}">
-                <a14:hiddenLine xmlns="" xmlns:a14="http://schemas.microsoft.com/office/drawing/2010/main" w="9525">
+                <a14:hiddenLine xmlns:a14="http://schemas.microsoft.com/office/drawing/2010/main" xmlns="" w="9525">
                   <a:solidFill>
                     <a:srgbClr val="000000"/>
                   </a:solidFill>
@@ -1775,7 +1775,7 @@
             </a:ln>
             <a:extLst>
               <a:ext uri="{91240B29-F687-4f45-9708-019B960494DF}">
-                <a14:hiddenLine xmlns="" xmlns:a14="http://schemas.microsoft.com/office/drawing/2010/main" w="9525">
+                <a14:hiddenLine xmlns:a14="http://schemas.microsoft.com/office/drawing/2010/main" xmlns="" w="9525">
                   <a:solidFill>
                     <a:srgbClr val="000000"/>
                   </a:solidFill>
@@ -1865,7 +1865,7 @@
             </a:ln>
             <a:extLst>
               <a:ext uri="{91240B29-F687-4f45-9708-019B960494DF}">
-                <a14:hiddenLine xmlns="" xmlns:a14="http://schemas.microsoft.com/office/drawing/2010/main" w="9525">
+                <a14:hiddenLine xmlns:a14="http://schemas.microsoft.com/office/drawing/2010/main" xmlns="" w="9525">
                   <a:solidFill>
                     <a:srgbClr val="000000"/>
                   </a:solidFill>
@@ -1921,7 +1921,7 @@
             </a:ln>
             <a:extLst>
               <a:ext uri="{91240B29-F687-4f45-9708-019B960494DF}">
-                <a14:hiddenLine xmlns="" xmlns:a14="http://schemas.microsoft.com/office/drawing/2010/main" w="9525">
+                <a14:hiddenLine xmlns:a14="http://schemas.microsoft.com/office/drawing/2010/main" xmlns="" w="9525">
                   <a:solidFill>
                     <a:srgbClr val="000000"/>
                   </a:solidFill>
@@ -2011,7 +2011,7 @@
             </a:ln>
             <a:extLst>
               <a:ext uri="{91240B29-F687-4f45-9708-019B960494DF}">
-                <a14:hiddenLine xmlns="" xmlns:a14="http://schemas.microsoft.com/office/drawing/2010/main" w="9525">
+                <a14:hiddenLine xmlns:a14="http://schemas.microsoft.com/office/drawing/2010/main" xmlns="" w="9525">
                   <a:solidFill>
                     <a:srgbClr val="000000"/>
                   </a:solidFill>
@@ -2079,7 +2079,7 @@
             </a:ln>
             <a:extLst>
               <a:ext uri="{91240B29-F687-4f45-9708-019B960494DF}">
-                <a14:hiddenLine xmlns="" xmlns:a14="http://schemas.microsoft.com/office/drawing/2010/main" w="9525">
+                <a14:hiddenLine xmlns:a14="http://schemas.microsoft.com/office/drawing/2010/main" xmlns="" w="9525">
                   <a:solidFill>
                     <a:srgbClr val="000000"/>
                   </a:solidFill>
@@ -2169,7 +2169,7 @@
             </a:ln>
             <a:extLst>
               <a:ext uri="{91240B29-F687-4f45-9708-019B960494DF}">
-                <a14:hiddenLine xmlns="" xmlns:a14="http://schemas.microsoft.com/office/drawing/2010/main" w="9525">
+                <a14:hiddenLine xmlns:a14="http://schemas.microsoft.com/office/drawing/2010/main" xmlns="" w="9525">
                   <a:solidFill>
                     <a:srgbClr val="000000"/>
                   </a:solidFill>
@@ -2237,7 +2237,7 @@
             </a:ln>
             <a:extLst>
               <a:ext uri="{91240B29-F687-4f45-9708-019B960494DF}">
-                <a14:hiddenLine xmlns="" xmlns:a14="http://schemas.microsoft.com/office/drawing/2010/main" w="9525">
+                <a14:hiddenLine xmlns:a14="http://schemas.microsoft.com/office/drawing/2010/main" xmlns="" w="9525">
                   <a:solidFill>
                     <a:srgbClr val="000000"/>
                   </a:solidFill>
@@ -2327,7 +2327,7 @@
             </a:ln>
             <a:extLst>
               <a:ext uri="{91240B29-F687-4f45-9708-019B960494DF}">
-                <a14:hiddenLine xmlns="" xmlns:a14="http://schemas.microsoft.com/office/drawing/2010/main" w="9525">
+                <a14:hiddenLine xmlns:a14="http://schemas.microsoft.com/office/drawing/2010/main" xmlns="" w="9525">
                   <a:solidFill>
                     <a:srgbClr val="000000"/>
                   </a:solidFill>
@@ -2361,7 +2361,7 @@
             </a:ln>
             <a:extLst>
               <a:ext uri="{91240B29-F687-4f45-9708-019B960494DF}">
-                <a14:hiddenLine xmlns="" xmlns:a14="http://schemas.microsoft.com/office/drawing/2010/main" w="9525">
+                <a14:hiddenLine xmlns:a14="http://schemas.microsoft.com/office/drawing/2010/main" xmlns="" w="9525">
                   <a:solidFill>
                     <a:srgbClr val="000000"/>
                   </a:solidFill>
@@ -2451,7 +2451,7 @@
             </a:ln>
             <a:extLst>
               <a:ext uri="{91240B29-F687-4f45-9708-019B960494DF}">
-                <a14:hiddenLine xmlns="" xmlns:a14="http://schemas.microsoft.com/office/drawing/2010/main" w="9525">
+                <a14:hiddenLine xmlns:a14="http://schemas.microsoft.com/office/drawing/2010/main" xmlns="" w="9525">
                   <a:solidFill>
                     <a:srgbClr val="000000"/>
                   </a:solidFill>
@@ -2513,7 +2513,7 @@
             </a:ln>
             <a:extLst>
               <a:ext uri="{91240B29-F687-4f45-9708-019B960494DF}">
-                <a14:hiddenLine xmlns="" xmlns:a14="http://schemas.microsoft.com/office/drawing/2010/main" w="9525">
+                <a14:hiddenLine xmlns:a14="http://schemas.microsoft.com/office/drawing/2010/main" xmlns="" w="9525">
                   <a:solidFill>
                     <a:srgbClr val="000000"/>
                   </a:solidFill>
@@ -2575,7 +2575,7 @@
             </a:ln>
             <a:extLst>
               <a:ext uri="{91240B29-F687-4f45-9708-019B960494DF}">
-                <a14:hiddenLine xmlns="" xmlns:a14="http://schemas.microsoft.com/office/drawing/2010/main" w="9525">
+                <a14:hiddenLine xmlns:a14="http://schemas.microsoft.com/office/drawing/2010/main" xmlns="" w="9525">
                   <a:solidFill>
                     <a:srgbClr val="000000"/>
                   </a:solidFill>
@@ -2665,7 +2665,7 @@
             </a:ln>
             <a:extLst>
               <a:ext uri="{91240B29-F687-4f45-9708-019B960494DF}">
-                <a14:hiddenLine xmlns="" xmlns:a14="http://schemas.microsoft.com/office/drawing/2010/main" w="9525">
+                <a14:hiddenLine xmlns:a14="http://schemas.microsoft.com/office/drawing/2010/main" xmlns="" w="9525">
                   <a:solidFill>
                     <a:srgbClr val="000000"/>
                   </a:solidFill>
@@ -2733,7 +2733,7 @@
             </a:ln>
             <a:extLst>
               <a:ext uri="{91240B29-F687-4f45-9708-019B960494DF}">
-                <a14:hiddenLine xmlns="" xmlns:a14="http://schemas.microsoft.com/office/drawing/2010/main" w="9525">
+                <a14:hiddenLine xmlns:a14="http://schemas.microsoft.com/office/drawing/2010/main" xmlns="" w="9525">
                   <a:solidFill>
                     <a:srgbClr val="000000"/>
                   </a:solidFill>
@@ -2795,7 +2795,7 @@
             </a:ln>
             <a:extLst>
               <a:ext uri="{91240B29-F687-4f45-9708-019B960494DF}">
-                <a14:hiddenLine xmlns="" xmlns:a14="http://schemas.microsoft.com/office/drawing/2010/main" w="9525">
+                <a14:hiddenLine xmlns:a14="http://schemas.microsoft.com/office/drawing/2010/main" xmlns="" w="9525">
                   <a:solidFill>
                     <a:srgbClr val="000000"/>
                   </a:solidFill>
@@ -2885,7 +2885,7 @@
             </a:ln>
             <a:extLst>
               <a:ext uri="{91240B29-F687-4f45-9708-019B960494DF}">
-                <a14:hiddenLine xmlns="" xmlns:a14="http://schemas.microsoft.com/office/drawing/2010/main" w="9525">
+                <a14:hiddenLine xmlns:a14="http://schemas.microsoft.com/office/drawing/2010/main" xmlns="" w="9525">
                   <a:solidFill>
                     <a:srgbClr val="000000"/>
                   </a:solidFill>
@@ -2947,7 +2947,7 @@
             </a:ln>
             <a:extLst>
               <a:ext uri="{91240B29-F687-4f45-9708-019B960494DF}">
-                <a14:hiddenLine xmlns="" xmlns:a14="http://schemas.microsoft.com/office/drawing/2010/main" w="9525">
+                <a14:hiddenLine xmlns:a14="http://schemas.microsoft.com/office/drawing/2010/main" xmlns="" w="9525">
                   <a:solidFill>
                     <a:srgbClr val="000000"/>
                   </a:solidFill>
@@ -3037,7 +3037,7 @@
             </a:ln>
             <a:extLst>
               <a:ext uri="{91240B29-F687-4f45-9708-019B960494DF}">
-                <a14:hiddenLine xmlns="" xmlns:a14="http://schemas.microsoft.com/office/drawing/2010/main" w="9525">
+                <a14:hiddenLine xmlns:a14="http://schemas.microsoft.com/office/drawing/2010/main" xmlns="" w="9525">
                   <a:solidFill>
                     <a:srgbClr val="000000"/>
                   </a:solidFill>
@@ -3099,7 +3099,7 @@
             </a:ln>
             <a:extLst>
               <a:ext uri="{91240B29-F687-4f45-9708-019B960494DF}">
-                <a14:hiddenLine xmlns="" xmlns:a14="http://schemas.microsoft.com/office/drawing/2010/main" w="9525">
+                <a14:hiddenLine xmlns:a14="http://schemas.microsoft.com/office/drawing/2010/main" xmlns="" w="9525">
                   <a:solidFill>
                     <a:srgbClr val="000000"/>
                   </a:solidFill>
@@ -3189,7 +3189,7 @@
             </a:ln>
             <a:extLst>
               <a:ext uri="{91240B29-F687-4f45-9708-019B960494DF}">
-                <a14:hiddenLine xmlns="" xmlns:a14="http://schemas.microsoft.com/office/drawing/2010/main" w="9525">
+                <a14:hiddenLine xmlns:a14="http://schemas.microsoft.com/office/drawing/2010/main" xmlns="" w="9525">
                   <a:solidFill>
                     <a:srgbClr val="000000"/>
                   </a:solidFill>
@@ -3223,7 +3223,7 @@
             </a:ln>
             <a:extLst>
               <a:ext uri="{91240B29-F687-4f45-9708-019B960494DF}">
-                <a14:hiddenLine xmlns="" xmlns:a14="http://schemas.microsoft.com/office/drawing/2010/main" w="9525">
+                <a14:hiddenLine xmlns:a14="http://schemas.microsoft.com/office/drawing/2010/main" xmlns="" w="9525">
                   <a:solidFill>
                     <a:srgbClr val="000000"/>
                   </a:solidFill>
@@ -3288,7 +3288,7 @@
             </a:ln>
             <a:extLst>
               <a:ext uri="{91240B29-F687-4f45-9708-019B960494DF}">
-                <a14:hiddenLine xmlns="" xmlns:a14="http://schemas.microsoft.com/office/drawing/2010/main" w="9525">
+                <a14:hiddenLine xmlns:a14="http://schemas.microsoft.com/office/drawing/2010/main" xmlns="" w="9525">
                   <a:solidFill>
                     <a:srgbClr val="000000"/>
                   </a:solidFill>
@@ -3378,7 +3378,7 @@
             </a:ln>
             <a:extLst>
               <a:ext uri="{91240B29-F687-4f45-9708-019B960494DF}">
-                <a14:hiddenLine xmlns="" xmlns:a14="http://schemas.microsoft.com/office/drawing/2010/main" w="9525">
+                <a14:hiddenLine xmlns:a14="http://schemas.microsoft.com/office/drawing/2010/main" xmlns="" w="9525">
                   <a:solidFill>
                     <a:srgbClr val="000000"/>
                   </a:solidFill>
@@ -3440,7 +3440,7 @@
             </a:ln>
             <a:extLst>
               <a:ext uri="{91240B29-F687-4f45-9708-019B960494DF}">
-                <a14:hiddenLine xmlns="" xmlns:a14="http://schemas.microsoft.com/office/drawing/2010/main" w="9525">
+                <a14:hiddenLine xmlns:a14="http://schemas.microsoft.com/office/drawing/2010/main" xmlns="" w="9525">
                   <a:solidFill>
                     <a:srgbClr val="000000"/>
                   </a:solidFill>
@@ -3530,7 +3530,7 @@
             </a:ln>
             <a:extLst>
               <a:ext uri="{91240B29-F687-4f45-9708-019B960494DF}">
-                <a14:hiddenLine xmlns="" xmlns:a14="http://schemas.microsoft.com/office/drawing/2010/main" w="9525">
+                <a14:hiddenLine xmlns:a14="http://schemas.microsoft.com/office/drawing/2010/main" xmlns="" w="9525">
                   <a:solidFill>
                     <a:srgbClr val="000000"/>
                   </a:solidFill>
@@ -3620,7 +3620,7 @@
             </a:ln>
             <a:extLst>
               <a:ext uri="{91240B29-F687-4f45-9708-019B960494DF}">
-                <a14:hiddenLine xmlns="" xmlns:a14="http://schemas.microsoft.com/office/drawing/2010/main" w="9525">
+                <a14:hiddenLine xmlns:a14="http://schemas.microsoft.com/office/drawing/2010/main" xmlns="" w="9525">
                   <a:solidFill>
                     <a:srgbClr val="000000"/>
                   </a:solidFill>
@@ -3685,7 +3685,7 @@
             </a:ln>
             <a:extLst>
               <a:ext uri="{91240B29-F687-4f45-9708-019B960494DF}">
-                <a14:hiddenLine xmlns="" xmlns:a14="http://schemas.microsoft.com/office/drawing/2010/main" w="9525">
+                <a14:hiddenLine xmlns:a14="http://schemas.microsoft.com/office/drawing/2010/main" xmlns="" w="9525">
                   <a:solidFill>
                     <a:srgbClr val="000000"/>
                   </a:solidFill>
@@ -3747,7 +3747,7 @@
             </a:ln>
             <a:extLst>
               <a:ext uri="{91240B29-F687-4f45-9708-019B960494DF}">
-                <a14:hiddenLine xmlns="" xmlns:a14="http://schemas.microsoft.com/office/drawing/2010/main" w="9525">
+                <a14:hiddenLine xmlns:a14="http://schemas.microsoft.com/office/drawing/2010/main" xmlns="" w="9525">
                   <a:solidFill>
                     <a:srgbClr val="000000"/>
                   </a:solidFill>
@@ -3837,7 +3837,7 @@
             </a:ln>
             <a:extLst>
               <a:ext uri="{91240B29-F687-4f45-9708-019B960494DF}">
-                <a14:hiddenLine xmlns="" xmlns:a14="http://schemas.microsoft.com/office/drawing/2010/main" w="9525">
+                <a14:hiddenLine xmlns:a14="http://schemas.microsoft.com/office/drawing/2010/main" xmlns="" w="9525">
                   <a:solidFill>
                     <a:srgbClr val="000000"/>
                   </a:solidFill>
@@ -3927,7 +3927,7 @@
             </a:ln>
             <a:extLst>
               <a:ext uri="{91240B29-F687-4f45-9708-019B960494DF}">
-                <a14:hiddenLine xmlns="" xmlns:a14="http://schemas.microsoft.com/office/drawing/2010/main" w="9525">
+                <a14:hiddenLine xmlns:a14="http://schemas.microsoft.com/office/drawing/2010/main" xmlns="" w="9525">
                   <a:solidFill>
                     <a:srgbClr val="000000"/>
                   </a:solidFill>
@@ -3989,7 +3989,7 @@
             </a:ln>
             <a:extLst>
               <a:ext uri="{91240B29-F687-4f45-9708-019B960494DF}">
-                <a14:hiddenLine xmlns="" xmlns:a14="http://schemas.microsoft.com/office/drawing/2010/main" w="9525">
+                <a14:hiddenLine xmlns:a14="http://schemas.microsoft.com/office/drawing/2010/main" xmlns="" w="9525">
                   <a:solidFill>
                     <a:srgbClr val="000000"/>
                   </a:solidFill>
@@ -4109,7 +4109,7 @@
             </a:ln>
             <a:extLst>
               <a:ext uri="{91240B29-F687-4f45-9708-019B960494DF}">
-                <a14:hiddenLine xmlns="" xmlns:a14="http://schemas.microsoft.com/office/drawing/2010/main" w="9525">
+                <a14:hiddenLine xmlns:a14="http://schemas.microsoft.com/office/drawing/2010/main" xmlns="" w="9525">
                   <a:solidFill>
                     <a:srgbClr val="000000"/>
                   </a:solidFill>
@@ -4177,7 +4177,7 @@
             </a:ln>
             <a:extLst>
               <a:ext uri="{91240B29-F687-4f45-9708-019B960494DF}">
-                <a14:hiddenLine xmlns="" xmlns:a14="http://schemas.microsoft.com/office/drawing/2010/main" w="9525">
+                <a14:hiddenLine xmlns:a14="http://schemas.microsoft.com/office/drawing/2010/main" xmlns="" w="9525">
                   <a:solidFill>
                     <a:srgbClr val="000000"/>
                   </a:solidFill>
@@ -4267,7 +4267,7 @@
             </a:ln>
             <a:extLst>
               <a:ext uri="{91240B29-F687-4f45-9708-019B960494DF}">
-                <a14:hiddenLine xmlns="" xmlns:a14="http://schemas.microsoft.com/office/drawing/2010/main" w="9525">
+                <a14:hiddenLine xmlns:a14="http://schemas.microsoft.com/office/drawing/2010/main" xmlns="" w="9525">
                   <a:solidFill>
                     <a:srgbClr val="000000"/>
                   </a:solidFill>
@@ -8989,7 +8989,7 @@
           <a:noFill/>
           <a:extLst>
             <a:ext uri="{909E8E84-426E-40dd-AFC4-6F175D3DCCD1}">
-              <a14:hiddenFill xmlns="" xmlns:a14="http://schemas.microsoft.com/office/drawing/2010/main">
+              <a14:hiddenFill xmlns:a14="http://schemas.microsoft.com/office/drawing/2010/main" xmlns="">
                 <a:solidFill>
                   <a:srgbClr val="FFFFFF"/>
                 </a:solidFill>
@@ -9063,7 +9063,7 @@
               </a:ln>
               <a:extLst>
                 <a:ext uri="{91240B29-F687-4f45-9708-019B960494DF}">
-                  <a14:hiddenLine xmlns="" xmlns:a14="http://schemas.microsoft.com/office/drawing/2010/main" w="9525">
+                  <a14:hiddenLine xmlns:a14="http://schemas.microsoft.com/office/drawing/2010/main" xmlns="" w="9525">
                     <a:solidFill>
                       <a:srgbClr val="000000"/>
                     </a:solidFill>
@@ -9153,7 +9153,7 @@
               </a:ln>
               <a:extLst>
                 <a:ext uri="{91240B29-F687-4f45-9708-019B960494DF}">
-                  <a14:hiddenLine xmlns="" xmlns:a14="http://schemas.microsoft.com/office/drawing/2010/main" w="9525">
+                  <a14:hiddenLine xmlns:a14="http://schemas.microsoft.com/office/drawing/2010/main" xmlns="" w="9525">
                     <a:solidFill>
                       <a:srgbClr val="000000"/>
                     </a:solidFill>
@@ -9243,7 +9243,7 @@
               </a:ln>
               <a:extLst>
                 <a:ext uri="{91240B29-F687-4f45-9708-019B960494DF}">
-                  <a14:hiddenLine xmlns="" xmlns:a14="http://schemas.microsoft.com/office/drawing/2010/main" w="9525">
+                  <a14:hiddenLine xmlns:a14="http://schemas.microsoft.com/office/drawing/2010/main" xmlns="" w="9525">
                     <a:solidFill>
                       <a:srgbClr val="000000"/>
                     </a:solidFill>
@@ -9305,7 +9305,7 @@
               </a:ln>
               <a:extLst>
                 <a:ext uri="{91240B29-F687-4f45-9708-019B960494DF}">
-                  <a14:hiddenLine xmlns="" xmlns:a14="http://schemas.microsoft.com/office/drawing/2010/main" w="9525">
+                  <a14:hiddenLine xmlns:a14="http://schemas.microsoft.com/office/drawing/2010/main" xmlns="" w="9525">
                     <a:solidFill>
                       <a:srgbClr val="000000"/>
                     </a:solidFill>
@@ -9395,7 +9395,7 @@
               </a:ln>
               <a:extLst>
                 <a:ext uri="{91240B29-F687-4f45-9708-019B960494DF}">
-                  <a14:hiddenLine xmlns="" xmlns:a14="http://schemas.microsoft.com/office/drawing/2010/main" w="9525">
+                  <a14:hiddenLine xmlns:a14="http://schemas.microsoft.com/office/drawing/2010/main" xmlns="" w="9525">
                     <a:solidFill>
                       <a:srgbClr val="000000"/>
                     </a:solidFill>
@@ -9457,7 +9457,7 @@
               </a:ln>
               <a:extLst>
                 <a:ext uri="{91240B29-F687-4f45-9708-019B960494DF}">
-                  <a14:hiddenLine xmlns="" xmlns:a14="http://schemas.microsoft.com/office/drawing/2010/main" w="9525">
+                  <a14:hiddenLine xmlns:a14="http://schemas.microsoft.com/office/drawing/2010/main" xmlns="" w="9525">
                     <a:solidFill>
                       <a:srgbClr val="000000"/>
                     </a:solidFill>
@@ -9519,7 +9519,7 @@
               </a:ln>
               <a:extLst>
                 <a:ext uri="{91240B29-F687-4f45-9708-019B960494DF}">
-                  <a14:hiddenLine xmlns="" xmlns:a14="http://schemas.microsoft.com/office/drawing/2010/main" w="9525">
+                  <a14:hiddenLine xmlns:a14="http://schemas.microsoft.com/office/drawing/2010/main" xmlns="" w="9525">
                     <a:solidFill>
                       <a:srgbClr val="000000"/>
                     </a:solidFill>
@@ -9609,7 +9609,7 @@
               </a:ln>
               <a:extLst>
                 <a:ext uri="{91240B29-F687-4f45-9708-019B960494DF}">
-                  <a14:hiddenLine xmlns="" xmlns:a14="http://schemas.microsoft.com/office/drawing/2010/main" w="9525">
+                  <a14:hiddenLine xmlns:a14="http://schemas.microsoft.com/office/drawing/2010/main" xmlns="" w="9525">
                     <a:solidFill>
                       <a:srgbClr val="000000"/>
                     </a:solidFill>
@@ -9699,7 +9699,7 @@
               </a:ln>
               <a:extLst>
                 <a:ext uri="{91240B29-F687-4f45-9708-019B960494DF}">
-                  <a14:hiddenLine xmlns="" xmlns:a14="http://schemas.microsoft.com/office/drawing/2010/main" w="9525">
+                  <a14:hiddenLine xmlns:a14="http://schemas.microsoft.com/office/drawing/2010/main" xmlns="" w="9525">
                     <a:solidFill>
                       <a:srgbClr val="000000"/>
                     </a:solidFill>
@@ -9761,7 +9761,7 @@
               </a:ln>
               <a:extLst>
                 <a:ext uri="{91240B29-F687-4f45-9708-019B960494DF}">
-                  <a14:hiddenLine xmlns="" xmlns:a14="http://schemas.microsoft.com/office/drawing/2010/main" w="9525">
+                  <a14:hiddenLine xmlns:a14="http://schemas.microsoft.com/office/drawing/2010/main" xmlns="" w="9525">
                     <a:solidFill>
                       <a:srgbClr val="000000"/>
                     </a:solidFill>
@@ -9871,7 +9871,7 @@
               </a:ln>
               <a:extLst>
                 <a:ext uri="{91240B29-F687-4f45-9708-019B960494DF}">
-                  <a14:hiddenLine xmlns="" xmlns:a14="http://schemas.microsoft.com/office/drawing/2010/main" w="9525">
+                  <a14:hiddenLine xmlns:a14="http://schemas.microsoft.com/office/drawing/2010/main" xmlns="" w="9525">
                     <a:solidFill>
                       <a:srgbClr val="000000"/>
                     </a:solidFill>
@@ -9955,7 +9955,7 @@
               </a:ln>
               <a:extLst>
                 <a:ext uri="{91240B29-F687-4f45-9708-019B960494DF}">
-                  <a14:hiddenLine xmlns="" xmlns:a14="http://schemas.microsoft.com/office/drawing/2010/main" w="9525">
+                  <a14:hiddenLine xmlns:a14="http://schemas.microsoft.com/office/drawing/2010/main" xmlns="" w="9525">
                     <a:solidFill>
                       <a:srgbClr val="000000"/>
                     </a:solidFill>
@@ -10017,7 +10017,7 @@
               </a:ln>
               <a:extLst>
                 <a:ext uri="{91240B29-F687-4f45-9708-019B960494DF}">
-                  <a14:hiddenLine xmlns="" xmlns:a14="http://schemas.microsoft.com/office/drawing/2010/main" w="9525">
+                  <a14:hiddenLine xmlns:a14="http://schemas.microsoft.com/office/drawing/2010/main" xmlns="" w="9525">
                     <a:solidFill>
                       <a:srgbClr val="000000"/>
                     </a:solidFill>
@@ -10079,7 +10079,7 @@
               </a:ln>
               <a:extLst>
                 <a:ext uri="{91240B29-F687-4f45-9708-019B960494DF}">
-                  <a14:hiddenLine xmlns="" xmlns:a14="http://schemas.microsoft.com/office/drawing/2010/main" w="9525">
+                  <a14:hiddenLine xmlns:a14="http://schemas.microsoft.com/office/drawing/2010/main" xmlns="" w="9525">
                     <a:solidFill>
                       <a:srgbClr val="000000"/>
                     </a:solidFill>
@@ -10169,7 +10169,7 @@
               </a:ln>
               <a:extLst>
                 <a:ext uri="{91240B29-F687-4f45-9708-019B960494DF}">
-                  <a14:hiddenLine xmlns="" xmlns:a14="http://schemas.microsoft.com/office/drawing/2010/main" w="9525">
+                  <a14:hiddenLine xmlns:a14="http://schemas.microsoft.com/office/drawing/2010/main" xmlns="" w="9525">
                     <a:solidFill>
                       <a:srgbClr val="000000"/>
                     </a:solidFill>
@@ -10203,7 +10203,7 @@
               </a:ln>
               <a:extLst>
                 <a:ext uri="{91240B29-F687-4f45-9708-019B960494DF}">
-                  <a14:hiddenLine xmlns="" xmlns:a14="http://schemas.microsoft.com/office/drawing/2010/main" w="9525">
+                  <a14:hiddenLine xmlns:a14="http://schemas.microsoft.com/office/drawing/2010/main" xmlns="" w="9525">
                     <a:solidFill>
                       <a:srgbClr val="000000"/>
                     </a:solidFill>
@@ -10268,7 +10268,7 @@
               </a:ln>
               <a:extLst>
                 <a:ext uri="{91240B29-F687-4f45-9708-019B960494DF}">
-                  <a14:hiddenLine xmlns="" xmlns:a14="http://schemas.microsoft.com/office/drawing/2010/main" w="9525">
+                  <a14:hiddenLine xmlns:a14="http://schemas.microsoft.com/office/drawing/2010/main" xmlns="" w="9525">
                     <a:solidFill>
                       <a:srgbClr val="000000"/>
                     </a:solidFill>
@@ -10358,7 +10358,7 @@
               </a:ln>
               <a:extLst>
                 <a:ext uri="{91240B29-F687-4f45-9708-019B960494DF}">
-                  <a14:hiddenLine xmlns="" xmlns:a14="http://schemas.microsoft.com/office/drawing/2010/main" w="9525">
+                  <a14:hiddenLine xmlns:a14="http://schemas.microsoft.com/office/drawing/2010/main" xmlns="" w="9525">
                     <a:solidFill>
                       <a:srgbClr val="000000"/>
                     </a:solidFill>
@@ -10420,7 +10420,7 @@
               </a:ln>
               <a:extLst>
                 <a:ext uri="{91240B29-F687-4f45-9708-019B960494DF}">
-                  <a14:hiddenLine xmlns="" xmlns:a14="http://schemas.microsoft.com/office/drawing/2010/main" w="9525">
+                  <a14:hiddenLine xmlns:a14="http://schemas.microsoft.com/office/drawing/2010/main" xmlns="" w="9525">
                     <a:solidFill>
                       <a:srgbClr val="000000"/>
                     </a:solidFill>
@@ -10510,7 +10510,7 @@
               </a:ln>
               <a:extLst>
                 <a:ext uri="{91240B29-F687-4f45-9708-019B960494DF}">
-                  <a14:hiddenLine xmlns="" xmlns:a14="http://schemas.microsoft.com/office/drawing/2010/main" w="9525">
+                  <a14:hiddenLine xmlns:a14="http://schemas.microsoft.com/office/drawing/2010/main" xmlns="" w="9525">
                     <a:solidFill>
                       <a:srgbClr val="000000"/>
                     </a:solidFill>
@@ -10575,7 +10575,7 @@
               </a:ln>
               <a:extLst>
                 <a:ext uri="{91240B29-F687-4f45-9708-019B960494DF}">
-                  <a14:hiddenLine xmlns="" xmlns:a14="http://schemas.microsoft.com/office/drawing/2010/main" w="9525">
+                  <a14:hiddenLine xmlns:a14="http://schemas.microsoft.com/office/drawing/2010/main" xmlns="" w="9525">
                     <a:solidFill>
                       <a:srgbClr val="000000"/>
                     </a:solidFill>
@@ -10637,7 +10637,7 @@
               </a:ln>
               <a:extLst>
                 <a:ext uri="{91240B29-F687-4f45-9708-019B960494DF}">
-                  <a14:hiddenLine xmlns="" xmlns:a14="http://schemas.microsoft.com/office/drawing/2010/main" w="9525">
+                  <a14:hiddenLine xmlns:a14="http://schemas.microsoft.com/office/drawing/2010/main" xmlns="" w="9525">
                     <a:solidFill>
                       <a:srgbClr val="000000"/>
                     </a:solidFill>
@@ -10727,7 +10727,7 @@
               </a:ln>
               <a:extLst>
                 <a:ext uri="{91240B29-F687-4f45-9708-019B960494DF}">
-                  <a14:hiddenLine xmlns="" xmlns:a14="http://schemas.microsoft.com/office/drawing/2010/main" w="9525">
+                  <a14:hiddenLine xmlns:a14="http://schemas.microsoft.com/office/drawing/2010/main" xmlns="" w="9525">
                     <a:solidFill>
                       <a:srgbClr val="000000"/>
                     </a:solidFill>
@@ -10817,7 +10817,7 @@
               </a:ln>
               <a:extLst>
                 <a:ext uri="{91240B29-F687-4f45-9708-019B960494DF}">
-                  <a14:hiddenLine xmlns="" xmlns:a14="http://schemas.microsoft.com/office/drawing/2010/main" w="9525">
+                  <a14:hiddenLine xmlns:a14="http://schemas.microsoft.com/office/drawing/2010/main" xmlns="" w="9525">
                     <a:solidFill>
                       <a:srgbClr val="000000"/>
                     </a:solidFill>
@@ -10882,7 +10882,7 @@
               </a:ln>
               <a:extLst>
                 <a:ext uri="{91240B29-F687-4f45-9708-019B960494DF}">
-                  <a14:hiddenLine xmlns="" xmlns:a14="http://schemas.microsoft.com/office/drawing/2010/main" w="9525">
+                  <a14:hiddenLine xmlns:a14="http://schemas.microsoft.com/office/drawing/2010/main" xmlns="" w="9525">
                     <a:solidFill>
                       <a:srgbClr val="000000"/>
                     </a:solidFill>
@@ -11002,7 +11002,7 @@
               </a:ln>
               <a:extLst>
                 <a:ext uri="{91240B29-F687-4f45-9708-019B960494DF}">
-                  <a14:hiddenLine xmlns="" xmlns:a14="http://schemas.microsoft.com/office/drawing/2010/main" w="9525">
+                  <a14:hiddenLine xmlns:a14="http://schemas.microsoft.com/office/drawing/2010/main" xmlns="" w="9525">
                     <a:solidFill>
                       <a:srgbClr val="000000"/>
                     </a:solidFill>
@@ -11100,7 +11100,7 @@
               </a:ln>
               <a:extLst>
                 <a:ext uri="{91240B29-F687-4f45-9708-019B960494DF}">
-                  <a14:hiddenLine xmlns="" xmlns:a14="http://schemas.microsoft.com/office/drawing/2010/main" w="9525">
+                  <a14:hiddenLine xmlns:a14="http://schemas.microsoft.com/office/drawing/2010/main" xmlns="" w="9525">
                     <a:solidFill>
                       <a:srgbClr val="000000"/>
                     </a:solidFill>
@@ -11215,7 +11215,7 @@
               </a:ln>
               <a:extLst>
                 <a:ext uri="{91240B29-F687-4f45-9708-019B960494DF}">
-                  <a14:hiddenLine xmlns="" xmlns:a14="http://schemas.microsoft.com/office/drawing/2010/main" w="9525">
+                  <a14:hiddenLine xmlns:a14="http://schemas.microsoft.com/office/drawing/2010/main" xmlns="" w="9525">
                     <a:solidFill>
                       <a:srgbClr val="000000"/>
                     </a:solidFill>
@@ -11305,7 +11305,7 @@
               </a:ln>
               <a:extLst>
                 <a:ext uri="{91240B29-F687-4f45-9708-019B960494DF}">
-                  <a14:hiddenLine xmlns="" xmlns:a14="http://schemas.microsoft.com/office/drawing/2010/main" w="9525">
+                  <a14:hiddenLine xmlns:a14="http://schemas.microsoft.com/office/drawing/2010/main" xmlns="" w="9525">
                     <a:solidFill>
                       <a:srgbClr val="000000"/>
                     </a:solidFill>
@@ -11370,7 +11370,7 @@
               </a:ln>
               <a:extLst>
                 <a:ext uri="{91240B29-F687-4f45-9708-019B960494DF}">
-                  <a14:hiddenLine xmlns="" xmlns:a14="http://schemas.microsoft.com/office/drawing/2010/main" w="9525">
+                  <a14:hiddenLine xmlns:a14="http://schemas.microsoft.com/office/drawing/2010/main" xmlns="" w="9525">
                     <a:solidFill>
                       <a:srgbClr val="000000"/>
                     </a:solidFill>
@@ -11460,7 +11460,7 @@
               </a:ln>
               <a:extLst>
                 <a:ext uri="{91240B29-F687-4f45-9708-019B960494DF}">
-                  <a14:hiddenLine xmlns="" xmlns:a14="http://schemas.microsoft.com/office/drawing/2010/main" w="9525">
+                  <a14:hiddenLine xmlns:a14="http://schemas.microsoft.com/office/drawing/2010/main" xmlns="" w="9525">
                     <a:solidFill>
                       <a:srgbClr val="000000"/>
                     </a:solidFill>
@@ -11528,7 +11528,7 @@
               </a:ln>
               <a:extLst>
                 <a:ext uri="{91240B29-F687-4f45-9708-019B960494DF}">
-                  <a14:hiddenLine xmlns="" xmlns:a14="http://schemas.microsoft.com/office/drawing/2010/main" w="9525">
+                  <a14:hiddenLine xmlns:a14="http://schemas.microsoft.com/office/drawing/2010/main" xmlns="" w="9525">
                     <a:solidFill>
                       <a:srgbClr val="000000"/>
                     </a:solidFill>
@@ -11618,7 +11618,7 @@
               </a:ln>
               <a:extLst>
                 <a:ext uri="{91240B29-F687-4f45-9708-019B960494DF}">
-                  <a14:hiddenLine xmlns="" xmlns:a14="http://schemas.microsoft.com/office/drawing/2010/main" w="9525">
+                  <a14:hiddenLine xmlns:a14="http://schemas.microsoft.com/office/drawing/2010/main" xmlns="" w="9525">
                     <a:solidFill>
                       <a:srgbClr val="000000"/>
                     </a:solidFill>
@@ -11686,7 +11686,7 @@
               </a:ln>
               <a:extLst>
                 <a:ext uri="{91240B29-F687-4f45-9708-019B960494DF}">
-                  <a14:hiddenLine xmlns="" xmlns:a14="http://schemas.microsoft.com/office/drawing/2010/main" w="9525">
+                  <a14:hiddenLine xmlns:a14="http://schemas.microsoft.com/office/drawing/2010/main" xmlns="" w="9525">
                     <a:solidFill>
                       <a:srgbClr val="000000"/>
                     </a:solidFill>
@@ -11776,7 +11776,7 @@
               </a:ln>
               <a:extLst>
                 <a:ext uri="{91240B29-F687-4f45-9708-019B960494DF}">
-                  <a14:hiddenLine xmlns="" xmlns:a14="http://schemas.microsoft.com/office/drawing/2010/main" w="9525">
+                  <a14:hiddenLine xmlns:a14="http://schemas.microsoft.com/office/drawing/2010/main" xmlns="" w="9525">
                     <a:solidFill>
                       <a:srgbClr val="000000"/>
                     </a:solidFill>
@@ -11810,7 +11810,7 @@
               </a:ln>
               <a:extLst>
                 <a:ext uri="{91240B29-F687-4f45-9708-019B960494DF}">
-                  <a14:hiddenLine xmlns="" xmlns:a14="http://schemas.microsoft.com/office/drawing/2010/main" w="9525">
+                  <a14:hiddenLine xmlns:a14="http://schemas.microsoft.com/office/drawing/2010/main" xmlns="" w="9525">
                     <a:solidFill>
                       <a:srgbClr val="000000"/>
                     </a:solidFill>
@@ -12527,7 +12527,7 @@
             <a:noFill/>
             <a:extLst>
               <a:ext uri="{909E8E84-426E-40dd-AFC4-6F175D3DCCD1}">
-                <a14:hiddenFill xmlns:a14="http://schemas.microsoft.com/office/drawing/2010/main" xmlns:p14="http://schemas.microsoft.com/office/powerpoint/2010/main" xmlns="">
+                <a14:hiddenFill xmlns="" xmlns:p14="http://schemas.microsoft.com/office/powerpoint/2010/main" xmlns:a14="http://schemas.microsoft.com/office/drawing/2010/main">
                   <a:solidFill>
                     <a:srgbClr val="FFFFFF"/>
                   </a:solidFill>
@@ -17238,13 +17238,8 @@
           <a:p>
             <a:r>
               <a:rPr lang="fr-FR" dirty="0"/>
-              <a:t>Multiprises (avec </a:t>
+              <a:t>Multiprises (avec du RAB)</a:t>
             </a:r>
-            <a:r>
-              <a:rPr lang="fr-FR"/>
-              <a:t>du RAB)</a:t>
-            </a:r>
-            <a:endParaRPr lang="fr-FR" dirty="0"/>
           </a:p>
           <a:p>
             <a:pPr lvl="1"/>
@@ -17263,8 +17258,12 @@
           <a:p>
             <a:pPr lvl="1"/>
             <a:r>
+              <a:rPr lang="fr-FR"/>
+              <a:t>2 000 </a:t>
+            </a:r>
+            <a:r>
               <a:rPr lang="fr-FR" dirty="0"/>
-              <a:t>2600 ampères avec rab</a:t>
+              <a:t>ampères avec rab</a:t>
             </a:r>
           </a:p>
         </p:txBody>
@@ -18604,7 +18603,7 @@
           <a:noFill/>
           <a:extLst>
             <a:ext uri="{909E8E84-426E-40dd-AFC4-6F175D3DCCD1}">
-              <a14:hiddenFill xmlns="" xmlns:p14="http://schemas.microsoft.com/office/powerpoint/2010/main" xmlns:a14="http://schemas.microsoft.com/office/drawing/2010/main">
+              <a14:hiddenFill xmlns:a14="http://schemas.microsoft.com/office/drawing/2010/main" xmlns:p14="http://schemas.microsoft.com/office/powerpoint/2010/main" xmlns="">
                 <a:solidFill>
                   <a:srgbClr val="FFFFFF"/>
                 </a:solidFill>
@@ -18716,7 +18715,7 @@
               </a:ln>
               <a:extLst>
                 <a:ext uri="{91240B29-F687-4f45-9708-019B960494DF}">
-                  <a14:hiddenLine xmlns="" xmlns:p14="http://schemas.microsoft.com/office/powerpoint/2010/main" xmlns:a14="http://schemas.microsoft.com/office/drawing/2010/main" w="9525">
+                  <a14:hiddenLine xmlns:a14="http://schemas.microsoft.com/office/drawing/2010/main" xmlns:p14="http://schemas.microsoft.com/office/powerpoint/2010/main" xmlns="" w="9525">
                     <a:solidFill>
                       <a:srgbClr val="000000"/>
                     </a:solidFill>
@@ -18818,7 +18817,7 @@
               </a:ln>
               <a:extLst>
                 <a:ext uri="{91240B29-F687-4f45-9708-019B960494DF}">
-                  <a14:hiddenLine xmlns="" xmlns:p14="http://schemas.microsoft.com/office/powerpoint/2010/main" xmlns:a14="http://schemas.microsoft.com/office/drawing/2010/main" w="9525">
+                  <a14:hiddenLine xmlns:a14="http://schemas.microsoft.com/office/drawing/2010/main" xmlns:p14="http://schemas.microsoft.com/office/powerpoint/2010/main" xmlns="" w="9525">
                     <a:solidFill>
                       <a:srgbClr val="000000"/>
                     </a:solidFill>
@@ -18920,7 +18919,7 @@
               </a:ln>
               <a:extLst>
                 <a:ext uri="{91240B29-F687-4f45-9708-019B960494DF}">
-                  <a14:hiddenLine xmlns="" xmlns:p14="http://schemas.microsoft.com/office/powerpoint/2010/main" xmlns:a14="http://schemas.microsoft.com/office/drawing/2010/main" w="9525">
+                  <a14:hiddenLine xmlns:a14="http://schemas.microsoft.com/office/drawing/2010/main" xmlns:p14="http://schemas.microsoft.com/office/powerpoint/2010/main" xmlns="" w="9525">
                     <a:solidFill>
                       <a:srgbClr val="000000"/>
                     </a:solidFill>
@@ -18994,7 +18993,7 @@
               </a:ln>
               <a:extLst>
                 <a:ext uri="{91240B29-F687-4f45-9708-019B960494DF}">
-                  <a14:hiddenLine xmlns="" xmlns:p14="http://schemas.microsoft.com/office/powerpoint/2010/main" xmlns:a14="http://schemas.microsoft.com/office/drawing/2010/main" w="9525">
+                  <a14:hiddenLine xmlns:a14="http://schemas.microsoft.com/office/drawing/2010/main" xmlns:p14="http://schemas.microsoft.com/office/powerpoint/2010/main" xmlns="" w="9525">
                     <a:solidFill>
                       <a:srgbClr val="000000"/>
                     </a:solidFill>
@@ -19096,7 +19095,7 @@
               </a:ln>
               <a:extLst>
                 <a:ext uri="{91240B29-F687-4f45-9708-019B960494DF}">
-                  <a14:hiddenLine xmlns="" xmlns:p14="http://schemas.microsoft.com/office/powerpoint/2010/main" xmlns:a14="http://schemas.microsoft.com/office/drawing/2010/main" w="9525">
+                  <a14:hiddenLine xmlns:a14="http://schemas.microsoft.com/office/drawing/2010/main" xmlns:p14="http://schemas.microsoft.com/office/powerpoint/2010/main" xmlns="" w="9525">
                     <a:solidFill>
                       <a:srgbClr val="000000"/>
                     </a:solidFill>
@@ -19170,7 +19169,7 @@
               </a:ln>
               <a:extLst>
                 <a:ext uri="{91240B29-F687-4f45-9708-019B960494DF}">
-                  <a14:hiddenLine xmlns="" xmlns:p14="http://schemas.microsoft.com/office/powerpoint/2010/main" xmlns:a14="http://schemas.microsoft.com/office/drawing/2010/main" w="9525">
+                  <a14:hiddenLine xmlns:a14="http://schemas.microsoft.com/office/drawing/2010/main" xmlns:p14="http://schemas.microsoft.com/office/powerpoint/2010/main" xmlns="" w="9525">
                     <a:solidFill>
                       <a:srgbClr val="000000"/>
                     </a:solidFill>
@@ -19244,7 +19243,7 @@
               </a:ln>
               <a:extLst>
                 <a:ext uri="{91240B29-F687-4f45-9708-019B960494DF}">
-                  <a14:hiddenLine xmlns="" xmlns:p14="http://schemas.microsoft.com/office/powerpoint/2010/main" xmlns:a14="http://schemas.microsoft.com/office/drawing/2010/main" w="9525">
+                  <a14:hiddenLine xmlns:a14="http://schemas.microsoft.com/office/drawing/2010/main" xmlns:p14="http://schemas.microsoft.com/office/powerpoint/2010/main" xmlns="" w="9525">
                     <a:solidFill>
                       <a:srgbClr val="000000"/>
                     </a:solidFill>
@@ -19346,7 +19345,7 @@
               </a:ln>
               <a:extLst>
                 <a:ext uri="{91240B29-F687-4f45-9708-019B960494DF}">
-                  <a14:hiddenLine xmlns="" xmlns:p14="http://schemas.microsoft.com/office/powerpoint/2010/main" xmlns:a14="http://schemas.microsoft.com/office/drawing/2010/main" w="9525">
+                  <a14:hiddenLine xmlns:a14="http://schemas.microsoft.com/office/drawing/2010/main" xmlns:p14="http://schemas.microsoft.com/office/powerpoint/2010/main" xmlns="" w="9525">
                     <a:solidFill>
                       <a:srgbClr val="000000"/>
                     </a:solidFill>
@@ -19448,7 +19447,7 @@
               </a:ln>
               <a:extLst>
                 <a:ext uri="{91240B29-F687-4f45-9708-019B960494DF}">
-                  <a14:hiddenLine xmlns="" xmlns:p14="http://schemas.microsoft.com/office/powerpoint/2010/main" xmlns:a14="http://schemas.microsoft.com/office/drawing/2010/main" w="9525">
+                  <a14:hiddenLine xmlns:a14="http://schemas.microsoft.com/office/drawing/2010/main" xmlns:p14="http://schemas.microsoft.com/office/powerpoint/2010/main" xmlns="" w="9525">
                     <a:solidFill>
                       <a:srgbClr val="000000"/>
                     </a:solidFill>
@@ -19522,7 +19521,7 @@
               </a:ln>
               <a:extLst>
                 <a:ext uri="{91240B29-F687-4f45-9708-019B960494DF}">
-                  <a14:hiddenLine xmlns="" xmlns:p14="http://schemas.microsoft.com/office/powerpoint/2010/main" xmlns:a14="http://schemas.microsoft.com/office/drawing/2010/main" w="9525">
+                  <a14:hiddenLine xmlns:a14="http://schemas.microsoft.com/office/drawing/2010/main" xmlns:p14="http://schemas.microsoft.com/office/powerpoint/2010/main" xmlns="" w="9525">
                     <a:solidFill>
                       <a:srgbClr val="000000"/>
                     </a:solidFill>
@@ -19644,7 +19643,7 @@
               </a:ln>
               <a:extLst>
                 <a:ext uri="{91240B29-F687-4f45-9708-019B960494DF}">
-                  <a14:hiddenLine xmlns="" xmlns:p14="http://schemas.microsoft.com/office/powerpoint/2010/main" xmlns:a14="http://schemas.microsoft.com/office/drawing/2010/main" w="9525">
+                  <a14:hiddenLine xmlns:a14="http://schemas.microsoft.com/office/drawing/2010/main" xmlns:p14="http://schemas.microsoft.com/office/powerpoint/2010/main" xmlns="" w="9525">
                     <a:solidFill>
                       <a:srgbClr val="000000"/>
                     </a:solidFill>
@@ -19752,7 +19751,7 @@
               </a:ln>
               <a:extLst>
                 <a:ext uri="{91240B29-F687-4f45-9708-019B960494DF}">
-                  <a14:hiddenLine xmlns="" xmlns:p14="http://schemas.microsoft.com/office/powerpoint/2010/main" xmlns:a14="http://schemas.microsoft.com/office/drawing/2010/main" w="9525">
+                  <a14:hiddenLine xmlns:a14="http://schemas.microsoft.com/office/drawing/2010/main" xmlns:p14="http://schemas.microsoft.com/office/powerpoint/2010/main" xmlns="" w="9525">
                     <a:solidFill>
                       <a:srgbClr val="000000"/>
                     </a:solidFill>
@@ -19826,7 +19825,7 @@
               </a:ln>
               <a:extLst>
                 <a:ext uri="{91240B29-F687-4f45-9708-019B960494DF}">
-                  <a14:hiddenLine xmlns="" xmlns:p14="http://schemas.microsoft.com/office/powerpoint/2010/main" xmlns:a14="http://schemas.microsoft.com/office/drawing/2010/main" w="9525">
+                  <a14:hiddenLine xmlns:a14="http://schemas.microsoft.com/office/drawing/2010/main" xmlns:p14="http://schemas.microsoft.com/office/powerpoint/2010/main" xmlns="" w="9525">
                     <a:solidFill>
                       <a:srgbClr val="000000"/>
                     </a:solidFill>
@@ -19900,7 +19899,7 @@
               </a:ln>
               <a:extLst>
                 <a:ext uri="{91240B29-F687-4f45-9708-019B960494DF}">
-                  <a14:hiddenLine xmlns="" xmlns:p14="http://schemas.microsoft.com/office/powerpoint/2010/main" xmlns:a14="http://schemas.microsoft.com/office/drawing/2010/main" w="9525">
+                  <a14:hiddenLine xmlns:a14="http://schemas.microsoft.com/office/drawing/2010/main" xmlns:p14="http://schemas.microsoft.com/office/powerpoint/2010/main" xmlns="" w="9525">
                     <a:solidFill>
                       <a:srgbClr val="000000"/>
                     </a:solidFill>
@@ -20002,7 +20001,7 @@
               </a:ln>
               <a:extLst>
                 <a:ext uri="{91240B29-F687-4f45-9708-019B960494DF}">
-                  <a14:hiddenLine xmlns="" xmlns:p14="http://schemas.microsoft.com/office/powerpoint/2010/main" xmlns:a14="http://schemas.microsoft.com/office/drawing/2010/main" w="9525">
+                  <a14:hiddenLine xmlns:a14="http://schemas.microsoft.com/office/drawing/2010/main" xmlns:p14="http://schemas.microsoft.com/office/powerpoint/2010/main" xmlns="" w="9525">
                     <a:solidFill>
                       <a:srgbClr val="000000"/>
                     </a:solidFill>
@@ -20048,7 +20047,7 @@
               </a:ln>
               <a:extLst>
                 <a:ext uri="{91240B29-F687-4f45-9708-019B960494DF}">
-                  <a14:hiddenLine xmlns="" xmlns:p14="http://schemas.microsoft.com/office/powerpoint/2010/main" xmlns:a14="http://schemas.microsoft.com/office/drawing/2010/main" w="9525">
+                  <a14:hiddenLine xmlns:a14="http://schemas.microsoft.com/office/drawing/2010/main" xmlns:p14="http://schemas.microsoft.com/office/powerpoint/2010/main" xmlns="" w="9525">
                     <a:solidFill>
                       <a:srgbClr val="000000"/>
                     </a:solidFill>
@@ -20125,7 +20124,7 @@
               </a:ln>
               <a:extLst>
                 <a:ext uri="{91240B29-F687-4f45-9708-019B960494DF}">
-                  <a14:hiddenLine xmlns="" xmlns:p14="http://schemas.microsoft.com/office/powerpoint/2010/main" xmlns:a14="http://schemas.microsoft.com/office/drawing/2010/main" w="9525">
+                  <a14:hiddenLine xmlns:a14="http://schemas.microsoft.com/office/drawing/2010/main" xmlns:p14="http://schemas.microsoft.com/office/powerpoint/2010/main" xmlns="" w="9525">
                     <a:solidFill>
                       <a:srgbClr val="000000"/>
                     </a:solidFill>
@@ -20227,7 +20226,7 @@
               </a:ln>
               <a:extLst>
                 <a:ext uri="{91240B29-F687-4f45-9708-019B960494DF}">
-                  <a14:hiddenLine xmlns="" xmlns:p14="http://schemas.microsoft.com/office/powerpoint/2010/main" xmlns:a14="http://schemas.microsoft.com/office/drawing/2010/main" w="9525">
+                  <a14:hiddenLine xmlns:a14="http://schemas.microsoft.com/office/drawing/2010/main" xmlns:p14="http://schemas.microsoft.com/office/powerpoint/2010/main" xmlns="" w="9525">
                     <a:solidFill>
                       <a:srgbClr val="000000"/>
                     </a:solidFill>
@@ -20301,7 +20300,7 @@
               </a:ln>
               <a:extLst>
                 <a:ext uri="{91240B29-F687-4f45-9708-019B960494DF}">
-                  <a14:hiddenLine xmlns="" xmlns:p14="http://schemas.microsoft.com/office/powerpoint/2010/main" xmlns:a14="http://schemas.microsoft.com/office/drawing/2010/main" w="9525">
+                  <a14:hiddenLine xmlns:a14="http://schemas.microsoft.com/office/drawing/2010/main" xmlns:p14="http://schemas.microsoft.com/office/powerpoint/2010/main" xmlns="" w="9525">
                     <a:solidFill>
                       <a:srgbClr val="000000"/>
                     </a:solidFill>
@@ -20403,7 +20402,7 @@
               </a:ln>
               <a:extLst>
                 <a:ext uri="{91240B29-F687-4f45-9708-019B960494DF}">
-                  <a14:hiddenLine xmlns="" xmlns:p14="http://schemas.microsoft.com/office/powerpoint/2010/main" xmlns:a14="http://schemas.microsoft.com/office/drawing/2010/main" w="9525">
+                  <a14:hiddenLine xmlns:a14="http://schemas.microsoft.com/office/drawing/2010/main" xmlns:p14="http://schemas.microsoft.com/office/powerpoint/2010/main" xmlns="" w="9525">
                     <a:solidFill>
                       <a:srgbClr val="000000"/>
                     </a:solidFill>
@@ -20480,7 +20479,7 @@
               </a:ln>
               <a:extLst>
                 <a:ext uri="{91240B29-F687-4f45-9708-019B960494DF}">
-                  <a14:hiddenLine xmlns="" xmlns:p14="http://schemas.microsoft.com/office/powerpoint/2010/main" xmlns:a14="http://schemas.microsoft.com/office/drawing/2010/main" w="9525">
+                  <a14:hiddenLine xmlns:a14="http://schemas.microsoft.com/office/drawing/2010/main" xmlns:p14="http://schemas.microsoft.com/office/powerpoint/2010/main" xmlns="" w="9525">
                     <a:solidFill>
                       <a:srgbClr val="000000"/>
                     </a:solidFill>
@@ -20554,7 +20553,7 @@
               </a:ln>
               <a:extLst>
                 <a:ext uri="{91240B29-F687-4f45-9708-019B960494DF}">
-                  <a14:hiddenLine xmlns="" xmlns:p14="http://schemas.microsoft.com/office/powerpoint/2010/main" xmlns:a14="http://schemas.microsoft.com/office/drawing/2010/main" w="9525">
+                  <a14:hiddenLine xmlns:a14="http://schemas.microsoft.com/office/drawing/2010/main" xmlns:p14="http://schemas.microsoft.com/office/powerpoint/2010/main" xmlns="" w="9525">
                     <a:solidFill>
                       <a:srgbClr val="000000"/>
                     </a:solidFill>
@@ -20656,7 +20655,7 @@
               </a:ln>
               <a:extLst>
                 <a:ext uri="{91240B29-F687-4f45-9708-019B960494DF}">
-                  <a14:hiddenLine xmlns="" xmlns:p14="http://schemas.microsoft.com/office/powerpoint/2010/main" xmlns:a14="http://schemas.microsoft.com/office/drawing/2010/main" w="9525">
+                  <a14:hiddenLine xmlns:a14="http://schemas.microsoft.com/office/drawing/2010/main" xmlns:p14="http://schemas.microsoft.com/office/powerpoint/2010/main" xmlns="" w="9525">
                     <a:solidFill>
                       <a:srgbClr val="000000"/>
                     </a:solidFill>
@@ -20758,7 +20757,7 @@
               </a:ln>
               <a:extLst>
                 <a:ext uri="{91240B29-F687-4f45-9708-019B960494DF}">
-                  <a14:hiddenLine xmlns="" xmlns:p14="http://schemas.microsoft.com/office/powerpoint/2010/main" xmlns:a14="http://schemas.microsoft.com/office/drawing/2010/main" w="9525">
+                  <a14:hiddenLine xmlns:a14="http://schemas.microsoft.com/office/drawing/2010/main" xmlns:p14="http://schemas.microsoft.com/office/powerpoint/2010/main" xmlns="" w="9525">
                     <a:solidFill>
                       <a:srgbClr val="000000"/>
                     </a:solidFill>
@@ -20835,7 +20834,7 @@
               </a:ln>
               <a:extLst>
                 <a:ext uri="{91240B29-F687-4f45-9708-019B960494DF}">
-                  <a14:hiddenLine xmlns="" xmlns:p14="http://schemas.microsoft.com/office/powerpoint/2010/main" xmlns:a14="http://schemas.microsoft.com/office/drawing/2010/main" w="9525">
+                  <a14:hiddenLine xmlns:a14="http://schemas.microsoft.com/office/drawing/2010/main" xmlns:p14="http://schemas.microsoft.com/office/powerpoint/2010/main" xmlns="" w="9525">
                     <a:solidFill>
                       <a:srgbClr val="000000"/>
                     </a:solidFill>
@@ -20967,7 +20966,7 @@
               </a:ln>
               <a:extLst>
                 <a:ext uri="{91240B29-F687-4f45-9708-019B960494DF}">
-                  <a14:hiddenLine xmlns="" xmlns:p14="http://schemas.microsoft.com/office/powerpoint/2010/main" xmlns:a14="http://schemas.microsoft.com/office/drawing/2010/main" w="9525">
+                  <a14:hiddenLine xmlns:a14="http://schemas.microsoft.com/office/drawing/2010/main" xmlns:p14="http://schemas.microsoft.com/office/powerpoint/2010/main" xmlns="" w="9525">
                     <a:solidFill>
                       <a:srgbClr val="000000"/>
                     </a:solidFill>
@@ -21089,7 +21088,7 @@
               </a:ln>
               <a:extLst>
                 <a:ext uri="{91240B29-F687-4f45-9708-019B960494DF}">
-                  <a14:hiddenLine xmlns="" xmlns:p14="http://schemas.microsoft.com/office/powerpoint/2010/main" xmlns:a14="http://schemas.microsoft.com/office/drawing/2010/main" w="9525">
+                  <a14:hiddenLine xmlns:a14="http://schemas.microsoft.com/office/drawing/2010/main" xmlns:p14="http://schemas.microsoft.com/office/powerpoint/2010/main" xmlns="" w="9525">
                     <a:solidFill>
                       <a:srgbClr val="000000"/>
                     </a:solidFill>
@@ -21216,7 +21215,7 @@
               </a:ln>
               <a:extLst>
                 <a:ext uri="{91240B29-F687-4f45-9708-019B960494DF}">
-                  <a14:hiddenLine xmlns="" xmlns:p14="http://schemas.microsoft.com/office/powerpoint/2010/main" xmlns:a14="http://schemas.microsoft.com/office/drawing/2010/main" w="9525">
+                  <a14:hiddenLine xmlns:a14="http://schemas.microsoft.com/office/drawing/2010/main" xmlns:p14="http://schemas.microsoft.com/office/powerpoint/2010/main" xmlns="" w="9525">
                     <a:solidFill>
                       <a:srgbClr val="000000"/>
                     </a:solidFill>
@@ -21318,7 +21317,7 @@
               </a:ln>
               <a:extLst>
                 <a:ext uri="{91240B29-F687-4f45-9708-019B960494DF}">
-                  <a14:hiddenLine xmlns="" xmlns:p14="http://schemas.microsoft.com/office/powerpoint/2010/main" xmlns:a14="http://schemas.microsoft.com/office/drawing/2010/main" w="9525">
+                  <a14:hiddenLine xmlns:a14="http://schemas.microsoft.com/office/drawing/2010/main" xmlns:p14="http://schemas.microsoft.com/office/powerpoint/2010/main" xmlns="" w="9525">
                     <a:solidFill>
                       <a:srgbClr val="000000"/>
                     </a:solidFill>
@@ -21395,7 +21394,7 @@
               </a:ln>
               <a:extLst>
                 <a:ext uri="{91240B29-F687-4f45-9708-019B960494DF}">
-                  <a14:hiddenLine xmlns="" xmlns:p14="http://schemas.microsoft.com/office/powerpoint/2010/main" xmlns:a14="http://schemas.microsoft.com/office/drawing/2010/main" w="9525">
+                  <a14:hiddenLine xmlns:a14="http://schemas.microsoft.com/office/drawing/2010/main" xmlns:p14="http://schemas.microsoft.com/office/powerpoint/2010/main" xmlns="" w="9525">
                     <a:solidFill>
                       <a:srgbClr val="000000"/>
                     </a:solidFill>
@@ -21497,7 +21496,7 @@
               </a:ln>
               <a:extLst>
                 <a:ext uri="{91240B29-F687-4f45-9708-019B960494DF}">
-                  <a14:hiddenLine xmlns="" xmlns:p14="http://schemas.microsoft.com/office/powerpoint/2010/main" xmlns:a14="http://schemas.microsoft.com/office/drawing/2010/main" w="9525">
+                  <a14:hiddenLine xmlns:a14="http://schemas.microsoft.com/office/drawing/2010/main" xmlns:p14="http://schemas.microsoft.com/office/powerpoint/2010/main" xmlns="" w="9525">
                     <a:solidFill>
                       <a:srgbClr val="000000"/>
                     </a:solidFill>
@@ -21577,7 +21576,7 @@
               </a:ln>
               <a:extLst>
                 <a:ext uri="{91240B29-F687-4f45-9708-019B960494DF}">
-                  <a14:hiddenLine xmlns="" xmlns:p14="http://schemas.microsoft.com/office/powerpoint/2010/main" xmlns:a14="http://schemas.microsoft.com/office/drawing/2010/main" w="9525">
+                  <a14:hiddenLine xmlns:a14="http://schemas.microsoft.com/office/drawing/2010/main" xmlns:p14="http://schemas.microsoft.com/office/powerpoint/2010/main" xmlns="" w="9525">
                     <a:solidFill>
                       <a:srgbClr val="000000"/>
                     </a:solidFill>
@@ -21679,7 +21678,7 @@
               </a:ln>
               <a:extLst>
                 <a:ext uri="{91240B29-F687-4f45-9708-019B960494DF}">
-                  <a14:hiddenLine xmlns="" xmlns:p14="http://schemas.microsoft.com/office/powerpoint/2010/main" xmlns:a14="http://schemas.microsoft.com/office/drawing/2010/main" w="9525">
+                  <a14:hiddenLine xmlns:a14="http://schemas.microsoft.com/office/drawing/2010/main" xmlns:p14="http://schemas.microsoft.com/office/powerpoint/2010/main" xmlns="" w="9525">
                     <a:solidFill>
                       <a:srgbClr val="000000"/>
                     </a:solidFill>
@@ -21759,7 +21758,7 @@
               </a:ln>
               <a:extLst>
                 <a:ext uri="{91240B29-F687-4f45-9708-019B960494DF}">
-                  <a14:hiddenLine xmlns="" xmlns:p14="http://schemas.microsoft.com/office/powerpoint/2010/main" xmlns:a14="http://schemas.microsoft.com/office/drawing/2010/main" w="9525">
+                  <a14:hiddenLine xmlns:a14="http://schemas.microsoft.com/office/drawing/2010/main" xmlns:p14="http://schemas.microsoft.com/office/powerpoint/2010/main" xmlns="" w="9525">
                     <a:solidFill>
                       <a:srgbClr val="000000"/>
                     </a:solidFill>
@@ -21861,7 +21860,7 @@
               </a:ln>
               <a:extLst>
                 <a:ext uri="{91240B29-F687-4f45-9708-019B960494DF}">
-                  <a14:hiddenLine xmlns="" xmlns:p14="http://schemas.microsoft.com/office/powerpoint/2010/main" xmlns:a14="http://schemas.microsoft.com/office/drawing/2010/main" w="9525">
+                  <a14:hiddenLine xmlns:a14="http://schemas.microsoft.com/office/drawing/2010/main" xmlns:p14="http://schemas.microsoft.com/office/powerpoint/2010/main" xmlns="" w="9525">
                     <a:solidFill>
                       <a:srgbClr val="000000"/>
                     </a:solidFill>
@@ -21907,7 +21906,7 @@
               </a:ln>
               <a:extLst>
                 <a:ext uri="{91240B29-F687-4f45-9708-019B960494DF}">
-                  <a14:hiddenLine xmlns="" xmlns:p14="http://schemas.microsoft.com/office/powerpoint/2010/main" xmlns:a14="http://schemas.microsoft.com/office/drawing/2010/main" w="9525">
+                  <a14:hiddenLine xmlns:a14="http://schemas.microsoft.com/office/drawing/2010/main" xmlns:p14="http://schemas.microsoft.com/office/powerpoint/2010/main" xmlns="" w="9525">
                     <a:solidFill>
                       <a:srgbClr val="000000"/>
                     </a:solidFill>
@@ -22411,7 +22410,7 @@
           <a:noFill/>
           <a:extLst>
             <a:ext uri="{909E8E84-426E-40dd-AFC4-6F175D3DCCD1}">
-              <a14:hiddenFill xmlns="" xmlns:p14="http://schemas.microsoft.com/office/powerpoint/2010/main" xmlns:a14="http://schemas.microsoft.com/office/drawing/2010/main">
+              <a14:hiddenFill xmlns:a14="http://schemas.microsoft.com/office/drawing/2010/main" xmlns:p14="http://schemas.microsoft.com/office/powerpoint/2010/main" xmlns="">
                 <a:solidFill>
                   <a:srgbClr val="FFFFFF"/>
                 </a:solidFill>
@@ -22564,7 +22563,7 @@
             </a:ln>
             <a:extLst>
               <a:ext uri="{91240B29-F687-4f45-9708-019B960494DF}">
-                <a14:hiddenLine xmlns="" xmlns:p14="http://schemas.microsoft.com/office/powerpoint/2010/main" xmlns:a14="http://schemas.microsoft.com/office/drawing/2010/main" w="9525">
+                <a14:hiddenLine xmlns:a14="http://schemas.microsoft.com/office/drawing/2010/main" xmlns:p14="http://schemas.microsoft.com/office/powerpoint/2010/main" xmlns="" w="9525">
                   <a:solidFill>
                     <a:srgbClr val="000000"/>
                   </a:solidFill>
@@ -22666,7 +22665,7 @@
             </a:ln>
             <a:extLst>
               <a:ext uri="{91240B29-F687-4f45-9708-019B960494DF}">
-                <a14:hiddenLine xmlns="" xmlns:p14="http://schemas.microsoft.com/office/powerpoint/2010/main" xmlns:a14="http://schemas.microsoft.com/office/drawing/2010/main" w="9525">
+                <a14:hiddenLine xmlns:a14="http://schemas.microsoft.com/office/drawing/2010/main" xmlns:p14="http://schemas.microsoft.com/office/powerpoint/2010/main" xmlns="" w="9525">
                   <a:solidFill>
                     <a:srgbClr val="000000"/>
                   </a:solidFill>
@@ -22768,7 +22767,7 @@
             </a:ln>
             <a:extLst>
               <a:ext uri="{91240B29-F687-4f45-9708-019B960494DF}">
-                <a14:hiddenLine xmlns="" xmlns:p14="http://schemas.microsoft.com/office/powerpoint/2010/main" xmlns:a14="http://schemas.microsoft.com/office/drawing/2010/main" w="9525">
+                <a14:hiddenLine xmlns:a14="http://schemas.microsoft.com/office/drawing/2010/main" xmlns:p14="http://schemas.microsoft.com/office/powerpoint/2010/main" xmlns="" w="9525">
                   <a:solidFill>
                     <a:srgbClr val="000000"/>
                   </a:solidFill>
@@ -22842,7 +22841,7 @@
             </a:ln>
             <a:extLst>
               <a:ext uri="{91240B29-F687-4f45-9708-019B960494DF}">
-                <a14:hiddenLine xmlns="" xmlns:p14="http://schemas.microsoft.com/office/powerpoint/2010/main" xmlns:a14="http://schemas.microsoft.com/office/drawing/2010/main" w="9525">
+                <a14:hiddenLine xmlns:a14="http://schemas.microsoft.com/office/drawing/2010/main" xmlns:p14="http://schemas.microsoft.com/office/powerpoint/2010/main" xmlns="" w="9525">
                   <a:solidFill>
                     <a:srgbClr val="000000"/>
                   </a:solidFill>
@@ -22944,7 +22943,7 @@
             </a:ln>
             <a:extLst>
               <a:ext uri="{91240B29-F687-4f45-9708-019B960494DF}">
-                <a14:hiddenLine xmlns="" xmlns:p14="http://schemas.microsoft.com/office/powerpoint/2010/main" xmlns:a14="http://schemas.microsoft.com/office/drawing/2010/main" w="9525">
+                <a14:hiddenLine xmlns:a14="http://schemas.microsoft.com/office/drawing/2010/main" xmlns:p14="http://schemas.microsoft.com/office/powerpoint/2010/main" xmlns="" w="9525">
                   <a:solidFill>
                     <a:srgbClr val="000000"/>
                   </a:solidFill>
@@ -23018,7 +23017,7 @@
             </a:ln>
             <a:extLst>
               <a:ext uri="{91240B29-F687-4f45-9708-019B960494DF}">
-                <a14:hiddenLine xmlns="" xmlns:p14="http://schemas.microsoft.com/office/powerpoint/2010/main" xmlns:a14="http://schemas.microsoft.com/office/drawing/2010/main" w="9525">
+                <a14:hiddenLine xmlns:a14="http://schemas.microsoft.com/office/drawing/2010/main" xmlns:p14="http://schemas.microsoft.com/office/powerpoint/2010/main" xmlns="" w="9525">
                   <a:solidFill>
                     <a:srgbClr val="000000"/>
                   </a:solidFill>
@@ -23092,7 +23091,7 @@
             </a:ln>
             <a:extLst>
               <a:ext uri="{91240B29-F687-4f45-9708-019B960494DF}">
-                <a14:hiddenLine xmlns="" xmlns:p14="http://schemas.microsoft.com/office/powerpoint/2010/main" xmlns:a14="http://schemas.microsoft.com/office/drawing/2010/main" w="9525">
+                <a14:hiddenLine xmlns:a14="http://schemas.microsoft.com/office/drawing/2010/main" xmlns:p14="http://schemas.microsoft.com/office/powerpoint/2010/main" xmlns="" w="9525">
                   <a:solidFill>
                     <a:srgbClr val="000000"/>
                   </a:solidFill>
@@ -23194,7 +23193,7 @@
             </a:ln>
             <a:extLst>
               <a:ext uri="{91240B29-F687-4f45-9708-019B960494DF}">
-                <a14:hiddenLine xmlns="" xmlns:p14="http://schemas.microsoft.com/office/powerpoint/2010/main" xmlns:a14="http://schemas.microsoft.com/office/drawing/2010/main" w="9525">
+                <a14:hiddenLine xmlns:a14="http://schemas.microsoft.com/office/drawing/2010/main" xmlns:p14="http://schemas.microsoft.com/office/powerpoint/2010/main" xmlns="" w="9525">
                   <a:solidFill>
                     <a:srgbClr val="000000"/>
                   </a:solidFill>
@@ -23296,7 +23295,7 @@
             </a:ln>
             <a:extLst>
               <a:ext uri="{91240B29-F687-4f45-9708-019B960494DF}">
-                <a14:hiddenLine xmlns="" xmlns:p14="http://schemas.microsoft.com/office/powerpoint/2010/main" xmlns:a14="http://schemas.microsoft.com/office/drawing/2010/main" w="9525">
+                <a14:hiddenLine xmlns:a14="http://schemas.microsoft.com/office/drawing/2010/main" xmlns:p14="http://schemas.microsoft.com/office/powerpoint/2010/main" xmlns="" w="9525">
                   <a:solidFill>
                     <a:srgbClr val="000000"/>
                   </a:solidFill>
@@ -23370,7 +23369,7 @@
             </a:ln>
             <a:extLst>
               <a:ext uri="{91240B29-F687-4f45-9708-019B960494DF}">
-                <a14:hiddenLine xmlns="" xmlns:p14="http://schemas.microsoft.com/office/powerpoint/2010/main" xmlns:a14="http://schemas.microsoft.com/office/drawing/2010/main" w="9525">
+                <a14:hiddenLine xmlns:a14="http://schemas.microsoft.com/office/drawing/2010/main" xmlns:p14="http://schemas.microsoft.com/office/powerpoint/2010/main" xmlns="" w="9525">
                   <a:solidFill>
                     <a:srgbClr val="000000"/>
                   </a:solidFill>
@@ -23492,7 +23491,7 @@
             </a:ln>
             <a:extLst>
               <a:ext uri="{91240B29-F687-4f45-9708-019B960494DF}">
-                <a14:hiddenLine xmlns="" xmlns:p14="http://schemas.microsoft.com/office/powerpoint/2010/main" xmlns:a14="http://schemas.microsoft.com/office/drawing/2010/main" w="9525">
+                <a14:hiddenLine xmlns:a14="http://schemas.microsoft.com/office/drawing/2010/main" xmlns:p14="http://schemas.microsoft.com/office/powerpoint/2010/main" xmlns="" w="9525">
                   <a:solidFill>
                     <a:srgbClr val="000000"/>
                   </a:solidFill>
@@ -23600,7 +23599,7 @@
             </a:ln>
             <a:extLst>
               <a:ext uri="{91240B29-F687-4f45-9708-019B960494DF}">
-                <a14:hiddenLine xmlns="" xmlns:p14="http://schemas.microsoft.com/office/powerpoint/2010/main" xmlns:a14="http://schemas.microsoft.com/office/drawing/2010/main" w="9525">
+                <a14:hiddenLine xmlns:a14="http://schemas.microsoft.com/office/drawing/2010/main" xmlns:p14="http://schemas.microsoft.com/office/powerpoint/2010/main" xmlns="" w="9525">
                   <a:solidFill>
                     <a:srgbClr val="000000"/>
                   </a:solidFill>
@@ -23674,7 +23673,7 @@
             </a:ln>
             <a:extLst>
               <a:ext uri="{91240B29-F687-4f45-9708-019B960494DF}">
-                <a14:hiddenLine xmlns="" xmlns:p14="http://schemas.microsoft.com/office/powerpoint/2010/main" xmlns:a14="http://schemas.microsoft.com/office/drawing/2010/main" w="9525">
+                <a14:hiddenLine xmlns:a14="http://schemas.microsoft.com/office/drawing/2010/main" xmlns:p14="http://schemas.microsoft.com/office/powerpoint/2010/main" xmlns="" w="9525">
                   <a:solidFill>
                     <a:srgbClr val="000000"/>
                   </a:solidFill>
@@ -23748,7 +23747,7 @@
             </a:ln>
             <a:extLst>
               <a:ext uri="{91240B29-F687-4f45-9708-019B960494DF}">
-                <a14:hiddenLine xmlns="" xmlns:p14="http://schemas.microsoft.com/office/powerpoint/2010/main" xmlns:a14="http://schemas.microsoft.com/office/drawing/2010/main" w="9525">
+                <a14:hiddenLine xmlns:a14="http://schemas.microsoft.com/office/drawing/2010/main" xmlns:p14="http://schemas.microsoft.com/office/powerpoint/2010/main" xmlns="" w="9525">
                   <a:solidFill>
                     <a:srgbClr val="000000"/>
                   </a:solidFill>
@@ -23850,7 +23849,7 @@
             </a:ln>
             <a:extLst>
               <a:ext uri="{91240B29-F687-4f45-9708-019B960494DF}">
-                <a14:hiddenLine xmlns="" xmlns:p14="http://schemas.microsoft.com/office/powerpoint/2010/main" xmlns:a14="http://schemas.microsoft.com/office/drawing/2010/main" w="9525">
+                <a14:hiddenLine xmlns:a14="http://schemas.microsoft.com/office/drawing/2010/main" xmlns:p14="http://schemas.microsoft.com/office/powerpoint/2010/main" xmlns="" w="9525">
                   <a:solidFill>
                     <a:srgbClr val="000000"/>
                   </a:solidFill>
@@ -23896,7 +23895,7 @@
             </a:ln>
             <a:extLst>
               <a:ext uri="{91240B29-F687-4f45-9708-019B960494DF}">
-                <a14:hiddenLine xmlns="" xmlns:p14="http://schemas.microsoft.com/office/powerpoint/2010/main" xmlns:a14="http://schemas.microsoft.com/office/drawing/2010/main" w="9525">
+                <a14:hiddenLine xmlns:a14="http://schemas.microsoft.com/office/drawing/2010/main" xmlns:p14="http://schemas.microsoft.com/office/powerpoint/2010/main" xmlns="" w="9525">
                   <a:solidFill>
                     <a:srgbClr val="000000"/>
                   </a:solidFill>
@@ -23973,7 +23972,7 @@
             </a:ln>
             <a:extLst>
               <a:ext uri="{91240B29-F687-4f45-9708-019B960494DF}">
-                <a14:hiddenLine xmlns="" xmlns:p14="http://schemas.microsoft.com/office/powerpoint/2010/main" xmlns:a14="http://schemas.microsoft.com/office/drawing/2010/main" w="9525">
+                <a14:hiddenLine xmlns:a14="http://schemas.microsoft.com/office/drawing/2010/main" xmlns:p14="http://schemas.microsoft.com/office/powerpoint/2010/main" xmlns="" w="9525">
                   <a:solidFill>
                     <a:srgbClr val="000000"/>
                   </a:solidFill>
@@ -24075,7 +24074,7 @@
             </a:ln>
             <a:extLst>
               <a:ext uri="{91240B29-F687-4f45-9708-019B960494DF}">
-                <a14:hiddenLine xmlns="" xmlns:p14="http://schemas.microsoft.com/office/powerpoint/2010/main" xmlns:a14="http://schemas.microsoft.com/office/drawing/2010/main" w="9525">
+                <a14:hiddenLine xmlns:a14="http://schemas.microsoft.com/office/drawing/2010/main" xmlns:p14="http://schemas.microsoft.com/office/powerpoint/2010/main" xmlns="" w="9525">
                   <a:solidFill>
                     <a:srgbClr val="000000"/>
                   </a:solidFill>
@@ -24149,7 +24148,7 @@
             </a:ln>
             <a:extLst>
               <a:ext uri="{91240B29-F687-4f45-9708-019B960494DF}">
-                <a14:hiddenLine xmlns="" xmlns:p14="http://schemas.microsoft.com/office/powerpoint/2010/main" xmlns:a14="http://schemas.microsoft.com/office/drawing/2010/main" w="9525">
+                <a14:hiddenLine xmlns:a14="http://schemas.microsoft.com/office/drawing/2010/main" xmlns:p14="http://schemas.microsoft.com/office/powerpoint/2010/main" xmlns="" w="9525">
                   <a:solidFill>
                     <a:srgbClr val="000000"/>
                   </a:solidFill>
@@ -24251,7 +24250,7 @@
             </a:ln>
             <a:extLst>
               <a:ext uri="{91240B29-F687-4f45-9708-019B960494DF}">
-                <a14:hiddenLine xmlns="" xmlns:p14="http://schemas.microsoft.com/office/powerpoint/2010/main" xmlns:a14="http://schemas.microsoft.com/office/drawing/2010/main" w="9525">
+                <a14:hiddenLine xmlns:a14="http://schemas.microsoft.com/office/drawing/2010/main" xmlns:p14="http://schemas.microsoft.com/office/powerpoint/2010/main" xmlns="" w="9525">
                   <a:solidFill>
                     <a:srgbClr val="000000"/>
                   </a:solidFill>
@@ -24328,7 +24327,7 @@
             </a:ln>
             <a:extLst>
               <a:ext uri="{91240B29-F687-4f45-9708-019B960494DF}">
-                <a14:hiddenLine xmlns="" xmlns:p14="http://schemas.microsoft.com/office/powerpoint/2010/main" xmlns:a14="http://schemas.microsoft.com/office/drawing/2010/main" w="9525">
+                <a14:hiddenLine xmlns:a14="http://schemas.microsoft.com/office/drawing/2010/main" xmlns:p14="http://schemas.microsoft.com/office/powerpoint/2010/main" xmlns="" w="9525">
                   <a:solidFill>
                     <a:srgbClr val="000000"/>
                   </a:solidFill>
@@ -24402,7 +24401,7 @@
             </a:ln>
             <a:extLst>
               <a:ext uri="{91240B29-F687-4f45-9708-019B960494DF}">
-                <a14:hiddenLine xmlns="" xmlns:p14="http://schemas.microsoft.com/office/powerpoint/2010/main" xmlns:a14="http://schemas.microsoft.com/office/drawing/2010/main" w="9525">
+                <a14:hiddenLine xmlns:a14="http://schemas.microsoft.com/office/drawing/2010/main" xmlns:p14="http://schemas.microsoft.com/office/powerpoint/2010/main" xmlns="" w="9525">
                   <a:solidFill>
                     <a:srgbClr val="000000"/>
                   </a:solidFill>
@@ -24504,7 +24503,7 @@
             </a:ln>
             <a:extLst>
               <a:ext uri="{91240B29-F687-4f45-9708-019B960494DF}">
-                <a14:hiddenLine xmlns="" xmlns:p14="http://schemas.microsoft.com/office/powerpoint/2010/main" xmlns:a14="http://schemas.microsoft.com/office/drawing/2010/main" w="9525">
+                <a14:hiddenLine xmlns:a14="http://schemas.microsoft.com/office/drawing/2010/main" xmlns:p14="http://schemas.microsoft.com/office/powerpoint/2010/main" xmlns="" w="9525">
                   <a:solidFill>
                     <a:srgbClr val="000000"/>
                   </a:solidFill>
@@ -24606,7 +24605,7 @@
             </a:ln>
             <a:extLst>
               <a:ext uri="{91240B29-F687-4f45-9708-019B960494DF}">
-                <a14:hiddenLine xmlns="" xmlns:p14="http://schemas.microsoft.com/office/powerpoint/2010/main" xmlns:a14="http://schemas.microsoft.com/office/drawing/2010/main" w="9525">
+                <a14:hiddenLine xmlns:a14="http://schemas.microsoft.com/office/drawing/2010/main" xmlns:p14="http://schemas.microsoft.com/office/powerpoint/2010/main" xmlns="" w="9525">
                   <a:solidFill>
                     <a:srgbClr val="000000"/>
                   </a:solidFill>
@@ -24683,7 +24682,7 @@
             </a:ln>
             <a:extLst>
               <a:ext uri="{91240B29-F687-4f45-9708-019B960494DF}">
-                <a14:hiddenLine xmlns="" xmlns:p14="http://schemas.microsoft.com/office/powerpoint/2010/main" xmlns:a14="http://schemas.microsoft.com/office/drawing/2010/main" w="9525">
+                <a14:hiddenLine xmlns:a14="http://schemas.microsoft.com/office/drawing/2010/main" xmlns:p14="http://schemas.microsoft.com/office/powerpoint/2010/main" xmlns="" w="9525">
                   <a:solidFill>
                     <a:srgbClr val="000000"/>
                   </a:solidFill>
@@ -24815,7 +24814,7 @@
             </a:ln>
             <a:extLst>
               <a:ext uri="{91240B29-F687-4f45-9708-019B960494DF}">
-                <a14:hiddenLine xmlns="" xmlns:p14="http://schemas.microsoft.com/office/powerpoint/2010/main" xmlns:a14="http://schemas.microsoft.com/office/drawing/2010/main" w="9525">
+                <a14:hiddenLine xmlns:a14="http://schemas.microsoft.com/office/drawing/2010/main" xmlns:p14="http://schemas.microsoft.com/office/powerpoint/2010/main" xmlns="" w="9525">
                   <a:solidFill>
                     <a:srgbClr val="000000"/>
                   </a:solidFill>
